--- a/lpt_LISA.pptx
+++ b/lpt_LISA.pptx
@@ -300,7 +300,7 @@
           <a:p>
             <a:fld id="{DE0C789A-1381-F54D-B55B-DCBB91319C08}" type="datetimeFigureOut">
               <a:rPr lang="en-US" smtClean="0"/>
-              <a:t>10/29/19</a:t>
+              <a:t>5/21/20</a:t>
             </a:fld>
             <a:endParaRPr lang="en-US"/>
           </a:p>
@@ -477,7 +477,7 @@
           <a:p>
             <a:fld id="{46CB9FDB-056B-6244-AE56-9549F1074EBB}" type="datetimeFigureOut">
               <a:rPr lang="en-US" smtClean="0"/>
-              <a:t>10/29/19</a:t>
+              <a:t>5/21/20</a:t>
             </a:fld>
             <a:endParaRPr lang="en-US"/>
           </a:p>
@@ -1957,7 +1957,7 @@
           <a:p>
             <a:fld id="{524F091B-C9FE-714F-8F5F-8CFB82A747F1}" type="datetime1">
               <a:rPr lang="en-US" smtClean="0"/>
-              <a:t>10/29/19</a:t>
+              <a:t>5/21/20</a:t>
             </a:fld>
             <a:endParaRPr lang="en-US"/>
           </a:p>
@@ -2127,7 +2127,7 @@
           <a:p>
             <a:fld id="{E5121F4C-BC13-F84F-9AD9-260A611D728C}" type="datetime1">
               <a:rPr lang="en-US" smtClean="0"/>
-              <a:t>10/29/19</a:t>
+              <a:t>5/21/20</a:t>
             </a:fld>
             <a:endParaRPr lang="en-US"/>
           </a:p>
@@ -2307,7 +2307,7 @@
           <a:p>
             <a:fld id="{69934431-5E8A-0144-AD3C-F9F3B5843812}" type="datetime1">
               <a:rPr lang="en-US" smtClean="0"/>
-              <a:t>10/29/19</a:t>
+              <a:t>5/21/20</a:t>
             </a:fld>
             <a:endParaRPr lang="en-US"/>
           </a:p>
@@ -2477,7 +2477,7 @@
           <a:p>
             <a:fld id="{4D966F88-1DAF-F94F-A3D2-93E7964825AC}" type="datetime1">
               <a:rPr lang="en-US" smtClean="0"/>
-              <a:t>10/29/19</a:t>
+              <a:t>5/21/20</a:t>
             </a:fld>
             <a:endParaRPr lang="en-US"/>
           </a:p>
@@ -2723,7 +2723,7 @@
           <a:p>
             <a:fld id="{75F67F5F-B354-5B41-A0FF-E33ACFB7B000}" type="datetime1">
               <a:rPr lang="en-US" smtClean="0"/>
-              <a:t>10/29/19</a:t>
+              <a:t>5/21/20</a:t>
             </a:fld>
             <a:endParaRPr lang="en-US"/>
           </a:p>
@@ -2955,7 +2955,7 @@
           <a:p>
             <a:fld id="{1FE71E3D-61C4-AF47-B5F6-80F7A2125094}" type="datetime1">
               <a:rPr lang="en-US" smtClean="0"/>
-              <a:t>10/29/19</a:t>
+              <a:t>5/21/20</a:t>
             </a:fld>
             <a:endParaRPr lang="en-US"/>
           </a:p>
@@ -3322,7 +3322,7 @@
           <a:p>
             <a:fld id="{B7259F95-3E7B-AE48-BD5A-55F4F48F15EE}" type="datetime1">
               <a:rPr lang="en-US" smtClean="0"/>
-              <a:t>10/29/19</a:t>
+              <a:t>5/21/20</a:t>
             </a:fld>
             <a:endParaRPr lang="en-US"/>
           </a:p>
@@ -3440,7 +3440,7 @@
           <a:p>
             <a:fld id="{1E2D71D9-286E-D847-8194-60F3E909E40C}" type="datetime1">
               <a:rPr lang="en-US" smtClean="0"/>
-              <a:t>10/29/19</a:t>
+              <a:t>5/21/20</a:t>
             </a:fld>
             <a:endParaRPr lang="en-US"/>
           </a:p>
@@ -3535,7 +3535,7 @@
           <a:p>
             <a:fld id="{3AC70D76-DA63-C342-B98E-F532027F9CD7}" type="datetime1">
               <a:rPr lang="en-US" smtClean="0"/>
-              <a:t>10/29/19</a:t>
+              <a:t>5/21/20</a:t>
             </a:fld>
             <a:endParaRPr lang="en-US"/>
           </a:p>
@@ -3812,7 +3812,7 @@
           <a:p>
             <a:fld id="{74E169E1-67F4-DE43-8AD1-CF716A32D6D9}" type="datetime1">
               <a:rPr lang="en-US" smtClean="0"/>
-              <a:t>10/29/19</a:t>
+              <a:t>5/21/20</a:t>
             </a:fld>
             <a:endParaRPr lang="en-US"/>
           </a:p>
@@ -4069,7 +4069,7 @@
           <a:p>
             <a:fld id="{EDBC0E13-B072-744E-A1EF-1258C23FD22F}" type="datetime1">
               <a:rPr lang="en-US" smtClean="0"/>
-              <a:t>10/29/19</a:t>
+              <a:t>5/21/20</a:t>
             </a:fld>
             <a:endParaRPr lang="en-US"/>
           </a:p>
@@ -4282,7 +4282,7 @@
           <a:p>
             <a:fld id="{14D54490-4A22-8B41-9AA4-9BECA28CBC89}" type="datetime1">
               <a:rPr lang="en-US" smtClean="0"/>
-              <a:t>10/29/19</a:t>
+              <a:t>5/21/20</a:t>
             </a:fld>
             <a:endParaRPr lang="en-US"/>
           </a:p>
@@ -7226,7 +7226,7 @@
         </p:nvSpPr>
         <p:spPr>
           <a:xfrm>
-            <a:off x="2022179" y="2887133"/>
+            <a:off x="1952438" y="2887133"/>
             <a:ext cx="522900" cy="248209"/>
           </a:xfrm>
           <a:prstGeom prst="rect">
@@ -7262,9 +7262,9 @@
           <p:nvPr/>
         </p:nvCxnSpPr>
         <p:spPr>
-          <a:xfrm flipV="1">
-            <a:off x="2545079" y="3010677"/>
-            <a:ext cx="6297771" cy="561"/>
+          <a:xfrm>
+            <a:off x="2475338" y="3011238"/>
+            <a:ext cx="6350947" cy="0"/>
           </a:xfrm>
           <a:prstGeom prst="straightConnector1">
             <a:avLst/>
@@ -7618,7 +7618,7 @@
         <p:spPr/>
         <p:txBody>
           <a:bodyPr>
-            <a:normAutofit/>
+            <a:normAutofit fontScale="92500"/>
           </a:bodyPr>
           <a:lstStyle/>
           <a:p>
@@ -7671,19 +7671,8 @@
                 <a:latin typeface="Courier New" panose="02070309020205020404" pitchFamily="49" charset="0"/>
                 <a:cs typeface="Courier New" panose="02070309020205020404" pitchFamily="49" charset="0"/>
               </a:rPr>
-              <a:t>/*.</a:t>
-            </a:r>
-            <a:r>
-              <a:rPr lang="en-US" b="1" dirty="0" err="1">
-                <a:latin typeface="Courier New" panose="02070309020205020404" pitchFamily="49" charset="0"/>
-                <a:cs typeface="Courier New" panose="02070309020205020404" pitchFamily="49" charset="0"/>
-              </a:rPr>
-              <a:t>conf</a:t>
-            </a:r>
-            <a:endParaRPr lang="en-US" b="1" dirty="0">
-              <a:latin typeface="Courier New" panose="02070309020205020404" pitchFamily="49" charset="0"/>
-              <a:cs typeface="Courier New" panose="02070309020205020404" pitchFamily="49" charset="0"/>
-            </a:endParaRPr>
+              <a:t>/*.conf</a:t>
+            </a:r>
           </a:p>
           <a:p>
             <a:pPr>
@@ -7721,8 +7710,30 @@
                 <a:latin typeface="Courier New" panose="02070309020205020404" pitchFamily="49" charset="0"/>
                 <a:cs typeface="Courier New" panose="02070309020205020404" pitchFamily="49" charset="0"/>
               </a:rPr>
-              <a:t> ? ?? ???</a:t>
-            </a:r>
+              <a:t> ? ?? ??? </a:t>
+            </a:r>
+            <a:r>
+              <a:rPr lang="en-US" dirty="0">
+                <a:latin typeface="Courier New" panose="02070309020205020404" pitchFamily="49" charset="0"/>
+                <a:cs typeface="Courier New" panose="02070309020205020404" pitchFamily="49" charset="0"/>
+              </a:rPr>
+              <a:t>#list files/</a:t>
+            </a:r>
+            <a:r>
+              <a:rPr lang="en-US" dirty="0" err="1">
+                <a:latin typeface="Courier New" panose="02070309020205020404" pitchFamily="49" charset="0"/>
+                <a:cs typeface="Courier New" panose="02070309020205020404" pitchFamily="49" charset="0"/>
+              </a:rPr>
+              <a:t>dirs</a:t>
+            </a:r>
+            <a:r>
+              <a:rPr lang="en-US" dirty="0">
+                <a:latin typeface="Courier New" panose="02070309020205020404" pitchFamily="49" charset="0"/>
+                <a:cs typeface="Courier New" panose="02070309020205020404" pitchFamily="49" charset="0"/>
+              </a:rPr>
+              <a:t> 1,2 or 3 chars long</a:t>
+            </a:r>
+            <a:endParaRPr lang="en-US" dirty="0"/>
           </a:p>
           <a:p>
             <a:r>
@@ -7740,14 +7751,9 @@
               <a:rPr lang="en-US" dirty="0"/>
               <a:t>) </a:t>
             </a:r>
-            <a:r>
-              <a:rPr lang="en-US" dirty="0" err="1"/>
-              <a:t>eg.</a:t>
-            </a:r>
-            <a:r>
-              <a:rPr lang="en-US" dirty="0"/>
-              <a:t> </a:t>
-            </a:r>
+            <a:br>
+              <a:rPr lang="en-US" dirty="0"/>
+            </a:br>
             <a:r>
               <a:rPr lang="en-US" b="1" dirty="0">
                 <a:latin typeface="Courier New" panose="02070309020205020404" pitchFamily="49" charset="0"/>
@@ -7767,7 +7773,14 @@
                 <a:latin typeface="Courier New" panose="02070309020205020404" pitchFamily="49" charset="0"/>
                 <a:cs typeface="Courier New" panose="02070309020205020404" pitchFamily="49" charset="0"/>
               </a:rPr>
-              <a:t> [!0-9]*</a:t>
+              <a:t> [!0-9]* </a:t>
+            </a:r>
+            <a:r>
+              <a:rPr lang="en-US" dirty="0">
+                <a:latin typeface="Courier New" panose="02070309020205020404" pitchFamily="49" charset="0"/>
+                <a:cs typeface="Courier New" panose="02070309020205020404" pitchFamily="49" charset="0"/>
+              </a:rPr>
+              <a:t>#items that don't start with a number</a:t>
             </a:r>
             <a:endParaRPr lang="en-US" dirty="0"/>
           </a:p>
@@ -7833,7 +7846,7 @@
         </p:nvSpPr>
         <p:spPr>
           <a:xfrm>
-            <a:off x="3559042" y="3918326"/>
+            <a:off x="3411811" y="4003565"/>
             <a:ext cx="155448" cy="498266"/>
           </a:xfrm>
           <a:prstGeom prst="rightBrace">
@@ -7882,7 +7895,7 @@
         </p:nvSpPr>
         <p:spPr>
           <a:xfrm>
-            <a:off x="3658666" y="3948272"/>
+            <a:off x="3526933" y="4041260"/>
             <a:ext cx="1916743" cy="369332"/>
           </a:xfrm>
           <a:prstGeom prst="rect">
@@ -8372,20 +8385,12 @@
               <a:t>cmd</a:t>
             </a:r>
             <a:r>
-              <a:rPr lang="en-US" b="1">
-                <a:latin typeface="Courier New" charset="0"/>
-                <a:ea typeface="Courier New" charset="0"/>
-                <a:cs typeface="Courier New" charset="0"/>
-              </a:rPr>
-              <a:t> #</a:t>
-            </a:r>
-            <a:r>
-              <a:rPr lang="en-US" b="1" dirty="0">
-                <a:latin typeface="Courier New" charset="0"/>
-                <a:ea typeface="Courier New" charset="0"/>
-                <a:cs typeface="Courier New" charset="0"/>
-              </a:rPr>
-              <a:t>tag </a:t>
+              <a:rPr lang="en-US" b="1" dirty="0">
+                <a:latin typeface="Courier New" charset="0"/>
+                <a:ea typeface="Courier New" charset="0"/>
+                <a:cs typeface="Courier New" charset="0"/>
+              </a:rPr>
+              <a:t> #tag </a:t>
             </a:r>
             <a:r>
               <a:rPr lang="en-US" dirty="0">
@@ -8393,7 +8398,7 @@
                 <a:ea typeface="Courier New" charset="0"/>
                 <a:cs typeface="Courier New" charset="0"/>
               </a:rPr>
-              <a:t>to tag a hard to remember command</a:t>
+              <a:t>tag &amp; search hard to remember command</a:t>
             </a:r>
           </a:p>
           <a:p>
@@ -13952,6 +13957,14 @@
             </a:r>
             <a:r>
               <a:rPr lang="en-US" dirty="0"/>
+              <a:t>+/-</a:t>
+            </a:r>
+            <a:r>
+              <a:rPr lang="en-US" dirty="0" err="1"/>
+              <a:t>rwx</a:t>
+            </a:r>
+            <a:r>
+              <a:rPr lang="en-US" dirty="0"/>
               <a:t>)</a:t>
             </a:r>
           </a:p>
@@ -19029,12 +19042,32 @@
               <a:buNone/>
             </a:pPr>
             <a:r>
+              <a:rPr lang="en-US" b="1" dirty="0">
+                <a:latin typeface="Courier" charset="0"/>
+                <a:ea typeface="Courier" charset="0"/>
+                <a:cs typeface="Courier" charset="0"/>
+              </a:rPr>
+              <a:t>sed </a:t>
+            </a:r>
+            <a:r>
+              <a:rPr lang="uk-UA" dirty="0"/>
+              <a:t>'</a:t>
+            </a:r>
+            <a:r>
+              <a:rPr lang="en-US" i="1" dirty="0" err="1">
+                <a:latin typeface="Courier" charset="0"/>
+                <a:ea typeface="Courier" charset="0"/>
+                <a:cs typeface="Courier" charset="0"/>
+              </a:rPr>
+              <a:t>addr</a:t>
+            </a:r>
+            <a:r>
               <a:rPr lang="en-US" b="1" dirty="0" err="1">
                 <a:latin typeface="Courier" charset="0"/>
                 <a:ea typeface="Courier" charset="0"/>
                 <a:cs typeface="Courier" charset="0"/>
               </a:rPr>
-              <a:t>sed</a:t>
+              <a:t>s</a:t>
             </a:r>
             <a:r>
               <a:rPr lang="en-US" b="1" dirty="0">
@@ -19042,19 +19075,7 @@
                 <a:ea typeface="Courier" charset="0"/>
                 <a:cs typeface="Courier" charset="0"/>
               </a:rPr>
-              <a:t> </a:t>
-            </a:r>
-            <a:r>
-              <a:rPr lang="uk-UA" dirty="0"/>
-              <a:t>'</a:t>
-            </a:r>
-            <a:r>
-              <a:rPr lang="en-US" b="1" dirty="0">
-                <a:latin typeface="Courier" charset="0"/>
-                <a:ea typeface="Courier" charset="0"/>
-                <a:cs typeface="Courier" charset="0"/>
-              </a:rPr>
-              <a:t>s/New/Old/g</a:t>
+              <a:t>/New/Old/g</a:t>
             </a:r>
             <a:r>
               <a:rPr lang="uk-UA" dirty="0"/>
@@ -19115,7 +19136,7 @@
         </p:nvCxnSpPr>
         <p:spPr>
           <a:xfrm>
-            <a:off x="3696162" y="2335448"/>
+            <a:off x="4013874" y="2335448"/>
             <a:ext cx="0" cy="539496"/>
           </a:xfrm>
           <a:prstGeom prst="straightConnector1">
@@ -19151,7 +19172,7 @@
         </p:nvSpPr>
         <p:spPr>
           <a:xfrm>
-            <a:off x="3726162" y="3583047"/>
+            <a:off x="4043872" y="3583047"/>
             <a:ext cx="482824" cy="248209"/>
           </a:xfrm>
           <a:prstGeom prst="rect">
@@ -19181,7 +19202,7 @@
         </p:nvSpPr>
         <p:spPr>
           <a:xfrm>
-            <a:off x="5452690" y="3584448"/>
+            <a:off x="5801399" y="3584448"/>
             <a:ext cx="659155" cy="248209"/>
           </a:xfrm>
           <a:prstGeom prst="rect">
@@ -19210,7 +19231,7 @@
         </p:nvSpPr>
         <p:spPr>
           <a:xfrm>
-            <a:off x="3428093" y="2062275"/>
+            <a:off x="3745805" y="2023530"/>
             <a:ext cx="474810" cy="248209"/>
           </a:xfrm>
           <a:prstGeom prst="rect">
@@ -19239,7 +19260,7 @@
         </p:nvSpPr>
         <p:spPr>
           <a:xfrm>
-            <a:off x="4012951" y="2038870"/>
+            <a:off x="4330663" y="2038870"/>
             <a:ext cx="574196" cy="248209"/>
           </a:xfrm>
           <a:prstGeom prst="rect">
@@ -19270,7 +19291,7 @@
         </p:nvCxnSpPr>
         <p:spPr>
           <a:xfrm flipV="1">
-            <a:off x="3979425" y="3125239"/>
+            <a:off x="4281638" y="3125239"/>
             <a:ext cx="0" cy="457808"/>
           </a:xfrm>
           <a:prstGeom prst="straightConnector1">
@@ -19308,7 +19329,7 @@
         </p:nvCxnSpPr>
         <p:spPr>
           <a:xfrm flipV="1">
-            <a:off x="3975323" y="3125239"/>
+            <a:off x="4277536" y="3125239"/>
             <a:ext cx="640672" cy="457808"/>
           </a:xfrm>
           <a:prstGeom prst="straightConnector1">
@@ -19346,7 +19367,7 @@
         </p:nvCxnSpPr>
         <p:spPr>
           <a:xfrm flipH="1" flipV="1">
-            <a:off x="3378112" y="3137463"/>
+            <a:off x="3680325" y="3137463"/>
             <a:ext cx="597211" cy="437835"/>
           </a:xfrm>
           <a:prstGeom prst="straightConnector1">
@@ -19382,7 +19403,7 @@
         </p:nvCxnSpPr>
         <p:spPr>
           <a:xfrm>
-            <a:off x="4336006" y="2304062"/>
+            <a:off x="4653718" y="2304062"/>
             <a:ext cx="0" cy="539496"/>
           </a:xfrm>
           <a:prstGeom prst="straightConnector1">
@@ -19418,7 +19439,7 @@
         </p:nvCxnSpPr>
         <p:spPr>
           <a:xfrm flipH="1" flipV="1">
-            <a:off x="5836929" y="3158855"/>
+            <a:off x="6139144" y="3158855"/>
             <a:ext cx="0" cy="411480"/>
           </a:xfrm>
           <a:prstGeom prst="straightConnector1">
@@ -19454,7 +19475,7 @@
         </p:nvSpPr>
         <p:spPr>
           <a:xfrm>
-            <a:off x="4439102" y="3587524"/>
+            <a:off x="4818810" y="3587524"/>
             <a:ext cx="636713" cy="248209"/>
           </a:xfrm>
           <a:prstGeom prst="rect">
@@ -19469,10 +19490,9 @@
           <a:lstStyle/>
           <a:p>
             <a:r>
-              <a:rPr lang="en-US" sz="1013"/>
+              <a:rPr lang="en-US" sz="1013" dirty="0"/>
               <a:t>modifier</a:t>
             </a:r>
-            <a:endParaRPr lang="en-US" sz="1013" dirty="0"/>
           </a:p>
         </p:txBody>
       </p:sp>
@@ -19484,7 +19504,7 @@
         </p:nvCxnSpPr>
         <p:spPr>
           <a:xfrm flipH="1" flipV="1">
-            <a:off x="4806915" y="3181226"/>
+            <a:off x="5132376" y="3181226"/>
             <a:ext cx="0" cy="411480"/>
           </a:xfrm>
           <a:prstGeom prst="straightConnector1">
@@ -19520,7 +19540,7 @@
         </p:nvSpPr>
         <p:spPr>
           <a:xfrm>
-            <a:off x="2774775" y="3550586"/>
+            <a:off x="3162229" y="3550586"/>
             <a:ext cx="716863" cy="248209"/>
           </a:xfrm>
           <a:prstGeom prst="rect">
@@ -19549,7 +19569,7 @@
         </p:nvCxnSpPr>
         <p:spPr>
           <a:xfrm flipH="1" flipV="1">
-            <a:off x="3199738" y="3125238"/>
+            <a:off x="3525201" y="3140736"/>
             <a:ext cx="0" cy="411480"/>
           </a:xfrm>
           <a:prstGeom prst="straightConnector1">
@@ -19577,6 +19597,83 @@
           </a:fontRef>
         </p:style>
       </p:cxnSp>
+      <p:cxnSp>
+        <p:nvCxnSpPr>
+          <p:cNvPr id="20" name="Straight Arrow Connector 19">
+            <a:extLst>
+              <a:ext uri="{FF2B5EF4-FFF2-40B4-BE49-F238E27FC236}">
+                <a16:creationId xmlns:a16="http://schemas.microsoft.com/office/drawing/2014/main" id="{7B00DCE6-88C5-1945-8868-9A5C81085F70}"/>
+              </a:ext>
+            </a:extLst>
+          </p:cNvPr>
+          <p:cNvCxnSpPr/>
+          <p:nvPr/>
+        </p:nvCxnSpPr>
+        <p:spPr>
+          <a:xfrm>
+            <a:off x="3109057" y="2278235"/>
+            <a:ext cx="0" cy="539496"/>
+          </a:xfrm>
+          <a:prstGeom prst="straightConnector1">
+            <a:avLst/>
+          </a:prstGeom>
+          <a:ln w="31750">
+            <a:solidFill>
+              <a:schemeClr val="tx1"/>
+            </a:solidFill>
+            <a:tailEnd type="triangle"/>
+          </a:ln>
+        </p:spPr>
+        <p:style>
+          <a:lnRef idx="1">
+            <a:schemeClr val="accent1"/>
+          </a:lnRef>
+          <a:fillRef idx="0">
+            <a:schemeClr val="accent1"/>
+          </a:fillRef>
+          <a:effectRef idx="0">
+            <a:schemeClr val="accent1"/>
+          </a:effectRef>
+          <a:fontRef idx="minor">
+            <a:schemeClr val="tx1"/>
+          </a:fontRef>
+        </p:style>
+      </p:cxnSp>
+      <p:sp>
+        <p:nvSpPr>
+          <p:cNvPr id="21" name="TextBox 20">
+            <a:extLst>
+              <a:ext uri="{FF2B5EF4-FFF2-40B4-BE49-F238E27FC236}">
+                <a16:creationId xmlns:a16="http://schemas.microsoft.com/office/drawing/2014/main" id="{CB175A9E-6AC5-C844-A8F1-CCC5A72FC830}"/>
+              </a:ext>
+            </a:extLst>
+          </p:cNvPr>
+          <p:cNvSpPr txBox="1"/>
+          <p:nvPr/>
+        </p:nvSpPr>
+        <p:spPr>
+          <a:xfrm>
+            <a:off x="2810937" y="2021427"/>
+            <a:ext cx="596638" cy="248209"/>
+          </a:xfrm>
+          <a:prstGeom prst="rect">
+            <a:avLst/>
+          </a:prstGeom>
+          <a:noFill/>
+        </p:spPr>
+        <p:txBody>
+          <a:bodyPr wrap="none" rtlCol="0">
+            <a:spAutoFit/>
+          </a:bodyPr>
+          <a:lstStyle/>
+          <a:p>
+            <a:r>
+              <a:rPr lang="en-US" sz="1013" dirty="0"/>
+              <a:t>address</a:t>
+            </a:r>
+          </a:p>
+        </p:txBody>
+      </p:sp>
     </p:spTree>
     <p:extLst>
       <p:ext uri="{BB962C8B-B14F-4D97-AF65-F5344CB8AC3E}">
@@ -19642,12 +19739,14 @@
         </p:nvSpPr>
         <p:spPr/>
         <p:txBody>
-          <a:bodyPr/>
-          <a:lstStyle/>
-          <a:p>
-            <a:r>
-              <a:rPr lang="en-US" dirty="0"/>
-              <a:t>address: may be a line number or a range, defaults to whole file</a:t>
+          <a:bodyPr>
+            <a:normAutofit/>
+          </a:bodyPr>
+          <a:lstStyle/>
+          <a:p>
+            <a:r>
+              <a:rPr lang="en-US" dirty="0"/>
+              <a:t>address: may be a line number, range, or a match; default: whole file</a:t>
             </a:r>
           </a:p>
           <a:p>
@@ -20018,7 +20117,7 @@
         </p:spPr>
         <p:txBody>
           <a:bodyPr>
-            <a:normAutofit/>
+            <a:normAutofit fontScale="92500" lnSpcReduction="10000"/>
           </a:bodyPr>
           <a:lstStyle/>
           <a:p>
@@ -20099,6 +20198,56 @@
               <a:ea typeface="Courier New" charset="0"/>
               <a:cs typeface="Courier New" charset="0"/>
             </a:endParaRPr>
+          </a:p>
+          <a:p>
+            <a:r>
+              <a:rPr lang="en-US" sz="1800" b="1" dirty="0">
+                <a:latin typeface="Courier New" charset="0"/>
+                <a:ea typeface="Courier New" charset="0"/>
+                <a:cs typeface="Courier New" charset="0"/>
+              </a:rPr>
+              <a:t>sed '20,30s|New|Old|1' </a:t>
+            </a:r>
+            <a:r>
+              <a:rPr lang="en-US" sz="1800" b="1" dirty="0" err="1">
+                <a:latin typeface="Courier New" charset="0"/>
+                <a:ea typeface="Courier New" charset="0"/>
+                <a:cs typeface="Courier New" charset="0"/>
+              </a:rPr>
+              <a:t>states.txt</a:t>
+            </a:r>
+            <a:r>
+              <a:rPr lang="en-US" sz="1800" b="1" dirty="0">
+                <a:latin typeface="Courier New" charset="0"/>
+                <a:ea typeface="Courier New" charset="0"/>
+                <a:cs typeface="Courier New" charset="0"/>
+              </a:rPr>
+              <a:t> </a:t>
+            </a:r>
+            <a:r>
+              <a:rPr lang="en-US" sz="1300" dirty="0">
+                <a:latin typeface="Courier New" charset="0"/>
+                <a:ea typeface="Courier New" charset="0"/>
+                <a:cs typeface="Courier New" charset="0"/>
+              </a:rPr>
+              <a:t>#affects 1</a:t>
+            </a:r>
+            <a:r>
+              <a:rPr lang="en-US" sz="1300" baseline="30000" dirty="0">
+                <a:latin typeface="Courier New" charset="0"/>
+                <a:ea typeface="Courier New" charset="0"/>
+                <a:cs typeface="Courier New" charset="0"/>
+              </a:rPr>
+              <a:t>st</a:t>
+            </a:r>
+            <a:r>
+              <a:rPr lang="en-US" sz="1300" dirty="0">
+                <a:latin typeface="Courier New" charset="0"/>
+                <a:ea typeface="Courier New" charset="0"/>
+                <a:cs typeface="Courier New" charset="0"/>
+              </a:rPr>
+              <a:t> occurrence in ln20-30</a:t>
+            </a:r>
           </a:p>
           <a:p>
             <a:r>
@@ -25883,8 +26032,21 @@
                 <a:ea typeface="Courier New" charset="0"/>
                 <a:cs typeface="Courier New" charset="0"/>
               </a:rPr>
-              <a:t>=$(PWD)</a:t>
-            </a:r>
+              <a:t>=$(</a:t>
+            </a:r>
+            <a:r>
+              <a:rPr lang="en-US" b="1">
+                <a:latin typeface="Courier New" charset="0"/>
+                <a:ea typeface="Courier New" charset="0"/>
+                <a:cs typeface="Courier New" charset="0"/>
+              </a:rPr>
+              <a:t>pwd)</a:t>
+            </a:r>
+            <a:endParaRPr lang="en-US" b="1" dirty="0">
+              <a:latin typeface="Courier New" charset="0"/>
+              <a:ea typeface="Courier New" charset="0"/>
+              <a:cs typeface="Courier New" charset="0"/>
+            </a:endParaRPr>
           </a:p>
           <a:p>
             <a:pPr lvl="1"/>
@@ -30472,9 +30634,37 @@
                 <a:latin typeface="Courier New" panose="02070309020205020404" pitchFamily="49" charset="0"/>
                 <a:cs typeface="Courier New" panose="02070309020205020404" pitchFamily="49" charset="0"/>
               </a:rPr>
-              <a:t> rand 8 -base64 | cut -c1-8</a:t>
-            </a:r>
-            <a:endParaRPr lang="en-US" sz="975" b="1" dirty="0">
+              <a:t> rand 8 -base64 | cut -c1-8 </a:t>
+            </a:r>
+            <a:r>
+              <a:rPr lang="en-US" sz="1700" dirty="0">
+                <a:latin typeface="Courier New" panose="02070309020205020404" pitchFamily="49" charset="0"/>
+                <a:cs typeface="Courier New" panose="02070309020205020404" pitchFamily="49" charset="0"/>
+              </a:rPr>
+              <a:t>#-base64 8 for some </a:t>
+            </a:r>
+            <a:r>
+              <a:rPr lang="en-US" sz="1700" dirty="0" err="1">
+                <a:latin typeface="Courier New" panose="02070309020205020404" pitchFamily="49" charset="0"/>
+                <a:cs typeface="Courier New" panose="02070309020205020404" pitchFamily="49" charset="0"/>
+              </a:rPr>
+              <a:t>vers</a:t>
+            </a:r>
+            <a:r>
+              <a:rPr lang="en-US" sz="1700" dirty="0">
+                <a:latin typeface="Courier New" panose="02070309020205020404" pitchFamily="49" charset="0"/>
+                <a:cs typeface="Courier New" panose="02070309020205020404" pitchFamily="49" charset="0"/>
+              </a:rPr>
+              <a:t> of </a:t>
+            </a:r>
+            <a:r>
+              <a:rPr lang="en-US" sz="1700" dirty="0" err="1">
+                <a:latin typeface="Courier New" panose="02070309020205020404" pitchFamily="49" charset="0"/>
+                <a:cs typeface="Courier New" panose="02070309020205020404" pitchFamily="49" charset="0"/>
+              </a:rPr>
+              <a:t>openssl</a:t>
+            </a:r>
+            <a:endParaRPr lang="en-US" sz="975" dirty="0">
               <a:latin typeface="Courier New" panose="02070309020205020404" pitchFamily="49" charset="0"/>
               <a:cs typeface="Courier New" panose="02070309020205020404" pitchFamily="49" charset="0"/>
             </a:endParaRPr>

--- a/lpt_LISA.pptx
+++ b/lpt_LISA.pptx
@@ -16748,7 +16748,7 @@
         </p:spPr>
         <p:txBody>
           <a:bodyPr>
-            <a:normAutofit lnSpcReduction="10000"/>
+            <a:normAutofit/>
           </a:bodyPr>
           <a:lstStyle/>
           <a:p>
@@ -16831,13 +16831,6 @@
               </a:rPr>
               <a:t>prose.txt</a:t>
             </a:r>
-            <a:endParaRPr lang="en-US" sz="1800" b="1" dirty="0">
-              <a:latin typeface="Courier New" charset="0"/>
-              <a:ea typeface="Courier New" charset="0"/>
-              <a:cs typeface="Courier New" charset="0"/>
-            </a:endParaRPr>
-          </a:p>
-          <a:p>
             <a:endParaRPr lang="en-US" sz="1800" dirty="0"/>
           </a:p>
           <a:p>
@@ -16890,13 +16883,6 @@
               </a:rPr>
               <a:t>prose.txt</a:t>
             </a:r>
-            <a:endParaRPr lang="en-US" sz="1500" b="1" dirty="0">
-              <a:latin typeface="Courier New" charset="0"/>
-              <a:ea typeface="Courier New" charset="0"/>
-              <a:cs typeface="Courier New" charset="0"/>
-            </a:endParaRPr>
-          </a:p>
-          <a:p>
             <a:endParaRPr lang="en-US" sz="1800" dirty="0">
               <a:ea typeface="Courier New" charset="0"/>
               <a:cs typeface="Courier New" charset="0"/>
@@ -16936,9 +16922,90 @@
               </a:rPr>
               <a:t>history | grep '#success'</a:t>
             </a:r>
-          </a:p>
-          <a:p>
             <a:endParaRPr lang="en-US" sz="1800" dirty="0"/>
+          </a:p>
+          <a:p>
+            <a:r>
+              <a:rPr lang="en-US" sz="1800" dirty="0"/>
+              <a:t>Confirm you got an ambiguous spelling right</a:t>
+            </a:r>
+            <a:br>
+              <a:rPr lang="en-US" sz="1800" dirty="0"/>
+            </a:br>
+            <a:r>
+              <a:rPr lang="en-US" sz="1800" b="1" dirty="0">
+                <a:latin typeface="Courier New" panose="02070309020205020404" pitchFamily="49" charset="0"/>
+                <a:cs typeface="Courier New" panose="02070309020205020404" pitchFamily="49" charset="0"/>
+              </a:rPr>
+              <a:t>grep -E '^</a:t>
+            </a:r>
+            <a:r>
+              <a:rPr lang="en-US" sz="1800" b="1" dirty="0" err="1">
+                <a:latin typeface="Courier New" panose="02070309020205020404" pitchFamily="49" charset="0"/>
+                <a:cs typeface="Courier New" panose="02070309020205020404" pitchFamily="49" charset="0"/>
+              </a:rPr>
+              <a:t>ambig</a:t>
+            </a:r>
+            <a:r>
+              <a:rPr lang="en-US" sz="1800" b="1" dirty="0">
+                <a:latin typeface="Courier New" panose="02070309020205020404" pitchFamily="49" charset="0"/>
+                <a:cs typeface="Courier New" panose="02070309020205020404" pitchFamily="49" charset="0"/>
+              </a:rPr>
+              <a:t>(</a:t>
+            </a:r>
+            <a:r>
+              <a:rPr lang="en-US" sz="1800" b="1" dirty="0" err="1">
+                <a:latin typeface="Courier New" panose="02070309020205020404" pitchFamily="49" charset="0"/>
+                <a:cs typeface="Courier New" panose="02070309020205020404" pitchFamily="49" charset="0"/>
+              </a:rPr>
+              <a:t>uou|ou|ouo</a:t>
+            </a:r>
+            <a:r>
+              <a:rPr lang="en-US" sz="1800" b="1" dirty="0">
+                <a:latin typeface="Courier New" panose="02070309020205020404" pitchFamily="49" charset="0"/>
+                <a:cs typeface="Courier New" panose="02070309020205020404" pitchFamily="49" charset="0"/>
+              </a:rPr>
+              <a:t>)s$' /</a:t>
+            </a:r>
+            <a:r>
+              <a:rPr lang="en-US" sz="1800" b="1" dirty="0" err="1">
+                <a:latin typeface="Courier New" panose="02070309020205020404" pitchFamily="49" charset="0"/>
+                <a:cs typeface="Courier New" panose="02070309020205020404" pitchFamily="49" charset="0"/>
+              </a:rPr>
+              <a:t>usr</a:t>
+            </a:r>
+            <a:r>
+              <a:rPr lang="en-US" sz="1800" b="1" dirty="0">
+                <a:latin typeface="Courier New" panose="02070309020205020404" pitchFamily="49" charset="0"/>
+                <a:cs typeface="Courier New" panose="02070309020205020404" pitchFamily="49" charset="0"/>
+              </a:rPr>
+              <a:t>/share/</a:t>
+            </a:r>
+            <a:r>
+              <a:rPr lang="en-US" sz="1800" b="1" dirty="0" err="1">
+                <a:latin typeface="Courier New" panose="02070309020205020404" pitchFamily="49" charset="0"/>
+                <a:cs typeface="Courier New" panose="02070309020205020404" pitchFamily="49" charset="0"/>
+              </a:rPr>
+              <a:t>dict</a:t>
+            </a:r>
+            <a:r>
+              <a:rPr lang="en-US" sz="1800" b="1" dirty="0">
+                <a:latin typeface="Courier New" panose="02070309020205020404" pitchFamily="49" charset="0"/>
+                <a:cs typeface="Courier New" panose="02070309020205020404" pitchFamily="49" charset="0"/>
+              </a:rPr>
+              <a:t>/</a:t>
+            </a:r>
+            <a:r>
+              <a:rPr lang="en-US" sz="1800" b="1" dirty="0" err="1">
+                <a:latin typeface="Courier New" panose="02070309020205020404" pitchFamily="49" charset="0"/>
+                <a:cs typeface="Courier New" panose="02070309020205020404" pitchFamily="49" charset="0"/>
+              </a:rPr>
+              <a:t>linux.words</a:t>
+            </a:r>
+            <a:endParaRPr lang="en-US" sz="1800" b="1" dirty="0">
+              <a:latin typeface="Courier New" panose="02070309020205020404" pitchFamily="49" charset="0"/>
+              <a:cs typeface="Courier New" panose="02070309020205020404" pitchFamily="49" charset="0"/>
+            </a:endParaRPr>
           </a:p>
           <a:p>
             <a:r>
@@ -29950,7 +30017,9 @@
         </p:nvSpPr>
         <p:spPr/>
         <p:txBody>
-          <a:bodyPr/>
+          <a:bodyPr>
+            <a:normAutofit lnSpcReduction="10000"/>
+          </a:bodyPr>
           <a:lstStyle/>
           <a:p>
             <a:r>
@@ -29989,7 +30058,48 @@
           <a:p>
             <a:r>
               <a:rPr lang="en-US" dirty="0"/>
-              <a:t>Run small programs</a:t>
+              <a:t>Pretty print a json file</a:t>
+            </a:r>
+          </a:p>
+          <a:p>
+            <a:pPr lvl="1"/>
+            <a:r>
+              <a:rPr lang="en-US" b="1" dirty="0">
+                <a:latin typeface="Courier New" panose="02070309020205020404" pitchFamily="49" charset="0"/>
+                <a:cs typeface="Courier New" panose="02070309020205020404" pitchFamily="49" charset="0"/>
+              </a:rPr>
+              <a:t>python3 -m </a:t>
+            </a:r>
+            <a:r>
+              <a:rPr lang="en-US" b="1" dirty="0" err="1">
+                <a:latin typeface="Courier New" panose="02070309020205020404" pitchFamily="49" charset="0"/>
+                <a:cs typeface="Courier New" panose="02070309020205020404" pitchFamily="49" charset="0"/>
+              </a:rPr>
+              <a:t>json.tool</a:t>
+            </a:r>
+            <a:r>
+              <a:rPr lang="en-US" b="1" dirty="0">
+                <a:latin typeface="Courier New" panose="02070309020205020404" pitchFamily="49" charset="0"/>
+                <a:cs typeface="Courier New" panose="02070309020205020404" pitchFamily="49" charset="0"/>
+              </a:rPr>
+              <a:t> </a:t>
+            </a:r>
+            <a:r>
+              <a:rPr lang="en-US" b="1" dirty="0" err="1">
+                <a:latin typeface="Courier New" panose="02070309020205020404" pitchFamily="49" charset="0"/>
+                <a:cs typeface="Courier New" panose="02070309020205020404" pitchFamily="49" charset="0"/>
+              </a:rPr>
+              <a:t>afile.json</a:t>
+            </a:r>
+            <a:endParaRPr lang="en-US" b="1" dirty="0">
+              <a:latin typeface="Courier New" panose="02070309020205020404" pitchFamily="49" charset="0"/>
+              <a:cs typeface="Courier New" panose="02070309020205020404" pitchFamily="49" charset="0"/>
+            </a:endParaRPr>
+          </a:p>
+          <a:p>
+            <a:r>
+              <a:rPr lang="en-US" dirty="0"/>
+              <a:t>Run small python programs</a:t>
             </a:r>
           </a:p>
           <a:p>
@@ -30215,7 +30325,7 @@
         <p:spPr/>
         <p:txBody>
           <a:bodyPr>
-            <a:normAutofit lnSpcReduction="10000"/>
+            <a:normAutofit fontScale="92500" lnSpcReduction="10000"/>
           </a:bodyPr>
           <a:lstStyle/>
           <a:p>
@@ -30295,7 +30405,14 @@
                 <a:ea typeface="Courier New" charset="0"/>
                 <a:cs typeface="Courier New" charset="0"/>
               </a:rPr>
-              <a:t>yes </a:t>
+              <a:t>yes</a:t>
+            </a:r>
+            <a:r>
+              <a:rPr lang="en-US" b="1" dirty="0">
+                <a:ea typeface="Courier New" charset="0"/>
+                <a:cs typeface="Courier New" charset="0"/>
+              </a:rPr>
+              <a:t> </a:t>
             </a:r>
             <a:r>
               <a:rPr lang="en-US" dirty="0">
@@ -30334,11 +30451,22 @@
               </a:rPr>
               <a:t>testfile.txt</a:t>
             </a:r>
-            <a:endParaRPr lang="en-US" b="1" dirty="0">
-              <a:latin typeface="Courier New" charset="0"/>
-              <a:ea typeface="Courier New" charset="0"/>
-              <a:cs typeface="Courier New" charset="0"/>
-            </a:endParaRPr>
+            <a:r>
+              <a:rPr lang="en-US" b="1" dirty="0">
+                <a:latin typeface="Courier New" charset="0"/>
+                <a:ea typeface="Courier New" charset="0"/>
+                <a:cs typeface="Courier New" charset="0"/>
+              </a:rPr>
+              <a:t> </a:t>
+            </a:r>
+            <a:r>
+              <a:rPr lang="en-US" dirty="0">
+                <a:latin typeface="Courier New" charset="0"/>
+                <a:ea typeface="Courier New" charset="0"/>
+                <a:cs typeface="Courier New" charset="0"/>
+              </a:rPr>
+              <a:t># create file with arbitrary no. of lines</a:t>
+            </a:r>
           </a:p>
           <a:p>
             <a:r>
@@ -30535,7 +30663,7 @@
           <a:p>
             <a:r>
               <a:rPr lang="en-US" dirty="0"/>
-              <a:t>Run a command as a different group</a:t>
+              <a:t>Run a command as a different Linux group</a:t>
             </a:r>
           </a:p>
           <a:p>
@@ -30585,10 +30713,7 @@
               </a:rPr>
               <a:t>filename.csv</a:t>
             </a:r>
-            <a:endParaRPr lang="en-US" b="1" dirty="0">
-              <a:latin typeface="Courier New" panose="02070309020205020404" pitchFamily="49" charset="0"/>
-              <a:cs typeface="Courier New" panose="02070309020205020404" pitchFamily="49" charset="0"/>
-            </a:endParaRPr>
+            <a:endParaRPr lang="en-US" dirty="0"/>
           </a:p>
           <a:p>
             <a:r>
@@ -30637,73 +30762,12 @@
               <a:t> rand 8 -base64 | cut -c1-8 </a:t>
             </a:r>
             <a:r>
-              <a:rPr lang="en-US" sz="1700" dirty="0">
-                <a:latin typeface="Courier New" panose="02070309020205020404" pitchFamily="49" charset="0"/>
-                <a:cs typeface="Courier New" panose="02070309020205020404" pitchFamily="49" charset="0"/>
-              </a:rPr>
-              <a:t>#-base64 8 for some </a:t>
-            </a:r>
-            <a:r>
-              <a:rPr lang="en-US" sz="1700" dirty="0" err="1">
-                <a:latin typeface="Courier New" panose="02070309020205020404" pitchFamily="49" charset="0"/>
-                <a:cs typeface="Courier New" panose="02070309020205020404" pitchFamily="49" charset="0"/>
-              </a:rPr>
-              <a:t>vers</a:t>
-            </a:r>
-            <a:r>
-              <a:rPr lang="en-US" sz="1700" dirty="0">
-                <a:latin typeface="Courier New" panose="02070309020205020404" pitchFamily="49" charset="0"/>
-                <a:cs typeface="Courier New" panose="02070309020205020404" pitchFamily="49" charset="0"/>
-              </a:rPr>
-              <a:t> of </a:t>
-            </a:r>
-            <a:r>
-              <a:rPr lang="en-US" sz="1700" dirty="0" err="1">
-                <a:latin typeface="Courier New" panose="02070309020205020404" pitchFamily="49" charset="0"/>
-                <a:cs typeface="Courier New" panose="02070309020205020404" pitchFamily="49" charset="0"/>
-              </a:rPr>
-              <a:t>openssl</a:t>
-            </a:r>
-            <a:endParaRPr lang="en-US" sz="975" dirty="0">
-              <a:latin typeface="Courier New" panose="02070309020205020404" pitchFamily="49" charset="0"/>
-              <a:cs typeface="Courier New" panose="02070309020205020404" pitchFamily="49" charset="0"/>
-            </a:endParaRPr>
-          </a:p>
-          <a:p>
-            <a:pPr lvl="1"/>
-            <a:r>
-              <a:rPr lang="en-US" b="1" dirty="0" err="1">
-                <a:latin typeface="Courier New" panose="02070309020205020404" pitchFamily="49" charset="0"/>
-                <a:cs typeface="Courier New" panose="02070309020205020404" pitchFamily="49" charset="0"/>
-              </a:rPr>
-              <a:t>pwgen</a:t>
-            </a:r>
-            <a:r>
-              <a:rPr lang="en-US" b="1" dirty="0">
-                <a:latin typeface="Courier New" panose="02070309020205020404" pitchFamily="49" charset="0"/>
-                <a:cs typeface="Courier New" panose="02070309020205020404" pitchFamily="49" charset="0"/>
-              </a:rPr>
-              <a:t> </a:t>
-            </a:r>
-            <a:r>
-              <a:rPr lang="en-US" dirty="0">
-                <a:latin typeface="Courier New" panose="02070309020205020404" pitchFamily="49" charset="0"/>
-                <a:cs typeface="Courier New" panose="02070309020205020404" pitchFamily="49" charset="0"/>
-              </a:rPr>
-              <a:t># may not be available by default</a:t>
-            </a:r>
-            <a:br>
-              <a:rPr lang="en-US" dirty="0">
-                <a:latin typeface="Courier New" panose="02070309020205020404" pitchFamily="49" charset="0"/>
-                <a:cs typeface="Courier New" panose="02070309020205020404" pitchFamily="49" charset="0"/>
-              </a:rPr>
-            </a:br>
-            <a:endParaRPr lang="en-US" dirty="0">
-              <a:cs typeface="Courier New" panose="02070309020205020404" pitchFamily="49" charset="0"/>
-            </a:endParaRPr>
-          </a:p>
-          <a:p>
-            <a:endParaRPr lang="en-US" dirty="0"/>
+              <a:rPr lang="en-US" sz="1200" dirty="0">
+                <a:latin typeface="Courier New" panose="02070309020205020404" pitchFamily="49" charset="0"/>
+                <a:cs typeface="Courier New" panose="02070309020205020404" pitchFamily="49" charset="0"/>
+              </a:rPr>
+              <a:t>#-base64 8 for some versions</a:t>
+            </a:r>
           </a:p>
         </p:txBody>
       </p:sp>
@@ -31311,7 +31375,7 @@
           </a:p>
           <a:p>
             <a:r>
-              <a:rPr lang="en-US" dirty="0">
+              <a:rPr lang="en-US" dirty="0" err="1">
                 <a:hlinkClick r:id="rId6"/>
               </a:rPr>
               <a:t>wizardzines.com</a:t>
@@ -33051,42 +33115,47 @@
             </a:r>
           </a:p>
           <a:p>
+            <a:pPr marL="342900" lvl="1" indent="0">
+              <a:buNone/>
+            </a:pPr>
+            <a:r>
+              <a:rPr lang="en-US" dirty="0"/>
+              <a:t>Hints:</a:t>
+            </a:r>
+          </a:p>
+          <a:p>
             <a:pPr lvl="1"/>
-            <a:endParaRPr lang="en-US" dirty="0"/>
+            <a:r>
+              <a:rPr lang="en-US" dirty="0"/>
+              <a:t>Replace the </a:t>
+            </a:r>
+            <a:r>
+              <a:rPr lang="en-US" b="1" dirty="0">
+                <a:latin typeface="Courier New" panose="02070309020205020404" pitchFamily="49" charset="0"/>
+                <a:cs typeface="Courier New" panose="02070309020205020404" pitchFamily="49" charset="0"/>
+              </a:rPr>
+              <a:t>cut</a:t>
+            </a:r>
+            <a:r>
+              <a:rPr lang="en-US" dirty="0"/>
+              <a:t> commands with </a:t>
+            </a:r>
+            <a:r>
+              <a:rPr lang="en-US" b="1" dirty="0" err="1">
+                <a:latin typeface="Courier New" panose="02070309020205020404" pitchFamily="49" charset="0"/>
+                <a:cs typeface="Courier New" panose="02070309020205020404" pitchFamily="49" charset="0"/>
+              </a:rPr>
+              <a:t>awk</a:t>
+            </a:r>
+            <a:r>
+              <a:rPr lang="en-US" dirty="0"/>
+              <a:t> commands</a:t>
+            </a:r>
           </a:p>
           <a:p>
             <a:pPr lvl="1"/>
             <a:r>
               <a:rPr lang="en-US" dirty="0"/>
-              <a:t>Replace the </a:t>
-            </a:r>
-            <a:r>
-              <a:rPr lang="en-US" b="1" dirty="0">
-                <a:latin typeface="Courier New" panose="02070309020205020404" pitchFamily="49" charset="0"/>
-                <a:cs typeface="Courier New" panose="02070309020205020404" pitchFamily="49" charset="0"/>
-              </a:rPr>
-              <a:t>cut</a:t>
-            </a:r>
-            <a:r>
-              <a:rPr lang="en-US" dirty="0"/>
-              <a:t> commands with </a:t>
-            </a:r>
-            <a:r>
-              <a:rPr lang="en-US" b="1" dirty="0" err="1">
-                <a:latin typeface="Courier New" panose="02070309020205020404" pitchFamily="49" charset="0"/>
-                <a:cs typeface="Courier New" panose="02070309020205020404" pitchFamily="49" charset="0"/>
-              </a:rPr>
-              <a:t>awk</a:t>
-            </a:r>
-            <a:r>
-              <a:rPr lang="en-US" dirty="0"/>
-              <a:t> commands</a:t>
-            </a:r>
-          </a:p>
-          <a:p>
-            <a:pPr lvl="1"/>
-            <a:r>
-              <a:rPr lang="en-US" dirty="0"/>
               <a:t>Accommodate the </a:t>
             </a:r>
             <a:r>
@@ -33098,7 +33167,7 @@
             </a:r>
             <a:r>
               <a:rPr lang="en-US" dirty="0"/>
-              <a:t> with the </a:t>
+              <a:t> within </a:t>
             </a:r>
             <a:r>
               <a:rPr lang="en-US" b="1" dirty="0" err="1">
@@ -34379,7 +34448,7 @@
             </a:r>
             <a:r>
               <a:rPr lang="en-US" dirty="0"/>
-              <a:t> directory, add the contents presented in previous slides to it. How will you test if it works?</a:t>
+              <a:t> directory, make appropriate changes and add the contents presented in previous slides to it. How will you test if it works?</a:t>
             </a:r>
           </a:p>
           <a:p>

--- a/lpt_LISA.pptx
+++ b/lpt_LISA.pptx
@@ -300,7 +300,7 @@
           <a:p>
             <a:fld id="{DE0C789A-1381-F54D-B55B-DCBB91319C08}" type="datetimeFigureOut">
               <a:rPr lang="en-US" smtClean="0"/>
-              <a:t>5/21/20</a:t>
+              <a:t>6/6/20</a:t>
             </a:fld>
             <a:endParaRPr lang="en-US"/>
           </a:p>
@@ -477,7 +477,7 @@
           <a:p>
             <a:fld id="{46CB9FDB-056B-6244-AE56-9549F1074EBB}" type="datetimeFigureOut">
               <a:rPr lang="en-US" smtClean="0"/>
-              <a:t>5/21/20</a:t>
+              <a:t>6/6/20</a:t>
             </a:fld>
             <a:endParaRPr lang="en-US"/>
           </a:p>
@@ -1957,7 +1957,7 @@
           <a:p>
             <a:fld id="{524F091B-C9FE-714F-8F5F-8CFB82A747F1}" type="datetime1">
               <a:rPr lang="en-US" smtClean="0"/>
-              <a:t>5/21/20</a:t>
+              <a:t>6/6/20</a:t>
             </a:fld>
             <a:endParaRPr lang="en-US"/>
           </a:p>
@@ -2127,7 +2127,7 @@
           <a:p>
             <a:fld id="{E5121F4C-BC13-F84F-9AD9-260A611D728C}" type="datetime1">
               <a:rPr lang="en-US" smtClean="0"/>
-              <a:t>5/21/20</a:t>
+              <a:t>6/6/20</a:t>
             </a:fld>
             <a:endParaRPr lang="en-US"/>
           </a:p>
@@ -2307,7 +2307,7 @@
           <a:p>
             <a:fld id="{69934431-5E8A-0144-AD3C-F9F3B5843812}" type="datetime1">
               <a:rPr lang="en-US" smtClean="0"/>
-              <a:t>5/21/20</a:t>
+              <a:t>6/6/20</a:t>
             </a:fld>
             <a:endParaRPr lang="en-US"/>
           </a:p>
@@ -2477,7 +2477,7 @@
           <a:p>
             <a:fld id="{4D966F88-1DAF-F94F-A3D2-93E7964825AC}" type="datetime1">
               <a:rPr lang="en-US" smtClean="0"/>
-              <a:t>5/21/20</a:t>
+              <a:t>6/6/20</a:t>
             </a:fld>
             <a:endParaRPr lang="en-US"/>
           </a:p>
@@ -2723,7 +2723,7 @@
           <a:p>
             <a:fld id="{75F67F5F-B354-5B41-A0FF-E33ACFB7B000}" type="datetime1">
               <a:rPr lang="en-US" smtClean="0"/>
-              <a:t>5/21/20</a:t>
+              <a:t>6/6/20</a:t>
             </a:fld>
             <a:endParaRPr lang="en-US"/>
           </a:p>
@@ -2955,7 +2955,7 @@
           <a:p>
             <a:fld id="{1FE71E3D-61C4-AF47-B5F6-80F7A2125094}" type="datetime1">
               <a:rPr lang="en-US" smtClean="0"/>
-              <a:t>5/21/20</a:t>
+              <a:t>6/6/20</a:t>
             </a:fld>
             <a:endParaRPr lang="en-US"/>
           </a:p>
@@ -3322,7 +3322,7 @@
           <a:p>
             <a:fld id="{B7259F95-3E7B-AE48-BD5A-55F4F48F15EE}" type="datetime1">
               <a:rPr lang="en-US" smtClean="0"/>
-              <a:t>5/21/20</a:t>
+              <a:t>6/6/20</a:t>
             </a:fld>
             <a:endParaRPr lang="en-US"/>
           </a:p>
@@ -3440,7 +3440,7 @@
           <a:p>
             <a:fld id="{1E2D71D9-286E-D847-8194-60F3E909E40C}" type="datetime1">
               <a:rPr lang="en-US" smtClean="0"/>
-              <a:t>5/21/20</a:t>
+              <a:t>6/6/20</a:t>
             </a:fld>
             <a:endParaRPr lang="en-US"/>
           </a:p>
@@ -3535,7 +3535,7 @@
           <a:p>
             <a:fld id="{3AC70D76-DA63-C342-B98E-F532027F9CD7}" type="datetime1">
               <a:rPr lang="en-US" smtClean="0"/>
-              <a:t>5/21/20</a:t>
+              <a:t>6/6/20</a:t>
             </a:fld>
             <a:endParaRPr lang="en-US"/>
           </a:p>
@@ -3812,7 +3812,7 @@
           <a:p>
             <a:fld id="{74E169E1-67F4-DE43-8AD1-CF716A32D6D9}" type="datetime1">
               <a:rPr lang="en-US" smtClean="0"/>
-              <a:t>5/21/20</a:t>
+              <a:t>6/6/20</a:t>
             </a:fld>
             <a:endParaRPr lang="en-US"/>
           </a:p>
@@ -4069,7 +4069,7 @@
           <a:p>
             <a:fld id="{EDBC0E13-B072-744E-A1EF-1258C23FD22F}" type="datetime1">
               <a:rPr lang="en-US" smtClean="0"/>
-              <a:t>5/21/20</a:t>
+              <a:t>6/6/20</a:t>
             </a:fld>
             <a:endParaRPr lang="en-US"/>
           </a:p>
@@ -4282,7 +4282,7 @@
           <a:p>
             <a:fld id="{14D54490-4A22-8B41-9AA4-9BECA28CBC89}" type="datetime1">
               <a:rPr lang="en-US" smtClean="0"/>
-              <a:t>5/21/20</a:t>
+              <a:t>6/6/20</a:t>
             </a:fld>
             <a:endParaRPr lang="en-US"/>
           </a:p>
@@ -30657,7 +30657,7 @@
         <p:spPr/>
         <p:txBody>
           <a:bodyPr>
-            <a:normAutofit/>
+            <a:normAutofit lnSpcReduction="10000"/>
           </a:bodyPr>
           <a:lstStyle/>
           <a:p>
@@ -30718,6 +30718,116 @@
           <a:p>
             <a:r>
               <a:rPr lang="en-US" dirty="0"/>
+              <a:t>Have difficulty sending binary executables over emails?</a:t>
+            </a:r>
+          </a:p>
+          <a:p>
+            <a:pPr lvl="1"/>
+            <a:r>
+              <a:rPr lang="en-US" b="1" dirty="0" err="1">
+                <a:latin typeface="Courier New" panose="02070309020205020404" pitchFamily="49" charset="0"/>
+                <a:cs typeface="Courier New" panose="02070309020205020404" pitchFamily="49" charset="0"/>
+              </a:rPr>
+              <a:t>xxd</a:t>
+            </a:r>
+            <a:r>
+              <a:rPr lang="en-US" b="1" dirty="0">
+                <a:latin typeface="Courier New" panose="02070309020205020404" pitchFamily="49" charset="0"/>
+                <a:cs typeface="Courier New" panose="02070309020205020404" pitchFamily="49" charset="0"/>
+              </a:rPr>
+              <a:t> </a:t>
+            </a:r>
+            <a:r>
+              <a:rPr lang="en-US" b="1" dirty="0" err="1">
+                <a:latin typeface="Courier New" panose="02070309020205020404" pitchFamily="49" charset="0"/>
+                <a:cs typeface="Courier New" panose="02070309020205020404" pitchFamily="49" charset="0"/>
+              </a:rPr>
+              <a:t>f.exe</a:t>
+            </a:r>
+            <a:r>
+              <a:rPr lang="en-US" b="1" dirty="0">
+                <a:latin typeface="Courier New" panose="02070309020205020404" pitchFamily="49" charset="0"/>
+                <a:cs typeface="Courier New" panose="02070309020205020404" pitchFamily="49" charset="0"/>
+              </a:rPr>
+              <a:t> </a:t>
+            </a:r>
+            <a:r>
+              <a:rPr lang="en-US" b="1" dirty="0" err="1">
+                <a:latin typeface="Courier New" panose="02070309020205020404" pitchFamily="49" charset="0"/>
+                <a:cs typeface="Courier New" panose="02070309020205020404" pitchFamily="49" charset="0"/>
+              </a:rPr>
+              <a:t>f.hex</a:t>
+            </a:r>
+            <a:r>
+              <a:rPr lang="en-US" b="1" dirty="0">
+                <a:latin typeface="Courier New" panose="02070309020205020404" pitchFamily="49" charset="0"/>
+                <a:cs typeface="Courier New" panose="02070309020205020404" pitchFamily="49" charset="0"/>
+              </a:rPr>
+              <a:t> # </a:t>
+            </a:r>
+            <a:r>
+              <a:rPr lang="en-US" b="1" dirty="0" err="1">
+                <a:latin typeface="Courier New" panose="02070309020205020404" pitchFamily="49" charset="0"/>
+                <a:cs typeface="Courier New" panose="02070309020205020404" pitchFamily="49" charset="0"/>
+              </a:rPr>
+              <a:t>hexdump</a:t>
+            </a:r>
+            <a:r>
+              <a:rPr lang="en-US" b="1" dirty="0">
+                <a:latin typeface="Courier New" panose="02070309020205020404" pitchFamily="49" charset="0"/>
+                <a:cs typeface="Courier New" panose="02070309020205020404" pitchFamily="49" charset="0"/>
+              </a:rPr>
+              <a:t> the exe, send over email</a:t>
+            </a:r>
+          </a:p>
+          <a:p>
+            <a:pPr lvl="1"/>
+            <a:r>
+              <a:rPr lang="en-US" b="1" dirty="0" err="1">
+                <a:latin typeface="Courier New" panose="02070309020205020404" pitchFamily="49" charset="0"/>
+                <a:cs typeface="Courier New" panose="02070309020205020404" pitchFamily="49" charset="0"/>
+              </a:rPr>
+              <a:t>xxd</a:t>
+            </a:r>
+            <a:r>
+              <a:rPr lang="en-US" b="1" dirty="0">
+                <a:latin typeface="Courier New" panose="02070309020205020404" pitchFamily="49" charset="0"/>
+                <a:cs typeface="Courier New" panose="02070309020205020404" pitchFamily="49" charset="0"/>
+              </a:rPr>
+              <a:t> -r </a:t>
+            </a:r>
+            <a:r>
+              <a:rPr lang="en-US" b="1" dirty="0" err="1">
+                <a:latin typeface="Courier New" panose="02070309020205020404" pitchFamily="49" charset="0"/>
+                <a:cs typeface="Courier New" panose="02070309020205020404" pitchFamily="49" charset="0"/>
+              </a:rPr>
+              <a:t>f.hex</a:t>
+            </a:r>
+            <a:r>
+              <a:rPr lang="en-US" b="1" dirty="0">
+                <a:latin typeface="Courier New" panose="02070309020205020404" pitchFamily="49" charset="0"/>
+                <a:cs typeface="Courier New" panose="02070309020205020404" pitchFamily="49" charset="0"/>
+              </a:rPr>
+              <a:t> </a:t>
+            </a:r>
+            <a:r>
+              <a:rPr lang="en-US" b="1" dirty="0" err="1">
+                <a:latin typeface="Courier New" panose="02070309020205020404" pitchFamily="49" charset="0"/>
+                <a:cs typeface="Courier New" panose="02070309020205020404" pitchFamily="49" charset="0"/>
+              </a:rPr>
+              <a:t>f.exe</a:t>
+            </a:r>
+            <a:r>
+              <a:rPr lang="en-US" b="1" dirty="0">
+                <a:latin typeface="Courier New" panose="02070309020205020404" pitchFamily="49" charset="0"/>
+                <a:cs typeface="Courier New" panose="02070309020205020404" pitchFamily="49" charset="0"/>
+              </a:rPr>
+              <a:t> # receiver convert back to exe</a:t>
+            </a:r>
+          </a:p>
+          <a:p>
+            <a:r>
+              <a:rPr lang="en-US" dirty="0"/>
               <a:t>Generate password</a:t>
             </a:r>
           </a:p>
@@ -30766,7 +30876,7 @@
                 <a:latin typeface="Courier New" panose="02070309020205020404" pitchFamily="49" charset="0"/>
                 <a:cs typeface="Courier New" panose="02070309020205020404" pitchFamily="49" charset="0"/>
               </a:rPr>
-              <a:t>#-base64 8 for some versions</a:t>
+              <a:t>#-base64 8 for some version</a:t>
             </a:r>
           </a:p>
         </p:txBody>

--- a/lpt_LISA.pptx
+++ b/lpt_LISA.pptx
@@ -5,10 +5,10 @@
     <p:sldMasterId id="2147483660" r:id="rId1"/>
   </p:sldMasterIdLst>
   <p:notesMasterIdLst>
-    <p:notesMasterId r:id="rId91"/>
+    <p:notesMasterId r:id="rId92"/>
   </p:notesMasterIdLst>
   <p:handoutMasterIdLst>
-    <p:handoutMasterId r:id="rId92"/>
+    <p:handoutMasterId r:id="rId93"/>
   </p:handoutMasterIdLst>
   <p:sldIdLst>
     <p:sldId id="256" r:id="rId2"/>
@@ -86,20 +86,21 @@
     <p:sldId id="369" r:id="rId74"/>
     <p:sldId id="289" r:id="rId75"/>
     <p:sldId id="353" r:id="rId76"/>
-    <p:sldId id="411" r:id="rId77"/>
-    <p:sldId id="288" r:id="rId78"/>
-    <p:sldId id="371" r:id="rId79"/>
-    <p:sldId id="309" r:id="rId80"/>
-    <p:sldId id="398" r:id="rId81"/>
-    <p:sldId id="393" r:id="rId82"/>
-    <p:sldId id="394" r:id="rId83"/>
-    <p:sldId id="414" r:id="rId84"/>
-    <p:sldId id="408" r:id="rId85"/>
-    <p:sldId id="395" r:id="rId86"/>
-    <p:sldId id="415" r:id="rId87"/>
-    <p:sldId id="397" r:id="rId88"/>
-    <p:sldId id="400" r:id="rId89"/>
-    <p:sldId id="416" r:id="rId90"/>
+    <p:sldId id="417" r:id="rId77"/>
+    <p:sldId id="411" r:id="rId78"/>
+    <p:sldId id="288" r:id="rId79"/>
+    <p:sldId id="371" r:id="rId80"/>
+    <p:sldId id="309" r:id="rId81"/>
+    <p:sldId id="398" r:id="rId82"/>
+    <p:sldId id="393" r:id="rId83"/>
+    <p:sldId id="394" r:id="rId84"/>
+    <p:sldId id="414" r:id="rId85"/>
+    <p:sldId id="408" r:id="rId86"/>
+    <p:sldId id="395" r:id="rId87"/>
+    <p:sldId id="415" r:id="rId88"/>
+    <p:sldId id="397" r:id="rId89"/>
+    <p:sldId id="400" r:id="rId90"/>
+    <p:sldId id="416" r:id="rId91"/>
   </p:sldIdLst>
   <p:sldSz cx="9144000" cy="5143500" type="screen16x9"/>
   <p:notesSz cx="9144000" cy="6858000"/>
@@ -300,7 +301,7 @@
           <a:p>
             <a:fld id="{DE0C789A-1381-F54D-B55B-DCBB91319C08}" type="datetimeFigureOut">
               <a:rPr lang="en-US" smtClean="0"/>
-              <a:t>6/6/20</a:t>
+              <a:t>6/9/20</a:t>
             </a:fld>
             <a:endParaRPr lang="en-US"/>
           </a:p>
@@ -477,7 +478,7 @@
           <a:p>
             <a:fld id="{46CB9FDB-056B-6244-AE56-9549F1074EBB}" type="datetimeFigureOut">
               <a:rPr lang="en-US" smtClean="0"/>
-              <a:t>6/6/20</a:t>
+              <a:t>6/9/20</a:t>
             </a:fld>
             <a:endParaRPr lang="en-US"/>
           </a:p>
@@ -920,7 +921,7 @@
           <a:p>
             <a:fld id="{D97B2049-7013-B143-AD62-F7BCB3DA4A6F}" type="slidenum">
               <a:rPr lang="en-US" smtClean="0"/>
-              <a:t>77</a:t>
+              <a:t>78</a:t>
             </a:fld>
             <a:endParaRPr lang="en-US"/>
           </a:p>
@@ -1957,7 +1958,7 @@
           <a:p>
             <a:fld id="{524F091B-C9FE-714F-8F5F-8CFB82A747F1}" type="datetime1">
               <a:rPr lang="en-US" smtClean="0"/>
-              <a:t>6/6/20</a:t>
+              <a:t>6/9/20</a:t>
             </a:fld>
             <a:endParaRPr lang="en-US"/>
           </a:p>
@@ -2127,7 +2128,7 @@
           <a:p>
             <a:fld id="{E5121F4C-BC13-F84F-9AD9-260A611D728C}" type="datetime1">
               <a:rPr lang="en-US" smtClean="0"/>
-              <a:t>6/6/20</a:t>
+              <a:t>6/9/20</a:t>
             </a:fld>
             <a:endParaRPr lang="en-US"/>
           </a:p>
@@ -2307,7 +2308,7 @@
           <a:p>
             <a:fld id="{69934431-5E8A-0144-AD3C-F9F3B5843812}" type="datetime1">
               <a:rPr lang="en-US" smtClean="0"/>
-              <a:t>6/6/20</a:t>
+              <a:t>6/9/20</a:t>
             </a:fld>
             <a:endParaRPr lang="en-US"/>
           </a:p>
@@ -2477,7 +2478,7 @@
           <a:p>
             <a:fld id="{4D966F88-1DAF-F94F-A3D2-93E7964825AC}" type="datetime1">
               <a:rPr lang="en-US" smtClean="0"/>
-              <a:t>6/6/20</a:t>
+              <a:t>6/9/20</a:t>
             </a:fld>
             <a:endParaRPr lang="en-US"/>
           </a:p>
@@ -2723,7 +2724,7 @@
           <a:p>
             <a:fld id="{75F67F5F-B354-5B41-A0FF-E33ACFB7B000}" type="datetime1">
               <a:rPr lang="en-US" smtClean="0"/>
-              <a:t>6/6/20</a:t>
+              <a:t>6/9/20</a:t>
             </a:fld>
             <a:endParaRPr lang="en-US"/>
           </a:p>
@@ -2955,7 +2956,7 @@
           <a:p>
             <a:fld id="{1FE71E3D-61C4-AF47-B5F6-80F7A2125094}" type="datetime1">
               <a:rPr lang="en-US" smtClean="0"/>
-              <a:t>6/6/20</a:t>
+              <a:t>6/9/20</a:t>
             </a:fld>
             <a:endParaRPr lang="en-US"/>
           </a:p>
@@ -3322,7 +3323,7 @@
           <a:p>
             <a:fld id="{B7259F95-3E7B-AE48-BD5A-55F4F48F15EE}" type="datetime1">
               <a:rPr lang="en-US" smtClean="0"/>
-              <a:t>6/6/20</a:t>
+              <a:t>6/9/20</a:t>
             </a:fld>
             <a:endParaRPr lang="en-US"/>
           </a:p>
@@ -3440,7 +3441,7 @@
           <a:p>
             <a:fld id="{1E2D71D9-286E-D847-8194-60F3E909E40C}" type="datetime1">
               <a:rPr lang="en-US" smtClean="0"/>
-              <a:t>6/6/20</a:t>
+              <a:t>6/9/20</a:t>
             </a:fld>
             <a:endParaRPr lang="en-US"/>
           </a:p>
@@ -3535,7 +3536,7 @@
           <a:p>
             <a:fld id="{3AC70D76-DA63-C342-B98E-F532027F9CD7}" type="datetime1">
               <a:rPr lang="en-US" smtClean="0"/>
-              <a:t>6/6/20</a:t>
+              <a:t>6/9/20</a:t>
             </a:fld>
             <a:endParaRPr lang="en-US"/>
           </a:p>
@@ -3812,7 +3813,7 @@
           <a:p>
             <a:fld id="{74E169E1-67F4-DE43-8AD1-CF716A32D6D9}" type="datetime1">
               <a:rPr lang="en-US" smtClean="0"/>
-              <a:t>6/6/20</a:t>
+              <a:t>6/9/20</a:t>
             </a:fld>
             <a:endParaRPr lang="en-US"/>
           </a:p>
@@ -4069,7 +4070,7 @@
           <a:p>
             <a:fld id="{EDBC0E13-B072-744E-A1EF-1258C23FD22F}" type="datetime1">
               <a:rPr lang="en-US" smtClean="0"/>
-              <a:t>6/6/20</a:t>
+              <a:t>6/9/20</a:t>
             </a:fld>
             <a:endParaRPr lang="en-US"/>
           </a:p>
@@ -4282,7 +4283,7 @@
           <a:p>
             <a:fld id="{14D54490-4A22-8B41-9AA4-9BECA28CBC89}" type="datetime1">
               <a:rPr lang="en-US" smtClean="0"/>
-              <a:t>6/6/20</a:t>
+              <a:t>6/9/20</a:t>
             </a:fld>
             <a:endParaRPr lang="en-US"/>
           </a:p>
@@ -30936,13 +30937,7 @@
       </p:grpSpPr>
       <p:sp>
         <p:nvSpPr>
-          <p:cNvPr id="2" name="Title 1">
-            <a:extLst>
-              <a:ext uri="{FF2B5EF4-FFF2-40B4-BE49-F238E27FC236}">
-                <a16:creationId xmlns:a16="http://schemas.microsoft.com/office/drawing/2014/main" id="{6972196C-1D2D-C240-AD57-E3EBC4FA030D}"/>
-              </a:ext>
-            </a:extLst>
-          </p:cNvPr>
+          <p:cNvPr id="2" name="Title 1"/>
           <p:cNvSpPr>
             <a:spLocks noGrp="1"/>
           </p:cNvSpPr>
@@ -30958,20 +30953,14 @@
             <a:pPr algn="ctr"/>
             <a:r>
               <a:rPr lang="en-US" dirty="0"/>
-              <a:t>Summary</a:t>
-            </a:r>
-          </a:p>
-        </p:txBody>
-      </p:sp>
-      <p:sp>
-        <p:nvSpPr>
-          <p:cNvPr id="3" name="Content Placeholder 2">
-            <a:extLst>
-              <a:ext uri="{FF2B5EF4-FFF2-40B4-BE49-F238E27FC236}">
-                <a16:creationId xmlns:a16="http://schemas.microsoft.com/office/drawing/2014/main" id="{59541F7C-8324-CD41-84A0-D9DC3E4E12B8}"/>
-              </a:ext>
-            </a:extLst>
-          </p:cNvPr>
+              <a:t>Random stuff - 3</a:t>
+            </a:r>
+          </a:p>
+        </p:txBody>
+      </p:sp>
+      <p:sp>
+        <p:nvSpPr>
+          <p:cNvPr id="3" name="Content Placeholder 2"/>
           <p:cNvSpPr>
             <a:spLocks noGrp="1"/>
           </p:cNvSpPr>
@@ -30988,80 +30977,112 @@
           <a:p>
             <a:r>
               <a:rPr lang="en-US" dirty="0"/>
-              <a:t>Linux command-line environment powerful if exploited well</a:t>
-            </a:r>
-          </a:p>
-          <a:p>
-            <a:r>
-              <a:rPr lang="en-US" dirty="0"/>
-              <a:t>Pipes and redirection key Linux contributions</a:t>
-            </a:r>
-          </a:p>
-          <a:p>
-            <a:r>
-              <a:rPr lang="en-US" dirty="0"/>
-              <a:t>Rewarding in the short-term as well as long-term</a:t>
-            </a:r>
-          </a:p>
-          <a:p>
-            <a:r>
-              <a:rPr lang="en-US" dirty="0"/>
-              <a:t>Classical and modern tools well suited for modern-style usage</a:t>
-            </a:r>
-          </a:p>
-          <a:p>
-            <a:r>
-              <a:rPr lang="en-US" dirty="0"/>
-              <a:t>Practice!</a:t>
-            </a:r>
-          </a:p>
-          <a:p>
+              <a:t>Split a large file into small chunks (</a:t>
+            </a:r>
+            <a:r>
+              <a:rPr lang="en-US" dirty="0" err="1"/>
+              <a:t>eg.</a:t>
+            </a:r>
+            <a:r>
+              <a:rPr lang="en-US" dirty="0"/>
+              <a:t> to send as attachment in mail)</a:t>
+            </a:r>
+          </a:p>
+          <a:p>
+            <a:pPr lvl="1"/>
+            <a:r>
+              <a:rPr lang="en-US" b="1" dirty="0">
+                <a:latin typeface="Courier New" panose="02070309020205020404" pitchFamily="49" charset="0"/>
+                <a:cs typeface="Courier New" panose="02070309020205020404" pitchFamily="49" charset="0"/>
+              </a:rPr>
+              <a:t>split -b 20M </a:t>
+            </a:r>
+            <a:r>
+              <a:rPr lang="en-US" b="1" dirty="0" err="1">
+                <a:latin typeface="Courier New" panose="02070309020205020404" pitchFamily="49" charset="0"/>
+                <a:cs typeface="Courier New" panose="02070309020205020404" pitchFamily="49" charset="0"/>
+              </a:rPr>
+              <a:t>large.tgz</a:t>
+            </a:r>
+            <a:r>
+              <a:rPr lang="en-US" b="1" dirty="0">
+                <a:latin typeface="Courier New" panose="02070309020205020404" pitchFamily="49" charset="0"/>
+                <a:cs typeface="Courier New" panose="02070309020205020404" pitchFamily="49" charset="0"/>
+              </a:rPr>
+              <a:t> parts_  </a:t>
+            </a:r>
+            <a:r>
+              <a:rPr lang="en-US" dirty="0">
+                <a:latin typeface="Courier New" panose="02070309020205020404" pitchFamily="49" charset="0"/>
+                <a:cs typeface="Courier New" panose="02070309020205020404" pitchFamily="49" charset="0"/>
+              </a:rPr>
+              <a:t>#20MB chunks</a:t>
+            </a:r>
+            <a:br>
+              <a:rPr lang="en-US" b="1" dirty="0">
+                <a:latin typeface="Courier New" panose="02070309020205020404" pitchFamily="49" charset="0"/>
+                <a:cs typeface="Courier New" panose="02070309020205020404" pitchFamily="49" charset="0"/>
+              </a:rPr>
+            </a:br>
+            <a:r>
+              <a:rPr lang="en-US" dirty="0">
+                <a:latin typeface="Courier New" panose="02070309020205020404" pitchFamily="49" charset="0"/>
+                <a:cs typeface="Courier New" panose="02070309020205020404" pitchFamily="49" charset="0"/>
+              </a:rPr>
+              <a:t>#send parts_* over mail</a:t>
+            </a:r>
+          </a:p>
+          <a:p>
+            <a:pPr lvl="1"/>
+            <a:r>
+              <a:rPr lang="en-US" b="1" dirty="0">
+                <a:latin typeface="Courier New" panose="02070309020205020404" pitchFamily="49" charset="0"/>
+                <a:cs typeface="Courier New" panose="02070309020205020404" pitchFamily="49" charset="0"/>
+              </a:rPr>
+              <a:t>cat </a:t>
+            </a:r>
+            <a:r>
+              <a:rPr lang="en-US" b="1" dirty="0" err="1">
+                <a:latin typeface="Courier New" panose="02070309020205020404" pitchFamily="49" charset="0"/>
+                <a:cs typeface="Courier New" panose="02070309020205020404" pitchFamily="49" charset="0"/>
+              </a:rPr>
+              <a:t>parts_a</a:t>
+            </a:r>
+            <a:r>
+              <a:rPr lang="en-US" b="1" dirty="0">
+                <a:latin typeface="Courier New" panose="02070309020205020404" pitchFamily="49" charset="0"/>
+                <a:cs typeface="Courier New" panose="02070309020205020404" pitchFamily="49" charset="0"/>
+              </a:rPr>
+              <a:t>* &gt; </a:t>
+            </a:r>
+            <a:r>
+              <a:rPr lang="en-US" b="1" dirty="0" err="1">
+                <a:latin typeface="Courier New" panose="02070309020205020404" pitchFamily="49" charset="0"/>
+                <a:cs typeface="Courier New" panose="02070309020205020404" pitchFamily="49" charset="0"/>
+              </a:rPr>
+              <a:t>large.tgz</a:t>
+            </a:r>
+            <a:r>
+              <a:rPr lang="en-US" b="1" dirty="0">
+                <a:latin typeface="Courier New" panose="02070309020205020404" pitchFamily="49" charset="0"/>
+                <a:cs typeface="Courier New" panose="02070309020205020404" pitchFamily="49" charset="0"/>
+              </a:rPr>
+              <a:t>  </a:t>
+            </a:r>
+            <a:r>
+              <a:rPr lang="en-US" dirty="0">
+                <a:latin typeface="Courier New" panose="02070309020205020404" pitchFamily="49" charset="0"/>
+                <a:cs typeface="Courier New" panose="02070309020205020404" pitchFamily="49" charset="0"/>
+              </a:rPr>
+              <a:t>#at receiving end</a:t>
+            </a:r>
             <a:endParaRPr lang="en-US" dirty="0"/>
           </a:p>
-          <a:p>
-            <a:r>
-              <a:rPr lang="en-US" dirty="0"/>
-              <a:t>Send comments, feedback, questions: </a:t>
-            </a:r>
-            <a:r>
-              <a:rPr lang="en-US" b="1" dirty="0">
-                <a:latin typeface="Courier New" panose="02070309020205020404" pitchFamily="49" charset="0"/>
-                <a:cs typeface="Courier New" panose="02070309020205020404" pitchFamily="49" charset="0"/>
-              </a:rPr>
-              <a:t>km</a:t>
-            </a:r>
-            <a:r>
-              <a:rPr lang="en-US" b="1" dirty="0">
-                <a:latin typeface="Consolas" panose="020B0609020204030204" pitchFamily="49" charset="0"/>
-                <a:cs typeface="Consolas" panose="020B0609020204030204" pitchFamily="49" charset="0"/>
-              </a:rPr>
-              <a:t>0</a:t>
-            </a:r>
-            <a:r>
-              <a:rPr lang="en-US" b="1" dirty="0">
-                <a:latin typeface="Courier New" panose="02070309020205020404" pitchFamily="49" charset="0"/>
-                <a:cs typeface="Courier New" panose="02070309020205020404" pitchFamily="49" charset="0"/>
-              </a:rPr>
-              <a:t>@ornl.gov</a:t>
-            </a:r>
-          </a:p>
-          <a:p>
-            <a:endParaRPr lang="en-US" dirty="0"/>
-          </a:p>
-          <a:p>
-            <a:endParaRPr lang="en-US" dirty="0"/>
-          </a:p>
-        </p:txBody>
-      </p:sp>
-      <p:sp>
-        <p:nvSpPr>
-          <p:cNvPr id="4" name="Slide Number Placeholder 3">
-            <a:extLst>
-              <a:ext uri="{FF2B5EF4-FFF2-40B4-BE49-F238E27FC236}">
-                <a16:creationId xmlns:a16="http://schemas.microsoft.com/office/drawing/2014/main" id="{6D0E0BA3-5ECE-E94D-B034-8F400208F397}"/>
-              </a:ext>
-            </a:extLst>
-          </p:cNvPr>
+        </p:txBody>
+      </p:sp>
+      <p:sp>
+        <p:nvSpPr>
+          <p:cNvPr id="4" name="Slide Number Placeholder 3"/>
           <p:cNvSpPr>
             <a:spLocks noGrp="1"/>
           </p:cNvSpPr>
@@ -31082,48 +31103,10 @@
           </a:p>
         </p:txBody>
       </p:sp>
-      <p:sp>
-        <p:nvSpPr>
-          <p:cNvPr id="5" name="TextBox 4">
-            <a:extLst>
-              <a:ext uri="{FF2B5EF4-FFF2-40B4-BE49-F238E27FC236}">
-                <a16:creationId xmlns:a16="http://schemas.microsoft.com/office/drawing/2014/main" id="{B9BD456B-BB50-C343-BC4E-DD06F77B9D78}"/>
-              </a:ext>
-            </a:extLst>
-          </p:cNvPr>
-          <p:cNvSpPr txBox="1"/>
-          <p:nvPr/>
-        </p:nvSpPr>
-        <p:spPr>
-          <a:xfrm>
-            <a:off x="7603274" y="4490264"/>
-            <a:ext cx="766557" cy="248209"/>
-          </a:xfrm>
-          <a:prstGeom prst="rect">
-            <a:avLst/>
-          </a:prstGeom>
-          <a:noFill/>
-        </p:spPr>
-        <p:txBody>
-          <a:bodyPr wrap="none" rtlCol="0">
-            <a:spAutoFit/>
-          </a:bodyPr>
-          <a:lstStyle/>
-          <a:p>
-            <a:r>
-              <a:rPr lang="en-US" sz="1013" dirty="0">
-                <a:hlinkClick r:id="rId2" action="ppaction://hlinksldjump"/>
-              </a:rPr>
-              <a:t>back to toc</a:t>
-            </a:r>
-            <a:endParaRPr lang="en-US" sz="1013" dirty="0"/>
-          </a:p>
-        </p:txBody>
-      </p:sp>
     </p:spTree>
     <p:extLst>
       <p:ext uri="{BB962C8B-B14F-4D97-AF65-F5344CB8AC3E}">
-        <p14:creationId xmlns:p14="http://schemas.microsoft.com/office/powerpoint/2010/main" val="1077433394"/>
+        <p14:creationId xmlns:p14="http://schemas.microsoft.com/office/powerpoint/2010/main" val="1520739947"/>
       </p:ext>
     </p:extLst>
   </p:cSld>
@@ -31152,7 +31135,13 @@
       </p:grpSpPr>
       <p:sp>
         <p:nvSpPr>
-          <p:cNvPr id="2" name="Title 1"/>
+          <p:cNvPr id="2" name="Title 1">
+            <a:extLst>
+              <a:ext uri="{FF2B5EF4-FFF2-40B4-BE49-F238E27FC236}">
+                <a16:creationId xmlns:a16="http://schemas.microsoft.com/office/drawing/2014/main" id="{6972196C-1D2D-C240-AD57-E3EBC4FA030D}"/>
+              </a:ext>
+            </a:extLst>
+          </p:cNvPr>
           <p:cNvSpPr>
             <a:spLocks noGrp="1"/>
           </p:cNvSpPr>
@@ -31168,14 +31157,20 @@
             <a:pPr algn="ctr"/>
             <a:r>
               <a:rPr lang="en-US" dirty="0"/>
-              <a:t>Credits, references and resources</a:t>
-            </a:r>
-          </a:p>
-        </p:txBody>
-      </p:sp>
-      <p:sp>
-        <p:nvSpPr>
-          <p:cNvPr id="3" name="Content Placeholder 2"/>
+              <a:t>Summary</a:t>
+            </a:r>
+          </a:p>
+        </p:txBody>
+      </p:sp>
+      <p:sp>
+        <p:nvSpPr>
+          <p:cNvPr id="3" name="Content Placeholder 2">
+            <a:extLst>
+              <a:ext uri="{FF2B5EF4-FFF2-40B4-BE49-F238E27FC236}">
+                <a16:creationId xmlns:a16="http://schemas.microsoft.com/office/drawing/2014/main" id="{59541F7C-8324-CD41-84A0-D9DC3E4E12B8}"/>
+              </a:ext>
+            </a:extLst>
+          </p:cNvPr>
           <p:cNvSpPr>
             <a:spLocks noGrp="1"/>
           </p:cNvSpPr>
@@ -31192,139 +31187,80 @@
           <a:p>
             <a:r>
               <a:rPr lang="en-US" dirty="0"/>
-              <a:t>The man, info and doc pages</a:t>
-            </a:r>
-          </a:p>
-          <a:p>
-            <a:r>
-              <a:rPr lang="en-US" dirty="0"/>
-              <a:t>bash: </a:t>
-            </a:r>
-            <a:r>
-              <a:rPr lang="en-US" dirty="0">
-                <a:hlinkClick r:id="rId3"/>
-              </a:rPr>
-              <a:t>gnu.org/software/bash/manual/bashref.html</a:t>
-            </a:r>
+              <a:t>Linux command-line environment powerful if exploited well</a:t>
+            </a:r>
+          </a:p>
+          <a:p>
+            <a:r>
+              <a:rPr lang="en-US" dirty="0"/>
+              <a:t>Pipes and redirection key Linux contributions</a:t>
+            </a:r>
+          </a:p>
+          <a:p>
+            <a:r>
+              <a:rPr lang="en-US" dirty="0"/>
+              <a:t>Rewarding in the short-term as well as long-term</a:t>
+            </a:r>
+          </a:p>
+          <a:p>
+            <a:r>
+              <a:rPr lang="en-US" dirty="0"/>
+              <a:t>Classical and modern tools well suited for modern-style usage</a:t>
+            </a:r>
+          </a:p>
+          <a:p>
+            <a:r>
+              <a:rPr lang="en-US" dirty="0"/>
+              <a:t>Practice!</a:t>
+            </a:r>
+          </a:p>
+          <a:p>
             <a:endParaRPr lang="en-US" dirty="0"/>
           </a:p>
           <a:p>
             <a:r>
               <a:rPr lang="en-US" dirty="0"/>
-              <a:t>grep: </a:t>
-            </a:r>
-            <a:r>
-              <a:rPr lang="en-US" dirty="0">
-                <a:hlinkClick r:id="rId4"/>
-              </a:rPr>
-              <a:t>gnu.org/software/grep/manual/grep.html</a:t>
-            </a:r>
+              <a:t>Send comments, feedback, questions: </a:t>
+            </a:r>
+            <a:r>
+              <a:rPr lang="en-US" b="1" dirty="0">
+                <a:latin typeface="Courier New" panose="02070309020205020404" pitchFamily="49" charset="0"/>
+                <a:cs typeface="Courier New" panose="02070309020205020404" pitchFamily="49" charset="0"/>
+              </a:rPr>
+              <a:t>km</a:t>
+            </a:r>
+            <a:r>
+              <a:rPr lang="en-US" b="1" dirty="0">
+                <a:latin typeface="Consolas" panose="020B0609020204030204" pitchFamily="49" charset="0"/>
+                <a:cs typeface="Consolas" panose="020B0609020204030204" pitchFamily="49" charset="0"/>
+              </a:rPr>
+              <a:t>0</a:t>
+            </a:r>
+            <a:r>
+              <a:rPr lang="en-US" b="1" dirty="0">
+                <a:latin typeface="Courier New" panose="02070309020205020404" pitchFamily="49" charset="0"/>
+                <a:cs typeface="Courier New" panose="02070309020205020404" pitchFamily="49" charset="0"/>
+              </a:rPr>
+              <a:t>@ornl.gov</a:t>
+            </a:r>
+          </a:p>
+          <a:p>
             <a:endParaRPr lang="en-US" dirty="0"/>
           </a:p>
           <a:p>
-            <a:r>
-              <a:rPr lang="en-US" dirty="0"/>
-              <a:t>sed: </a:t>
-            </a:r>
-            <a:r>
-              <a:rPr lang="en-US" dirty="0">
-                <a:hlinkClick r:id="rId5"/>
-              </a:rPr>
-              <a:t>catonmat.net/blog/worlds-best-introduction-to-sed</a:t>
-            </a:r>
             <a:endParaRPr lang="en-US" dirty="0"/>
           </a:p>
-          <a:p>
-            <a:r>
-              <a:rPr lang="en-US" dirty="0" err="1"/>
-              <a:t>awk</a:t>
-            </a:r>
-            <a:r>
-              <a:rPr lang="en-US" dirty="0"/>
-              <a:t>: </a:t>
-            </a:r>
-            <a:r>
-              <a:rPr lang="en-US" dirty="0">
-                <a:hlinkClick r:id="rId6"/>
-              </a:rPr>
-              <a:t>ferd.ca/awk-in-20-minutes.html</a:t>
-            </a:r>
-            <a:endParaRPr lang="en-US" dirty="0"/>
-          </a:p>
-          <a:p>
-            <a:r>
-              <a:rPr lang="en-US" dirty="0" err="1"/>
-              <a:t>tmux</a:t>
-            </a:r>
-            <a:r>
-              <a:rPr lang="en-US" dirty="0"/>
-              <a:t>: </a:t>
-            </a:r>
-            <a:r>
-              <a:rPr lang="en-US" dirty="0">
-                <a:hlinkClick r:id="rId7"/>
-              </a:rPr>
-              <a:t>gist.github.com/MohamedAlaa/2961058</a:t>
-            </a:r>
-            <a:endParaRPr lang="en-US" dirty="0"/>
-          </a:p>
-          <a:p>
-            <a:r>
-              <a:rPr lang="en-US" dirty="0" err="1"/>
-              <a:t>wikipedia</a:t>
-            </a:r>
-            <a:r>
-              <a:rPr lang="en-US" dirty="0"/>
-              <a:t> articles: </a:t>
-            </a:r>
-            <a:r>
-              <a:rPr lang="en-US" dirty="0" err="1"/>
-              <a:t>unix</a:t>
-            </a:r>
-            <a:r>
-              <a:rPr lang="en-US" dirty="0"/>
-              <a:t>, </a:t>
-            </a:r>
-            <a:r>
-              <a:rPr lang="en-US" dirty="0" err="1"/>
-              <a:t>linux</a:t>
-            </a:r>
-            <a:r>
-              <a:rPr lang="en-US" dirty="0"/>
-              <a:t>, Bash_(</a:t>
-            </a:r>
-            <a:r>
-              <a:rPr lang="en-US" dirty="0" err="1"/>
-              <a:t>Unix_shell</a:t>
-            </a:r>
-            <a:r>
-              <a:rPr lang="en-US" dirty="0"/>
-              <a:t>)</a:t>
-            </a:r>
-          </a:p>
-          <a:p>
-            <a:r>
-              <a:rPr lang="en-US" dirty="0">
-                <a:hlinkClick r:id="rId8"/>
-              </a:rPr>
-              <a:t>commandlinefu.com</a:t>
-            </a:r>
-            <a:endParaRPr lang="en-US" dirty="0"/>
-          </a:p>
-          <a:p>
-            <a:endParaRPr lang="en-US" dirty="0"/>
-          </a:p>
-          <a:p>
-            <a:endParaRPr lang="en-US" dirty="0"/>
-          </a:p>
-          <a:p>
-            <a:endParaRPr lang="en-US" dirty="0"/>
-          </a:p>
-        </p:txBody>
-      </p:sp>
-      <p:sp>
-        <p:nvSpPr>
-          <p:cNvPr id="4" name="Slide Number Placeholder 3"/>
+        </p:txBody>
+      </p:sp>
+      <p:sp>
+        <p:nvSpPr>
+          <p:cNvPr id="4" name="Slide Number Placeholder 3">
+            <a:extLst>
+              <a:ext uri="{FF2B5EF4-FFF2-40B4-BE49-F238E27FC236}">
+                <a16:creationId xmlns:a16="http://schemas.microsoft.com/office/drawing/2014/main" id="{6D0E0BA3-5ECE-E94D-B034-8F400208F397}"/>
+              </a:ext>
+            </a:extLst>
+          </p:cNvPr>
           <p:cNvSpPr>
             <a:spLocks noGrp="1"/>
           </p:cNvSpPr>
@@ -31345,10 +31281,48 @@
           </a:p>
         </p:txBody>
       </p:sp>
+      <p:sp>
+        <p:nvSpPr>
+          <p:cNvPr id="5" name="TextBox 4">
+            <a:extLst>
+              <a:ext uri="{FF2B5EF4-FFF2-40B4-BE49-F238E27FC236}">
+                <a16:creationId xmlns:a16="http://schemas.microsoft.com/office/drawing/2014/main" id="{B9BD456B-BB50-C343-BC4E-DD06F77B9D78}"/>
+              </a:ext>
+            </a:extLst>
+          </p:cNvPr>
+          <p:cNvSpPr txBox="1"/>
+          <p:nvPr/>
+        </p:nvSpPr>
+        <p:spPr>
+          <a:xfrm>
+            <a:off x="7603274" y="4490264"/>
+            <a:ext cx="766557" cy="248209"/>
+          </a:xfrm>
+          <a:prstGeom prst="rect">
+            <a:avLst/>
+          </a:prstGeom>
+          <a:noFill/>
+        </p:spPr>
+        <p:txBody>
+          <a:bodyPr wrap="none" rtlCol="0">
+            <a:spAutoFit/>
+          </a:bodyPr>
+          <a:lstStyle/>
+          <a:p>
+            <a:r>
+              <a:rPr lang="en-US" sz="1013" dirty="0">
+                <a:hlinkClick r:id="rId2" action="ppaction://hlinksldjump"/>
+              </a:rPr>
+              <a:t>back to toc</a:t>
+            </a:r>
+            <a:endParaRPr lang="en-US" sz="1013" dirty="0"/>
+          </a:p>
+        </p:txBody>
+      </p:sp>
     </p:spTree>
     <p:extLst>
       <p:ext uri="{BB962C8B-B14F-4D97-AF65-F5344CB8AC3E}">
-        <p14:creationId xmlns:p14="http://schemas.microsoft.com/office/powerpoint/2010/main" val="1816197902"/>
+        <p14:creationId xmlns:p14="http://schemas.microsoft.com/office/powerpoint/2010/main" val="1077433394"/>
       </p:ext>
     </p:extLst>
   </p:cSld>
@@ -31377,13 +31351,7 @@
       </p:grpSpPr>
       <p:sp>
         <p:nvSpPr>
-          <p:cNvPr id="2" name="Title 1">
-            <a:extLst>
-              <a:ext uri="{FF2B5EF4-FFF2-40B4-BE49-F238E27FC236}">
-                <a16:creationId xmlns:a16="http://schemas.microsoft.com/office/drawing/2014/main" id="{EFB01D20-6F35-2540-BAE1-458A2E2C1DA3}"/>
-              </a:ext>
-            </a:extLst>
-          </p:cNvPr>
+          <p:cNvPr id="2" name="Title 1"/>
           <p:cNvSpPr>
             <a:spLocks noGrp="1"/>
           </p:cNvSpPr>
@@ -31399,25 +31367,14 @@
             <a:pPr algn="ctr"/>
             <a:r>
               <a:rPr lang="en-US" dirty="0"/>
-              <a:t>Where to </a:t>
-            </a:r>
-            <a:r>
-              <a:rPr lang="en-US"/>
-              <a:t>go from here</a:t>
-            </a:r>
-            <a:endParaRPr lang="en-US" dirty="0"/>
-          </a:p>
-        </p:txBody>
-      </p:sp>
-      <p:sp>
-        <p:nvSpPr>
-          <p:cNvPr id="3" name="Content Placeholder 2">
-            <a:extLst>
-              <a:ext uri="{FF2B5EF4-FFF2-40B4-BE49-F238E27FC236}">
-                <a16:creationId xmlns:a16="http://schemas.microsoft.com/office/drawing/2014/main" id="{7BDEA512-9926-7040-AAE4-062D5118C85A}"/>
-              </a:ext>
-            </a:extLst>
-          </p:cNvPr>
+              <a:t>Credits, references and resources</a:t>
+            </a:r>
+          </a:p>
+        </p:txBody>
+      </p:sp>
+      <p:sp>
+        <p:nvSpPr>
+          <p:cNvPr id="3" name="Content Placeholder 2"/>
           <p:cNvSpPr>
             <a:spLocks noGrp="1"/>
           </p:cNvSpPr>
@@ -31428,150 +31385,145 @@
         <p:spPr/>
         <p:txBody>
           <a:bodyPr>
-            <a:normAutofit fontScale="77500" lnSpcReduction="20000"/>
+            <a:normAutofit/>
           </a:bodyPr>
           <a:lstStyle/>
           <a:p>
             <a:r>
-              <a:rPr lang="en-US" dirty="0">
-                <a:hlinkClick r:id="rId2"/>
-              </a:rPr>
-              <a:t>github.com/jlevy/the-art-of-command-line</a:t>
-            </a:r>
-            <a:endParaRPr lang="en-US" dirty="0"/>
-          </a:p>
-          <a:p>
+              <a:rPr lang="en-US" dirty="0"/>
+              <a:t>The man, info and doc pages</a:t>
+            </a:r>
+          </a:p>
+          <a:p>
+            <a:r>
+              <a:rPr lang="en-US" dirty="0"/>
+              <a:t>bash: </a:t>
+            </a:r>
             <a:r>
               <a:rPr lang="en-US" dirty="0">
                 <a:hlinkClick r:id="rId3"/>
               </a:rPr>
-              <a:t>jeroenjanssens.com/2013/08/16/quickly-navigate-your-filesystem-from-the-command-line.html</a:t>
+              <a:t>gnu.org/software/bash/manual/bashref.html</a:t>
             </a:r>
             <a:endParaRPr lang="en-US" dirty="0"/>
           </a:p>
           <a:p>
+            <a:r>
+              <a:rPr lang="en-US" dirty="0"/>
+              <a:t>grep: </a:t>
+            </a:r>
             <a:r>
               <a:rPr lang="en-US" dirty="0">
                 <a:hlinkClick r:id="rId4"/>
               </a:rPr>
-              <a:t>linux.byexamples.com/archives/42/command-line-calculator-bc</a:t>
+              <a:t>gnu.org/software/grep/manual/grep.html</a:t>
             </a:r>
             <a:endParaRPr lang="en-US" dirty="0"/>
           </a:p>
           <a:p>
+            <a:r>
+              <a:rPr lang="en-US" dirty="0"/>
+              <a:t>sed: </a:t>
+            </a:r>
             <a:r>
               <a:rPr lang="en-US" dirty="0">
                 <a:hlinkClick r:id="rId5"/>
               </a:rPr>
-              <a:t>catonmat.net/blog/bash-one-liners-explained-part-three</a:t>
+              <a:t>catonmat.net/blog/worlds-best-introduction-to-sed</a:t>
             </a:r>
             <a:endParaRPr lang="en-US" dirty="0"/>
           </a:p>
           <a:p>
+            <a:r>
+              <a:rPr lang="en-US" dirty="0" err="1"/>
+              <a:t>awk</a:t>
+            </a:r>
+            <a:r>
+              <a:rPr lang="en-US" dirty="0"/>
+              <a:t>: </a:t>
+            </a:r>
             <a:r>
               <a:rPr lang="en-US" dirty="0">
                 <a:hlinkClick r:id="rId6"/>
               </a:rPr>
-              <a:t>wiki.bash-hackers.org</a:t>
-            </a:r>
-          </a:p>
-          <a:p>
-            <a:r>
-              <a:rPr lang="en-US" dirty="0">
-                <a:hlinkClick r:id="rId6"/>
-              </a:rPr>
-              <a:t>https://gist.github.com/MohamedAlaa/2961058#file-tmux-cheatsheet-markdown</a:t>
-            </a:r>
-          </a:p>
-          <a:p>
-            <a:r>
-              <a:rPr lang="en-US" dirty="0" err="1">
-                <a:hlinkClick r:id="rId6"/>
-              </a:rPr>
-              <a:t>wizardzines.com</a:t>
+              <a:t>ferd.ca/awk-in-20-minutes.html</a:t>
             </a:r>
             <a:endParaRPr lang="en-US" dirty="0"/>
           </a:p>
           <a:p>
+            <a:r>
+              <a:rPr lang="en-US" dirty="0" err="1"/>
+              <a:t>tmux</a:t>
+            </a:r>
+            <a:r>
+              <a:rPr lang="en-US" dirty="0"/>
+              <a:t>: </a:t>
+            </a:r>
             <a:r>
               <a:rPr lang="en-US" dirty="0">
                 <a:hlinkClick r:id="rId7"/>
               </a:rPr>
-              <a:t>https://</a:t>
-            </a:r>
-            <a:r>
-              <a:rPr lang="en-US" dirty="0" err="1">
-                <a:hlinkClick r:id="rId7"/>
-              </a:rPr>
-              <a:t>crontab.guru</a:t>
+              <a:t>gist.github.com/MohamedAlaa/2961058</a:t>
             </a:r>
             <a:endParaRPr lang="en-US" dirty="0"/>
+          </a:p>
+          <a:p>
+            <a:r>
+              <a:rPr lang="en-US" dirty="0" err="1"/>
+              <a:t>wikipedia</a:t>
+            </a:r>
+            <a:r>
+              <a:rPr lang="en-US" dirty="0"/>
+              <a:t> articles: </a:t>
+            </a:r>
+            <a:r>
+              <a:rPr lang="en-US" dirty="0" err="1"/>
+              <a:t>unix</a:t>
+            </a:r>
+            <a:r>
+              <a:rPr lang="en-US" dirty="0"/>
+              <a:t>, </a:t>
+            </a:r>
+            <a:r>
+              <a:rPr lang="en-US" dirty="0" err="1"/>
+              <a:t>linux</a:t>
+            </a:r>
+            <a:r>
+              <a:rPr lang="en-US" dirty="0"/>
+              <a:t>, Bash_(</a:t>
+            </a:r>
+            <a:r>
+              <a:rPr lang="en-US" dirty="0" err="1"/>
+              <a:t>Unix_shell</a:t>
+            </a:r>
+            <a:r>
+              <a:rPr lang="en-US" dirty="0"/>
+              <a:t>)</a:t>
+            </a:r>
           </a:p>
           <a:p>
             <a:r>
               <a:rPr lang="en-US" dirty="0">
                 <a:hlinkClick r:id="rId8"/>
               </a:rPr>
-              <a:t>leimao.github.io/blog/Tmux-Tutorial</a:t>
+              <a:t>commandlinefu.com</a:t>
             </a:r>
             <a:endParaRPr lang="en-US" dirty="0"/>
           </a:p>
           <a:p>
-            <a:r>
-              <a:rPr lang="en-US" dirty="0">
-                <a:hlinkClick r:id="rId9"/>
-              </a:rPr>
-              <a:t>unix.stackexchange.com</a:t>
-            </a:r>
             <a:endParaRPr lang="en-US" dirty="0"/>
           </a:p>
           <a:p>
-            <a:r>
-              <a:rPr lang="en-US" dirty="0">
-                <a:hlinkClick r:id="rId10"/>
-              </a:rPr>
-              <a:t>danyspin97.org/blog/</a:t>
-            </a:r>
-            <a:r>
-              <a:rPr lang="en-US" dirty="0" err="1">
-                <a:hlinkClick r:id="rId10"/>
-              </a:rPr>
-              <a:t>makefiles</a:t>
-            </a:r>
-            <a:r>
-              <a:rPr lang="en-US" dirty="0">
-                <a:hlinkClick r:id="rId10"/>
-              </a:rPr>
-              <a:t>-best-practices</a:t>
-            </a:r>
             <a:endParaRPr lang="en-US" dirty="0"/>
           </a:p>
           <a:p>
             <a:endParaRPr lang="en-US" dirty="0"/>
           </a:p>
-          <a:p>
-            <a:endParaRPr lang="en-US" dirty="0"/>
-          </a:p>
-          <a:p>
-            <a:endParaRPr lang="en-US" dirty="0"/>
-          </a:p>
-          <a:p>
-            <a:pPr marL="0" indent="0">
-              <a:buNone/>
-            </a:pPr>
-            <a:endParaRPr lang="en-US" dirty="0"/>
-          </a:p>
-        </p:txBody>
-      </p:sp>
-      <p:sp>
-        <p:nvSpPr>
-          <p:cNvPr id="4" name="Slide Number Placeholder 3">
-            <a:extLst>
-              <a:ext uri="{FF2B5EF4-FFF2-40B4-BE49-F238E27FC236}">
-                <a16:creationId xmlns:a16="http://schemas.microsoft.com/office/drawing/2014/main" id="{804BEE3D-77C0-F94D-AEB9-3827A87A7CF7}"/>
-              </a:ext>
-            </a:extLst>
-          </p:cNvPr>
+        </p:txBody>
+      </p:sp>
+      <p:sp>
+        <p:nvSpPr>
+          <p:cNvPr id="4" name="Slide Number Placeholder 3"/>
           <p:cNvSpPr>
             <a:spLocks noGrp="1"/>
           </p:cNvSpPr>
@@ -31595,7 +31547,7 @@
     </p:spTree>
     <p:extLst>
       <p:ext uri="{BB962C8B-B14F-4D97-AF65-F5344CB8AC3E}">
-        <p14:creationId xmlns:p14="http://schemas.microsoft.com/office/powerpoint/2010/main" val="1010658437"/>
+        <p14:creationId xmlns:p14="http://schemas.microsoft.com/office/powerpoint/2010/main" val="1816197902"/>
       </p:ext>
     </p:extLst>
   </p:cSld>
@@ -31624,7 +31576,13 @@
       </p:grpSpPr>
       <p:sp>
         <p:nvSpPr>
-          <p:cNvPr id="2" name="Title 1"/>
+          <p:cNvPr id="2" name="Title 1">
+            <a:extLst>
+              <a:ext uri="{FF2B5EF4-FFF2-40B4-BE49-F238E27FC236}">
+                <a16:creationId xmlns:a16="http://schemas.microsoft.com/office/drawing/2014/main" id="{EFB01D20-6F35-2540-BAE1-458A2E2C1DA3}"/>
+              </a:ext>
+            </a:extLst>
+          </p:cNvPr>
           <p:cNvSpPr>
             <a:spLocks noGrp="1"/>
           </p:cNvSpPr>
@@ -31632,36 +31590,187 @@
             <p:ph type="title"/>
           </p:nvPr>
         </p:nvSpPr>
-        <p:spPr>
-          <a:xfrm>
-            <a:off x="628650" y="2178243"/>
-            <a:ext cx="7886700" cy="787013"/>
-          </a:xfrm>
-        </p:spPr>
+        <p:spPr/>
+        <p:txBody>
+          <a:bodyPr/>
+          <a:lstStyle/>
+          <a:p>
+            <a:pPr algn="ctr"/>
+            <a:r>
+              <a:rPr lang="en-US" dirty="0"/>
+              <a:t>Where to </a:t>
+            </a:r>
+            <a:r>
+              <a:rPr lang="en-US"/>
+              <a:t>go from here</a:t>
+            </a:r>
+            <a:endParaRPr lang="en-US" dirty="0"/>
+          </a:p>
+        </p:txBody>
+      </p:sp>
+      <p:sp>
+        <p:nvSpPr>
+          <p:cNvPr id="3" name="Content Placeholder 2">
+            <a:extLst>
+              <a:ext uri="{FF2B5EF4-FFF2-40B4-BE49-F238E27FC236}">
+                <a16:creationId xmlns:a16="http://schemas.microsoft.com/office/drawing/2014/main" id="{7BDEA512-9926-7040-AAE4-062D5118C85A}"/>
+              </a:ext>
+            </a:extLst>
+          </p:cNvPr>
+          <p:cNvSpPr>
+            <a:spLocks noGrp="1"/>
+          </p:cNvSpPr>
+          <p:nvPr>
+            <p:ph idx="1"/>
+          </p:nvPr>
+        </p:nvSpPr>
+        <p:spPr/>
         <p:txBody>
           <a:bodyPr>
-            <a:normAutofit fontScale="90000"/>
+            <a:normAutofit fontScale="77500" lnSpcReduction="20000"/>
           </a:bodyPr>
           <a:lstStyle/>
           <a:p>
-            <a:pPr algn="ctr"/>
-            <a:r>
-              <a:rPr lang="en-US" dirty="0"/>
-              <a:t>Thank you for your time and attention</a:t>
-            </a:r>
-            <a:br>
-              <a:rPr lang="en-US" dirty="0"/>
-            </a:br>
-            <a:r>
-              <a:rPr lang="en-US" dirty="0"/>
-              <a:t>Questions?</a:t>
-            </a:r>
-          </a:p>
-        </p:txBody>
-      </p:sp>
-      <p:sp>
-        <p:nvSpPr>
-          <p:cNvPr id="4" name="Slide Number Placeholder 3"/>
+            <a:r>
+              <a:rPr lang="en-US" dirty="0">
+                <a:hlinkClick r:id="rId2"/>
+              </a:rPr>
+              <a:t>github.com/jlevy/the-art-of-command-line</a:t>
+            </a:r>
+            <a:endParaRPr lang="en-US" dirty="0"/>
+          </a:p>
+          <a:p>
+            <a:r>
+              <a:rPr lang="en-US" dirty="0">
+                <a:hlinkClick r:id="rId3"/>
+              </a:rPr>
+              <a:t>jeroenjanssens.com/2013/08/16/quickly-navigate-your-filesystem-from-the-command-line.html</a:t>
+            </a:r>
+            <a:endParaRPr lang="en-US" dirty="0"/>
+          </a:p>
+          <a:p>
+            <a:r>
+              <a:rPr lang="en-US" dirty="0">
+                <a:hlinkClick r:id="rId4"/>
+              </a:rPr>
+              <a:t>linux.byexamples.com/archives/42/command-line-calculator-bc</a:t>
+            </a:r>
+            <a:endParaRPr lang="en-US" dirty="0"/>
+          </a:p>
+          <a:p>
+            <a:r>
+              <a:rPr lang="en-US" dirty="0">
+                <a:hlinkClick r:id="rId5"/>
+              </a:rPr>
+              <a:t>catonmat.net/blog/bash-one-liners-explained-part-three</a:t>
+            </a:r>
+            <a:endParaRPr lang="en-US" dirty="0"/>
+          </a:p>
+          <a:p>
+            <a:r>
+              <a:rPr lang="en-US" dirty="0">
+                <a:hlinkClick r:id="rId6"/>
+              </a:rPr>
+              <a:t>wiki.bash-hackers.org</a:t>
+            </a:r>
+          </a:p>
+          <a:p>
+            <a:r>
+              <a:rPr lang="en-US" dirty="0">
+                <a:hlinkClick r:id="rId6"/>
+              </a:rPr>
+              <a:t>https://gist.github.com/MohamedAlaa/2961058#file-tmux-cheatsheet-markdown</a:t>
+            </a:r>
+          </a:p>
+          <a:p>
+            <a:r>
+              <a:rPr lang="en-US" dirty="0" err="1">
+                <a:hlinkClick r:id="rId6"/>
+              </a:rPr>
+              <a:t>wizardzines.com</a:t>
+            </a:r>
+            <a:endParaRPr lang="en-US" dirty="0"/>
+          </a:p>
+          <a:p>
+            <a:r>
+              <a:rPr lang="en-US" dirty="0">
+                <a:hlinkClick r:id="rId7"/>
+              </a:rPr>
+              <a:t>https://</a:t>
+            </a:r>
+            <a:r>
+              <a:rPr lang="en-US" dirty="0" err="1">
+                <a:hlinkClick r:id="rId7"/>
+              </a:rPr>
+              <a:t>crontab.guru</a:t>
+            </a:r>
+            <a:endParaRPr lang="en-US" dirty="0"/>
+          </a:p>
+          <a:p>
+            <a:r>
+              <a:rPr lang="en-US" dirty="0">
+                <a:hlinkClick r:id="rId8"/>
+              </a:rPr>
+              <a:t>leimao.github.io/blog/Tmux-Tutorial</a:t>
+            </a:r>
+            <a:endParaRPr lang="en-US" dirty="0"/>
+          </a:p>
+          <a:p>
+            <a:r>
+              <a:rPr lang="en-US" dirty="0">
+                <a:hlinkClick r:id="rId9"/>
+              </a:rPr>
+              <a:t>unix.stackexchange.com</a:t>
+            </a:r>
+            <a:endParaRPr lang="en-US" dirty="0"/>
+          </a:p>
+          <a:p>
+            <a:r>
+              <a:rPr lang="en-US" dirty="0">
+                <a:hlinkClick r:id="rId10"/>
+              </a:rPr>
+              <a:t>danyspin97.org/blog/</a:t>
+            </a:r>
+            <a:r>
+              <a:rPr lang="en-US" dirty="0" err="1">
+                <a:hlinkClick r:id="rId10"/>
+              </a:rPr>
+              <a:t>makefiles</a:t>
+            </a:r>
+            <a:r>
+              <a:rPr lang="en-US" dirty="0">
+                <a:hlinkClick r:id="rId10"/>
+              </a:rPr>
+              <a:t>-best-practices</a:t>
+            </a:r>
+            <a:endParaRPr lang="en-US" dirty="0"/>
+          </a:p>
+          <a:p>
+            <a:endParaRPr lang="en-US" dirty="0"/>
+          </a:p>
+          <a:p>
+            <a:endParaRPr lang="en-US" dirty="0"/>
+          </a:p>
+          <a:p>
+            <a:endParaRPr lang="en-US" dirty="0"/>
+          </a:p>
+          <a:p>
+            <a:pPr marL="0" indent="0">
+              <a:buNone/>
+            </a:pPr>
+            <a:endParaRPr lang="en-US" dirty="0"/>
+          </a:p>
+        </p:txBody>
+      </p:sp>
+      <p:sp>
+        <p:nvSpPr>
+          <p:cNvPr id="4" name="Slide Number Placeholder 3">
+            <a:extLst>
+              <a:ext uri="{FF2B5EF4-FFF2-40B4-BE49-F238E27FC236}">
+                <a16:creationId xmlns:a16="http://schemas.microsoft.com/office/drawing/2014/main" id="{804BEE3D-77C0-F94D-AEB9-3827A87A7CF7}"/>
+              </a:ext>
+            </a:extLst>
+          </p:cNvPr>
           <p:cNvSpPr>
             <a:spLocks noGrp="1"/>
           </p:cNvSpPr>
@@ -31685,7 +31794,7 @@
     </p:spTree>
     <p:extLst>
       <p:ext uri="{BB962C8B-B14F-4D97-AF65-F5344CB8AC3E}">
-        <p14:creationId xmlns:p14="http://schemas.microsoft.com/office/powerpoint/2010/main" val="1843953713"/>
+        <p14:creationId xmlns:p14="http://schemas.microsoft.com/office/powerpoint/2010/main" val="1010658437"/>
       </p:ext>
     </p:extLst>
   </p:cSld>
@@ -32195,13 +32304,7 @@
       </p:grpSpPr>
       <p:sp>
         <p:nvSpPr>
-          <p:cNvPr id="2" name="Title 1">
-            <a:extLst>
-              <a:ext uri="{FF2B5EF4-FFF2-40B4-BE49-F238E27FC236}">
-                <a16:creationId xmlns:a16="http://schemas.microsoft.com/office/drawing/2014/main" id="{6972196C-1D2D-C240-AD57-E3EBC4FA030D}"/>
-              </a:ext>
-            </a:extLst>
-          </p:cNvPr>
+          <p:cNvPr id="2" name="Title 1"/>
           <p:cNvSpPr>
             <a:spLocks noGrp="1"/>
           </p:cNvSpPr>
@@ -32209,158 +32312,36 @@
             <p:ph type="title"/>
           </p:nvPr>
         </p:nvSpPr>
-        <p:spPr/>
-        <p:txBody>
-          <a:bodyPr/>
+        <p:spPr>
+          <a:xfrm>
+            <a:off x="628650" y="2178243"/>
+            <a:ext cx="7886700" cy="787013"/>
+          </a:xfrm>
+        </p:spPr>
+        <p:txBody>
+          <a:bodyPr>
+            <a:normAutofit fontScale="90000"/>
+          </a:bodyPr>
           <a:lstStyle/>
           <a:p>
             <a:pPr algn="ctr"/>
             <a:r>
               <a:rPr lang="en-US" dirty="0"/>
-              <a:t>Practice and Exercises</a:t>
-            </a:r>
-          </a:p>
-        </p:txBody>
-      </p:sp>
-      <p:sp>
-        <p:nvSpPr>
-          <p:cNvPr id="3" name="Content Placeholder 2">
-            <a:extLst>
-              <a:ext uri="{FF2B5EF4-FFF2-40B4-BE49-F238E27FC236}">
-                <a16:creationId xmlns:a16="http://schemas.microsoft.com/office/drawing/2014/main" id="{59541F7C-8324-CD41-84A0-D9DC3E4E12B8}"/>
-              </a:ext>
-            </a:extLst>
-          </p:cNvPr>
-          <p:cNvSpPr>
-            <a:spLocks noGrp="1"/>
-          </p:cNvSpPr>
-          <p:nvPr>
-            <p:ph idx="1"/>
-          </p:nvPr>
-        </p:nvSpPr>
-        <p:spPr/>
-        <p:txBody>
-          <a:bodyPr/>
-          <a:lstStyle/>
-          <a:p>
-            <a:r>
-              <a:rPr lang="en-US" dirty="0"/>
-              <a:t>Create three </a:t>
-            </a:r>
-            <a:r>
-              <a:rPr lang="en-US" dirty="0" err="1"/>
-              <a:t>tmux</a:t>
-            </a:r>
-            <a:r>
-              <a:rPr lang="en-US" dirty="0"/>
-              <a:t> sessions: s1, s2 and s3; detach them</a:t>
-            </a:r>
-          </a:p>
-          <a:p>
-            <a:r>
-              <a:rPr lang="en-US" dirty="0"/>
-              <a:t>List the active sessions with </a:t>
-            </a:r>
-            <a:r>
-              <a:rPr lang="en-US" b="1" dirty="0" err="1">
-                <a:latin typeface="Courier New" panose="02070309020205020404" pitchFamily="49" charset="0"/>
-                <a:cs typeface="Courier New" panose="02070309020205020404" pitchFamily="49" charset="0"/>
-              </a:rPr>
-              <a:t>tmux</a:t>
-            </a:r>
-            <a:r>
-              <a:rPr lang="en-US" b="1" dirty="0">
-                <a:latin typeface="Courier New" panose="02070309020205020404" pitchFamily="49" charset="0"/>
-                <a:cs typeface="Courier New" panose="02070309020205020404" pitchFamily="49" charset="0"/>
-              </a:rPr>
-              <a:t> ls</a:t>
-            </a:r>
-          </a:p>
-          <a:p>
-            <a:r>
-              <a:rPr lang="en-US" dirty="0"/>
-              <a:t>Kill the active sessions with </a:t>
-            </a:r>
-            <a:r>
-              <a:rPr lang="en-US" b="1" dirty="0" err="1">
-                <a:latin typeface="Courier New" panose="02070309020205020404" pitchFamily="49" charset="0"/>
-                <a:cs typeface="Courier New" panose="02070309020205020404" pitchFamily="49" charset="0"/>
-              </a:rPr>
-              <a:t>tmux</a:t>
-            </a:r>
-            <a:r>
-              <a:rPr lang="en-US" b="1" dirty="0">
-                <a:latin typeface="Courier New" panose="02070309020205020404" pitchFamily="49" charset="0"/>
-                <a:cs typeface="Courier New" panose="02070309020205020404" pitchFamily="49" charset="0"/>
-              </a:rPr>
-              <a:t> kill-session -t &lt;name&gt;</a:t>
-            </a:r>
-          </a:p>
-          <a:p>
-            <a:r>
-              <a:rPr lang="en-US" dirty="0">
-                <a:cs typeface="Courier New" panose="02070309020205020404" pitchFamily="49" charset="0"/>
-              </a:rPr>
-              <a:t>Can you kill them all with one command? hint: use </a:t>
-            </a:r>
-            <a:r>
-              <a:rPr lang="en-US" dirty="0" err="1">
-                <a:cs typeface="Courier New" panose="02070309020205020404" pitchFamily="49" charset="0"/>
-              </a:rPr>
-              <a:t>xargs</a:t>
-            </a:r>
-            <a:r>
-              <a:rPr lang="en-US" dirty="0">
-                <a:cs typeface="Courier New" panose="02070309020205020404" pitchFamily="49" charset="0"/>
-              </a:rPr>
-              <a:t> in a pipe</a:t>
-            </a:r>
-          </a:p>
-          <a:p>
-            <a:r>
-              <a:rPr lang="en-US" dirty="0">
-                <a:cs typeface="Courier New" panose="02070309020205020404" pitchFamily="49" charset="0"/>
-              </a:rPr>
-              <a:t>Create a </a:t>
-            </a:r>
-            <a:r>
-              <a:rPr lang="en-US" dirty="0" err="1">
-                <a:cs typeface="Courier New" panose="02070309020205020404" pitchFamily="49" charset="0"/>
-              </a:rPr>
-              <a:t>tmux</a:t>
-            </a:r>
-            <a:r>
-              <a:rPr lang="en-US" dirty="0">
-                <a:cs typeface="Courier New" panose="02070309020205020404" pitchFamily="49" charset="0"/>
-              </a:rPr>
-              <a:t> session and split the screen into 4 panes vertically and horizontally</a:t>
-            </a:r>
-          </a:p>
-          <a:p>
-            <a:r>
-              <a:rPr lang="en-US" dirty="0">
-                <a:cs typeface="Courier New" panose="02070309020205020404" pitchFamily="49" charset="0"/>
-              </a:rPr>
-              <a:t>Set it so that all panes are synchronized. Test with any command.</a:t>
-            </a:r>
-          </a:p>
-          <a:p>
-            <a:endParaRPr lang="en-US" dirty="0"/>
-          </a:p>
-          <a:p>
-            <a:endParaRPr lang="en-US" dirty="0"/>
-          </a:p>
-        </p:txBody>
-      </p:sp>
-      <p:sp>
-        <p:nvSpPr>
-          <p:cNvPr id="4" name="Slide Number Placeholder 3">
-            <a:extLst>
-              <a:ext uri="{FF2B5EF4-FFF2-40B4-BE49-F238E27FC236}">
-                <a16:creationId xmlns:a16="http://schemas.microsoft.com/office/drawing/2014/main" id="{6D0E0BA3-5ECE-E94D-B034-8F400208F397}"/>
-              </a:ext>
-            </a:extLst>
-          </p:cNvPr>
+              <a:t>Thank you for your time and attention</a:t>
+            </a:r>
+            <a:br>
+              <a:rPr lang="en-US" dirty="0"/>
+            </a:br>
+            <a:r>
+              <a:rPr lang="en-US" dirty="0"/>
+              <a:t>Questions?</a:t>
+            </a:r>
+          </a:p>
+        </p:txBody>
+      </p:sp>
+      <p:sp>
+        <p:nvSpPr>
+          <p:cNvPr id="4" name="Slide Number Placeholder 3"/>
           <p:cNvSpPr>
             <a:spLocks noGrp="1"/>
           </p:cNvSpPr>
@@ -32384,7 +32365,7 @@
     </p:spTree>
     <p:extLst>
       <p:ext uri="{BB962C8B-B14F-4D97-AF65-F5344CB8AC3E}">
-        <p14:creationId xmlns:p14="http://schemas.microsoft.com/office/powerpoint/2010/main" val="2526893295"/>
+        <p14:creationId xmlns:p14="http://schemas.microsoft.com/office/powerpoint/2010/main" val="1843953713"/>
       </p:ext>
     </p:extLst>
   </p:cSld>
@@ -32458,276 +32439,112 @@
         </p:nvSpPr>
         <p:spPr/>
         <p:txBody>
-          <a:bodyPr>
-            <a:normAutofit fontScale="92500" lnSpcReduction="10000"/>
-          </a:bodyPr>
-          <a:lstStyle/>
-          <a:p>
-            <a:r>
-              <a:rPr lang="en-US" dirty="0"/>
-              <a:t>Use your favorite editor to edit .</a:t>
+          <a:bodyPr/>
+          <a:lstStyle/>
+          <a:p>
+            <a:r>
+              <a:rPr lang="en-US" dirty="0"/>
+              <a:t>Create three </a:t>
             </a:r>
             <a:r>
               <a:rPr lang="en-US" dirty="0" err="1"/>
-              <a:t>bashrc</a:t>
-            </a:r>
-            <a:r>
-              <a:rPr lang="en-US" dirty="0"/>
-              <a:t> and .</a:t>
-            </a:r>
-            <a:r>
-              <a:rPr lang="en-US" dirty="0" err="1"/>
-              <a:t>bash_profile</a:t>
-            </a:r>
-            <a:r>
-              <a:rPr lang="en-US" dirty="0"/>
-              <a:t> --</a:t>
-            </a:r>
-          </a:p>
-          <a:p>
-            <a:pPr lvl="1"/>
-            <a:r>
-              <a:rPr lang="en-US" dirty="0"/>
-              <a:t>add a line: </a:t>
-            </a:r>
-            <a:r>
-              <a:rPr lang="en-US" b="1" dirty="0">
-                <a:latin typeface="Courier New" panose="02070309020205020404" pitchFamily="49" charset="0"/>
-                <a:cs typeface="Courier New" panose="02070309020205020404" pitchFamily="49" charset="0"/>
-              </a:rPr>
-              <a:t>echo 'I am </a:t>
+              <a:t>tmux</a:t>
+            </a:r>
+            <a:r>
+              <a:rPr lang="en-US" dirty="0"/>
+              <a:t> sessions: s1, s2 and s3; detach them</a:t>
+            </a:r>
+          </a:p>
+          <a:p>
+            <a:r>
+              <a:rPr lang="en-US" dirty="0"/>
+              <a:t>List the active sessions with </a:t>
             </a:r>
             <a:r>
               <a:rPr lang="en-US" b="1" dirty="0" err="1">
                 <a:latin typeface="Courier New" panose="02070309020205020404" pitchFamily="49" charset="0"/>
                 <a:cs typeface="Courier New" panose="02070309020205020404" pitchFamily="49" charset="0"/>
               </a:rPr>
-              <a:t>bashrc</a:t>
-            </a:r>
-            <a:r>
-              <a:rPr lang="en-US" b="1" dirty="0">
-                <a:latin typeface="Courier New" panose="02070309020205020404" pitchFamily="49" charset="0"/>
-                <a:cs typeface="Courier New" panose="02070309020205020404" pitchFamily="49" charset="0"/>
-              </a:rPr>
-              <a:t>' </a:t>
-            </a:r>
-            <a:r>
-              <a:rPr lang="en-US" dirty="0"/>
-              <a:t>to .</a:t>
-            </a:r>
-            <a:r>
-              <a:rPr lang="en-US" dirty="0" err="1"/>
-              <a:t>bashrc</a:t>
-            </a:r>
+              <a:t>tmux</a:t>
+            </a:r>
+            <a:r>
+              <a:rPr lang="en-US" b="1" dirty="0">
+                <a:latin typeface="Courier New" panose="02070309020205020404" pitchFamily="49" charset="0"/>
+                <a:cs typeface="Courier New" panose="02070309020205020404" pitchFamily="49" charset="0"/>
+              </a:rPr>
+              <a:t> ls</a:t>
+            </a:r>
+          </a:p>
+          <a:p>
+            <a:r>
+              <a:rPr lang="en-US" dirty="0"/>
+              <a:t>Kill the active sessions with </a:t>
+            </a:r>
+            <a:r>
+              <a:rPr lang="en-US" b="1" dirty="0" err="1">
+                <a:latin typeface="Courier New" panose="02070309020205020404" pitchFamily="49" charset="0"/>
+                <a:cs typeface="Courier New" panose="02070309020205020404" pitchFamily="49" charset="0"/>
+              </a:rPr>
+              <a:t>tmux</a:t>
+            </a:r>
+            <a:r>
+              <a:rPr lang="en-US" b="1" dirty="0">
+                <a:latin typeface="Courier New" panose="02070309020205020404" pitchFamily="49" charset="0"/>
+                <a:cs typeface="Courier New" panose="02070309020205020404" pitchFamily="49" charset="0"/>
+              </a:rPr>
+              <a:t> kill-session -t &lt;name&gt;</a:t>
+            </a:r>
+          </a:p>
+          <a:p>
+            <a:r>
+              <a:rPr lang="en-US" dirty="0">
+                <a:cs typeface="Courier New" panose="02070309020205020404" pitchFamily="49" charset="0"/>
+              </a:rPr>
+              <a:t>Can you kill them all with one command? hint: use </a:t>
+            </a:r>
+            <a:r>
+              <a:rPr lang="en-US" dirty="0" err="1">
+                <a:cs typeface="Courier New" panose="02070309020205020404" pitchFamily="49" charset="0"/>
+              </a:rPr>
+              <a:t>xargs</a:t>
+            </a:r>
+            <a:r>
+              <a:rPr lang="en-US" dirty="0">
+                <a:cs typeface="Courier New" panose="02070309020205020404" pitchFamily="49" charset="0"/>
+              </a:rPr>
+              <a:t> in a pipe</a:t>
+            </a:r>
+          </a:p>
+          <a:p>
+            <a:r>
+              <a:rPr lang="en-US" dirty="0">
+                <a:cs typeface="Courier New" panose="02070309020205020404" pitchFamily="49" charset="0"/>
+              </a:rPr>
+              <a:t>Create a </a:t>
+            </a:r>
+            <a:r>
+              <a:rPr lang="en-US" dirty="0" err="1">
+                <a:cs typeface="Courier New" panose="02070309020205020404" pitchFamily="49" charset="0"/>
+              </a:rPr>
+              <a:t>tmux</a:t>
+            </a:r>
+            <a:r>
+              <a:rPr lang="en-US" dirty="0">
+                <a:cs typeface="Courier New" panose="02070309020205020404" pitchFamily="49" charset="0"/>
+              </a:rPr>
+              <a:t> session and split the screen into 4 panes vertically and horizontally</a:t>
+            </a:r>
+          </a:p>
+          <a:p>
+            <a:r>
+              <a:rPr lang="en-US" dirty="0">
+                <a:cs typeface="Courier New" panose="02070309020205020404" pitchFamily="49" charset="0"/>
+              </a:rPr>
+              <a:t>Set it so that all panes are synchronized. Test with any command.</a:t>
+            </a:r>
+          </a:p>
+          <a:p>
             <a:endParaRPr lang="en-US" dirty="0"/>
-          </a:p>
-          <a:p>
-            <a:pPr lvl="1"/>
-            <a:r>
-              <a:rPr lang="en-US" dirty="0"/>
-              <a:t>add a line: </a:t>
-            </a:r>
-            <a:r>
-              <a:rPr lang="en-US" b="1" dirty="0">
-                <a:latin typeface="Courier New" panose="02070309020205020404" pitchFamily="49" charset="0"/>
-                <a:cs typeface="Courier New" panose="02070309020205020404" pitchFamily="49" charset="0"/>
-              </a:rPr>
-              <a:t>echo 'I am </a:t>
-            </a:r>
-            <a:r>
-              <a:rPr lang="en-US" b="1" dirty="0" err="1">
-                <a:latin typeface="Courier New" panose="02070309020205020404" pitchFamily="49" charset="0"/>
-                <a:cs typeface="Courier New" panose="02070309020205020404" pitchFamily="49" charset="0"/>
-              </a:rPr>
-              <a:t>bash_profile</a:t>
-            </a:r>
-            <a:r>
-              <a:rPr lang="en-US" b="1" dirty="0">
-                <a:latin typeface="Courier New" panose="02070309020205020404" pitchFamily="49" charset="0"/>
-                <a:cs typeface="Courier New" panose="02070309020205020404" pitchFamily="49" charset="0"/>
-              </a:rPr>
-              <a:t>' </a:t>
-            </a:r>
-            <a:r>
-              <a:rPr lang="en-US" dirty="0"/>
-              <a:t>to .</a:t>
-            </a:r>
-            <a:r>
-              <a:rPr lang="en-US" dirty="0" err="1"/>
-              <a:t>bash_profile</a:t>
-            </a:r>
-            <a:endParaRPr lang="en-US" dirty="0"/>
-          </a:p>
-          <a:p>
-            <a:r>
-              <a:rPr lang="en-US" dirty="0"/>
-              <a:t>Close and reopen terminal, what do you see? Within terminal type </a:t>
-            </a:r>
-            <a:r>
-              <a:rPr lang="en-US" b="1" dirty="0">
-                <a:latin typeface="Courier New" panose="02070309020205020404" pitchFamily="49" charset="0"/>
-                <a:cs typeface="Courier New" panose="02070309020205020404" pitchFamily="49" charset="0"/>
-              </a:rPr>
-              <a:t>/bin/bash</a:t>
-            </a:r>
-            <a:r>
-              <a:rPr lang="en-US" dirty="0"/>
-              <a:t>, what do you see?</a:t>
-            </a:r>
-          </a:p>
-          <a:p>
-            <a:r>
-              <a:rPr lang="en-US" dirty="0"/>
-              <a:t>Create a copy of </a:t>
-            </a:r>
-            <a:r>
-              <a:rPr lang="en-US" dirty="0" err="1"/>
-              <a:t>prose.txt</a:t>
-            </a:r>
-            <a:r>
-              <a:rPr lang="en-US" dirty="0"/>
-              <a:t> using </a:t>
-            </a:r>
-            <a:r>
-              <a:rPr lang="en-US" dirty="0" err="1"/>
-              <a:t>cp</a:t>
-            </a:r>
-            <a:r>
-              <a:rPr lang="en-US" dirty="0"/>
-              <a:t> </a:t>
-            </a:r>
-            <a:r>
-              <a:rPr lang="en-US" dirty="0" err="1"/>
-              <a:t>prose.txt</a:t>
-            </a:r>
-            <a:r>
-              <a:rPr lang="en-US" dirty="0"/>
-              <a:t> </a:t>
-            </a:r>
-            <a:r>
-              <a:rPr lang="en-US" dirty="0" err="1"/>
-              <a:t>tmp.txt</a:t>
-            </a:r>
-            <a:r>
-              <a:rPr lang="en-US" dirty="0"/>
-              <a:t>; make small change to </a:t>
-            </a:r>
-            <a:r>
-              <a:rPr lang="en-US" dirty="0" err="1"/>
-              <a:t>tmp.txt</a:t>
-            </a:r>
-            <a:r>
-              <a:rPr lang="en-US" dirty="0"/>
-              <a:t> and compare </a:t>
-            </a:r>
-            <a:r>
-              <a:rPr lang="en-US" dirty="0" err="1"/>
-              <a:t>prose.txt</a:t>
-            </a:r>
-            <a:r>
-              <a:rPr lang="en-US" dirty="0"/>
-              <a:t> and </a:t>
-            </a:r>
-            <a:r>
-              <a:rPr lang="en-US" dirty="0" err="1"/>
-              <a:t>tmp.txt</a:t>
-            </a:r>
-            <a:r>
-              <a:rPr lang="en-US" dirty="0"/>
-              <a:t> with </a:t>
-            </a:r>
-            <a:r>
-              <a:rPr lang="en-US" dirty="0" err="1"/>
-              <a:t>cmp</a:t>
-            </a:r>
-            <a:r>
-              <a:rPr lang="en-US" dirty="0"/>
-              <a:t>, </a:t>
-            </a:r>
-            <a:r>
-              <a:rPr lang="en-US" dirty="0" err="1"/>
-              <a:t>comm</a:t>
-            </a:r>
-            <a:r>
-              <a:rPr lang="en-US" dirty="0"/>
-              <a:t> and diff</a:t>
-            </a:r>
-          </a:p>
-          <a:p>
-            <a:r>
-              <a:rPr lang="en-US" dirty="0"/>
-              <a:t>Delete those lines from .</a:t>
-            </a:r>
-            <a:r>
-              <a:rPr lang="en-US" dirty="0" err="1"/>
-              <a:t>bashrc</a:t>
-            </a:r>
-            <a:r>
-              <a:rPr lang="en-US" dirty="0"/>
-              <a:t> and .</a:t>
-            </a:r>
-            <a:r>
-              <a:rPr lang="en-US" dirty="0" err="1"/>
-              <a:t>bash_profile</a:t>
-            </a:r>
-            <a:r>
-              <a:rPr lang="en-US" dirty="0"/>
-              <a:t> when done</a:t>
-            </a:r>
-          </a:p>
-          <a:p>
-            <a:r>
-              <a:rPr lang="en-US" dirty="0"/>
-              <a:t>The character class </a:t>
-            </a:r>
-            <a:r>
-              <a:rPr lang="en-US" b="1" dirty="0">
-                <a:latin typeface="Courier New" panose="02070309020205020404" pitchFamily="49" charset="0"/>
-                <a:cs typeface="Courier New" panose="02070309020205020404" pitchFamily="49" charset="0"/>
-              </a:rPr>
-              <a:t>[[:class:]] may be used as wild card: </a:t>
-            </a:r>
-            <a:r>
-              <a:rPr lang="en-US" dirty="0"/>
-              <a:t>class may be alpha, </a:t>
-            </a:r>
-            <a:r>
-              <a:rPr lang="en-US" dirty="0" err="1"/>
-              <a:t>alnum</a:t>
-            </a:r>
-            <a:r>
-              <a:rPr lang="en-US" dirty="0"/>
-              <a:t>, ascii, digit, upper, lower, </a:t>
-            </a:r>
-            <a:r>
-              <a:rPr lang="en-US" dirty="0" err="1"/>
-              <a:t>punct</a:t>
-            </a:r>
-            <a:r>
-              <a:rPr lang="en-US" dirty="0"/>
-              <a:t>, word; try </a:t>
-            </a:r>
-            <a:r>
-              <a:rPr lang="en-US" b="1" dirty="0">
-                <a:latin typeface="Courier New" panose="02070309020205020404" pitchFamily="49" charset="0"/>
-                <a:cs typeface="Courier New" panose="02070309020205020404" pitchFamily="49" charset="0"/>
-              </a:rPr>
-              <a:t>ls /</a:t>
-            </a:r>
-            <a:r>
-              <a:rPr lang="en-US" b="1" dirty="0" err="1">
-                <a:latin typeface="Courier New" panose="02070309020205020404" pitchFamily="49" charset="0"/>
-                <a:cs typeface="Courier New" panose="02070309020205020404" pitchFamily="49" charset="0"/>
-              </a:rPr>
-              <a:t>etc</a:t>
-            </a:r>
-            <a:r>
-              <a:rPr lang="en-US" b="1" dirty="0">
-                <a:latin typeface="Courier New" panose="02070309020205020404" pitchFamily="49" charset="0"/>
-                <a:cs typeface="Courier New" panose="02070309020205020404" pitchFamily="49" charset="0"/>
-              </a:rPr>
-              <a:t>/[[:upper:]]*</a:t>
-            </a:r>
           </a:p>
           <a:p>
             <a:endParaRPr lang="en-US" dirty="0"/>
@@ -32766,7 +32583,7 @@
     </p:spTree>
     <p:extLst>
       <p:ext uri="{BB962C8B-B14F-4D97-AF65-F5344CB8AC3E}">
-        <p14:creationId xmlns:p14="http://schemas.microsoft.com/office/powerpoint/2010/main" val="4215097671"/>
+        <p14:creationId xmlns:p14="http://schemas.microsoft.com/office/powerpoint/2010/main" val="2526893295"/>
       </p:ext>
     </p:extLst>
   </p:cSld>
@@ -32841,186 +32658,275 @@
         <p:spPr/>
         <p:txBody>
           <a:bodyPr>
-            <a:normAutofit/>
+            <a:normAutofit fontScale="92500" lnSpcReduction="10000"/>
           </a:bodyPr>
           <a:lstStyle/>
           <a:p>
             <a:r>
               <a:rPr lang="en-US" dirty="0"/>
-              <a:t>List all conf files in </a:t>
-            </a:r>
-            <a:r>
-              <a:rPr lang="en-US" b="1" dirty="0">
-                <a:latin typeface="Courier New" panose="02070309020205020404" pitchFamily="49" charset="0"/>
-                <a:cs typeface="Courier New" panose="02070309020205020404" pitchFamily="49" charset="0"/>
-              </a:rPr>
-              <a:t>/</a:t>
+              <a:t>Use your favorite editor to edit .</a:t>
+            </a:r>
+            <a:r>
+              <a:rPr lang="en-US" dirty="0" err="1"/>
+              <a:t>bashrc</a:t>
+            </a:r>
+            <a:r>
+              <a:rPr lang="en-US" dirty="0"/>
+              <a:t> and .</a:t>
+            </a:r>
+            <a:r>
+              <a:rPr lang="en-US" dirty="0" err="1"/>
+              <a:t>bash_profile</a:t>
+            </a:r>
+            <a:r>
+              <a:rPr lang="en-US" dirty="0"/>
+              <a:t> --</a:t>
+            </a:r>
+          </a:p>
+          <a:p>
+            <a:pPr lvl="1"/>
+            <a:r>
+              <a:rPr lang="en-US" dirty="0"/>
+              <a:t>add a line: </a:t>
+            </a:r>
+            <a:r>
+              <a:rPr lang="en-US" b="1" dirty="0">
+                <a:latin typeface="Courier New" panose="02070309020205020404" pitchFamily="49" charset="0"/>
+                <a:cs typeface="Courier New" panose="02070309020205020404" pitchFamily="49" charset="0"/>
+              </a:rPr>
+              <a:t>echo 'I am </a:t>
             </a:r>
             <a:r>
               <a:rPr lang="en-US" b="1" dirty="0" err="1">
                 <a:latin typeface="Courier New" panose="02070309020205020404" pitchFamily="49" charset="0"/>
                 <a:cs typeface="Courier New" panose="02070309020205020404" pitchFamily="49" charset="0"/>
               </a:rPr>
+              <a:t>bashrc</a:t>
+            </a:r>
+            <a:r>
+              <a:rPr lang="en-US" b="1" dirty="0">
+                <a:latin typeface="Courier New" panose="02070309020205020404" pitchFamily="49" charset="0"/>
+                <a:cs typeface="Courier New" panose="02070309020205020404" pitchFamily="49" charset="0"/>
+              </a:rPr>
+              <a:t>' </a:t>
+            </a:r>
+            <a:r>
+              <a:rPr lang="en-US" dirty="0"/>
+              <a:t>to .</a:t>
+            </a:r>
+            <a:r>
+              <a:rPr lang="en-US" dirty="0" err="1"/>
+              <a:t>bashrc</a:t>
+            </a:r>
+            <a:endParaRPr lang="en-US" dirty="0"/>
+          </a:p>
+          <a:p>
+            <a:pPr lvl="1"/>
+            <a:r>
+              <a:rPr lang="en-US" dirty="0"/>
+              <a:t>add a line: </a:t>
+            </a:r>
+            <a:r>
+              <a:rPr lang="en-US" b="1" dirty="0">
+                <a:latin typeface="Courier New" panose="02070309020205020404" pitchFamily="49" charset="0"/>
+                <a:cs typeface="Courier New" panose="02070309020205020404" pitchFamily="49" charset="0"/>
+              </a:rPr>
+              <a:t>echo 'I am </a:t>
+            </a:r>
+            <a:r>
+              <a:rPr lang="en-US" b="1" dirty="0" err="1">
+                <a:latin typeface="Courier New" panose="02070309020205020404" pitchFamily="49" charset="0"/>
+                <a:cs typeface="Courier New" panose="02070309020205020404" pitchFamily="49" charset="0"/>
+              </a:rPr>
+              <a:t>bash_profile</a:t>
+            </a:r>
+            <a:r>
+              <a:rPr lang="en-US" b="1" dirty="0">
+                <a:latin typeface="Courier New" panose="02070309020205020404" pitchFamily="49" charset="0"/>
+                <a:cs typeface="Courier New" panose="02070309020205020404" pitchFamily="49" charset="0"/>
+              </a:rPr>
+              <a:t>' </a:t>
+            </a:r>
+            <a:r>
+              <a:rPr lang="en-US" dirty="0"/>
+              <a:t>to .</a:t>
+            </a:r>
+            <a:r>
+              <a:rPr lang="en-US" dirty="0" err="1"/>
+              <a:t>bash_profile</a:t>
+            </a:r>
+            <a:endParaRPr lang="en-US" dirty="0"/>
+          </a:p>
+          <a:p>
+            <a:r>
+              <a:rPr lang="en-US" dirty="0"/>
+              <a:t>Close and reopen terminal, what do you see? Within terminal type </a:t>
+            </a:r>
+            <a:r>
+              <a:rPr lang="en-US" b="1" dirty="0">
+                <a:latin typeface="Courier New" panose="02070309020205020404" pitchFamily="49" charset="0"/>
+                <a:cs typeface="Courier New" panose="02070309020205020404" pitchFamily="49" charset="0"/>
+              </a:rPr>
+              <a:t>/bin/bash</a:t>
+            </a:r>
+            <a:r>
+              <a:rPr lang="en-US" dirty="0"/>
+              <a:t>, what do you see?</a:t>
+            </a:r>
+          </a:p>
+          <a:p>
+            <a:r>
+              <a:rPr lang="en-US" dirty="0"/>
+              <a:t>Create a copy of </a:t>
+            </a:r>
+            <a:r>
+              <a:rPr lang="en-US" dirty="0" err="1"/>
+              <a:t>prose.txt</a:t>
+            </a:r>
+            <a:r>
+              <a:rPr lang="en-US" dirty="0"/>
+              <a:t> using </a:t>
+            </a:r>
+            <a:r>
+              <a:rPr lang="en-US" dirty="0" err="1"/>
+              <a:t>cp</a:t>
+            </a:r>
+            <a:r>
+              <a:rPr lang="en-US" dirty="0"/>
+              <a:t> </a:t>
+            </a:r>
+            <a:r>
+              <a:rPr lang="en-US" dirty="0" err="1"/>
+              <a:t>prose.txt</a:t>
+            </a:r>
+            <a:r>
+              <a:rPr lang="en-US" dirty="0"/>
+              <a:t> </a:t>
+            </a:r>
+            <a:r>
+              <a:rPr lang="en-US" dirty="0" err="1"/>
+              <a:t>tmp.txt</a:t>
+            </a:r>
+            <a:r>
+              <a:rPr lang="en-US" dirty="0"/>
+              <a:t>; make small change to </a:t>
+            </a:r>
+            <a:r>
+              <a:rPr lang="en-US" dirty="0" err="1"/>
+              <a:t>tmp.txt</a:t>
+            </a:r>
+            <a:r>
+              <a:rPr lang="en-US" dirty="0"/>
+              <a:t> and compare </a:t>
+            </a:r>
+            <a:r>
+              <a:rPr lang="en-US" dirty="0" err="1"/>
+              <a:t>prose.txt</a:t>
+            </a:r>
+            <a:r>
+              <a:rPr lang="en-US" dirty="0"/>
+              <a:t> and </a:t>
+            </a:r>
+            <a:r>
+              <a:rPr lang="en-US" dirty="0" err="1"/>
+              <a:t>tmp.txt</a:t>
+            </a:r>
+            <a:r>
+              <a:rPr lang="en-US" dirty="0"/>
+              <a:t> with </a:t>
+            </a:r>
+            <a:r>
+              <a:rPr lang="en-US" dirty="0" err="1"/>
+              <a:t>cmp</a:t>
+            </a:r>
+            <a:r>
+              <a:rPr lang="en-US" dirty="0"/>
+              <a:t>, </a:t>
+            </a:r>
+            <a:r>
+              <a:rPr lang="en-US" dirty="0" err="1"/>
+              <a:t>comm</a:t>
+            </a:r>
+            <a:r>
+              <a:rPr lang="en-US" dirty="0"/>
+              <a:t> and diff</a:t>
+            </a:r>
+          </a:p>
+          <a:p>
+            <a:r>
+              <a:rPr lang="en-US" dirty="0"/>
+              <a:t>Delete those lines from .</a:t>
+            </a:r>
+            <a:r>
+              <a:rPr lang="en-US" dirty="0" err="1"/>
+              <a:t>bashrc</a:t>
+            </a:r>
+            <a:r>
+              <a:rPr lang="en-US" dirty="0"/>
+              <a:t> and .</a:t>
+            </a:r>
+            <a:r>
+              <a:rPr lang="en-US" dirty="0" err="1"/>
+              <a:t>bash_profile</a:t>
+            </a:r>
+            <a:r>
+              <a:rPr lang="en-US" dirty="0"/>
+              <a:t> when done</a:t>
+            </a:r>
+          </a:p>
+          <a:p>
+            <a:r>
+              <a:rPr lang="en-US" dirty="0"/>
+              <a:t>The character class </a:t>
+            </a:r>
+            <a:r>
+              <a:rPr lang="en-US" b="1" dirty="0">
+                <a:latin typeface="Courier New" panose="02070309020205020404" pitchFamily="49" charset="0"/>
+                <a:cs typeface="Courier New" panose="02070309020205020404" pitchFamily="49" charset="0"/>
+              </a:rPr>
+              <a:t>[[:class:]] may be used as wild card: </a:t>
+            </a:r>
+            <a:r>
+              <a:rPr lang="en-US" dirty="0"/>
+              <a:t>class may be alpha, </a:t>
+            </a:r>
+            <a:r>
+              <a:rPr lang="en-US" dirty="0" err="1"/>
+              <a:t>alnum</a:t>
+            </a:r>
+            <a:r>
+              <a:rPr lang="en-US" dirty="0"/>
+              <a:t>, ascii, digit, upper, lower, </a:t>
+            </a:r>
+            <a:r>
+              <a:rPr lang="en-US" dirty="0" err="1"/>
+              <a:t>punct</a:t>
+            </a:r>
+            <a:r>
+              <a:rPr lang="en-US" dirty="0"/>
+              <a:t>, word; try </a:t>
+            </a:r>
+            <a:r>
+              <a:rPr lang="en-US" b="1" dirty="0">
+                <a:latin typeface="Courier New" panose="02070309020205020404" pitchFamily="49" charset="0"/>
+                <a:cs typeface="Courier New" panose="02070309020205020404" pitchFamily="49" charset="0"/>
+              </a:rPr>
+              <a:t>ls /</a:t>
+            </a:r>
+            <a:r>
+              <a:rPr lang="en-US" b="1" dirty="0" err="1">
+                <a:latin typeface="Courier New" panose="02070309020205020404" pitchFamily="49" charset="0"/>
+                <a:cs typeface="Courier New" panose="02070309020205020404" pitchFamily="49" charset="0"/>
+              </a:rPr>
               <a:t>etc</a:t>
             </a:r>
             <a:r>
-              <a:rPr lang="en-US" dirty="0"/>
-              <a:t> you have access to, redirect stderr to </a:t>
-            </a:r>
-            <a:r>
-              <a:rPr lang="en-US" b="1" dirty="0">
-                <a:latin typeface="Courier New" panose="02070309020205020404" pitchFamily="49" charset="0"/>
-                <a:cs typeface="Courier New" panose="02070309020205020404" pitchFamily="49" charset="0"/>
-              </a:rPr>
-              <a:t>/dev/null</a:t>
-            </a:r>
-          </a:p>
-          <a:p>
-            <a:r>
-              <a:rPr lang="en-US" dirty="0"/>
-              <a:t>Build a software and collect errors and output in separate files, fill in the __ </a:t>
-            </a:r>
-            <a:br>
-              <a:rPr lang="en-US" dirty="0"/>
-            </a:br>
-            <a:r>
-              <a:rPr lang="en-US" b="1" dirty="0">
-                <a:latin typeface="Courier New" panose="02070309020205020404" pitchFamily="49" charset="0"/>
-                <a:cs typeface="Courier New" panose="02070309020205020404" pitchFamily="49" charset="0"/>
-              </a:rPr>
-              <a:t>make all __ </a:t>
-            </a:r>
-            <a:r>
-              <a:rPr lang="en-US" b="1" dirty="0" err="1">
-                <a:latin typeface="Courier New" panose="02070309020205020404" pitchFamily="49" charset="0"/>
-                <a:cs typeface="Courier New" panose="02070309020205020404" pitchFamily="49" charset="0"/>
-              </a:rPr>
-              <a:t>std.out</a:t>
-            </a:r>
-            <a:r>
-              <a:rPr lang="en-US" b="1" dirty="0">
-                <a:latin typeface="Courier New" panose="02070309020205020404" pitchFamily="49" charset="0"/>
-                <a:cs typeface="Courier New" panose="02070309020205020404" pitchFamily="49" charset="0"/>
-              </a:rPr>
-              <a:t> __ &gt;</a:t>
-            </a:r>
-            <a:r>
-              <a:rPr lang="en-US" b="1" dirty="0" err="1">
-                <a:latin typeface="Courier New" panose="02070309020205020404" pitchFamily="49" charset="0"/>
-                <a:cs typeface="Courier New" panose="02070309020205020404" pitchFamily="49" charset="0"/>
-              </a:rPr>
-              <a:t>std.err</a:t>
-            </a:r>
-            <a:endParaRPr lang="en-US" b="1" dirty="0">
-              <a:latin typeface="Courier New" panose="02070309020205020404" pitchFamily="49" charset="0"/>
-              <a:cs typeface="Courier New" panose="02070309020205020404" pitchFamily="49" charset="0"/>
-            </a:endParaRPr>
-          </a:p>
-          <a:p>
-            <a:r>
-              <a:rPr lang="en-US" dirty="0"/>
-              <a:t>Run </a:t>
-            </a:r>
-            <a:r>
-              <a:rPr lang="en-US" dirty="0" err="1"/>
-              <a:t>cmake</a:t>
-            </a:r>
-            <a:r>
-              <a:rPr lang="en-US" dirty="0"/>
-              <a:t> command and gather all logs in a single file in background</a:t>
-            </a:r>
-            <a:br>
-              <a:rPr lang="en-US" dirty="0"/>
-            </a:br>
-            <a:r>
-              <a:rPr lang="en-US" b="1" dirty="0" err="1">
-                <a:latin typeface="Courier New" panose="02070309020205020404" pitchFamily="49" charset="0"/>
-                <a:cs typeface="Courier New" panose="02070309020205020404" pitchFamily="49" charset="0"/>
-              </a:rPr>
-              <a:t>cmake</a:t>
-            </a:r>
-            <a:r>
-              <a:rPr lang="en-US" b="1" dirty="0">
-                <a:latin typeface="Courier New" panose="02070309020205020404" pitchFamily="49" charset="0"/>
-                <a:cs typeface="Courier New" panose="02070309020205020404" pitchFamily="49" charset="0"/>
-              </a:rPr>
-              <a:t> .. __ __ </a:t>
-            </a:r>
-            <a:r>
-              <a:rPr lang="en-US" b="1" dirty="0" err="1">
-                <a:latin typeface="Courier New" panose="02070309020205020404" pitchFamily="49" charset="0"/>
-                <a:cs typeface="Courier New" panose="02070309020205020404" pitchFamily="49" charset="0"/>
-              </a:rPr>
-              <a:t>cmake.log</a:t>
-            </a:r>
-            <a:r>
-              <a:rPr lang="en-US" b="1" dirty="0">
-                <a:latin typeface="Courier New" panose="02070309020205020404" pitchFamily="49" charset="0"/>
-                <a:cs typeface="Courier New" panose="02070309020205020404" pitchFamily="49" charset="0"/>
-              </a:rPr>
-              <a:t> __ </a:t>
-            </a:r>
-            <a:r>
-              <a:rPr lang="en-US" dirty="0">
-                <a:latin typeface="Courier New" panose="02070309020205020404" pitchFamily="49" charset="0"/>
-                <a:cs typeface="Courier New" panose="02070309020205020404" pitchFamily="49" charset="0"/>
-              </a:rPr>
-              <a:t>#bash v4 and above</a:t>
-            </a:r>
-          </a:p>
-          <a:p>
-            <a:r>
-              <a:rPr lang="en-US" dirty="0"/>
-              <a:t>Same as above in long format</a:t>
-            </a:r>
-            <a:br>
-              <a:rPr lang="en-US" dirty="0"/>
-            </a:br>
-            <a:r>
-              <a:rPr lang="en-US" b="1" dirty="0" err="1">
-                <a:latin typeface="Courier New" panose="02070309020205020404" pitchFamily="49" charset="0"/>
-                <a:cs typeface="Courier New" panose="02070309020205020404" pitchFamily="49" charset="0"/>
-              </a:rPr>
-              <a:t>mpirun</a:t>
-            </a:r>
-            <a:r>
-              <a:rPr lang="en-US" b="1" dirty="0">
-                <a:latin typeface="Courier New" panose="02070309020205020404" pitchFamily="49" charset="0"/>
-                <a:cs typeface="Courier New" panose="02070309020205020404" pitchFamily="49" charset="0"/>
-              </a:rPr>
-              <a:t> -np 8 ./</a:t>
-            </a:r>
-            <a:r>
-              <a:rPr lang="en-US" b="1" dirty="0" err="1">
-                <a:latin typeface="Courier New" panose="02070309020205020404" pitchFamily="49" charset="0"/>
-                <a:cs typeface="Courier New" panose="02070309020205020404" pitchFamily="49" charset="0"/>
-              </a:rPr>
-              <a:t>a.out</a:t>
-            </a:r>
-            <a:r>
-              <a:rPr lang="en-US" b="1" dirty="0">
-                <a:latin typeface="Courier New" panose="02070309020205020404" pitchFamily="49" charset="0"/>
-                <a:cs typeface="Courier New" panose="02070309020205020404" pitchFamily="49" charset="0"/>
-              </a:rPr>
-              <a:t> __ </a:t>
-            </a:r>
-            <a:r>
-              <a:rPr lang="en-US" b="1" dirty="0" err="1">
-                <a:latin typeface="Courier New" panose="02070309020205020404" pitchFamily="49" charset="0"/>
-                <a:cs typeface="Courier New" panose="02070309020205020404" pitchFamily="49" charset="0"/>
-              </a:rPr>
-              <a:t>outerr.txt</a:t>
-            </a:r>
-            <a:r>
-              <a:rPr lang="en-US" b="1" dirty="0">
-                <a:latin typeface="Courier New" panose="02070309020205020404" pitchFamily="49" charset="0"/>
-                <a:cs typeface="Courier New" panose="02070309020205020404" pitchFamily="49" charset="0"/>
-              </a:rPr>
-              <a:t> 2&gt;__1</a:t>
-            </a:r>
-          </a:p>
-          <a:p>
-            <a:endParaRPr lang="en-US" dirty="0"/>
+              <a:rPr lang="en-US" b="1" dirty="0">
+                <a:latin typeface="Courier New" panose="02070309020205020404" pitchFamily="49" charset="0"/>
+                <a:cs typeface="Courier New" panose="02070309020205020404" pitchFamily="49" charset="0"/>
+              </a:rPr>
+              <a:t>/[[:upper:]]*</a:t>
+            </a:r>
           </a:p>
           <a:p>
             <a:endParaRPr lang="en-US" dirty="0"/>
@@ -33059,7 +32965,7 @@
     </p:spTree>
     <p:extLst>
       <p:ext uri="{BB962C8B-B14F-4D97-AF65-F5344CB8AC3E}">
-        <p14:creationId xmlns:p14="http://schemas.microsoft.com/office/powerpoint/2010/main" val="3751392765"/>
+        <p14:creationId xmlns:p14="http://schemas.microsoft.com/office/powerpoint/2010/main" val="4215097671"/>
       </p:ext>
     </p:extLst>
   </p:cSld>
@@ -33091,7 +32997,7 @@
           <p:cNvPr id="2" name="Title 1">
             <a:extLst>
               <a:ext uri="{FF2B5EF4-FFF2-40B4-BE49-F238E27FC236}">
-                <a16:creationId xmlns:a16="http://schemas.microsoft.com/office/drawing/2014/main" id="{2C8A6D1D-37D6-C84C-B337-4D8AC6B2C20B}"/>
+                <a16:creationId xmlns:a16="http://schemas.microsoft.com/office/drawing/2014/main" id="{6972196C-1D2D-C240-AD57-E3EBC4FA030D}"/>
               </a:ext>
             </a:extLst>
           </p:cNvPr>
@@ -33120,7 +33026,7 @@
           <p:cNvPr id="3" name="Content Placeholder 2">
             <a:extLst>
               <a:ext uri="{FF2B5EF4-FFF2-40B4-BE49-F238E27FC236}">
-                <a16:creationId xmlns:a16="http://schemas.microsoft.com/office/drawing/2014/main" id="{78BC837B-CDB2-BC4B-85EE-9569019F8860}"/>
+                <a16:creationId xmlns:a16="http://schemas.microsoft.com/office/drawing/2014/main" id="{59541F7C-8324-CD41-84A0-D9DC3E4E12B8}"/>
               </a:ext>
             </a:extLst>
           </p:cNvPr>
@@ -33133,158 +33039,76 @@
         </p:nvSpPr>
         <p:spPr/>
         <p:txBody>
-          <a:bodyPr/>
-          <a:lstStyle/>
-          <a:p>
-            <a:pPr marL="0" indent="0">
-              <a:buNone/>
-            </a:pPr>
-            <a:r>
-              <a:rPr lang="en-US" dirty="0">
-                <a:ea typeface="Courier New" charset="0"/>
-                <a:cs typeface="Courier New" panose="02070309020205020404" pitchFamily="49" charset="0"/>
-              </a:rPr>
-              <a:t>Simplify the following command line:</a:t>
-            </a:r>
-          </a:p>
-          <a:p>
-            <a:pPr marL="0" indent="0">
-              <a:buNone/>
-            </a:pPr>
-            <a:r>
-              <a:rPr lang="en-US" b="1" dirty="0">
-                <a:latin typeface="Courier New" panose="02070309020205020404" pitchFamily="49" charset="0"/>
-                <a:ea typeface="Courier New" charset="0"/>
-                <a:cs typeface="Courier New" panose="02070309020205020404" pitchFamily="49" charset="0"/>
-              </a:rPr>
-              <a:t>TOKEN=$(</a:t>
+          <a:bodyPr>
+            <a:normAutofit/>
+          </a:bodyPr>
+          <a:lstStyle/>
+          <a:p>
+            <a:r>
+              <a:rPr lang="en-US" dirty="0"/>
+              <a:t>List all conf files in </a:t>
+            </a:r>
+            <a:r>
+              <a:rPr lang="en-US" b="1" dirty="0">
+                <a:latin typeface="Courier New" panose="02070309020205020404" pitchFamily="49" charset="0"/>
+                <a:cs typeface="Courier New" panose="02070309020205020404" pitchFamily="49" charset="0"/>
+              </a:rPr>
+              <a:t>/</a:t>
             </a:r>
             <a:r>
               <a:rPr lang="en-US" b="1" dirty="0" err="1">
                 <a:latin typeface="Courier New" panose="02070309020205020404" pitchFamily="49" charset="0"/>
-                <a:ea typeface="Courier New" charset="0"/>
-                <a:cs typeface="Courier New" panose="02070309020205020404" pitchFamily="49" charset="0"/>
-              </a:rPr>
-              <a:t>kubectl</a:t>
-            </a:r>
-            <a:r>
-              <a:rPr lang="en-US" b="1" dirty="0">
-                <a:latin typeface="Courier New" panose="02070309020205020404" pitchFamily="49" charset="0"/>
-                <a:ea typeface="Courier New" charset="0"/>
-                <a:cs typeface="Courier New" panose="02070309020205020404" pitchFamily="49" charset="0"/>
-              </a:rPr>
-              <a:t> describe secret -n </a:t>
+                <a:cs typeface="Courier New" panose="02070309020205020404" pitchFamily="49" charset="0"/>
+              </a:rPr>
+              <a:t>etc</a:t>
+            </a:r>
+            <a:r>
+              <a:rPr lang="en-US" dirty="0"/>
+              <a:t> you have access to, redirect stderr to </a:t>
+            </a:r>
+            <a:r>
+              <a:rPr lang="en-US" b="1" dirty="0">
+                <a:latin typeface="Courier New" panose="02070309020205020404" pitchFamily="49" charset="0"/>
+                <a:cs typeface="Courier New" panose="02070309020205020404" pitchFamily="49" charset="0"/>
+              </a:rPr>
+              <a:t>/dev/null</a:t>
+            </a:r>
+          </a:p>
+          <a:p>
+            <a:r>
+              <a:rPr lang="en-US" dirty="0"/>
+              <a:t>Build a software and collect errors and output in separate files, fill in the __ </a:t>
+            </a:r>
+            <a:br>
+              <a:rPr lang="en-US" dirty="0"/>
+            </a:br>
+            <a:r>
+              <a:rPr lang="en-US" b="1" dirty="0">
+                <a:latin typeface="Courier New" panose="02070309020205020404" pitchFamily="49" charset="0"/>
+                <a:cs typeface="Courier New" panose="02070309020205020404" pitchFamily="49" charset="0"/>
+              </a:rPr>
+              <a:t>make all __ </a:t>
             </a:r>
             <a:r>
               <a:rPr lang="en-US" b="1" dirty="0" err="1">
                 <a:latin typeface="Courier New" panose="02070309020205020404" pitchFamily="49" charset="0"/>
-                <a:ea typeface="Courier New" charset="0"/>
-                <a:cs typeface="Courier New" panose="02070309020205020404" pitchFamily="49" charset="0"/>
-              </a:rPr>
-              <a:t>kube</a:t>
-            </a:r>
-            <a:r>
-              <a:rPr lang="en-US" b="1" dirty="0">
-                <a:latin typeface="Courier New" panose="02070309020205020404" pitchFamily="49" charset="0"/>
-                <a:ea typeface="Courier New" charset="0"/>
-                <a:cs typeface="Courier New" panose="02070309020205020404" pitchFamily="49" charset="0"/>
-              </a:rPr>
-              <a:t>-system $(</a:t>
+                <a:cs typeface="Courier New" panose="02070309020205020404" pitchFamily="49" charset="0"/>
+              </a:rPr>
+              <a:t>std.out</a:t>
+            </a:r>
+            <a:r>
+              <a:rPr lang="en-US" b="1" dirty="0">
+                <a:latin typeface="Courier New" panose="02070309020205020404" pitchFamily="49" charset="0"/>
+                <a:cs typeface="Courier New" panose="02070309020205020404" pitchFamily="49" charset="0"/>
+              </a:rPr>
+              <a:t> __ &gt;</a:t>
             </a:r>
             <a:r>
               <a:rPr lang="en-US" b="1" dirty="0" err="1">
                 <a:latin typeface="Courier New" panose="02070309020205020404" pitchFamily="49" charset="0"/>
-                <a:ea typeface="Courier New" charset="0"/>
-                <a:cs typeface="Courier New" panose="02070309020205020404" pitchFamily="49" charset="0"/>
-              </a:rPr>
-              <a:t>kubectl</a:t>
-            </a:r>
-            <a:r>
-              <a:rPr lang="en-US" b="1" dirty="0">
-                <a:latin typeface="Courier New" panose="02070309020205020404" pitchFamily="49" charset="0"/>
-                <a:ea typeface="Courier New" charset="0"/>
-                <a:cs typeface="Courier New" panose="02070309020205020404" pitchFamily="49" charset="0"/>
-              </a:rPr>
-              <a:t> get secrets -n </a:t>
-            </a:r>
-            <a:r>
-              <a:rPr lang="en-US" b="1" dirty="0" err="1">
-                <a:latin typeface="Courier New" panose="02070309020205020404" pitchFamily="49" charset="0"/>
-                <a:ea typeface="Courier New" charset="0"/>
-                <a:cs typeface="Courier New" panose="02070309020205020404" pitchFamily="49" charset="0"/>
-              </a:rPr>
-              <a:t>kube</a:t>
-            </a:r>
-            <a:r>
-              <a:rPr lang="en-US" b="1" dirty="0">
-                <a:latin typeface="Courier New" panose="02070309020205020404" pitchFamily="49" charset="0"/>
-                <a:ea typeface="Courier New" charset="0"/>
-                <a:cs typeface="Courier New" panose="02070309020205020404" pitchFamily="49" charset="0"/>
-              </a:rPr>
-              <a:t>-system | grep default | cut -f1 -d ' ') | grep -E '^token' | cut -f2 -d':' | tr -d '\t' | tr -d " ")</a:t>
-            </a:r>
-          </a:p>
-          <a:p>
-            <a:pPr marL="342900" lvl="1" indent="0">
-              <a:buNone/>
-            </a:pPr>
-            <a:r>
-              <a:rPr lang="en-US" dirty="0"/>
-              <a:t>Hints:</a:t>
-            </a:r>
-          </a:p>
-          <a:p>
-            <a:pPr lvl="1"/>
-            <a:r>
-              <a:rPr lang="en-US" dirty="0"/>
-              <a:t>Replace the </a:t>
-            </a:r>
-            <a:r>
-              <a:rPr lang="en-US" b="1" dirty="0">
-                <a:latin typeface="Courier New" panose="02070309020205020404" pitchFamily="49" charset="0"/>
-                <a:cs typeface="Courier New" panose="02070309020205020404" pitchFamily="49" charset="0"/>
-              </a:rPr>
-              <a:t>cut</a:t>
-            </a:r>
-            <a:r>
-              <a:rPr lang="en-US" dirty="0"/>
-              <a:t> commands with </a:t>
-            </a:r>
-            <a:r>
-              <a:rPr lang="en-US" b="1" dirty="0" err="1">
-                <a:latin typeface="Courier New" panose="02070309020205020404" pitchFamily="49" charset="0"/>
-                <a:cs typeface="Courier New" panose="02070309020205020404" pitchFamily="49" charset="0"/>
-              </a:rPr>
-              <a:t>awk</a:t>
-            </a:r>
-            <a:r>
-              <a:rPr lang="en-US" dirty="0"/>
-              <a:t> commands</a:t>
-            </a:r>
-          </a:p>
-          <a:p>
-            <a:pPr lvl="1"/>
-            <a:r>
-              <a:rPr lang="en-US" dirty="0"/>
-              <a:t>Accommodate the </a:t>
-            </a:r>
-            <a:r>
-              <a:rPr lang="en-US" b="1" dirty="0">
-                <a:latin typeface="Courier New" panose="02070309020205020404" pitchFamily="49" charset="0"/>
-                <a:cs typeface="Courier New" panose="02070309020205020404" pitchFamily="49" charset="0"/>
-              </a:rPr>
-              <a:t>grep</a:t>
-            </a:r>
-            <a:r>
-              <a:rPr lang="en-US" dirty="0"/>
-              <a:t> within </a:t>
-            </a:r>
-            <a:r>
-              <a:rPr lang="en-US" b="1" dirty="0" err="1">
-                <a:latin typeface="Courier New" panose="02070309020205020404" pitchFamily="49" charset="0"/>
-                <a:cs typeface="Courier New" panose="02070309020205020404" pitchFamily="49" charset="0"/>
-              </a:rPr>
-              <a:t>awk</a:t>
+                <a:cs typeface="Courier New" panose="02070309020205020404" pitchFamily="49" charset="0"/>
+              </a:rPr>
+              <a:t>std.err</a:t>
             </a:r>
             <a:endParaRPr lang="en-US" b="1" dirty="0">
               <a:latin typeface="Courier New" panose="02070309020205020404" pitchFamily="49" charset="0"/>
@@ -33292,55 +33116,113 @@
             </a:endParaRPr>
           </a:p>
           <a:p>
-            <a:pPr lvl="1"/>
-            <a:r>
-              <a:rPr lang="en-US" dirty="0"/>
-              <a:t>Accommodate the two </a:t>
-            </a:r>
-            <a:r>
-              <a:rPr lang="en-US" b="1" dirty="0">
-                <a:latin typeface="Courier New" panose="02070309020205020404" pitchFamily="49" charset="0"/>
-                <a:cs typeface="Courier New" panose="02070309020205020404" pitchFamily="49" charset="0"/>
-              </a:rPr>
-              <a:t>tr</a:t>
-            </a:r>
-            <a:r>
-              <a:rPr lang="en-US" dirty="0"/>
-              <a:t> commands within </a:t>
-            </a:r>
+            <a:r>
+              <a:rPr lang="en-US" dirty="0"/>
+              <a:t>Run </a:t>
+            </a:r>
+            <a:r>
+              <a:rPr lang="en-US" dirty="0" err="1"/>
+              <a:t>cmake</a:t>
+            </a:r>
+            <a:r>
+              <a:rPr lang="en-US" dirty="0"/>
+              <a:t> command and gather all logs in a single file in background</a:t>
+            </a:r>
+            <a:br>
+              <a:rPr lang="en-US" dirty="0"/>
+            </a:br>
             <a:r>
               <a:rPr lang="en-US" b="1" dirty="0" err="1">
                 <a:latin typeface="Courier New" panose="02070309020205020404" pitchFamily="49" charset="0"/>
                 <a:cs typeface="Courier New" panose="02070309020205020404" pitchFamily="49" charset="0"/>
               </a:rPr>
-              <a:t>awk</a:t>
-            </a:r>
-            <a:r>
-              <a:rPr lang="en-US" dirty="0"/>
-              <a:t> commands (hint: use </a:t>
+              <a:t>cmake</a:t>
+            </a:r>
+            <a:r>
+              <a:rPr lang="en-US" b="1" dirty="0">
+                <a:latin typeface="Courier New" panose="02070309020205020404" pitchFamily="49" charset="0"/>
+                <a:cs typeface="Courier New" panose="02070309020205020404" pitchFamily="49" charset="0"/>
+              </a:rPr>
+              <a:t> .. __ __ </a:t>
             </a:r>
             <a:r>
               <a:rPr lang="en-US" b="1" dirty="0" err="1">
                 <a:latin typeface="Courier New" panose="02070309020205020404" pitchFamily="49" charset="0"/>
                 <a:cs typeface="Courier New" panose="02070309020205020404" pitchFamily="49" charset="0"/>
               </a:rPr>
-              <a:t>awk's</a:t>
-            </a:r>
-            <a:r>
-              <a:rPr lang="en-US" dirty="0"/>
-              <a:t> </a:t>
-            </a:r>
+              <a:t>cmake.log</a:t>
+            </a:r>
+            <a:r>
+              <a:rPr lang="en-US" b="1" dirty="0">
+                <a:latin typeface="Courier New" panose="02070309020205020404" pitchFamily="49" charset="0"/>
+                <a:cs typeface="Courier New" panose="02070309020205020404" pitchFamily="49" charset="0"/>
+              </a:rPr>
+              <a:t> __ </a:t>
+            </a:r>
+            <a:r>
+              <a:rPr lang="en-US" dirty="0">
+                <a:latin typeface="Courier New" panose="02070309020205020404" pitchFamily="49" charset="0"/>
+                <a:cs typeface="Courier New" panose="02070309020205020404" pitchFamily="49" charset="0"/>
+              </a:rPr>
+              <a:t>#bash v4 and above</a:t>
+            </a:r>
+          </a:p>
+          <a:p>
+            <a:r>
+              <a:rPr lang="en-US" dirty="0"/>
+              <a:t>Same as above in long format</a:t>
+            </a:r>
+            <a:br>
+              <a:rPr lang="en-US" dirty="0"/>
+            </a:br>
             <a:r>
               <a:rPr lang="en-US" b="1" dirty="0" err="1">
                 <a:latin typeface="Courier New" panose="02070309020205020404" pitchFamily="49" charset="0"/>
                 <a:cs typeface="Courier New" panose="02070309020205020404" pitchFamily="49" charset="0"/>
               </a:rPr>
-              <a:t>gsub</a:t>
-            </a:r>
-            <a:r>
-              <a:rPr lang="en-US" dirty="0"/>
-              <a:t> built-in function)</a:t>
-            </a:r>
+              <a:t>mpirun</a:t>
+            </a:r>
+            <a:r>
+              <a:rPr lang="en-US" b="1" dirty="0">
+                <a:latin typeface="Courier New" panose="02070309020205020404" pitchFamily="49" charset="0"/>
+                <a:cs typeface="Courier New" panose="02070309020205020404" pitchFamily="49" charset="0"/>
+              </a:rPr>
+              <a:t> -np 8 ./</a:t>
+            </a:r>
+            <a:r>
+              <a:rPr lang="en-US" b="1" dirty="0" err="1">
+                <a:latin typeface="Courier New" panose="02070309020205020404" pitchFamily="49" charset="0"/>
+                <a:cs typeface="Courier New" panose="02070309020205020404" pitchFamily="49" charset="0"/>
+              </a:rPr>
+              <a:t>a.out</a:t>
+            </a:r>
+            <a:r>
+              <a:rPr lang="en-US" b="1" dirty="0">
+                <a:latin typeface="Courier New" panose="02070309020205020404" pitchFamily="49" charset="0"/>
+                <a:cs typeface="Courier New" panose="02070309020205020404" pitchFamily="49" charset="0"/>
+              </a:rPr>
+              <a:t> __ </a:t>
+            </a:r>
+            <a:r>
+              <a:rPr lang="en-US" b="1" dirty="0" err="1">
+                <a:latin typeface="Courier New" panose="02070309020205020404" pitchFamily="49" charset="0"/>
+                <a:cs typeface="Courier New" panose="02070309020205020404" pitchFamily="49" charset="0"/>
+              </a:rPr>
+              <a:t>outerr.txt</a:t>
+            </a:r>
+            <a:r>
+              <a:rPr lang="en-US" b="1" dirty="0">
+                <a:latin typeface="Courier New" panose="02070309020205020404" pitchFamily="49" charset="0"/>
+                <a:cs typeface="Courier New" panose="02070309020205020404" pitchFamily="49" charset="0"/>
+              </a:rPr>
+              <a:t> 2&gt;__1</a:t>
+            </a:r>
+          </a:p>
+          <a:p>
+            <a:endParaRPr lang="en-US" dirty="0"/>
+          </a:p>
+          <a:p>
+            <a:endParaRPr lang="en-US" dirty="0"/>
           </a:p>
         </p:txBody>
       </p:sp>
@@ -33349,7 +33231,7 @@
           <p:cNvPr id="4" name="Slide Number Placeholder 3">
             <a:extLst>
               <a:ext uri="{FF2B5EF4-FFF2-40B4-BE49-F238E27FC236}">
-                <a16:creationId xmlns:a16="http://schemas.microsoft.com/office/drawing/2014/main" id="{A1930D3C-7900-9D40-9844-633F71C51685}"/>
+                <a16:creationId xmlns:a16="http://schemas.microsoft.com/office/drawing/2014/main" id="{6D0E0BA3-5ECE-E94D-B034-8F400208F397}"/>
               </a:ext>
             </a:extLst>
           </p:cNvPr>
@@ -33376,7 +33258,7 @@
     </p:spTree>
     <p:extLst>
       <p:ext uri="{BB962C8B-B14F-4D97-AF65-F5344CB8AC3E}">
-        <p14:creationId xmlns:p14="http://schemas.microsoft.com/office/powerpoint/2010/main" val="2758871504"/>
+        <p14:creationId xmlns:p14="http://schemas.microsoft.com/office/powerpoint/2010/main" val="3751392765"/>
       </p:ext>
     </p:extLst>
   </p:cSld>
@@ -33408,7 +33290,7 @@
           <p:cNvPr id="2" name="Title 1">
             <a:extLst>
               <a:ext uri="{FF2B5EF4-FFF2-40B4-BE49-F238E27FC236}">
-                <a16:creationId xmlns:a16="http://schemas.microsoft.com/office/drawing/2014/main" id="{4867DD7D-EAD5-C840-9B6F-7F94CE2B12A5}"/>
+                <a16:creationId xmlns:a16="http://schemas.microsoft.com/office/drawing/2014/main" id="{2C8A6D1D-37D6-C84C-B337-4D8AC6B2C20B}"/>
               </a:ext>
             </a:extLst>
           </p:cNvPr>
@@ -33437,7 +33319,7 @@
           <p:cNvPr id="3" name="Content Placeholder 2">
             <a:extLst>
               <a:ext uri="{FF2B5EF4-FFF2-40B4-BE49-F238E27FC236}">
-                <a16:creationId xmlns:a16="http://schemas.microsoft.com/office/drawing/2014/main" id="{2549E5C4-6B16-1645-BB9F-35B38BC3C0F9}"/>
+                <a16:creationId xmlns:a16="http://schemas.microsoft.com/office/drawing/2014/main" id="{78BC837B-CDB2-BC4B-85EE-9569019F8860}"/>
               </a:ext>
             </a:extLst>
           </p:cNvPr>
@@ -33450,293 +33332,214 @@
         </p:nvSpPr>
         <p:spPr/>
         <p:txBody>
-          <a:bodyPr>
-            <a:normAutofit/>
-          </a:bodyPr>
-          <a:lstStyle/>
-          <a:p>
-            <a:r>
-              <a:rPr lang="en-US" dirty="0"/>
-              <a:t>Create a file titled the words that start with letter 'C' ( </a:t>
-            </a:r>
-            <a:r>
-              <a:rPr lang="en-US" b="1" dirty="0"/>
-              <a:t>fill the __ </a:t>
-            </a:r>
-            <a:r>
-              <a:rPr lang="en-US" dirty="0"/>
-              <a:t>):</a:t>
+          <a:bodyPr/>
+          <a:lstStyle/>
+          <a:p>
+            <a:pPr marL="0" indent="0">
+              <a:buNone/>
+            </a:pPr>
+            <a:r>
+              <a:rPr lang="en-US" dirty="0">
+                <a:ea typeface="Courier New" charset="0"/>
+                <a:cs typeface="Courier New" panose="02070309020205020404" pitchFamily="49" charset="0"/>
+              </a:rPr>
+              <a:t>Simplify the following command line:</a:t>
+            </a:r>
+          </a:p>
+          <a:p>
+            <a:pPr marL="0" indent="0">
+              <a:buNone/>
+            </a:pPr>
+            <a:r>
+              <a:rPr lang="en-US" b="1" dirty="0">
+                <a:latin typeface="Courier New" panose="02070309020205020404" pitchFamily="49" charset="0"/>
+                <a:ea typeface="Courier New" charset="0"/>
+                <a:cs typeface="Courier New" panose="02070309020205020404" pitchFamily="49" charset="0"/>
+              </a:rPr>
+              <a:t>TOKEN=$(</a:t>
+            </a:r>
+            <a:r>
+              <a:rPr lang="en-US" b="1" dirty="0" err="1">
+                <a:latin typeface="Courier New" panose="02070309020205020404" pitchFamily="49" charset="0"/>
+                <a:ea typeface="Courier New" charset="0"/>
+                <a:cs typeface="Courier New" panose="02070309020205020404" pitchFamily="49" charset="0"/>
+              </a:rPr>
+              <a:t>kubectl</a:t>
+            </a:r>
+            <a:r>
+              <a:rPr lang="en-US" b="1" dirty="0">
+                <a:latin typeface="Courier New" panose="02070309020205020404" pitchFamily="49" charset="0"/>
+                <a:ea typeface="Courier New" charset="0"/>
+                <a:cs typeface="Courier New" panose="02070309020205020404" pitchFamily="49" charset="0"/>
+              </a:rPr>
+              <a:t> describe secret -n </a:t>
+            </a:r>
+            <a:r>
+              <a:rPr lang="en-US" b="1" dirty="0" err="1">
+                <a:latin typeface="Courier New" panose="02070309020205020404" pitchFamily="49" charset="0"/>
+                <a:ea typeface="Courier New" charset="0"/>
+                <a:cs typeface="Courier New" panose="02070309020205020404" pitchFamily="49" charset="0"/>
+              </a:rPr>
+              <a:t>kube</a:t>
+            </a:r>
+            <a:r>
+              <a:rPr lang="en-US" b="1" dirty="0">
+                <a:latin typeface="Courier New" panose="02070309020205020404" pitchFamily="49" charset="0"/>
+                <a:ea typeface="Courier New" charset="0"/>
+                <a:cs typeface="Courier New" panose="02070309020205020404" pitchFamily="49" charset="0"/>
+              </a:rPr>
+              <a:t>-system $(</a:t>
+            </a:r>
+            <a:r>
+              <a:rPr lang="en-US" b="1" dirty="0" err="1">
+                <a:latin typeface="Courier New" panose="02070309020205020404" pitchFamily="49" charset="0"/>
+                <a:ea typeface="Courier New" charset="0"/>
+                <a:cs typeface="Courier New" panose="02070309020205020404" pitchFamily="49" charset="0"/>
+              </a:rPr>
+              <a:t>kubectl</a:t>
+            </a:r>
+            <a:r>
+              <a:rPr lang="en-US" b="1" dirty="0">
+                <a:latin typeface="Courier New" panose="02070309020205020404" pitchFamily="49" charset="0"/>
+                <a:ea typeface="Courier New" charset="0"/>
+                <a:cs typeface="Courier New" panose="02070309020205020404" pitchFamily="49" charset="0"/>
+              </a:rPr>
+              <a:t> get secrets -n </a:t>
+            </a:r>
+            <a:r>
+              <a:rPr lang="en-US" b="1" dirty="0" err="1">
+                <a:latin typeface="Courier New" panose="02070309020205020404" pitchFamily="49" charset="0"/>
+                <a:ea typeface="Courier New" charset="0"/>
+                <a:cs typeface="Courier New" panose="02070309020205020404" pitchFamily="49" charset="0"/>
+              </a:rPr>
+              <a:t>kube</a:t>
+            </a:r>
+            <a:r>
+              <a:rPr lang="en-US" b="1" dirty="0">
+                <a:latin typeface="Courier New" panose="02070309020205020404" pitchFamily="49" charset="0"/>
+                <a:ea typeface="Courier New" charset="0"/>
+                <a:cs typeface="Courier New" panose="02070309020205020404" pitchFamily="49" charset="0"/>
+              </a:rPr>
+              <a:t>-system | grep default | cut -f1 -d ' ') | grep -E '^token' | cut -f2 -d':' | tr -d '\t' | tr -d " ")</a:t>
+            </a:r>
+          </a:p>
+          <a:p>
+            <a:pPr marL="342900" lvl="1" indent="0">
+              <a:buNone/>
+            </a:pPr>
+            <a:r>
+              <a:rPr lang="en-US" dirty="0"/>
+              <a:t>Hints:</a:t>
             </a:r>
           </a:p>
           <a:p>
             <a:pPr lvl="1"/>
             <a:r>
-              <a:rPr lang="en-US" b="1" dirty="0">
-                <a:latin typeface="Courier New" charset="0"/>
-                <a:ea typeface="Courier New" charset="0"/>
-                <a:cs typeface="Courier New" charset="0"/>
-              </a:rPr>
-              <a:t>grep -</a:t>
+              <a:rPr lang="en-US" dirty="0"/>
+              <a:t>Replace the </a:t>
+            </a:r>
+            <a:r>
+              <a:rPr lang="en-US" b="1" dirty="0">
+                <a:latin typeface="Courier New" panose="02070309020205020404" pitchFamily="49" charset="0"/>
+                <a:cs typeface="Courier New" panose="02070309020205020404" pitchFamily="49" charset="0"/>
+              </a:rPr>
+              <a:t>cut</a:t>
+            </a:r>
+            <a:r>
+              <a:rPr lang="en-US" dirty="0"/>
+              <a:t> commands with </a:t>
             </a:r>
             <a:r>
               <a:rPr lang="en-US" b="1" dirty="0" err="1">
-                <a:latin typeface="Courier New" charset="0"/>
-                <a:ea typeface="Courier New" charset="0"/>
-                <a:cs typeface="Courier New" charset="0"/>
-              </a:rPr>
-              <a:t>i</a:t>
-            </a:r>
-            <a:r>
-              <a:rPr lang="en-US" b="1" dirty="0">
-                <a:latin typeface="Courier New" charset="0"/>
-                <a:ea typeface="Courier New" charset="0"/>
-                <a:cs typeface="Courier New" charset="0"/>
-              </a:rPr>
-              <a:t> '^c' </a:t>
+                <a:latin typeface="Courier New" panose="02070309020205020404" pitchFamily="49" charset="0"/>
+                <a:cs typeface="Courier New" panose="02070309020205020404" pitchFamily="49" charset="0"/>
+              </a:rPr>
+              <a:t>awk</a:t>
+            </a:r>
+            <a:r>
+              <a:rPr lang="en-US" dirty="0"/>
+              <a:t> commands</a:t>
+            </a:r>
+          </a:p>
+          <a:p>
+            <a:pPr lvl="1"/>
+            <a:r>
+              <a:rPr lang="en-US" dirty="0"/>
+              <a:t>Accommodate the </a:t>
+            </a:r>
+            <a:r>
+              <a:rPr lang="en-US" b="1" dirty="0">
+                <a:latin typeface="Courier New" panose="02070309020205020404" pitchFamily="49" charset="0"/>
+                <a:cs typeface="Courier New" panose="02070309020205020404" pitchFamily="49" charset="0"/>
+              </a:rPr>
+              <a:t>grep</a:t>
+            </a:r>
+            <a:r>
+              <a:rPr lang="en-US" dirty="0"/>
+              <a:t> within </a:t>
             </a:r>
             <a:r>
               <a:rPr lang="en-US" b="1" dirty="0" err="1">
-                <a:latin typeface="Courier New" charset="0"/>
-                <a:ea typeface="Courier New" charset="0"/>
-                <a:cs typeface="Courier New" charset="0"/>
-              </a:rPr>
-              <a:t>states.txt</a:t>
-            </a:r>
-            <a:r>
-              <a:rPr lang="en-US" b="1" dirty="0">
-                <a:latin typeface="Courier New" charset="0"/>
-                <a:ea typeface="Courier New" charset="0"/>
-                <a:cs typeface="Courier New" charset="0"/>
-              </a:rPr>
-              <a:t> |</a:t>
+                <a:latin typeface="Courier New" panose="02070309020205020404" pitchFamily="49" charset="0"/>
+                <a:cs typeface="Courier New" panose="02070309020205020404" pitchFamily="49" charset="0"/>
+              </a:rPr>
+              <a:t>awk</a:t>
+            </a:r>
+            <a:endParaRPr lang="en-US" b="1" dirty="0">
+              <a:latin typeface="Courier New" panose="02070309020205020404" pitchFamily="49" charset="0"/>
+              <a:cs typeface="Courier New" panose="02070309020205020404" pitchFamily="49" charset="0"/>
+            </a:endParaRPr>
+          </a:p>
+          <a:p>
+            <a:pPr lvl="1"/>
+            <a:r>
+              <a:rPr lang="en-US" dirty="0"/>
+              <a:t>Accommodate the two </a:t>
+            </a:r>
+            <a:r>
+              <a:rPr lang="en-US" b="1" dirty="0">
+                <a:latin typeface="Courier New" panose="02070309020205020404" pitchFamily="49" charset="0"/>
+                <a:cs typeface="Courier New" panose="02070309020205020404" pitchFamily="49" charset="0"/>
+              </a:rPr>
+              <a:t>tr</a:t>
+            </a:r>
+            <a:r>
+              <a:rPr lang="en-US" dirty="0"/>
+              <a:t> commands within </a:t>
             </a:r>
             <a:r>
               <a:rPr lang="en-US" b="1" dirty="0" err="1">
-                <a:latin typeface="Courier New" charset="0"/>
-                <a:ea typeface="Courier New" charset="0"/>
-                <a:cs typeface="Courier New" charset="0"/>
+                <a:latin typeface="Courier New" panose="02070309020205020404" pitchFamily="49" charset="0"/>
+                <a:cs typeface="Courier New" panose="02070309020205020404" pitchFamily="49" charset="0"/>
               </a:rPr>
               <a:t>awk</a:t>
             </a:r>
             <a:r>
-              <a:rPr lang="en-US" b="1" dirty="0">
-                <a:latin typeface="Courier New" charset="0"/>
-                <a:ea typeface="Courier New" charset="0"/>
-                <a:cs typeface="Courier New" charset="0"/>
-              </a:rPr>
-              <a:t> '{print $4}'| __ touch</a:t>
-            </a:r>
-            <a:endParaRPr lang="en-US" dirty="0">
-              <a:latin typeface="Courier New" charset="0"/>
-              <a:ea typeface="Courier New" charset="0"/>
-              <a:cs typeface="Courier New" charset="0"/>
-            </a:endParaRPr>
-          </a:p>
-          <a:p>
-            <a:r>
-              <a:rPr lang="en-US" dirty="0">
-                <a:ea typeface="Courier New" charset="0"/>
-                <a:cs typeface="Courier New" charset="0"/>
-              </a:rPr>
-              <a:t>Remove temporary files:</a:t>
-            </a:r>
-          </a:p>
-          <a:p>
-            <a:pPr lvl="1"/>
-            <a:r>
-              <a:rPr lang="en-US" b="1" dirty="0">
-                <a:latin typeface="Courier New" charset="0"/>
-                <a:ea typeface="Courier New" charset="0"/>
-                <a:cs typeface="Courier New" charset="0"/>
-              </a:rPr>
-              <a:t>find . </a:t>
-            </a:r>
-            <a:r>
-              <a:rPr lang="mr-IN" b="1" dirty="0">
-                <a:latin typeface="Courier New" charset="0"/>
-                <a:ea typeface="Courier New" charset="0"/>
-                <a:cs typeface="Courier New" charset="0"/>
-              </a:rPr>
-              <a:t>–</a:t>
+              <a:rPr lang="en-US" dirty="0"/>
+              <a:t> commands (hint: use </a:t>
             </a:r>
             <a:r>
               <a:rPr lang="en-US" b="1" dirty="0" err="1">
-                <a:latin typeface="Courier New" charset="0"/>
-                <a:ea typeface="Courier New" charset="0"/>
-                <a:cs typeface="Courier New" charset="0"/>
-              </a:rPr>
-              <a:t>iname</a:t>
-            </a:r>
-            <a:r>
-              <a:rPr lang="en-US" b="1" dirty="0">
-                <a:latin typeface="Courier New" charset="0"/>
-                <a:ea typeface="Courier New" charset="0"/>
-                <a:cs typeface="Courier New" charset="0"/>
-              </a:rPr>
-              <a:t> '*.</a:t>
+                <a:latin typeface="Courier New" panose="02070309020205020404" pitchFamily="49" charset="0"/>
+                <a:cs typeface="Courier New" panose="02070309020205020404" pitchFamily="49" charset="0"/>
+              </a:rPr>
+              <a:t>awk's</a:t>
+            </a:r>
+            <a:r>
+              <a:rPr lang="en-US" dirty="0"/>
+              <a:t> </a:t>
             </a:r>
             <a:r>
               <a:rPr lang="en-US" b="1" dirty="0" err="1">
-                <a:latin typeface="Courier New" charset="0"/>
-                <a:ea typeface="Courier New" charset="0"/>
-                <a:cs typeface="Courier New" charset="0"/>
-              </a:rPr>
-              <a:t>tmp</a:t>
-            </a:r>
-            <a:r>
-              <a:rPr lang="en-US" b="1" dirty="0">
-                <a:latin typeface="Courier New" charset="0"/>
-                <a:ea typeface="Courier New" charset="0"/>
-                <a:cs typeface="Courier New" charset="0"/>
-              </a:rPr>
-              <a:t>' | __ </a:t>
-            </a:r>
-            <a:r>
-              <a:rPr lang="en-US" b="1" dirty="0" err="1">
-                <a:latin typeface="Courier New" charset="0"/>
-                <a:ea typeface="Courier New" charset="0"/>
-                <a:cs typeface="Courier New" charset="0"/>
-              </a:rPr>
-              <a:t>rm</a:t>
-            </a:r>
-            <a:r>
-              <a:rPr lang="en-US" b="1" dirty="0">
-                <a:latin typeface="Courier New" charset="0"/>
-                <a:ea typeface="Courier New" charset="0"/>
-                <a:cs typeface="Courier New" charset="0"/>
-              </a:rPr>
-              <a:t> #ok</a:t>
-            </a:r>
-          </a:p>
-          <a:p>
-            <a:r>
-              <a:rPr lang="en-US" dirty="0">
-                <a:ea typeface="Courier New" charset="0"/>
-                <a:cs typeface="Courier New" charset="0"/>
-              </a:rPr>
-              <a:t>Create a directory for all running processes</a:t>
-            </a:r>
-          </a:p>
-          <a:p>
-            <a:pPr lvl="1"/>
-            <a:r>
-              <a:rPr lang="en-US" b="1" dirty="0" err="1">
-                <a:latin typeface="Courier New" charset="0"/>
-                <a:ea typeface="Courier New" charset="0"/>
-                <a:cs typeface="Courier New" charset="0"/>
-              </a:rPr>
-              <a:t>ps</a:t>
-            </a:r>
-            <a:r>
-              <a:rPr lang="en-US" b="1" dirty="0">
-                <a:latin typeface="Courier New" charset="0"/>
-                <a:ea typeface="Courier New" charset="0"/>
-                <a:cs typeface="Courier New" charset="0"/>
-              </a:rPr>
-              <a:t> | </a:t>
-            </a:r>
-            <a:r>
-              <a:rPr lang="en-US" b="1" dirty="0" err="1">
-                <a:latin typeface="Courier New" charset="0"/>
-                <a:ea typeface="Courier New" charset="0"/>
-                <a:cs typeface="Courier New" charset="0"/>
-              </a:rPr>
-              <a:t>awk</a:t>
-            </a:r>
-            <a:r>
-              <a:rPr lang="en-US" b="1" dirty="0">
-                <a:latin typeface="Courier New" charset="0"/>
-                <a:ea typeface="Courier New" charset="0"/>
-                <a:cs typeface="Courier New" charset="0"/>
-              </a:rPr>
-              <a:t> ‘NR != 1 {print $4}’| </a:t>
-            </a:r>
-            <a:r>
-              <a:rPr lang="en-US" b="1" dirty="0" err="1">
-                <a:latin typeface="Courier New" charset="0"/>
-                <a:ea typeface="Courier New" charset="0"/>
-                <a:cs typeface="Courier New" charset="0"/>
-              </a:rPr>
-              <a:t>mkdir</a:t>
-            </a:r>
-            <a:r>
-              <a:rPr lang="en-US" b="1" dirty="0">
-                <a:latin typeface="Courier New" charset="0"/>
-                <a:ea typeface="Courier New" charset="0"/>
-                <a:cs typeface="Courier New" charset="0"/>
-              </a:rPr>
-              <a:t> </a:t>
-            </a:r>
-            <a:r>
-              <a:rPr lang="en-US" b="1" dirty="0">
-                <a:solidFill>
-                  <a:srgbClr val="FF0000"/>
-                </a:solidFill>
-                <a:latin typeface="Courier New" charset="0"/>
-                <a:ea typeface="Courier New" charset="0"/>
-                <a:cs typeface="Courier New" charset="0"/>
-              </a:rPr>
-              <a:t>#NOT OK</a:t>
-            </a:r>
-          </a:p>
-          <a:p>
-            <a:pPr lvl="1"/>
-            <a:r>
-              <a:rPr lang="en-US" b="1" dirty="0" err="1">
-                <a:latin typeface="Courier New" charset="0"/>
-                <a:ea typeface="Courier New" charset="0"/>
-                <a:cs typeface="Courier New" charset="0"/>
-              </a:rPr>
-              <a:t>ps</a:t>
-            </a:r>
-            <a:r>
-              <a:rPr lang="en-US" b="1" dirty="0">
-                <a:latin typeface="Courier New" charset="0"/>
-                <a:ea typeface="Courier New" charset="0"/>
-                <a:cs typeface="Courier New" charset="0"/>
-              </a:rPr>
-              <a:t> | </a:t>
-            </a:r>
-            <a:r>
-              <a:rPr lang="en-US" b="1" dirty="0" err="1">
-                <a:latin typeface="Courier New" charset="0"/>
-                <a:ea typeface="Courier New" charset="0"/>
-                <a:cs typeface="Courier New" charset="0"/>
-              </a:rPr>
-              <a:t>awk</a:t>
-            </a:r>
-            <a:r>
-              <a:rPr lang="en-US" b="1" dirty="0">
-                <a:latin typeface="Courier New" charset="0"/>
-                <a:ea typeface="Courier New" charset="0"/>
-                <a:cs typeface="Courier New" charset="0"/>
-              </a:rPr>
-              <a:t> ‘NR != 1 {print $4}’| __ </a:t>
-            </a:r>
-            <a:r>
-              <a:rPr lang="en-US" b="1" dirty="0" err="1">
-                <a:latin typeface="Courier New" charset="0"/>
-                <a:ea typeface="Courier New" charset="0"/>
-                <a:cs typeface="Courier New" charset="0"/>
-              </a:rPr>
-              <a:t>mkdir</a:t>
-            </a:r>
-            <a:r>
-              <a:rPr lang="en-US" b="1" dirty="0">
-                <a:latin typeface="Courier New" charset="0"/>
-                <a:ea typeface="Courier New" charset="0"/>
-                <a:cs typeface="Courier New" charset="0"/>
-              </a:rPr>
-              <a:t> #ok</a:t>
-            </a:r>
-            <a:endParaRPr lang="en-US" dirty="0">
-              <a:latin typeface="Courier New" charset="0"/>
-              <a:ea typeface="Courier New" charset="0"/>
-              <a:cs typeface="Courier New" charset="0"/>
-            </a:endParaRPr>
-          </a:p>
-          <a:p>
-            <a:endParaRPr lang="en-US" dirty="0"/>
+                <a:latin typeface="Courier New" panose="02070309020205020404" pitchFamily="49" charset="0"/>
+                <a:cs typeface="Courier New" panose="02070309020205020404" pitchFamily="49" charset="0"/>
+              </a:rPr>
+              <a:t>gsub</a:t>
+            </a:r>
+            <a:r>
+              <a:rPr lang="en-US" dirty="0"/>
+              <a:t> built-in function)</a:t>
+            </a:r>
           </a:p>
         </p:txBody>
       </p:sp>
@@ -33745,7 +33548,7 @@
           <p:cNvPr id="4" name="Slide Number Placeholder 3">
             <a:extLst>
               <a:ext uri="{FF2B5EF4-FFF2-40B4-BE49-F238E27FC236}">
-                <a16:creationId xmlns:a16="http://schemas.microsoft.com/office/drawing/2014/main" id="{005D8DD7-1826-8040-B0EE-03F5122CA6C0}"/>
+                <a16:creationId xmlns:a16="http://schemas.microsoft.com/office/drawing/2014/main" id="{A1930D3C-7900-9D40-9844-633F71C51685}"/>
               </a:ext>
             </a:extLst>
           </p:cNvPr>
@@ -33772,7 +33575,7 @@
     </p:spTree>
     <p:extLst>
       <p:ext uri="{BB962C8B-B14F-4D97-AF65-F5344CB8AC3E}">
-        <p14:creationId xmlns:p14="http://schemas.microsoft.com/office/powerpoint/2010/main" val="1649254212"/>
+        <p14:creationId xmlns:p14="http://schemas.microsoft.com/office/powerpoint/2010/main" val="2758871504"/>
       </p:ext>
     </p:extLst>
   </p:cSld>
@@ -33804,7 +33607,7 @@
           <p:cNvPr id="2" name="Title 1">
             <a:extLst>
               <a:ext uri="{FF2B5EF4-FFF2-40B4-BE49-F238E27FC236}">
-                <a16:creationId xmlns:a16="http://schemas.microsoft.com/office/drawing/2014/main" id="{6972196C-1D2D-C240-AD57-E3EBC4FA030D}"/>
+                <a16:creationId xmlns:a16="http://schemas.microsoft.com/office/drawing/2014/main" id="{4867DD7D-EAD5-C840-9B6F-7F94CE2B12A5}"/>
               </a:ext>
             </a:extLst>
           </p:cNvPr>
@@ -33823,13 +33626,8 @@
             <a:pPr algn="ctr"/>
             <a:r>
               <a:rPr lang="en-US" dirty="0"/>
-              <a:t>Practice </a:t>
-            </a:r>
-            <a:r>
-              <a:rPr lang="en-US"/>
-              <a:t>and Exercises</a:t>
-            </a:r>
-            <a:endParaRPr lang="en-US" dirty="0"/>
+              <a:t>Practice and Exercises</a:t>
+            </a:r>
           </a:p>
         </p:txBody>
       </p:sp>
@@ -33838,7 +33636,7 @@
           <p:cNvPr id="3" name="Content Placeholder 2">
             <a:extLst>
               <a:ext uri="{FF2B5EF4-FFF2-40B4-BE49-F238E27FC236}">
-                <a16:creationId xmlns:a16="http://schemas.microsoft.com/office/drawing/2014/main" id="{59541F7C-8324-CD41-84A0-D9DC3E4E12B8}"/>
+                <a16:creationId xmlns:a16="http://schemas.microsoft.com/office/drawing/2014/main" id="{2549E5C4-6B16-1645-BB9F-35B38BC3C0F9}"/>
               </a:ext>
             </a:extLst>
           </p:cNvPr>
@@ -33852,35 +33650,94 @@
         <p:spPr/>
         <p:txBody>
           <a:bodyPr>
-            <a:normAutofit fontScale="92500"/>
+            <a:normAutofit/>
           </a:bodyPr>
           <a:lstStyle/>
           <a:p>
             <a:r>
               <a:rPr lang="en-US" dirty="0"/>
-              <a:t>Use </a:t>
+              <a:t>Create a file titled the words that start with letter 'C' ( </a:t>
+            </a:r>
+            <a:r>
+              <a:rPr lang="en-US" b="1" dirty="0"/>
+              <a:t>fill the __ </a:t>
+            </a:r>
+            <a:r>
+              <a:rPr lang="en-US" dirty="0"/>
+              <a:t>):</a:t>
+            </a:r>
+          </a:p>
+          <a:p>
+            <a:pPr lvl="1"/>
+            <a:r>
+              <a:rPr lang="en-US" b="1" dirty="0">
+                <a:latin typeface="Courier New" charset="0"/>
+                <a:ea typeface="Courier New" charset="0"/>
+                <a:cs typeface="Courier New" charset="0"/>
+              </a:rPr>
+              <a:t>grep -</a:t>
             </a:r>
             <a:r>
               <a:rPr lang="en-US" b="1" dirty="0" err="1">
-                <a:latin typeface="Courier New" panose="02070309020205020404" pitchFamily="49" charset="0"/>
-                <a:cs typeface="Courier New" panose="02070309020205020404" pitchFamily="49" charset="0"/>
-              </a:rPr>
-              <a:t>sed</a:t>
-            </a:r>
-            <a:r>
-              <a:rPr lang="en-US" dirty="0"/>
-              <a:t> to print lines 11-15 of </a:t>
-            </a:r>
-            <a:r>
-              <a:rPr lang="en-US" dirty="0" err="1"/>
+                <a:latin typeface="Courier New" charset="0"/>
+                <a:ea typeface="Courier New" charset="0"/>
+                <a:cs typeface="Courier New" charset="0"/>
+              </a:rPr>
+              <a:t>i</a:t>
+            </a:r>
+            <a:r>
+              <a:rPr lang="en-US" b="1" dirty="0">
+                <a:latin typeface="Courier New" charset="0"/>
+                <a:ea typeface="Courier New" charset="0"/>
+                <a:cs typeface="Courier New" charset="0"/>
+              </a:rPr>
+              <a:t> '^c' </a:t>
+            </a:r>
+            <a:r>
+              <a:rPr lang="en-US" b="1" dirty="0" err="1">
+                <a:latin typeface="Courier New" charset="0"/>
+                <a:ea typeface="Courier New" charset="0"/>
+                <a:cs typeface="Courier New" charset="0"/>
+              </a:rPr>
               <a:t>states.txt</a:t>
             </a:r>
-            <a:endParaRPr lang="en-US" dirty="0"/>
-          </a:p>
-          <a:p>
-            <a:r>
-              <a:rPr lang="en-US" dirty="0"/>
-              <a:t>Fill up the __ in the following find commands</a:t>
+            <a:r>
+              <a:rPr lang="en-US" b="1" dirty="0">
+                <a:latin typeface="Courier New" charset="0"/>
+                <a:ea typeface="Courier New" charset="0"/>
+                <a:cs typeface="Courier New" charset="0"/>
+              </a:rPr>
+              <a:t> |</a:t>
+            </a:r>
+            <a:r>
+              <a:rPr lang="en-US" b="1" dirty="0" err="1">
+                <a:latin typeface="Courier New" charset="0"/>
+                <a:ea typeface="Courier New" charset="0"/>
+                <a:cs typeface="Courier New" charset="0"/>
+              </a:rPr>
+              <a:t>awk</a:t>
+            </a:r>
+            <a:r>
+              <a:rPr lang="en-US" b="1" dirty="0">
+                <a:latin typeface="Courier New" charset="0"/>
+                <a:ea typeface="Courier New" charset="0"/>
+                <a:cs typeface="Courier New" charset="0"/>
+              </a:rPr>
+              <a:t> '{print $4}'| __ touch</a:t>
+            </a:r>
+            <a:endParaRPr lang="en-US" dirty="0">
+              <a:latin typeface="Courier New" charset="0"/>
+              <a:ea typeface="Courier New" charset="0"/>
+              <a:cs typeface="Courier New" charset="0"/>
+            </a:endParaRPr>
+          </a:p>
+          <a:p>
+            <a:r>
+              <a:rPr lang="en-US" dirty="0">
+                <a:ea typeface="Courier New" charset="0"/>
+                <a:cs typeface="Courier New" charset="0"/>
+              </a:rPr>
+              <a:t>Remove temporary files:</a:t>
             </a:r>
           </a:p>
           <a:p>
@@ -33891,7 +33748,15 @@
                 <a:ea typeface="Courier New" charset="0"/>
                 <a:cs typeface="Courier New" charset="0"/>
               </a:rPr>
-              <a:t>__ . -type d -perm 777 -exec </a:t>
+              <a:t>find . </a:t>
+            </a:r>
+            <a:r>
+              <a:rPr lang="mr-IN" b="1" dirty="0">
+                <a:latin typeface="Courier New" charset="0"/>
+                <a:ea typeface="Courier New" charset="0"/>
+                <a:cs typeface="Courier New" charset="0"/>
+              </a:rPr>
+              <a:t>–</a:t>
             </a:r>
             <a:r>
               <a:rPr lang="en-US" b="1" dirty="0" err="1">
@@ -33899,42 +33764,75 @@
                 <a:ea typeface="Courier New" charset="0"/>
                 <a:cs typeface="Courier New" charset="0"/>
               </a:rPr>
-              <a:t>chmod</a:t>
-            </a:r>
-            <a:r>
-              <a:rPr lang="en-US" b="1" dirty="0">
-                <a:latin typeface="Courier New" charset="0"/>
-                <a:ea typeface="Courier New" charset="0"/>
-                <a:cs typeface="Courier New" charset="0"/>
-              </a:rPr>
-              <a:t> 755 {} +</a:t>
+              <a:t>iname</a:t>
+            </a:r>
+            <a:r>
+              <a:rPr lang="en-US" b="1" dirty="0">
+                <a:latin typeface="Courier New" charset="0"/>
+                <a:ea typeface="Courier New" charset="0"/>
+                <a:cs typeface="Courier New" charset="0"/>
+              </a:rPr>
+              <a:t> '*.</a:t>
+            </a:r>
+            <a:r>
+              <a:rPr lang="en-US" b="1" dirty="0" err="1">
+                <a:latin typeface="Courier New" charset="0"/>
+                <a:ea typeface="Courier New" charset="0"/>
+                <a:cs typeface="Courier New" charset="0"/>
+              </a:rPr>
+              <a:t>tmp</a:t>
+            </a:r>
+            <a:r>
+              <a:rPr lang="en-US" b="1" dirty="0">
+                <a:latin typeface="Courier New" charset="0"/>
+                <a:ea typeface="Courier New" charset="0"/>
+                <a:cs typeface="Courier New" charset="0"/>
+              </a:rPr>
+              <a:t>' | __ </a:t>
+            </a:r>
+            <a:r>
+              <a:rPr lang="en-US" b="1" dirty="0" err="1">
+                <a:latin typeface="Courier New" charset="0"/>
+                <a:ea typeface="Courier New" charset="0"/>
+                <a:cs typeface="Courier New" charset="0"/>
+              </a:rPr>
+              <a:t>rm</a:t>
+            </a:r>
+            <a:r>
+              <a:rPr lang="en-US" b="1" dirty="0">
+                <a:latin typeface="Courier New" charset="0"/>
+                <a:ea typeface="Courier New" charset="0"/>
+                <a:cs typeface="Courier New" charset="0"/>
+              </a:rPr>
+              <a:t> #ok</a:t>
+            </a:r>
+          </a:p>
+          <a:p>
+            <a:r>
+              <a:rPr lang="en-US" dirty="0">
+                <a:ea typeface="Courier New" charset="0"/>
+                <a:cs typeface="Courier New" charset="0"/>
+              </a:rPr>
+              <a:t>Create a directory for all running processes</a:t>
             </a:r>
           </a:p>
           <a:p>
             <a:pPr lvl="1"/>
             <a:r>
-              <a:rPr lang="en-US" b="1" dirty="0">
-                <a:latin typeface="Courier New" charset="0"/>
-                <a:ea typeface="Courier New" charset="0"/>
-                <a:cs typeface="Courier New" charset="0"/>
-              </a:rPr>
-              <a:t>find . -type __ -name "*.</a:t>
-            </a:r>
-            <a:r>
               <a:rPr lang="en-US" b="1" dirty="0" err="1">
                 <a:latin typeface="Courier New" charset="0"/>
                 <a:ea typeface="Courier New" charset="0"/>
                 <a:cs typeface="Courier New" charset="0"/>
               </a:rPr>
-              <a:t>tmp</a:t>
-            </a:r>
-            <a:r>
-              <a:rPr lang="en-US" b="1" dirty="0">
-                <a:latin typeface="Courier New" charset="0"/>
-                <a:ea typeface="Courier New" charset="0"/>
-                <a:cs typeface="Courier New" charset="0"/>
-              </a:rPr>
-              <a:t>" -exec </a:t>
+              <a:t>ps</a:t>
+            </a:r>
+            <a:r>
+              <a:rPr lang="en-US" b="1" dirty="0">
+                <a:latin typeface="Courier New" charset="0"/>
+                <a:ea typeface="Courier New" charset="0"/>
+                <a:cs typeface="Courier New" charset="0"/>
+              </a:rPr>
+              <a:t> | </a:t>
             </a:r>
             <a:r>
               <a:rPr lang="en-US" b="1" dirty="0" err="1">
@@ -33942,77 +33840,61 @@
                 <a:ea typeface="Courier New" charset="0"/>
                 <a:cs typeface="Courier New" charset="0"/>
               </a:rPr>
-              <a:t>rm</a:t>
-            </a:r>
-            <a:r>
-              <a:rPr lang="en-US" b="1" dirty="0">
-                <a:latin typeface="Courier New" charset="0"/>
-                <a:ea typeface="Courier New" charset="0"/>
-                <a:cs typeface="Courier New" charset="0"/>
-              </a:rPr>
-              <a:t> -f {} +</a:t>
+              <a:t>awk</a:t>
+            </a:r>
+            <a:r>
+              <a:rPr lang="en-US" b="1" dirty="0">
+                <a:latin typeface="Courier New" charset="0"/>
+                <a:ea typeface="Courier New" charset="0"/>
+                <a:cs typeface="Courier New" charset="0"/>
+              </a:rPr>
+              <a:t> ‘NR != 1 {print $4}’| </a:t>
+            </a:r>
+            <a:r>
+              <a:rPr lang="en-US" b="1" dirty="0" err="1">
+                <a:latin typeface="Courier New" charset="0"/>
+                <a:ea typeface="Courier New" charset="0"/>
+                <a:cs typeface="Courier New" charset="0"/>
+              </a:rPr>
+              <a:t>mkdir</a:t>
+            </a:r>
+            <a:r>
+              <a:rPr lang="en-US" b="1" dirty="0">
+                <a:latin typeface="Courier New" charset="0"/>
+                <a:ea typeface="Courier New" charset="0"/>
+                <a:cs typeface="Courier New" charset="0"/>
+              </a:rPr>
+              <a:t> </a:t>
+            </a:r>
+            <a:r>
+              <a:rPr lang="en-US" b="1" dirty="0">
+                <a:solidFill>
+                  <a:srgbClr val="FF0000"/>
+                </a:solidFill>
+                <a:latin typeface="Courier New" charset="0"/>
+                <a:ea typeface="Courier New" charset="0"/>
+                <a:cs typeface="Courier New" charset="0"/>
+              </a:rPr>
+              <a:t>#NOT OK</a:t>
             </a:r>
           </a:p>
           <a:p>
             <a:pPr lvl="1"/>
             <a:r>
-              <a:rPr lang="en-US" b="1" dirty="0">
-                <a:latin typeface="Courier New" charset="0"/>
-                <a:ea typeface="Courier New" charset="0"/>
-                <a:cs typeface="Courier New" charset="0"/>
-              </a:rPr>
-              <a:t>find __ -</a:t>
-            </a:r>
-            <a:r>
               <a:rPr lang="en-US" b="1" dirty="0" err="1">
                 <a:latin typeface="Courier New" charset="0"/>
                 <a:ea typeface="Courier New" charset="0"/>
                 <a:cs typeface="Courier New" charset="0"/>
               </a:rPr>
-              <a:t>atime</a:t>
-            </a:r>
-            <a:r>
-              <a:rPr lang="en-US" b="1" dirty="0">
-                <a:latin typeface="Courier New" charset="0"/>
-                <a:ea typeface="Courier New" charset="0"/>
-                <a:cs typeface="Courier New" charset="0"/>
-              </a:rPr>
-              <a:t> +50 </a:t>
-            </a:r>
-            <a:r>
-              <a:rPr lang="en-US" sz="1650" dirty="0">
-                <a:latin typeface="Courier New" charset="0"/>
-                <a:ea typeface="Courier New" charset="0"/>
-                <a:cs typeface="Courier New" charset="0"/>
-              </a:rPr>
-              <a:t>#files &lt;50 days in /</a:t>
-            </a:r>
-            <a:r>
-              <a:rPr lang="en-US" sz="1650" dirty="0" err="1">
-                <a:latin typeface="Courier New" charset="0"/>
-                <a:ea typeface="Courier New" charset="0"/>
-                <a:cs typeface="Courier New" charset="0"/>
-              </a:rPr>
-              <a:t>usr</a:t>
-            </a:r>
-            <a:r>
-              <a:rPr lang="en-US" sz="1650" dirty="0">
-                <a:latin typeface="Courier New" charset="0"/>
-                <a:ea typeface="Courier New" charset="0"/>
-                <a:cs typeface="Courier New" charset="0"/>
-              </a:rPr>
-              <a:t>/local/lib</a:t>
-            </a:r>
-          </a:p>
-          <a:p>
-            <a:pPr lvl="1"/>
-            <a:r>
-              <a:rPr lang="en-US" b="1" dirty="0">
-                <a:latin typeface="Courier New" charset="0"/>
-                <a:ea typeface="Courier New" charset="0"/>
-                <a:cs typeface="Courier New" charset="0"/>
-              </a:rPr>
-              <a:t>find . -</a:t>
+              <a:t>ps</a:t>
+            </a:r>
+            <a:r>
+              <a:rPr lang="en-US" b="1" dirty="0">
+                <a:latin typeface="Courier New" charset="0"/>
+                <a:ea typeface="Courier New" charset="0"/>
+                <a:cs typeface="Courier New" charset="0"/>
+              </a:rPr>
+              <a:t> | </a:t>
             </a:r>
             <a:r>
               <a:rPr lang="en-US" b="1" dirty="0" err="1">
@@ -34020,15 +33902,15 @@
                 <a:ea typeface="Courier New" charset="0"/>
                 <a:cs typeface="Courier New" charset="0"/>
               </a:rPr>
-              <a:t>mtime</a:t>
-            </a:r>
-            <a:r>
-              <a:rPr lang="en-US" b="1" dirty="0">
-                <a:latin typeface="Courier New" charset="0"/>
-                <a:ea typeface="Courier New" charset="0"/>
-                <a:cs typeface="Courier New" charset="0"/>
-              </a:rPr>
-              <a:t> __ –</a:t>
+              <a:t>awk</a:t>
+            </a:r>
+            <a:r>
+              <a:rPr lang="en-US" b="1" dirty="0">
+                <a:latin typeface="Courier New" charset="0"/>
+                <a:ea typeface="Courier New" charset="0"/>
+                <a:cs typeface="Courier New" charset="0"/>
+              </a:rPr>
+              <a:t> ‘NR != 1 {print $4}’| __ </a:t>
             </a:r>
             <a:r>
               <a:rPr lang="en-US" b="1" dirty="0" err="1">
@@ -34036,89 +33918,21 @@
                 <a:ea typeface="Courier New" charset="0"/>
                 <a:cs typeface="Courier New" charset="0"/>
               </a:rPr>
-              <a:t>mtime</a:t>
-            </a:r>
-            <a:r>
-              <a:rPr lang="en-US" b="1" dirty="0">
-                <a:latin typeface="Courier New" charset="0"/>
-                <a:ea typeface="Courier New" charset="0"/>
-                <a:cs typeface="Courier New" charset="0"/>
-              </a:rPr>
-              <a:t> -100 </a:t>
-            </a:r>
-            <a:r>
-              <a:rPr lang="en-US" dirty="0">
-                <a:latin typeface="Courier New" charset="0"/>
-                <a:ea typeface="Courier New" charset="0"/>
-                <a:cs typeface="Courier New" charset="0"/>
-              </a:rPr>
-              <a:t>#&lt;50 &amp; &lt;100 days</a:t>
-            </a:r>
-          </a:p>
-          <a:p>
-            <a:r>
-              <a:rPr lang="en-US" dirty="0"/>
-              <a:t>Use </a:t>
-            </a:r>
-            <a:r>
-              <a:rPr lang="en-US" b="1" dirty="0" err="1">
-                <a:latin typeface="Courier New" panose="02070309020205020404" pitchFamily="49" charset="0"/>
-                <a:cs typeface="Courier New" panose="02070309020205020404" pitchFamily="49" charset="0"/>
-              </a:rPr>
-              <a:t>awk</a:t>
-            </a:r>
-            <a:r>
-              <a:rPr lang="en-US" dirty="0"/>
-              <a:t> to print only the state names and capitals columns from </a:t>
-            </a:r>
-            <a:r>
-              <a:rPr lang="en-US" dirty="0" err="1"/>
-              <a:t>states.txt</a:t>
-            </a:r>
-            <a:endParaRPr lang="en-US" dirty="0"/>
-          </a:p>
-          <a:p>
-            <a:r>
-              <a:rPr lang="en-US" dirty="0"/>
-              <a:t>use </a:t>
-            </a:r>
-            <a:r>
-              <a:rPr lang="en-US" b="1" dirty="0">
-                <a:latin typeface="Courier New" panose="02070309020205020404" pitchFamily="49" charset="0"/>
-                <a:cs typeface="Courier New" panose="02070309020205020404" pitchFamily="49" charset="0"/>
-              </a:rPr>
-              <a:t>grep</a:t>
-            </a:r>
-            <a:r>
-              <a:rPr lang="en-US" dirty="0"/>
-              <a:t> to search for all lines of file </a:t>
-            </a:r>
-            <a:r>
-              <a:rPr lang="en-US" dirty="0" err="1"/>
-              <a:t>states.txt</a:t>
-            </a:r>
-            <a:r>
-              <a:rPr lang="en-US" dirty="0"/>
-              <a:t> containing a word of length four or more starting with the same two characters it is ending with. You may use extended regular expressions (</a:t>
-            </a:r>
-            <a:r>
-              <a:rPr lang="en-US" b="1" dirty="0">
-                <a:latin typeface="Courier New" charset="0"/>
-                <a:ea typeface="Courier New" charset="0"/>
-                <a:cs typeface="Courier New" charset="0"/>
-              </a:rPr>
-              <a:t>-E</a:t>
-            </a:r>
-            <a:r>
-              <a:rPr lang="en-US" dirty="0"/>
-              <a:t>)</a:t>
-            </a:r>
-          </a:p>
-          <a:p>
-            <a:endParaRPr lang="en-US" dirty="0"/>
-          </a:p>
-          <a:p>
-            <a:endParaRPr lang="en-US" dirty="0"/>
+              <a:t>mkdir</a:t>
+            </a:r>
+            <a:r>
+              <a:rPr lang="en-US" b="1" dirty="0">
+                <a:latin typeface="Courier New" charset="0"/>
+                <a:ea typeface="Courier New" charset="0"/>
+                <a:cs typeface="Courier New" charset="0"/>
+              </a:rPr>
+              <a:t> #ok</a:t>
+            </a:r>
+            <a:endParaRPr lang="en-US" dirty="0">
+              <a:latin typeface="Courier New" charset="0"/>
+              <a:ea typeface="Courier New" charset="0"/>
+              <a:cs typeface="Courier New" charset="0"/>
+            </a:endParaRPr>
           </a:p>
           <a:p>
             <a:endParaRPr lang="en-US" dirty="0"/>
@@ -34130,7 +33944,7 @@
           <p:cNvPr id="4" name="Slide Number Placeholder 3">
             <a:extLst>
               <a:ext uri="{FF2B5EF4-FFF2-40B4-BE49-F238E27FC236}">
-                <a16:creationId xmlns:a16="http://schemas.microsoft.com/office/drawing/2014/main" id="{6D0E0BA3-5ECE-E94D-B034-8F400208F397}"/>
+                <a16:creationId xmlns:a16="http://schemas.microsoft.com/office/drawing/2014/main" id="{005D8DD7-1826-8040-B0EE-03F5122CA6C0}"/>
               </a:ext>
             </a:extLst>
           </p:cNvPr>
@@ -34157,7 +33971,7 @@
     </p:spTree>
     <p:extLst>
       <p:ext uri="{BB962C8B-B14F-4D97-AF65-F5344CB8AC3E}">
-        <p14:creationId xmlns:p14="http://schemas.microsoft.com/office/powerpoint/2010/main" val="569074076"/>
+        <p14:creationId xmlns:p14="http://schemas.microsoft.com/office/powerpoint/2010/main" val="1649254212"/>
       </p:ext>
     </p:extLst>
   </p:cSld>
@@ -34237,126 +34051,235 @@
         <p:spPr/>
         <p:txBody>
           <a:bodyPr>
-            <a:normAutofit lnSpcReduction="10000"/>
+            <a:normAutofit fontScale="92500"/>
           </a:bodyPr>
           <a:lstStyle/>
           <a:p>
-            <a:pPr marL="0" indent="0">
-              <a:buNone/>
-            </a:pPr>
-            <a:r>
-              <a:rPr lang="en-US" dirty="0"/>
-              <a:t>Muammar Gaddafi was a Libyan politician. He was in the news a few years ago. News agencies spelled his name differently like so:</a:t>
+            <a:r>
+              <a:rPr lang="en-US" dirty="0"/>
+              <a:t>Use </a:t>
+            </a:r>
+            <a:r>
+              <a:rPr lang="en-US" b="1" dirty="0" err="1">
+                <a:latin typeface="Courier New" panose="02070309020205020404" pitchFamily="49" charset="0"/>
+                <a:cs typeface="Courier New" panose="02070309020205020404" pitchFamily="49" charset="0"/>
+              </a:rPr>
+              <a:t>sed</a:t>
+            </a:r>
+            <a:r>
+              <a:rPr lang="en-US" dirty="0"/>
+              <a:t> to print lines 11-15 of </a:t>
+            </a:r>
+            <a:r>
+              <a:rPr lang="en-US" dirty="0" err="1"/>
+              <a:t>states.txt</a:t>
+            </a:r>
+            <a:endParaRPr lang="en-US" dirty="0"/>
+          </a:p>
+          <a:p>
+            <a:r>
+              <a:rPr lang="en-US" dirty="0"/>
+              <a:t>Fill up the __ in the following find commands</a:t>
             </a:r>
           </a:p>
           <a:p>
             <a:pPr lvl="1"/>
             <a:r>
-              <a:rPr lang="en-US" sz="2200" b="1" dirty="0">
-                <a:latin typeface="Courier New" panose="02070309020205020404" pitchFamily="49" charset="0"/>
-                <a:ea typeface="Courier New" charset="0"/>
-                <a:cs typeface="Courier New" panose="02070309020205020404" pitchFamily="49" charset="0"/>
-              </a:rPr>
-              <a:t>Muammar al-Kaddafi </a:t>
-            </a:r>
-            <a:r>
-              <a:rPr lang="en-US" sz="2200" dirty="0">
-                <a:ea typeface="Courier New" charset="0"/>
-                <a:cs typeface="Courier New" charset="0"/>
-              </a:rPr>
-              <a:t>(BBC)</a:t>
+              <a:rPr lang="en-US" b="1" dirty="0">
+                <a:latin typeface="Courier New" charset="0"/>
+                <a:ea typeface="Courier New" charset="0"/>
+                <a:cs typeface="Courier New" charset="0"/>
+              </a:rPr>
+              <a:t>__ . -type d -perm 777 -exec </a:t>
+            </a:r>
+            <a:r>
+              <a:rPr lang="en-US" b="1" dirty="0" err="1">
+                <a:latin typeface="Courier New" charset="0"/>
+                <a:ea typeface="Courier New" charset="0"/>
+                <a:cs typeface="Courier New" charset="0"/>
+              </a:rPr>
+              <a:t>chmod</a:t>
+            </a:r>
+            <a:r>
+              <a:rPr lang="en-US" b="1" dirty="0">
+                <a:latin typeface="Courier New" charset="0"/>
+                <a:ea typeface="Courier New" charset="0"/>
+                <a:cs typeface="Courier New" charset="0"/>
+              </a:rPr>
+              <a:t> 755 {} +</a:t>
             </a:r>
           </a:p>
           <a:p>
             <a:pPr lvl="1"/>
             <a:r>
-              <a:rPr lang="en-US" sz="2200" b="1" dirty="0">
-                <a:latin typeface="Courier New" panose="02070309020205020404" pitchFamily="49" charset="0"/>
-                <a:ea typeface="Courier New" charset="0"/>
-                <a:cs typeface="Courier New" panose="02070309020205020404" pitchFamily="49" charset="0"/>
-              </a:rPr>
-              <a:t>Moammar Gadhafi </a:t>
-            </a:r>
-            <a:r>
-              <a:rPr lang="en-US" sz="2200" dirty="0">
-                <a:ea typeface="Courier New" charset="0"/>
-                <a:cs typeface="Courier New" charset="0"/>
-              </a:rPr>
-              <a:t>(Associated Press)</a:t>
+              <a:rPr lang="en-US" b="1" dirty="0">
+                <a:latin typeface="Courier New" charset="0"/>
+                <a:ea typeface="Courier New" charset="0"/>
+                <a:cs typeface="Courier New" charset="0"/>
+              </a:rPr>
+              <a:t>find . -type __ -name "*.</a:t>
+            </a:r>
+            <a:r>
+              <a:rPr lang="en-US" b="1" dirty="0" err="1">
+                <a:latin typeface="Courier New" charset="0"/>
+                <a:ea typeface="Courier New" charset="0"/>
+                <a:cs typeface="Courier New" charset="0"/>
+              </a:rPr>
+              <a:t>tmp</a:t>
+            </a:r>
+            <a:r>
+              <a:rPr lang="en-US" b="1" dirty="0">
+                <a:latin typeface="Courier New" charset="0"/>
+                <a:ea typeface="Courier New" charset="0"/>
+                <a:cs typeface="Courier New" charset="0"/>
+              </a:rPr>
+              <a:t>" -exec </a:t>
+            </a:r>
+            <a:r>
+              <a:rPr lang="en-US" b="1" dirty="0" err="1">
+                <a:latin typeface="Courier New" charset="0"/>
+                <a:ea typeface="Courier New" charset="0"/>
+                <a:cs typeface="Courier New" charset="0"/>
+              </a:rPr>
+              <a:t>rm</a:t>
+            </a:r>
+            <a:r>
+              <a:rPr lang="en-US" b="1" dirty="0">
+                <a:latin typeface="Courier New" charset="0"/>
+                <a:ea typeface="Courier New" charset="0"/>
+                <a:cs typeface="Courier New" charset="0"/>
+              </a:rPr>
+              <a:t> -f {} +</a:t>
             </a:r>
           </a:p>
           <a:p>
             <a:pPr lvl="1"/>
             <a:r>
-              <a:rPr lang="en-US" sz="2200" b="1" dirty="0">
-                <a:latin typeface="Courier New" panose="02070309020205020404" pitchFamily="49" charset="0"/>
-                <a:ea typeface="Courier New" charset="0"/>
-                <a:cs typeface="Courier New" panose="02070309020205020404" pitchFamily="49" charset="0"/>
-              </a:rPr>
-              <a:t>Muammar al-Qadhafi </a:t>
-            </a:r>
-            <a:r>
-              <a:rPr lang="en-US" sz="2200" dirty="0">
-                <a:ea typeface="Courier New" charset="0"/>
-                <a:cs typeface="Courier New" charset="0"/>
-              </a:rPr>
-              <a:t>(Al-Jazeera)</a:t>
+              <a:rPr lang="en-US" b="1" dirty="0">
+                <a:latin typeface="Courier New" charset="0"/>
+                <a:ea typeface="Courier New" charset="0"/>
+                <a:cs typeface="Courier New" charset="0"/>
+              </a:rPr>
+              <a:t>find __ -</a:t>
+            </a:r>
+            <a:r>
+              <a:rPr lang="en-US" b="1" dirty="0" err="1">
+                <a:latin typeface="Courier New" charset="0"/>
+                <a:ea typeface="Courier New" charset="0"/>
+                <a:cs typeface="Courier New" charset="0"/>
+              </a:rPr>
+              <a:t>atime</a:t>
+            </a:r>
+            <a:r>
+              <a:rPr lang="en-US" b="1" dirty="0">
+                <a:latin typeface="Courier New" charset="0"/>
+                <a:ea typeface="Courier New" charset="0"/>
+                <a:cs typeface="Courier New" charset="0"/>
+              </a:rPr>
+              <a:t> +50 </a:t>
+            </a:r>
+            <a:r>
+              <a:rPr lang="en-US" sz="1650" dirty="0">
+                <a:latin typeface="Courier New" charset="0"/>
+                <a:ea typeface="Courier New" charset="0"/>
+                <a:cs typeface="Courier New" charset="0"/>
+              </a:rPr>
+              <a:t>#files &lt;50 days in /</a:t>
+            </a:r>
+            <a:r>
+              <a:rPr lang="en-US" sz="1650" dirty="0" err="1">
+                <a:latin typeface="Courier New" charset="0"/>
+                <a:ea typeface="Courier New" charset="0"/>
+                <a:cs typeface="Courier New" charset="0"/>
+              </a:rPr>
+              <a:t>usr</a:t>
+            </a:r>
+            <a:r>
+              <a:rPr lang="en-US" sz="1650" dirty="0">
+                <a:latin typeface="Courier New" charset="0"/>
+                <a:ea typeface="Courier New" charset="0"/>
+                <a:cs typeface="Courier New" charset="0"/>
+              </a:rPr>
+              <a:t>/local/lib</a:t>
             </a:r>
           </a:p>
           <a:p>
             <a:pPr lvl="1"/>
             <a:r>
-              <a:rPr lang="en-US" sz="2200" b="1" dirty="0">
-                <a:latin typeface="Courier New" panose="02070309020205020404" pitchFamily="49" charset="0"/>
-                <a:ea typeface="Courier New" charset="0"/>
-                <a:cs typeface="Courier New" panose="02070309020205020404" pitchFamily="49" charset="0"/>
-              </a:rPr>
-              <a:t>Mu</a:t>
-            </a:r>
-            <a:r>
-              <a:rPr lang="uk-UA" sz="2000" b="1" dirty="0">
-                <a:latin typeface="Courier New" panose="02070309020205020404" pitchFamily="49" charset="0"/>
-                <a:cs typeface="Courier New" panose="02070309020205020404" pitchFamily="49" charset="0"/>
-              </a:rPr>
-              <a:t>'</a:t>
-            </a:r>
-            <a:r>
-              <a:rPr lang="en-US" sz="2200" b="1" dirty="0" err="1">
-                <a:latin typeface="Courier New" panose="02070309020205020404" pitchFamily="49" charset="0"/>
-                <a:ea typeface="Courier New" charset="0"/>
-                <a:cs typeface="Courier New" panose="02070309020205020404" pitchFamily="49" charset="0"/>
-              </a:rPr>
-              <a:t>ammar</a:t>
-            </a:r>
-            <a:r>
-              <a:rPr lang="en-US" sz="2200" b="1" dirty="0">
-                <a:latin typeface="Courier New" panose="02070309020205020404" pitchFamily="49" charset="0"/>
-                <a:ea typeface="Courier New" charset="0"/>
-                <a:cs typeface="Courier New" panose="02070309020205020404" pitchFamily="49" charset="0"/>
-              </a:rPr>
-              <a:t> Al-Qadhafi </a:t>
-            </a:r>
-            <a:r>
-              <a:rPr lang="en-US" sz="2200" dirty="0">
-                <a:ea typeface="Courier New" charset="0"/>
-                <a:cs typeface="Courier New" charset="0"/>
-              </a:rPr>
-              <a:t>(US Department of State)</a:t>
-            </a:r>
-          </a:p>
-          <a:p>
-            <a:pPr marL="0" indent="0">
-              <a:buNone/>
-            </a:pPr>
-            <a:r>
-              <a:rPr lang="en-US" dirty="0"/>
-              <a:t>Your task is to come up with a Regular expression that will match with all the above occurrences. (Hint: use extended regular expression)</a:t>
-            </a:r>
-          </a:p>
-          <a:p>
-            <a:r>
-              <a:rPr lang="en-US" dirty="0"/>
-              <a:t>Test with both </a:t>
+              <a:rPr lang="en-US" b="1" dirty="0">
+                <a:latin typeface="Courier New" charset="0"/>
+                <a:ea typeface="Courier New" charset="0"/>
+                <a:cs typeface="Courier New" charset="0"/>
+              </a:rPr>
+              <a:t>find . -</a:t>
+            </a:r>
+            <a:r>
+              <a:rPr lang="en-US" b="1" dirty="0" err="1">
+                <a:latin typeface="Courier New" charset="0"/>
+                <a:ea typeface="Courier New" charset="0"/>
+                <a:cs typeface="Courier New" charset="0"/>
+              </a:rPr>
+              <a:t>mtime</a:t>
+            </a:r>
+            <a:r>
+              <a:rPr lang="en-US" b="1" dirty="0">
+                <a:latin typeface="Courier New" charset="0"/>
+                <a:ea typeface="Courier New" charset="0"/>
+                <a:cs typeface="Courier New" charset="0"/>
+              </a:rPr>
+              <a:t> __ –</a:t>
+            </a:r>
+            <a:r>
+              <a:rPr lang="en-US" b="1" dirty="0" err="1">
+                <a:latin typeface="Courier New" charset="0"/>
+                <a:ea typeface="Courier New" charset="0"/>
+                <a:cs typeface="Courier New" charset="0"/>
+              </a:rPr>
+              <a:t>mtime</a:t>
+            </a:r>
+            <a:r>
+              <a:rPr lang="en-US" b="1" dirty="0">
+                <a:latin typeface="Courier New" charset="0"/>
+                <a:ea typeface="Courier New" charset="0"/>
+                <a:cs typeface="Courier New" charset="0"/>
+              </a:rPr>
+              <a:t> -100 </a:t>
+            </a:r>
+            <a:r>
+              <a:rPr lang="en-US" dirty="0">
+                <a:latin typeface="Courier New" charset="0"/>
+                <a:ea typeface="Courier New" charset="0"/>
+                <a:cs typeface="Courier New" charset="0"/>
+              </a:rPr>
+              <a:t>#&lt;50 &amp; &lt;100 days</a:t>
+            </a:r>
+          </a:p>
+          <a:p>
+            <a:r>
+              <a:rPr lang="en-US" dirty="0"/>
+              <a:t>Use </a:t>
+            </a:r>
+            <a:r>
+              <a:rPr lang="en-US" b="1" dirty="0" err="1">
+                <a:latin typeface="Courier New" panose="02070309020205020404" pitchFamily="49" charset="0"/>
+                <a:cs typeface="Courier New" panose="02070309020205020404" pitchFamily="49" charset="0"/>
+              </a:rPr>
+              <a:t>awk</a:t>
+            </a:r>
+            <a:r>
+              <a:rPr lang="en-US" dirty="0"/>
+              <a:t> to print only the state names and capitals columns from </a:t>
+            </a:r>
+            <a:r>
+              <a:rPr lang="en-US" dirty="0" err="1"/>
+              <a:t>states.txt</a:t>
+            </a:r>
+            <a:endParaRPr lang="en-US" dirty="0"/>
+          </a:p>
+          <a:p>
+            <a:r>
+              <a:rPr lang="en-US" dirty="0"/>
+              <a:t>use </a:t>
             </a:r>
             <a:r>
               <a:rPr lang="en-US" b="1" dirty="0">
@@ -34367,35 +34290,28 @@
             </a:r>
             <a:r>
               <a:rPr lang="en-US" dirty="0"/>
-              <a:t> and </a:t>
-            </a:r>
-            <a:r>
-              <a:rPr lang="en-US" b="1" dirty="0" err="1">
-                <a:latin typeface="Courier New" panose="02070309020205020404" pitchFamily="49" charset="0"/>
-                <a:cs typeface="Courier New" panose="02070309020205020404" pitchFamily="49" charset="0"/>
-              </a:rPr>
-              <a:t>awk</a:t>
-            </a:r>
-            <a:r>
-              <a:rPr lang="en-US" b="1" dirty="0">
-                <a:latin typeface="Courier New" panose="02070309020205020404" pitchFamily="49" charset="0"/>
-                <a:cs typeface="Courier New" panose="02070309020205020404" pitchFamily="49" charset="0"/>
-              </a:rPr>
-              <a:t> </a:t>
-            </a:r>
-            <a:r>
-              <a:rPr lang="en-US" dirty="0">
-                <a:cs typeface="Courier New" panose="02070309020205020404" pitchFamily="49" charset="0"/>
-              </a:rPr>
-              <a:t>by putting the above lines in a file as well as a </a:t>
-            </a:r>
-            <a:r>
-              <a:rPr lang="en-US" b="1" i="1" dirty="0">
-                <a:cs typeface="Courier New" panose="02070309020205020404" pitchFamily="49" charset="0"/>
-              </a:rPr>
-              <a:t>heredoc</a:t>
-            </a:r>
-            <a:endParaRPr lang="en-US" b="1" i="1" dirty="0"/>
+              <a:t> to search for all lines of file </a:t>
+            </a:r>
+            <a:r>
+              <a:rPr lang="en-US" dirty="0" err="1"/>
+              <a:t>states.txt</a:t>
+            </a:r>
+            <a:r>
+              <a:rPr lang="en-US" dirty="0"/>
+              <a:t> containing a word of length four or more starting with the same two characters it is ending with. You may use extended regular expressions (</a:t>
+            </a:r>
+            <a:r>
+              <a:rPr lang="en-US" b="1" dirty="0">
+                <a:latin typeface="Courier New" charset="0"/>
+                <a:ea typeface="Courier New" charset="0"/>
+                <a:cs typeface="Courier New" charset="0"/>
+              </a:rPr>
+              <a:t>-E</a:t>
+            </a:r>
+            <a:r>
+              <a:rPr lang="en-US" dirty="0"/>
+              <a:t>)</a:t>
+            </a:r>
           </a:p>
           <a:p>
             <a:endParaRPr lang="en-US" dirty="0"/>
@@ -34440,7 +34356,7 @@
     </p:spTree>
     <p:extLst>
       <p:ext uri="{BB962C8B-B14F-4D97-AF65-F5344CB8AC3E}">
-        <p14:creationId xmlns:p14="http://schemas.microsoft.com/office/powerpoint/2010/main" val="1063914607"/>
+        <p14:creationId xmlns:p14="http://schemas.microsoft.com/office/powerpoint/2010/main" val="569074076"/>
       </p:ext>
     </p:extLst>
   </p:cSld>
@@ -34491,8 +34407,13 @@
             <a:pPr algn="ctr"/>
             <a:r>
               <a:rPr lang="en-US" dirty="0"/>
-              <a:t>Practice and Exercises</a:t>
-            </a:r>
+              <a:t>Practice </a:t>
+            </a:r>
+            <a:r>
+              <a:rPr lang="en-US"/>
+              <a:t>and Exercises</a:t>
+            </a:r>
+            <a:endParaRPr lang="en-US" dirty="0"/>
           </a:p>
         </p:txBody>
       </p:sp>
@@ -34514,52 +34435,169 @@
         </p:nvSpPr>
         <p:spPr/>
         <p:txBody>
-          <a:bodyPr/>
+          <a:bodyPr>
+            <a:normAutofit lnSpcReduction="10000"/>
+          </a:bodyPr>
           <a:lstStyle/>
           <a:p>
             <a:pPr marL="0" indent="0">
               <a:buNone/>
             </a:pPr>
+            <a:r>
+              <a:rPr lang="en-US" dirty="0"/>
+              <a:t>Muammar Gaddafi was a Libyan politician. He was in the news a few years ago. News agencies spelled his name differently like so:</a:t>
+            </a:r>
+          </a:p>
+          <a:p>
+            <a:pPr lvl="1"/>
+            <a:r>
+              <a:rPr lang="en-US" sz="2200" b="1" dirty="0">
+                <a:latin typeface="Courier New" panose="02070309020205020404" pitchFamily="49" charset="0"/>
+                <a:ea typeface="Courier New" charset="0"/>
+                <a:cs typeface="Courier New" panose="02070309020205020404" pitchFamily="49" charset="0"/>
+              </a:rPr>
+              <a:t>Muammar al-Kaddafi </a:t>
+            </a:r>
+            <a:r>
+              <a:rPr lang="en-US" sz="2200" dirty="0">
+                <a:ea typeface="Courier New" charset="0"/>
+                <a:cs typeface="Courier New" charset="0"/>
+              </a:rPr>
+              <a:t>(BBC)</a:t>
+            </a:r>
+          </a:p>
+          <a:p>
+            <a:pPr lvl="1"/>
+            <a:r>
+              <a:rPr lang="en-US" sz="2200" b="1" dirty="0">
+                <a:latin typeface="Courier New" panose="02070309020205020404" pitchFamily="49" charset="0"/>
+                <a:ea typeface="Courier New" charset="0"/>
+                <a:cs typeface="Courier New" panose="02070309020205020404" pitchFamily="49" charset="0"/>
+              </a:rPr>
+              <a:t>Moammar Gadhafi </a:t>
+            </a:r>
+            <a:r>
+              <a:rPr lang="en-US" sz="2200" dirty="0">
+                <a:ea typeface="Courier New" charset="0"/>
+                <a:cs typeface="Courier New" charset="0"/>
+              </a:rPr>
+              <a:t>(Associated Press)</a:t>
+            </a:r>
+          </a:p>
+          <a:p>
+            <a:pPr lvl="1"/>
+            <a:r>
+              <a:rPr lang="en-US" sz="2200" b="1" dirty="0">
+                <a:latin typeface="Courier New" panose="02070309020205020404" pitchFamily="49" charset="0"/>
+                <a:ea typeface="Courier New" charset="0"/>
+                <a:cs typeface="Courier New" panose="02070309020205020404" pitchFamily="49" charset="0"/>
+              </a:rPr>
+              <a:t>Muammar al-Qadhafi </a:t>
+            </a:r>
+            <a:r>
+              <a:rPr lang="en-US" sz="2200" dirty="0">
+                <a:ea typeface="Courier New" charset="0"/>
+                <a:cs typeface="Courier New" charset="0"/>
+              </a:rPr>
+              <a:t>(Al-Jazeera)</a:t>
+            </a:r>
+          </a:p>
+          <a:p>
+            <a:pPr lvl="1"/>
+            <a:r>
+              <a:rPr lang="en-US" sz="2200" b="1" dirty="0">
+                <a:latin typeface="Courier New" panose="02070309020205020404" pitchFamily="49" charset="0"/>
+                <a:ea typeface="Courier New" charset="0"/>
+                <a:cs typeface="Courier New" panose="02070309020205020404" pitchFamily="49" charset="0"/>
+              </a:rPr>
+              <a:t>Mu</a:t>
+            </a:r>
+            <a:r>
+              <a:rPr lang="uk-UA" sz="2000" b="1" dirty="0">
+                <a:latin typeface="Courier New" panose="02070309020205020404" pitchFamily="49" charset="0"/>
+                <a:cs typeface="Courier New" panose="02070309020205020404" pitchFamily="49" charset="0"/>
+              </a:rPr>
+              <a:t>'</a:t>
+            </a:r>
+            <a:r>
+              <a:rPr lang="en-US" sz="2200" b="1" dirty="0" err="1">
+                <a:latin typeface="Courier New" panose="02070309020205020404" pitchFamily="49" charset="0"/>
+                <a:ea typeface="Courier New" charset="0"/>
+                <a:cs typeface="Courier New" panose="02070309020205020404" pitchFamily="49" charset="0"/>
+              </a:rPr>
+              <a:t>ammar</a:t>
+            </a:r>
+            <a:r>
+              <a:rPr lang="en-US" sz="2200" b="1" dirty="0">
+                <a:latin typeface="Courier New" panose="02070309020205020404" pitchFamily="49" charset="0"/>
+                <a:ea typeface="Courier New" charset="0"/>
+                <a:cs typeface="Courier New" panose="02070309020205020404" pitchFamily="49" charset="0"/>
+              </a:rPr>
+              <a:t> Al-Qadhafi </a:t>
+            </a:r>
+            <a:r>
+              <a:rPr lang="en-US" sz="2200" dirty="0">
+                <a:ea typeface="Courier New" charset="0"/>
+                <a:cs typeface="Courier New" charset="0"/>
+              </a:rPr>
+              <a:t>(US Department of State)</a:t>
+            </a:r>
+          </a:p>
+          <a:p>
+            <a:pPr marL="0" indent="0">
+              <a:buNone/>
+            </a:pPr>
+            <a:r>
+              <a:rPr lang="en-US" dirty="0"/>
+              <a:t>Your task is to come up with a Regular expression that will match with all the above occurrences. (Hint: use extended regular expression)</a:t>
+            </a:r>
+          </a:p>
+          <a:p>
+            <a:r>
+              <a:rPr lang="en-US" dirty="0"/>
+              <a:t>Test with both </a:t>
+            </a:r>
+            <a:r>
+              <a:rPr lang="en-US" b="1" dirty="0">
+                <a:latin typeface="Courier New" panose="02070309020205020404" pitchFamily="49" charset="0"/>
+                <a:cs typeface="Courier New" panose="02070309020205020404" pitchFamily="49" charset="0"/>
+              </a:rPr>
+              <a:t>grep</a:t>
+            </a:r>
+            <a:r>
+              <a:rPr lang="en-US" dirty="0"/>
+              <a:t> and </a:t>
+            </a:r>
+            <a:r>
+              <a:rPr lang="en-US" b="1" dirty="0" err="1">
+                <a:latin typeface="Courier New" panose="02070309020205020404" pitchFamily="49" charset="0"/>
+                <a:cs typeface="Courier New" panose="02070309020205020404" pitchFamily="49" charset="0"/>
+              </a:rPr>
+              <a:t>awk</a:t>
+            </a:r>
+            <a:r>
+              <a:rPr lang="en-US" b="1" dirty="0">
+                <a:latin typeface="Courier New" panose="02070309020205020404" pitchFamily="49" charset="0"/>
+                <a:cs typeface="Courier New" panose="02070309020205020404" pitchFamily="49" charset="0"/>
+              </a:rPr>
+              <a:t> </a:t>
+            </a:r>
+            <a:r>
+              <a:rPr lang="en-US" dirty="0">
+                <a:cs typeface="Courier New" panose="02070309020205020404" pitchFamily="49" charset="0"/>
+              </a:rPr>
+              <a:t>by putting the above lines in a file as well as a </a:t>
+            </a:r>
+            <a:r>
+              <a:rPr lang="en-US" b="1" i="1" dirty="0">
+                <a:cs typeface="Courier New" panose="02070309020205020404" pitchFamily="49" charset="0"/>
+              </a:rPr>
+              <a:t>heredoc</a:t>
+            </a:r>
+            <a:endParaRPr lang="en-US" b="1" i="1" dirty="0"/>
+          </a:p>
+          <a:p>
             <a:endParaRPr lang="en-US" dirty="0"/>
-          </a:p>
-          <a:p>
-            <a:r>
-              <a:rPr lang="en-US" dirty="0"/>
-              <a:t>Compare the time it takes with and without the -C switch of </a:t>
-            </a:r>
-            <a:r>
-              <a:rPr lang="en-US" dirty="0" err="1"/>
-              <a:t>scp</a:t>
-            </a:r>
-            <a:r>
-              <a:rPr lang="en-US" dirty="0"/>
-              <a:t> to send data remotely (hint: use the </a:t>
-            </a:r>
-            <a:r>
-              <a:rPr lang="en-US" b="1" dirty="0">
-                <a:latin typeface="Courier New" panose="02070309020205020404" pitchFamily="49" charset="0"/>
-                <a:cs typeface="Courier New" panose="02070309020205020404" pitchFamily="49" charset="0"/>
-              </a:rPr>
-              <a:t>time</a:t>
-            </a:r>
-            <a:r>
-              <a:rPr lang="en-US" dirty="0"/>
-              <a:t> command)</a:t>
-            </a:r>
-          </a:p>
-          <a:p>
-            <a:r>
-              <a:rPr lang="en-US" dirty="0"/>
-              <a:t>Create a config file in your ~/.</a:t>
-            </a:r>
-            <a:r>
-              <a:rPr lang="en-US" dirty="0" err="1"/>
-              <a:t>ssh</a:t>
-            </a:r>
-            <a:r>
-              <a:rPr lang="en-US" dirty="0"/>
-              <a:t> directory, make appropriate changes and add the contents presented in previous slides to it. How will you test if it works?</a:t>
-            </a:r>
           </a:p>
           <a:p>
             <a:endParaRPr lang="en-US" dirty="0"/>
@@ -34601,7 +34639,7 @@
     </p:spTree>
     <p:extLst>
       <p:ext uri="{BB962C8B-B14F-4D97-AF65-F5344CB8AC3E}">
-        <p14:creationId xmlns:p14="http://schemas.microsoft.com/office/powerpoint/2010/main" val="1143178529"/>
+        <p14:creationId xmlns:p14="http://schemas.microsoft.com/office/powerpoint/2010/main" val="1063914607"/>
       </p:ext>
     </p:extLst>
   </p:cSld>
@@ -34675,260 +34713,52 @@
         </p:nvSpPr>
         <p:spPr/>
         <p:txBody>
-          <a:bodyPr>
-            <a:normAutofit/>
-          </a:bodyPr>
-          <a:lstStyle/>
-          <a:p>
-            <a:r>
-              <a:rPr lang="en-US" dirty="0"/>
-              <a:t>Run </a:t>
-            </a:r>
-            <a:r>
-              <a:rPr lang="en-US" b="1" dirty="0">
-                <a:latin typeface="Courier New" panose="02070309020205020404" pitchFamily="49" charset="0"/>
-                <a:cs typeface="Courier New" panose="02070309020205020404" pitchFamily="49" charset="0"/>
-              </a:rPr>
-              <a:t>yes</a:t>
-            </a:r>
-            <a:r>
-              <a:rPr lang="en-US" dirty="0"/>
-              <a:t> for 5 seconds using </a:t>
-            </a:r>
-            <a:r>
-              <a:rPr lang="en-US" b="1" dirty="0">
-                <a:latin typeface="Courier New" panose="02070309020205020404" pitchFamily="49" charset="0"/>
-                <a:cs typeface="Courier New" panose="02070309020205020404" pitchFamily="49" charset="0"/>
-              </a:rPr>
-              <a:t>timeout</a:t>
-            </a:r>
-          </a:p>
-          <a:p>
-            <a:r>
-              <a:rPr lang="en-US" dirty="0"/>
-              <a:t>Create an alias </a:t>
-            </a:r>
-            <a:r>
-              <a:rPr lang="en-US" b="1" dirty="0">
-                <a:latin typeface="Courier New" panose="02070309020205020404" pitchFamily="49" charset="0"/>
-                <a:cs typeface="Courier New" panose="02070309020205020404" pitchFamily="49" charset="0"/>
-              </a:rPr>
-              <a:t>d</a:t>
-            </a:r>
-            <a:r>
-              <a:rPr lang="en-US" dirty="0"/>
-              <a:t> to print current </a:t>
-            </a:r>
-            <a:r>
-              <a:rPr lang="en-US" b="1" dirty="0">
-                <a:latin typeface="Courier New" panose="02070309020205020404" pitchFamily="49" charset="0"/>
-                <a:cs typeface="Courier New" panose="02070309020205020404" pitchFamily="49" charset="0"/>
-              </a:rPr>
-              <a:t>date</a:t>
-            </a:r>
-          </a:p>
-          <a:p>
-            <a:r>
-              <a:rPr lang="en-US" dirty="0"/>
-              <a:t>Run </a:t>
-            </a:r>
-            <a:r>
-              <a:rPr lang="en-US" b="1" dirty="0">
-                <a:latin typeface="Courier New" panose="02070309020205020404" pitchFamily="49" charset="0"/>
-                <a:cs typeface="Courier New" panose="02070309020205020404" pitchFamily="49" charset="0"/>
-              </a:rPr>
-              <a:t>style</a:t>
-            </a:r>
-            <a:r>
-              <a:rPr lang="en-US" dirty="0"/>
-              <a:t> and </a:t>
-            </a:r>
-            <a:r>
-              <a:rPr lang="en-US" b="1" dirty="0">
-                <a:latin typeface="Courier New" panose="02070309020205020404" pitchFamily="49" charset="0"/>
-                <a:cs typeface="Courier New" panose="02070309020205020404" pitchFamily="49" charset="0"/>
-              </a:rPr>
-              <a:t>diction</a:t>
-            </a:r>
-            <a:r>
-              <a:rPr lang="en-US" dirty="0"/>
-              <a:t> (if available) on </a:t>
+          <a:bodyPr/>
+          <a:lstStyle/>
+          <a:p>
+            <a:pPr marL="0" indent="0">
+              <a:buNone/>
+            </a:pPr>
+            <a:endParaRPr lang="en-US" dirty="0"/>
+          </a:p>
+          <a:p>
+            <a:r>
+              <a:rPr lang="en-US" dirty="0"/>
+              <a:t>Compare the time it takes with and without the -C switch of </a:t>
             </a:r>
             <a:r>
               <a:rPr lang="en-US" dirty="0" err="1"/>
-              <a:t>prose.txt</a:t>
-            </a:r>
-            <a:endParaRPr lang="en-US" dirty="0"/>
-          </a:p>
-          <a:p>
-            <a:r>
-              <a:rPr lang="en-US" dirty="0"/>
-              <a:t>Interpret the following crontab entry:</a:t>
-            </a:r>
-            <a:br>
-              <a:rPr lang="en-US" dirty="0"/>
-            </a:br>
-            <a:r>
-              <a:rPr lang="en-US" sz="1500" b="1" dirty="0">
-                <a:latin typeface="Courier New" panose="02070309020205020404" pitchFamily="49" charset="0"/>
-                <a:cs typeface="Courier New" panose="02070309020205020404" pitchFamily="49" charset="0"/>
-              </a:rPr>
-              <a:t>30 21 * * * find /</a:t>
-            </a:r>
-            <a:r>
-              <a:rPr lang="en-US" sz="1500" b="1" dirty="0" err="1">
-                <a:latin typeface="Courier New" panose="02070309020205020404" pitchFamily="49" charset="0"/>
-                <a:cs typeface="Courier New" panose="02070309020205020404" pitchFamily="49" charset="0"/>
-              </a:rPr>
-              <a:t>tmp</a:t>
-            </a:r>
-            <a:r>
-              <a:rPr lang="en-US" sz="1500" b="1" dirty="0">
-                <a:latin typeface="Courier New" panose="02070309020205020404" pitchFamily="49" charset="0"/>
-                <a:cs typeface="Courier New" panose="02070309020205020404" pitchFamily="49" charset="0"/>
-              </a:rPr>
-              <a:t> /</a:t>
-            </a:r>
-            <a:r>
-              <a:rPr lang="en-US" sz="1500" b="1" dirty="0" err="1">
-                <a:latin typeface="Courier New" panose="02070309020205020404" pitchFamily="49" charset="0"/>
-                <a:cs typeface="Courier New" panose="02070309020205020404" pitchFamily="49" charset="0"/>
-              </a:rPr>
-              <a:t>usr</a:t>
-            </a:r>
-            <a:r>
-              <a:rPr lang="en-US" sz="1500" b="1" dirty="0">
-                <a:latin typeface="Courier New" panose="02070309020205020404" pitchFamily="49" charset="0"/>
-                <a:cs typeface="Courier New" panose="02070309020205020404" pitchFamily="49" charset="0"/>
-              </a:rPr>
-              <a:t>/</a:t>
-            </a:r>
-            <a:r>
-              <a:rPr lang="en-US" sz="1500" b="1" dirty="0" err="1">
-                <a:latin typeface="Courier New" panose="02070309020205020404" pitchFamily="49" charset="0"/>
-                <a:cs typeface="Courier New" panose="02070309020205020404" pitchFamily="49" charset="0"/>
-              </a:rPr>
-              <a:t>tmp</a:t>
-            </a:r>
-            <a:r>
-              <a:rPr lang="en-US" sz="1500" b="1" dirty="0">
-                <a:latin typeface="Courier New" panose="02070309020205020404" pitchFamily="49" charset="0"/>
-                <a:cs typeface="Courier New" panose="02070309020205020404" pitchFamily="49" charset="0"/>
-              </a:rPr>
-              <a:t> -</a:t>
-            </a:r>
-            <a:r>
-              <a:rPr lang="en-US" sz="1500" b="1" dirty="0" err="1">
-                <a:latin typeface="Courier New" panose="02070309020205020404" pitchFamily="49" charset="0"/>
-                <a:cs typeface="Courier New" panose="02070309020205020404" pitchFamily="49" charset="0"/>
-              </a:rPr>
-              <a:t>atime</a:t>
-            </a:r>
-            <a:r>
-              <a:rPr lang="en-US" sz="1500" b="1" dirty="0">
-                <a:latin typeface="Courier New" panose="02070309020205020404" pitchFamily="49" charset="0"/>
-                <a:cs typeface="Courier New" panose="02070309020205020404" pitchFamily="49" charset="0"/>
-              </a:rPr>
-              <a:t> +30 -exec </a:t>
-            </a:r>
-            <a:r>
-              <a:rPr lang="en-US" sz="1500" b="1" dirty="0" err="1">
-                <a:latin typeface="Courier New" panose="02070309020205020404" pitchFamily="49" charset="0"/>
-                <a:cs typeface="Courier New" panose="02070309020205020404" pitchFamily="49" charset="0"/>
-              </a:rPr>
-              <a:t>rm</a:t>
-            </a:r>
-            <a:r>
-              <a:rPr lang="en-US" sz="1500" b="1" dirty="0">
-                <a:latin typeface="Courier New" panose="02070309020205020404" pitchFamily="49" charset="0"/>
-                <a:cs typeface="Courier New" panose="02070309020205020404" pitchFamily="49" charset="0"/>
-              </a:rPr>
-              <a:t> -f {} + </a:t>
-            </a:r>
-          </a:p>
-          <a:p>
-            <a:r>
-              <a:rPr lang="en-US" dirty="0"/>
-              <a:t>Frame an </a:t>
-            </a:r>
-            <a:r>
-              <a:rPr lang="en-US" b="1" dirty="0"/>
-              <a:t>at </a:t>
-            </a:r>
-            <a:r>
-              <a:rPr lang="en-US" dirty="0"/>
-              <a:t>command to run the date command</a:t>
-            </a:r>
-            <a:r>
-              <a:rPr lang="en-US" b="1" dirty="0"/>
-              <a:t> </a:t>
-            </a:r>
-            <a:r>
-              <a:rPr lang="en-US" dirty="0"/>
-              <a:t>tomorrow at 8 p.m.</a:t>
-            </a:r>
-          </a:p>
-          <a:p>
-            <a:r>
-              <a:rPr lang="en-US" dirty="0"/>
-              <a:t>write a shell script to find all the prime numbers between 1000 and 10000</a:t>
-            </a:r>
-          </a:p>
-          <a:p>
-            <a:pPr lvl="1"/>
-            <a:r>
-              <a:rPr lang="en-US" dirty="0"/>
-              <a:t>hints: use </a:t>
-            </a:r>
-            <a:r>
-              <a:rPr lang="en-US" b="1" dirty="0">
-                <a:latin typeface="Courier New" charset="0"/>
-                <a:ea typeface="Courier New" charset="0"/>
-                <a:cs typeface="Courier New" charset="0"/>
-              </a:rPr>
-              <a:t>for</a:t>
-            </a:r>
-            <a:r>
-              <a:rPr lang="en-US" dirty="0"/>
-              <a:t>, </a:t>
-            </a:r>
-            <a:r>
-              <a:rPr lang="en-US" b="1" dirty="0">
-                <a:latin typeface="Courier New" charset="0"/>
-                <a:ea typeface="Courier New" charset="0"/>
-                <a:cs typeface="Courier New" charset="0"/>
-              </a:rPr>
-              <a:t>if</a:t>
-            </a:r>
-            <a:r>
-              <a:rPr lang="en-US" dirty="0"/>
-              <a:t>, </a:t>
-            </a:r>
-            <a:r>
-              <a:rPr lang="en-US" b="1" dirty="0">
-                <a:latin typeface="Courier New" charset="0"/>
-                <a:ea typeface="Courier New" charset="0"/>
-                <a:cs typeface="Courier New" charset="0"/>
-              </a:rPr>
-              <a:t>factor</a:t>
-            </a:r>
-            <a:r>
-              <a:rPr lang="en-US" dirty="0"/>
-              <a:t>, </a:t>
-            </a:r>
-            <a:r>
-              <a:rPr lang="en-US" b="1" dirty="0" err="1">
-                <a:latin typeface="Courier New" charset="0"/>
-                <a:ea typeface="Courier New" charset="0"/>
-                <a:cs typeface="Courier New" charset="0"/>
-              </a:rPr>
-              <a:t>wc</a:t>
-            </a:r>
-            <a:endParaRPr lang="en-US" b="1" dirty="0">
-              <a:latin typeface="Courier New" charset="0"/>
-              <a:ea typeface="Courier New" charset="0"/>
-              <a:cs typeface="Courier New" charset="0"/>
-            </a:endParaRPr>
+              <a:t>scp</a:t>
+            </a:r>
+            <a:r>
+              <a:rPr lang="en-US" dirty="0"/>
+              <a:t> to send data remotely (hint: use the </a:t>
+            </a:r>
+            <a:r>
+              <a:rPr lang="en-US" b="1" dirty="0">
+                <a:latin typeface="Courier New" panose="02070309020205020404" pitchFamily="49" charset="0"/>
+                <a:cs typeface="Courier New" panose="02070309020205020404" pitchFamily="49" charset="0"/>
+              </a:rPr>
+              <a:t>time</a:t>
+            </a:r>
+            <a:r>
+              <a:rPr lang="en-US" dirty="0"/>
+              <a:t> command)</a:t>
+            </a:r>
+          </a:p>
+          <a:p>
+            <a:r>
+              <a:rPr lang="en-US" dirty="0"/>
+              <a:t>Create a config file in your ~/.</a:t>
+            </a:r>
+            <a:r>
+              <a:rPr lang="en-US" dirty="0" err="1"/>
+              <a:t>ssh</a:t>
+            </a:r>
+            <a:r>
+              <a:rPr lang="en-US" dirty="0"/>
+              <a:t> directory, make appropriate changes and add the contents presented in previous slides to it. How will you test if it works?</a:t>
+            </a:r>
           </a:p>
           <a:p>
             <a:endParaRPr lang="en-US" dirty="0"/>
@@ -34970,7 +34800,7 @@
     </p:spTree>
     <p:extLst>
       <p:ext uri="{BB962C8B-B14F-4D97-AF65-F5344CB8AC3E}">
-        <p14:creationId xmlns:p14="http://schemas.microsoft.com/office/powerpoint/2010/main" val="4029950598"/>
+        <p14:creationId xmlns:p14="http://schemas.microsoft.com/office/powerpoint/2010/main" val="1143178529"/>
       </p:ext>
     </p:extLst>
   </p:cSld>
@@ -35002,7 +34832,7 @@
           <p:cNvPr id="2" name="Title 1">
             <a:extLst>
               <a:ext uri="{FF2B5EF4-FFF2-40B4-BE49-F238E27FC236}">
-                <a16:creationId xmlns:a16="http://schemas.microsoft.com/office/drawing/2014/main" id="{92344F30-F14C-B647-A37C-7C435CCF75CF}"/>
+                <a16:creationId xmlns:a16="http://schemas.microsoft.com/office/drawing/2014/main" id="{6972196C-1D2D-C240-AD57-E3EBC4FA030D}"/>
               </a:ext>
             </a:extLst>
           </p:cNvPr>
@@ -35021,7 +34851,7 @@
             <a:pPr algn="ctr"/>
             <a:r>
               <a:rPr lang="en-US" dirty="0"/>
-              <a:t>Alternative location for Slides and Data</a:t>
+              <a:t>Practice and Exercises</a:t>
             </a:r>
           </a:p>
         </p:txBody>
@@ -35031,7 +34861,7 @@
           <p:cNvPr id="3" name="Content Placeholder 2">
             <a:extLst>
               <a:ext uri="{FF2B5EF4-FFF2-40B4-BE49-F238E27FC236}">
-                <a16:creationId xmlns:a16="http://schemas.microsoft.com/office/drawing/2014/main" id="{042217DB-7326-5745-B70E-B0A8AA2C8D79}"/>
+                <a16:creationId xmlns:a16="http://schemas.microsoft.com/office/drawing/2014/main" id="{59541F7C-8324-CD41-84A0-D9DC3E4E12B8}"/>
               </a:ext>
             </a:extLst>
           </p:cNvPr>
@@ -35042,52 +34872,268 @@
             <p:ph idx="1"/>
           </p:nvPr>
         </p:nvSpPr>
-        <p:spPr>
-          <a:xfrm>
-            <a:off x="240225" y="1369219"/>
-            <a:ext cx="8694548" cy="3263504"/>
-          </a:xfrm>
-        </p:spPr>
-        <p:txBody>
-          <a:bodyPr anchor="ctr">
+        <p:spPr/>
+        <p:txBody>
+          <a:bodyPr>
             <a:normAutofit/>
           </a:bodyPr>
           <a:lstStyle/>
           <a:p>
-            <a:pPr marL="0" indent="0" algn="ctr">
-              <a:buNone/>
-            </a:pPr>
-            <a:r>
-              <a:rPr lang="en-US" sz="3600" dirty="0">
-                <a:hlinkClick r:id="rId2"/>
-              </a:rPr>
-              <a:t>https://</a:t>
-            </a:r>
-            <a:r>
-              <a:rPr lang="en-US" sz="3600" dirty="0" err="1">
-                <a:hlinkClick r:id="rId2"/>
-              </a:rPr>
-              <a:t>github.com</a:t>
-            </a:r>
-            <a:r>
-              <a:rPr lang="en-US" sz="3600" dirty="0">
-                <a:hlinkClick r:id="rId2"/>
+            <a:r>
+              <a:rPr lang="en-US" dirty="0"/>
+              <a:t>Run </a:t>
+            </a:r>
+            <a:r>
+              <a:rPr lang="en-US" b="1" dirty="0">
+                <a:latin typeface="Courier New" panose="02070309020205020404" pitchFamily="49" charset="0"/>
+                <a:cs typeface="Courier New" panose="02070309020205020404" pitchFamily="49" charset="0"/>
+              </a:rPr>
+              <a:t>yes</a:t>
+            </a:r>
+            <a:r>
+              <a:rPr lang="en-US" dirty="0"/>
+              <a:t> for 5 seconds using </a:t>
+            </a:r>
+            <a:r>
+              <a:rPr lang="en-US" b="1" dirty="0">
+                <a:latin typeface="Courier New" panose="02070309020205020404" pitchFamily="49" charset="0"/>
+                <a:cs typeface="Courier New" panose="02070309020205020404" pitchFamily="49" charset="0"/>
+              </a:rPr>
+              <a:t>timeout</a:t>
+            </a:r>
+          </a:p>
+          <a:p>
+            <a:r>
+              <a:rPr lang="en-US" dirty="0"/>
+              <a:t>Create an alias </a:t>
+            </a:r>
+            <a:r>
+              <a:rPr lang="en-US" b="1" dirty="0">
+                <a:latin typeface="Courier New" panose="02070309020205020404" pitchFamily="49" charset="0"/>
+                <a:cs typeface="Courier New" panose="02070309020205020404" pitchFamily="49" charset="0"/>
+              </a:rPr>
+              <a:t>d</a:t>
+            </a:r>
+            <a:r>
+              <a:rPr lang="en-US" dirty="0"/>
+              <a:t> to print current </a:t>
+            </a:r>
+            <a:r>
+              <a:rPr lang="en-US" b="1" dirty="0">
+                <a:latin typeface="Courier New" panose="02070309020205020404" pitchFamily="49" charset="0"/>
+                <a:cs typeface="Courier New" panose="02070309020205020404" pitchFamily="49" charset="0"/>
+              </a:rPr>
+              <a:t>date</a:t>
+            </a:r>
+          </a:p>
+          <a:p>
+            <a:r>
+              <a:rPr lang="en-US" dirty="0"/>
+              <a:t>Run </a:t>
+            </a:r>
+            <a:r>
+              <a:rPr lang="en-US" b="1" dirty="0">
+                <a:latin typeface="Courier New" panose="02070309020205020404" pitchFamily="49" charset="0"/>
+                <a:cs typeface="Courier New" panose="02070309020205020404" pitchFamily="49" charset="0"/>
+              </a:rPr>
+              <a:t>style</a:t>
+            </a:r>
+            <a:r>
+              <a:rPr lang="en-US" dirty="0"/>
+              <a:t> and </a:t>
+            </a:r>
+            <a:r>
+              <a:rPr lang="en-US" b="1" dirty="0">
+                <a:latin typeface="Courier New" panose="02070309020205020404" pitchFamily="49" charset="0"/>
+                <a:cs typeface="Courier New" panose="02070309020205020404" pitchFamily="49" charset="0"/>
+              </a:rPr>
+              <a:t>diction</a:t>
+            </a:r>
+            <a:r>
+              <a:rPr lang="en-US" dirty="0"/>
+              <a:t> (if available) on </a:t>
+            </a:r>
+            <a:r>
+              <a:rPr lang="en-US" dirty="0" err="1"/>
+              <a:t>prose.txt</a:t>
+            </a:r>
+            <a:endParaRPr lang="en-US" dirty="0"/>
+          </a:p>
+          <a:p>
+            <a:r>
+              <a:rPr lang="en-US" dirty="0"/>
+              <a:t>Interpret the following crontab entry:</a:t>
+            </a:r>
+            <a:br>
+              <a:rPr lang="en-US" dirty="0"/>
+            </a:br>
+            <a:r>
+              <a:rPr lang="en-US" sz="1500" b="1" dirty="0">
+                <a:latin typeface="Courier New" panose="02070309020205020404" pitchFamily="49" charset="0"/>
+                <a:cs typeface="Courier New" panose="02070309020205020404" pitchFamily="49" charset="0"/>
+              </a:rPr>
+              <a:t>30 21 * * * find /</a:t>
+            </a:r>
+            <a:r>
+              <a:rPr lang="en-US" sz="1500" b="1" dirty="0" err="1">
+                <a:latin typeface="Courier New" panose="02070309020205020404" pitchFamily="49" charset="0"/>
+                <a:cs typeface="Courier New" panose="02070309020205020404" pitchFamily="49" charset="0"/>
+              </a:rPr>
+              <a:t>tmp</a:t>
+            </a:r>
+            <a:r>
+              <a:rPr lang="en-US" sz="1500" b="1" dirty="0">
+                <a:latin typeface="Courier New" panose="02070309020205020404" pitchFamily="49" charset="0"/>
+                <a:cs typeface="Courier New" panose="02070309020205020404" pitchFamily="49" charset="0"/>
+              </a:rPr>
+              <a:t> /</a:t>
+            </a:r>
+            <a:r>
+              <a:rPr lang="en-US" sz="1500" b="1" dirty="0" err="1">
+                <a:latin typeface="Courier New" panose="02070309020205020404" pitchFamily="49" charset="0"/>
+                <a:cs typeface="Courier New" panose="02070309020205020404" pitchFamily="49" charset="0"/>
+              </a:rPr>
+              <a:t>usr</a:t>
+            </a:r>
+            <a:r>
+              <a:rPr lang="en-US" sz="1500" b="1" dirty="0">
+                <a:latin typeface="Courier New" panose="02070309020205020404" pitchFamily="49" charset="0"/>
+                <a:cs typeface="Courier New" panose="02070309020205020404" pitchFamily="49" charset="0"/>
               </a:rPr>
               <a:t>/</a:t>
             </a:r>
             <a:r>
-              <a:rPr lang="en-US" sz="3600" dirty="0" err="1">
-                <a:hlinkClick r:id="rId2"/>
-              </a:rPr>
-              <a:t>ketancmaheshwari</a:t>
-            </a:r>
-            <a:r>
-              <a:rPr lang="en-US" sz="3600" dirty="0">
-                <a:hlinkClick r:id="rId2"/>
-              </a:rPr>
-              <a:t>/lisa19</a:t>
-            </a:r>
-            <a:endParaRPr lang="en-US" sz="3600" dirty="0"/>
+              <a:rPr lang="en-US" sz="1500" b="1" dirty="0" err="1">
+                <a:latin typeface="Courier New" panose="02070309020205020404" pitchFamily="49" charset="0"/>
+                <a:cs typeface="Courier New" panose="02070309020205020404" pitchFamily="49" charset="0"/>
+              </a:rPr>
+              <a:t>tmp</a:t>
+            </a:r>
+            <a:r>
+              <a:rPr lang="en-US" sz="1500" b="1" dirty="0">
+                <a:latin typeface="Courier New" panose="02070309020205020404" pitchFamily="49" charset="0"/>
+                <a:cs typeface="Courier New" panose="02070309020205020404" pitchFamily="49" charset="0"/>
+              </a:rPr>
+              <a:t> -</a:t>
+            </a:r>
+            <a:r>
+              <a:rPr lang="en-US" sz="1500" b="1" dirty="0" err="1">
+                <a:latin typeface="Courier New" panose="02070309020205020404" pitchFamily="49" charset="0"/>
+                <a:cs typeface="Courier New" panose="02070309020205020404" pitchFamily="49" charset="0"/>
+              </a:rPr>
+              <a:t>atime</a:t>
+            </a:r>
+            <a:r>
+              <a:rPr lang="en-US" sz="1500" b="1" dirty="0">
+                <a:latin typeface="Courier New" panose="02070309020205020404" pitchFamily="49" charset="0"/>
+                <a:cs typeface="Courier New" panose="02070309020205020404" pitchFamily="49" charset="0"/>
+              </a:rPr>
+              <a:t> +30 -exec </a:t>
+            </a:r>
+            <a:r>
+              <a:rPr lang="en-US" sz="1500" b="1" dirty="0" err="1">
+                <a:latin typeface="Courier New" panose="02070309020205020404" pitchFamily="49" charset="0"/>
+                <a:cs typeface="Courier New" panose="02070309020205020404" pitchFamily="49" charset="0"/>
+              </a:rPr>
+              <a:t>rm</a:t>
+            </a:r>
+            <a:r>
+              <a:rPr lang="en-US" sz="1500" b="1" dirty="0">
+                <a:latin typeface="Courier New" panose="02070309020205020404" pitchFamily="49" charset="0"/>
+                <a:cs typeface="Courier New" panose="02070309020205020404" pitchFamily="49" charset="0"/>
+              </a:rPr>
+              <a:t> -f {} + </a:t>
+            </a:r>
+          </a:p>
+          <a:p>
+            <a:r>
+              <a:rPr lang="en-US" dirty="0"/>
+              <a:t>Frame an </a:t>
+            </a:r>
+            <a:r>
+              <a:rPr lang="en-US" b="1" dirty="0"/>
+              <a:t>at </a:t>
+            </a:r>
+            <a:r>
+              <a:rPr lang="en-US" dirty="0"/>
+              <a:t>command to run the date command</a:t>
+            </a:r>
+            <a:r>
+              <a:rPr lang="en-US" b="1" dirty="0"/>
+              <a:t> </a:t>
+            </a:r>
+            <a:r>
+              <a:rPr lang="en-US" dirty="0"/>
+              <a:t>tomorrow at 8 p.m.</a:t>
+            </a:r>
+          </a:p>
+          <a:p>
+            <a:r>
+              <a:rPr lang="en-US" dirty="0"/>
+              <a:t>write a shell script to find all the prime numbers between 1000 and 10000</a:t>
+            </a:r>
+          </a:p>
+          <a:p>
+            <a:pPr lvl="1"/>
+            <a:r>
+              <a:rPr lang="en-US" dirty="0"/>
+              <a:t>hints: use </a:t>
+            </a:r>
+            <a:r>
+              <a:rPr lang="en-US" b="1" dirty="0">
+                <a:latin typeface="Courier New" charset="0"/>
+                <a:ea typeface="Courier New" charset="0"/>
+                <a:cs typeface="Courier New" charset="0"/>
+              </a:rPr>
+              <a:t>for</a:t>
+            </a:r>
+            <a:r>
+              <a:rPr lang="en-US" dirty="0"/>
+              <a:t>, </a:t>
+            </a:r>
+            <a:r>
+              <a:rPr lang="en-US" b="1" dirty="0">
+                <a:latin typeface="Courier New" charset="0"/>
+                <a:ea typeface="Courier New" charset="0"/>
+                <a:cs typeface="Courier New" charset="0"/>
+              </a:rPr>
+              <a:t>if</a:t>
+            </a:r>
+            <a:r>
+              <a:rPr lang="en-US" dirty="0"/>
+              <a:t>, </a:t>
+            </a:r>
+            <a:r>
+              <a:rPr lang="en-US" b="1" dirty="0">
+                <a:latin typeface="Courier New" charset="0"/>
+                <a:ea typeface="Courier New" charset="0"/>
+                <a:cs typeface="Courier New" charset="0"/>
+              </a:rPr>
+              <a:t>factor</a:t>
+            </a:r>
+            <a:r>
+              <a:rPr lang="en-US" dirty="0"/>
+              <a:t>, </a:t>
+            </a:r>
+            <a:r>
+              <a:rPr lang="en-US" b="1" dirty="0" err="1">
+                <a:latin typeface="Courier New" charset="0"/>
+                <a:ea typeface="Courier New" charset="0"/>
+                <a:cs typeface="Courier New" charset="0"/>
+              </a:rPr>
+              <a:t>wc</a:t>
+            </a:r>
+            <a:endParaRPr lang="en-US" b="1" dirty="0">
+              <a:latin typeface="Courier New" charset="0"/>
+              <a:ea typeface="Courier New" charset="0"/>
+              <a:cs typeface="Courier New" charset="0"/>
+            </a:endParaRPr>
+          </a:p>
+          <a:p>
+            <a:endParaRPr lang="en-US" dirty="0"/>
+          </a:p>
+          <a:p>
+            <a:endParaRPr lang="en-US" dirty="0"/>
           </a:p>
         </p:txBody>
       </p:sp>
@@ -35096,7 +35142,7 @@
           <p:cNvPr id="4" name="Slide Number Placeholder 3">
             <a:extLst>
               <a:ext uri="{FF2B5EF4-FFF2-40B4-BE49-F238E27FC236}">
-                <a16:creationId xmlns:a16="http://schemas.microsoft.com/office/drawing/2014/main" id="{FAC4F8FE-2D28-0D43-905E-D39F8A8462D8}"/>
+                <a16:creationId xmlns:a16="http://schemas.microsoft.com/office/drawing/2014/main" id="{6D0E0BA3-5ECE-E94D-B034-8F400208F397}"/>
               </a:ext>
             </a:extLst>
           </p:cNvPr>
@@ -35123,7 +35169,7 @@
     </p:spTree>
     <p:extLst>
       <p:ext uri="{BB962C8B-B14F-4D97-AF65-F5344CB8AC3E}">
-        <p14:creationId xmlns:p14="http://schemas.microsoft.com/office/powerpoint/2010/main" val="126427473"/>
+        <p14:creationId xmlns:p14="http://schemas.microsoft.com/office/powerpoint/2010/main" val="4029950598"/>
       </p:ext>
     </p:extLst>
   </p:cSld>
@@ -35456,6 +35502,159 @@
     <p:extLst>
       <p:ext uri="{BB962C8B-B14F-4D97-AF65-F5344CB8AC3E}">
         <p14:creationId xmlns:p14="http://schemas.microsoft.com/office/powerpoint/2010/main" val="1412420414"/>
+      </p:ext>
+    </p:extLst>
+  </p:cSld>
+  <p:clrMapOvr>
+    <a:masterClrMapping/>
+  </p:clrMapOvr>
+</p:sld>
+</file>
+
+<file path=ppt/slides/slide90.xml><?xml version="1.0" encoding="utf-8"?>
+<p:sld xmlns:a="http://schemas.openxmlformats.org/drawingml/2006/main" xmlns:r="http://schemas.openxmlformats.org/officeDocument/2006/relationships" xmlns:p="http://schemas.openxmlformats.org/presentationml/2006/main">
+  <p:cSld>
+    <p:spTree>
+      <p:nvGrpSpPr>
+        <p:cNvPr id="1" name=""/>
+        <p:cNvGrpSpPr/>
+        <p:nvPr/>
+      </p:nvGrpSpPr>
+      <p:grpSpPr>
+        <a:xfrm>
+          <a:off x="0" y="0"/>
+          <a:ext cx="0" cy="0"/>
+          <a:chOff x="0" y="0"/>
+          <a:chExt cx="0" cy="0"/>
+        </a:xfrm>
+      </p:grpSpPr>
+      <p:sp>
+        <p:nvSpPr>
+          <p:cNvPr id="2" name="Title 1">
+            <a:extLst>
+              <a:ext uri="{FF2B5EF4-FFF2-40B4-BE49-F238E27FC236}">
+                <a16:creationId xmlns:a16="http://schemas.microsoft.com/office/drawing/2014/main" id="{92344F30-F14C-B647-A37C-7C435CCF75CF}"/>
+              </a:ext>
+            </a:extLst>
+          </p:cNvPr>
+          <p:cNvSpPr>
+            <a:spLocks noGrp="1"/>
+          </p:cNvSpPr>
+          <p:nvPr>
+            <p:ph type="title"/>
+          </p:nvPr>
+        </p:nvSpPr>
+        <p:spPr/>
+        <p:txBody>
+          <a:bodyPr/>
+          <a:lstStyle/>
+          <a:p>
+            <a:pPr algn="ctr"/>
+            <a:r>
+              <a:rPr lang="en-US" dirty="0"/>
+              <a:t>Alternative location for Slides and Data</a:t>
+            </a:r>
+          </a:p>
+        </p:txBody>
+      </p:sp>
+      <p:sp>
+        <p:nvSpPr>
+          <p:cNvPr id="3" name="Content Placeholder 2">
+            <a:extLst>
+              <a:ext uri="{FF2B5EF4-FFF2-40B4-BE49-F238E27FC236}">
+                <a16:creationId xmlns:a16="http://schemas.microsoft.com/office/drawing/2014/main" id="{042217DB-7326-5745-B70E-B0A8AA2C8D79}"/>
+              </a:ext>
+            </a:extLst>
+          </p:cNvPr>
+          <p:cNvSpPr>
+            <a:spLocks noGrp="1"/>
+          </p:cNvSpPr>
+          <p:nvPr>
+            <p:ph idx="1"/>
+          </p:nvPr>
+        </p:nvSpPr>
+        <p:spPr>
+          <a:xfrm>
+            <a:off x="240225" y="1369219"/>
+            <a:ext cx="8694548" cy="3263504"/>
+          </a:xfrm>
+        </p:spPr>
+        <p:txBody>
+          <a:bodyPr anchor="ctr">
+            <a:normAutofit/>
+          </a:bodyPr>
+          <a:lstStyle/>
+          <a:p>
+            <a:pPr marL="0" indent="0" algn="ctr">
+              <a:buNone/>
+            </a:pPr>
+            <a:r>
+              <a:rPr lang="en-US" sz="3600" dirty="0">
+                <a:hlinkClick r:id="rId2"/>
+              </a:rPr>
+              <a:t>https://</a:t>
+            </a:r>
+            <a:r>
+              <a:rPr lang="en-US" sz="3600" dirty="0" err="1">
+                <a:hlinkClick r:id="rId2"/>
+              </a:rPr>
+              <a:t>github.com</a:t>
+            </a:r>
+            <a:r>
+              <a:rPr lang="en-US" sz="3600" dirty="0">
+                <a:hlinkClick r:id="rId2"/>
+              </a:rPr>
+              <a:t>/</a:t>
+            </a:r>
+            <a:r>
+              <a:rPr lang="en-US" sz="3600" dirty="0" err="1">
+                <a:hlinkClick r:id="rId2"/>
+              </a:rPr>
+              <a:t>ketancmaheshwari</a:t>
+            </a:r>
+            <a:r>
+              <a:rPr lang="en-US" sz="3600" dirty="0">
+                <a:hlinkClick r:id="rId2"/>
+              </a:rPr>
+              <a:t>/lisa19</a:t>
+            </a:r>
+            <a:endParaRPr lang="en-US" sz="3600" dirty="0"/>
+          </a:p>
+        </p:txBody>
+      </p:sp>
+      <p:sp>
+        <p:nvSpPr>
+          <p:cNvPr id="4" name="Slide Number Placeholder 3">
+            <a:extLst>
+              <a:ext uri="{FF2B5EF4-FFF2-40B4-BE49-F238E27FC236}">
+                <a16:creationId xmlns:a16="http://schemas.microsoft.com/office/drawing/2014/main" id="{FAC4F8FE-2D28-0D43-905E-D39F8A8462D8}"/>
+              </a:ext>
+            </a:extLst>
+          </p:cNvPr>
+          <p:cNvSpPr>
+            <a:spLocks noGrp="1"/>
+          </p:cNvSpPr>
+          <p:nvPr>
+            <p:ph type="sldNum" sz="quarter" idx="12"/>
+          </p:nvPr>
+        </p:nvSpPr>
+        <p:spPr/>
+        <p:txBody>
+          <a:bodyPr/>
+          <a:lstStyle/>
+          <a:p>
+            <a:fld id="{4E3AEE2C-3A74-8643-B4A2-442777B583A3}" type="slidenum">
+              <a:rPr lang="en-US" smtClean="0"/>
+              <a:t>90</a:t>
+            </a:fld>
+            <a:endParaRPr lang="en-US"/>
+          </a:p>
+        </p:txBody>
+      </p:sp>
+    </p:spTree>
+    <p:extLst>
+      <p:ext uri="{BB962C8B-B14F-4D97-AF65-F5344CB8AC3E}">
+        <p14:creationId xmlns:p14="http://schemas.microsoft.com/office/powerpoint/2010/main" val="126427473"/>
       </p:ext>
     </p:extLst>
   </p:cSld>

--- a/lpt_LISA.pptx
+++ b/lpt_LISA.pptx
@@ -21632,12 +21632,20 @@
               <a:t> kill-session -t </a:t>
             </a:r>
             <a:r>
-              <a:rPr lang="en-US" sz="1500" b="1">
-                <a:latin typeface="Courier New" charset="0"/>
-                <a:ea typeface="Courier New" charset="0"/>
-                <a:cs typeface="Courier New" charset="0"/>
-              </a:rPr>
-              <a:t>mysession </a:t>
+              <a:rPr lang="en-US" sz="1500" b="1" dirty="0" err="1">
+                <a:latin typeface="Courier New" charset="0"/>
+                <a:ea typeface="Courier New" charset="0"/>
+                <a:cs typeface="Courier New" charset="0"/>
+              </a:rPr>
+              <a:t>mysession</a:t>
+            </a:r>
+            <a:r>
+              <a:rPr lang="en-US" sz="1500" b="1" dirty="0">
+                <a:latin typeface="Courier New" charset="0"/>
+                <a:ea typeface="Courier New" charset="0"/>
+                <a:cs typeface="Courier New" charset="0"/>
+              </a:rPr>
+              <a:t> </a:t>
             </a:r>
             <a:r>
               <a:rPr lang="en-US" sz="1500" dirty="0">
@@ -22587,7 +22595,18 @@
                 <a:ea typeface="Courier New" charset="0"/>
                 <a:cs typeface="Courier New" charset="0"/>
               </a:rPr>
-              <a:t>Host summit</a:t>
+              <a:t>Host </a:t>
+            </a:r>
+            <a:r>
+              <a:rPr lang="en-US" sz="1500" b="1" dirty="0">
+                <a:solidFill>
+                  <a:schemeClr val="accent2"/>
+                </a:solidFill>
+                <a:latin typeface="Courier New" charset="0"/>
+                <a:ea typeface="Courier New" charset="0"/>
+                <a:cs typeface="Courier New" charset="0"/>
+              </a:rPr>
+              <a:t>login1</a:t>
             </a:r>
             <a:br>
               <a:rPr lang="en-US" sz="1500" b="1" dirty="0">
@@ -22602,7 +22621,7 @@
                 <a:ea typeface="Courier New" charset="0"/>
                 <a:cs typeface="Courier New" charset="0"/>
               </a:rPr>
-              <a:t>  Port 22</a:t>
+              <a:t>  hostname login1.ornl.gov</a:t>
             </a:r>
             <a:br>
               <a:rPr lang="en-US" sz="1500" b="1" dirty="0">
@@ -22617,92 +22636,7 @@
                 <a:ea typeface="Courier New" charset="0"/>
                 <a:cs typeface="Courier New" charset="0"/>
               </a:rPr>
-              <a:t>  hostname </a:t>
-            </a:r>
-            <a:r>
-              <a:rPr lang="en-US" sz="1500" b="1" dirty="0" err="1">
-                <a:latin typeface="Courier New" charset="0"/>
-                <a:ea typeface="Courier New" charset="0"/>
-                <a:cs typeface="Courier New" charset="0"/>
-              </a:rPr>
-              <a:t>summit.olcf.ornl.gov</a:t>
-            </a:r>
-            <a:br>
-              <a:rPr lang="en-US" sz="1500" b="1" dirty="0">
-                <a:latin typeface="Courier New" charset="0"/>
-                <a:ea typeface="Courier New" charset="0"/>
-                <a:cs typeface="Courier New" charset="0"/>
-              </a:rPr>
-            </a:br>
-            <a:r>
-              <a:rPr lang="en-US" sz="1500" b="1" dirty="0">
-                <a:latin typeface="Courier New" charset="0"/>
-                <a:ea typeface="Courier New" charset="0"/>
-                <a:cs typeface="Courier New" charset="0"/>
-              </a:rPr>
-              <a:t>  User ketan2</a:t>
-            </a:r>
-            <a:br>
-              <a:rPr lang="en-US" sz="1500" b="1" dirty="0">
-                <a:latin typeface="Courier New" charset="0"/>
-                <a:ea typeface="Courier New" charset="0"/>
-                <a:cs typeface="Courier New" charset="0"/>
-              </a:rPr>
-            </a:br>
-            <a:r>
-              <a:rPr lang="en-US" sz="1500" b="1" dirty="0">
-                <a:latin typeface="Courier New" charset="0"/>
-                <a:ea typeface="Courier New" charset="0"/>
-                <a:cs typeface="Courier New" charset="0"/>
-              </a:rPr>
-              <a:t>  </a:t>
-            </a:r>
-            <a:r>
-              <a:rPr lang="en-US" sz="1500" b="1" dirty="0" err="1">
-                <a:latin typeface="Courier New" charset="0"/>
-                <a:ea typeface="Courier New" charset="0"/>
-                <a:cs typeface="Courier New" charset="0"/>
-              </a:rPr>
-              <a:t>ServerAliveCountMax</a:t>
-            </a:r>
-            <a:r>
-              <a:rPr lang="en-US" sz="1500" b="1" dirty="0">
-                <a:latin typeface="Courier New" charset="0"/>
-                <a:ea typeface="Courier New" charset="0"/>
-                <a:cs typeface="Courier New" charset="0"/>
-              </a:rPr>
-              <a:t>=3 #max num of alive messages sent without ack</a:t>
-            </a:r>
-            <a:br>
-              <a:rPr lang="en-US" sz="1500" b="1" dirty="0">
-                <a:latin typeface="Courier New" charset="0"/>
-                <a:ea typeface="Courier New" charset="0"/>
-                <a:cs typeface="Courier New" charset="0"/>
-              </a:rPr>
-            </a:br>
-            <a:r>
-              <a:rPr lang="en-US" sz="1500" b="1" dirty="0">
-                <a:latin typeface="Courier New" charset="0"/>
-                <a:ea typeface="Courier New" charset="0"/>
-                <a:cs typeface="Courier New" charset="0"/>
-              </a:rPr>
-              <a:t>  </a:t>
-            </a:r>
-            <a:r>
-              <a:rPr lang="en-US" sz="1500" b="1" dirty="0" err="1">
-                <a:latin typeface="Courier New" charset="0"/>
-                <a:ea typeface="Courier New" charset="0"/>
-                <a:cs typeface="Courier New" charset="0"/>
-              </a:rPr>
-              <a:t>ServerAliveInterval</a:t>
-            </a:r>
-            <a:r>
-              <a:rPr lang="en-US" sz="1500" b="1" dirty="0">
-                <a:latin typeface="Courier New" charset="0"/>
-                <a:ea typeface="Courier New" charset="0"/>
-                <a:cs typeface="Courier New" charset="0"/>
-              </a:rPr>
-              <a:t>=15 #send a null message every 15 sec</a:t>
+              <a:t>  User km0</a:t>
             </a:r>
             <a:br>
               <a:rPr lang="en-US" sz="1500" b="1" dirty="0">
@@ -22754,7 +22688,23 @@
                 <a:ea typeface="Courier New" charset="0"/>
                 <a:cs typeface="Courier New" charset="0"/>
               </a:rPr>
-              <a:t> hostname or-condo-</a:t>
+              <a:t> hostname or-</a:t>
+            </a:r>
+            <a:r>
+              <a:rPr lang="en-US" sz="1500" b="1" dirty="0" err="1">
+                <a:latin typeface="Courier New" charset="0"/>
+                <a:ea typeface="Courier New" charset="0"/>
+                <a:cs typeface="Courier New" charset="0"/>
+              </a:rPr>
+              <a:t>slurm</a:t>
+            </a:r>
+            <a:r>
+              <a:rPr lang="en-US" sz="1500" b="1" dirty="0">
+                <a:latin typeface="Courier New" charset="0"/>
+                <a:ea typeface="Courier New" charset="0"/>
+                <a:cs typeface="Courier New" charset="0"/>
+              </a:rPr>
+              <a:t>-</a:t>
             </a:r>
             <a:r>
               <a:rPr lang="en-US" sz="1500" b="1" dirty="0" err="1">
@@ -22785,7 +22735,34 @@
                 <a:ea typeface="Courier New" charset="0"/>
                 <a:cs typeface="Courier New" charset="0"/>
               </a:rPr>
-              <a:t> User km0</a:t>
+              <a:t> </a:t>
+            </a:r>
+            <a:r>
+              <a:rPr lang="en-US" sz="1500" b="1" dirty="0" err="1">
+                <a:latin typeface="Courier New" charset="0"/>
+                <a:ea typeface="Courier New" charset="0"/>
+                <a:cs typeface="Courier New" charset="0"/>
+              </a:rPr>
+              <a:t>ProxyJump</a:t>
+            </a:r>
+            <a:r>
+              <a:rPr lang="en-US" sz="1500" b="1" dirty="0">
+                <a:latin typeface="Courier New" charset="0"/>
+                <a:ea typeface="Courier New" charset="0"/>
+                <a:cs typeface="Courier New" charset="0"/>
+              </a:rPr>
+              <a:t> </a:t>
+            </a:r>
+            <a:r>
+              <a:rPr lang="en-US" sz="1500" b="1" dirty="0">
+                <a:solidFill>
+                  <a:schemeClr val="accent2"/>
+                </a:solidFill>
+                <a:latin typeface="Courier New" charset="0"/>
+                <a:ea typeface="Courier New" charset="0"/>
+                <a:cs typeface="Courier New" charset="0"/>
+              </a:rPr>
+              <a:t>login1</a:t>
             </a:r>
             <a:br>
               <a:rPr lang="en-US" sz="1500" b="1" dirty="0">
@@ -22800,23 +22777,7 @@
                 <a:ea typeface="Courier New" charset="0"/>
                 <a:cs typeface="Courier New" charset="0"/>
               </a:rPr>
-              <a:t> </a:t>
-            </a:r>
-            <a:r>
-              <a:rPr lang="en-US" sz="1500" b="1" dirty="0" err="1">
-                <a:latin typeface="Courier New" charset="0"/>
-                <a:ea typeface="Courier New" charset="0"/>
-                <a:cs typeface="Courier New" charset="0"/>
-              </a:rPr>
-              <a:t>ServerAliveCountMax</a:t>
-            </a:r>
-            <a:r>
-              <a:rPr lang="en-US" sz="1500" b="1" dirty="0">
-                <a:latin typeface="Courier New" charset="0"/>
-                <a:ea typeface="Courier New" charset="0"/>
-                <a:cs typeface="Courier New" charset="0"/>
-              </a:rPr>
-              <a:t>=3</a:t>
+              <a:t> User km0</a:t>
             </a:r>
             <a:br>
               <a:rPr lang="en-US" sz="1500" b="1" dirty="0">
@@ -22839,7 +22800,7 @@
                 <a:ea typeface="Courier New" charset="0"/>
                 <a:cs typeface="Courier New" charset="0"/>
               </a:rPr>
-              <a:t>ServerAliveInterval</a:t>
+              <a:t>ServerAliveCountMax</a:t>
             </a:r>
             <a:r>
               <a:rPr lang="en-US" sz="1500" b="1" dirty="0">
@@ -22847,7 +22808,15 @@
                 <a:ea typeface="Courier New" charset="0"/>
                 <a:cs typeface="Courier New" charset="0"/>
               </a:rPr>
-              <a:t>=15</a:t>
+              <a:t>=3 </a:t>
+            </a:r>
+            <a:r>
+              <a:rPr lang="en-US" sz="1500" dirty="0">
+                <a:latin typeface="Courier New" charset="0"/>
+                <a:ea typeface="Courier New" charset="0"/>
+                <a:cs typeface="Courier New" charset="0"/>
+              </a:rPr>
+              <a:t>#max num of alive messages sent without ack</a:t>
             </a:r>
             <a:br>
               <a:rPr lang="en-US" sz="1500" b="1" dirty="0">
@@ -22856,6 +22825,60 @@
                 <a:cs typeface="Courier New" charset="0"/>
               </a:rPr>
             </a:br>
+            <a:r>
+              <a:rPr lang="en-US" sz="1500" b="1" dirty="0">
+                <a:latin typeface="Courier New" charset="0"/>
+                <a:ea typeface="Courier New" charset="0"/>
+                <a:cs typeface="Courier New" charset="0"/>
+              </a:rPr>
+              <a:t> </a:t>
+            </a:r>
+            <a:r>
+              <a:rPr lang="en-US" sz="1500" b="1" dirty="0" err="1">
+                <a:latin typeface="Courier New" charset="0"/>
+                <a:ea typeface="Courier New" charset="0"/>
+                <a:cs typeface="Courier New" charset="0"/>
+              </a:rPr>
+              <a:t>ServerAliveInterval</a:t>
+            </a:r>
+            <a:r>
+              <a:rPr lang="en-US" sz="1500" b="1" dirty="0">
+                <a:latin typeface="Courier New" charset="0"/>
+                <a:ea typeface="Courier New" charset="0"/>
+                <a:cs typeface="Courier New" charset="0"/>
+              </a:rPr>
+              <a:t>=15 </a:t>
+            </a:r>
+            <a:r>
+              <a:rPr lang="en-US" sz="1500" dirty="0">
+                <a:latin typeface="Courier New" charset="0"/>
+                <a:ea typeface="Courier New" charset="0"/>
+                <a:cs typeface="Courier New" charset="0"/>
+              </a:rPr>
+              <a:t>#send a null message every 15 sec</a:t>
+            </a:r>
+            <a:br>
+              <a:rPr lang="en-US" sz="1500" dirty="0">
+                <a:latin typeface="Courier New" charset="0"/>
+                <a:ea typeface="Courier New" charset="0"/>
+                <a:cs typeface="Courier New" charset="0"/>
+              </a:rPr>
+            </a:br>
+            <a:br>
+              <a:rPr lang="en-US" sz="1500" b="1" dirty="0">
+                <a:latin typeface="Courier New" charset="0"/>
+                <a:ea typeface="Courier New" charset="0"/>
+                <a:cs typeface="Courier New" charset="0"/>
+              </a:rPr>
+            </a:br>
+            <a:r>
+              <a:rPr lang="en-US" sz="1500" b="1" dirty="0">
+                <a:latin typeface="Courier New" charset="0"/>
+                <a:ea typeface="Courier New" charset="0"/>
+                <a:cs typeface="Courier New" charset="0"/>
+              </a:rPr>
+              <a:t> </a:t>
+            </a:r>
             <a:br>
               <a:rPr lang="en-US" sz="1500" b="1" dirty="0">
                 <a:latin typeface="Courier New" charset="0"/>
@@ -24676,7 +24699,7 @@
               <a:t>: run curl </a:t>
             </a:r>
             <a:r>
-              <a:rPr lang="en-US" dirty="0" err="1"/>
+              <a:rPr lang="en-US" i="1" dirty="0" err="1"/>
               <a:t>iff</a:t>
             </a:r>
             <a:r>
@@ -24710,7 +24733,7 @@
               <a:t>: test </a:t>
             </a:r>
             <a:r>
-              <a:rPr lang="en-US" dirty="0" err="1"/>
+              <a:rPr lang="en-US" i="1" dirty="0" err="1"/>
               <a:t>iff</a:t>
             </a:r>
             <a:r>

--- a/lpt_LISA.pptx
+++ b/lpt_LISA.pptx
@@ -301,7 +301,7 @@
           <a:p>
             <a:fld id="{DE0C789A-1381-F54D-B55B-DCBB91319C08}" type="datetimeFigureOut">
               <a:rPr lang="en-US" smtClean="0"/>
-              <a:t>6/9/20</a:t>
+              <a:t>6/10/20</a:t>
             </a:fld>
             <a:endParaRPr lang="en-US"/>
           </a:p>
@@ -478,7 +478,7 @@
           <a:p>
             <a:fld id="{46CB9FDB-056B-6244-AE56-9549F1074EBB}" type="datetimeFigureOut">
               <a:rPr lang="en-US" smtClean="0"/>
-              <a:t>6/9/20</a:t>
+              <a:t>6/10/20</a:t>
             </a:fld>
             <a:endParaRPr lang="en-US"/>
           </a:p>
@@ -1958,7 +1958,7 @@
           <a:p>
             <a:fld id="{524F091B-C9FE-714F-8F5F-8CFB82A747F1}" type="datetime1">
               <a:rPr lang="en-US" smtClean="0"/>
-              <a:t>6/9/20</a:t>
+              <a:t>6/10/20</a:t>
             </a:fld>
             <a:endParaRPr lang="en-US"/>
           </a:p>
@@ -2128,7 +2128,7 @@
           <a:p>
             <a:fld id="{E5121F4C-BC13-F84F-9AD9-260A611D728C}" type="datetime1">
               <a:rPr lang="en-US" smtClean="0"/>
-              <a:t>6/9/20</a:t>
+              <a:t>6/10/20</a:t>
             </a:fld>
             <a:endParaRPr lang="en-US"/>
           </a:p>
@@ -2308,7 +2308,7 @@
           <a:p>
             <a:fld id="{69934431-5E8A-0144-AD3C-F9F3B5843812}" type="datetime1">
               <a:rPr lang="en-US" smtClean="0"/>
-              <a:t>6/9/20</a:t>
+              <a:t>6/10/20</a:t>
             </a:fld>
             <a:endParaRPr lang="en-US"/>
           </a:p>
@@ -2478,7 +2478,7 @@
           <a:p>
             <a:fld id="{4D966F88-1DAF-F94F-A3D2-93E7964825AC}" type="datetime1">
               <a:rPr lang="en-US" smtClean="0"/>
-              <a:t>6/9/20</a:t>
+              <a:t>6/10/20</a:t>
             </a:fld>
             <a:endParaRPr lang="en-US"/>
           </a:p>
@@ -2724,7 +2724,7 @@
           <a:p>
             <a:fld id="{75F67F5F-B354-5B41-A0FF-E33ACFB7B000}" type="datetime1">
               <a:rPr lang="en-US" smtClean="0"/>
-              <a:t>6/9/20</a:t>
+              <a:t>6/10/20</a:t>
             </a:fld>
             <a:endParaRPr lang="en-US"/>
           </a:p>
@@ -2956,7 +2956,7 @@
           <a:p>
             <a:fld id="{1FE71E3D-61C4-AF47-B5F6-80F7A2125094}" type="datetime1">
               <a:rPr lang="en-US" smtClean="0"/>
-              <a:t>6/9/20</a:t>
+              <a:t>6/10/20</a:t>
             </a:fld>
             <a:endParaRPr lang="en-US"/>
           </a:p>
@@ -3323,7 +3323,7 @@
           <a:p>
             <a:fld id="{B7259F95-3E7B-AE48-BD5A-55F4F48F15EE}" type="datetime1">
               <a:rPr lang="en-US" smtClean="0"/>
-              <a:t>6/9/20</a:t>
+              <a:t>6/10/20</a:t>
             </a:fld>
             <a:endParaRPr lang="en-US"/>
           </a:p>
@@ -3441,7 +3441,7 @@
           <a:p>
             <a:fld id="{1E2D71D9-286E-D847-8194-60F3E909E40C}" type="datetime1">
               <a:rPr lang="en-US" smtClean="0"/>
-              <a:t>6/9/20</a:t>
+              <a:t>6/10/20</a:t>
             </a:fld>
             <a:endParaRPr lang="en-US"/>
           </a:p>
@@ -3536,7 +3536,7 @@
           <a:p>
             <a:fld id="{3AC70D76-DA63-C342-B98E-F532027F9CD7}" type="datetime1">
               <a:rPr lang="en-US" smtClean="0"/>
-              <a:t>6/9/20</a:t>
+              <a:t>6/10/20</a:t>
             </a:fld>
             <a:endParaRPr lang="en-US"/>
           </a:p>
@@ -3813,7 +3813,7 @@
           <a:p>
             <a:fld id="{74E169E1-67F4-DE43-8AD1-CF716A32D6D9}" type="datetime1">
               <a:rPr lang="en-US" smtClean="0"/>
-              <a:t>6/9/20</a:t>
+              <a:t>6/10/20</a:t>
             </a:fld>
             <a:endParaRPr lang="en-US"/>
           </a:p>
@@ -4070,7 +4070,7 @@
           <a:p>
             <a:fld id="{EDBC0E13-B072-744E-A1EF-1258C23FD22F}" type="datetime1">
               <a:rPr lang="en-US" smtClean="0"/>
-              <a:t>6/9/20</a:t>
+              <a:t>6/10/20</a:t>
             </a:fld>
             <a:endParaRPr lang="en-US"/>
           </a:p>
@@ -4283,7 +4283,7 @@
           <a:p>
             <a:fld id="{14D54490-4A22-8B41-9AA4-9BECA28CBC89}" type="datetime1">
               <a:rPr lang="en-US" smtClean="0"/>
-              <a:t>6/9/20</a:t>
+              <a:t>6/10/20</a:t>
             </a:fld>
             <a:endParaRPr lang="en-US"/>
           </a:p>
@@ -6217,7 +6217,7 @@
             <a:pPr lvl="1"/>
             <a:r>
               <a:rPr lang="en-US" dirty="0"/>
-              <a:t>avoid pesky ads</a:t>
+              <a:t>avoid pesky ads on the web</a:t>
             </a:r>
           </a:p>
           <a:p>
@@ -6311,8 +6311,26 @@
             </a:r>
             <a:r>
               <a:rPr lang="en-US" dirty="0"/>
-              <a:t> are other text-based browsers</a:t>
-            </a:r>
+              <a:t> are other text-based browsers: </a:t>
+            </a:r>
+            <a:r>
+              <a:rPr lang="en-US" b="1" dirty="0">
+                <a:latin typeface="Courier New" panose="02070309020205020404" pitchFamily="49" charset="0"/>
+                <a:cs typeface="Courier New" panose="02070309020205020404" pitchFamily="49" charset="0"/>
+              </a:rPr>
+              <a:t>w3m </a:t>
+            </a:r>
+            <a:r>
+              <a:rPr lang="en-US" b="1" dirty="0" err="1">
+                <a:latin typeface="Courier New" panose="02070309020205020404" pitchFamily="49" charset="0"/>
+                <a:cs typeface="Courier New" panose="02070309020205020404" pitchFamily="49" charset="0"/>
+              </a:rPr>
+              <a:t>lite.cnn.com</a:t>
+            </a:r>
+            <a:endParaRPr lang="en-US" b="1" dirty="0">
+              <a:latin typeface="Courier New" panose="02070309020205020404" pitchFamily="49" charset="0"/>
+              <a:cs typeface="Courier New" panose="02070309020205020404" pitchFamily="49" charset="0"/>
+            </a:endParaRPr>
           </a:p>
         </p:txBody>
       </p:sp>
@@ -14260,7 +14278,12 @@
             <p:ph idx="1"/>
           </p:nvPr>
         </p:nvSpPr>
-        <p:spPr/>
+        <p:spPr>
+          <a:xfrm>
+            <a:off x="628650" y="1115878"/>
+            <a:ext cx="7886700" cy="3516845"/>
+          </a:xfrm>
+        </p:spPr>
         <p:txBody>
           <a:bodyPr/>
           <a:lstStyle/>
@@ -14271,15 +14294,113 @@
                 <a:ea typeface="Courier New" charset="0"/>
                 <a:cs typeface="Courier New" charset="0"/>
               </a:rPr>
-              <a:t>find . -type f -name "*.txt" </a:t>
+              <a:t>find . -type f -</a:t>
+            </a:r>
+            <a:r>
+              <a:rPr lang="en-US" b="1" dirty="0" err="1">
+                <a:latin typeface="Courier New" charset="0"/>
+                <a:ea typeface="Courier New" charset="0"/>
+                <a:cs typeface="Courier New" charset="0"/>
+              </a:rPr>
+              <a:t>iname</a:t>
+            </a:r>
+            <a:r>
+              <a:rPr lang="en-US" b="1" dirty="0">
+                <a:latin typeface="Courier New" charset="0"/>
+                <a:ea typeface="Courier New" charset="0"/>
+                <a:cs typeface="Courier New" charset="0"/>
+              </a:rPr>
+              <a:t> "*.txt" </a:t>
+            </a:r>
+            <a:r>
+              <a:rPr lang="en-US" sz="1600" dirty="0">
+                <a:latin typeface="Courier New" charset="0"/>
+                <a:ea typeface="Courier New" charset="0"/>
+                <a:cs typeface="Courier New" charset="0"/>
+              </a:rPr>
+              <a:t>#txt files in </a:t>
+            </a:r>
+            <a:r>
+              <a:rPr lang="en-US" sz="1600" dirty="0" err="1">
+                <a:latin typeface="Courier New" charset="0"/>
+                <a:ea typeface="Courier New" charset="0"/>
+                <a:cs typeface="Courier New" charset="0"/>
+              </a:rPr>
+              <a:t>curdir</a:t>
+            </a:r>
+            <a:endParaRPr lang="en-US" sz="1600" dirty="0">
+              <a:latin typeface="Courier New" charset="0"/>
+              <a:ea typeface="Courier New" charset="0"/>
+              <a:cs typeface="Courier New" charset="0"/>
+            </a:endParaRPr>
+          </a:p>
+          <a:p>
+            <a:r>
+              <a:rPr lang="en-US" b="1" dirty="0">
+                <a:latin typeface="Courier New" panose="02070309020205020404" pitchFamily="49" charset="0"/>
+                <a:cs typeface="Courier New" panose="02070309020205020404" pitchFamily="49" charset="0"/>
+              </a:rPr>
+              <a:t>find . -</a:t>
+            </a:r>
+            <a:r>
+              <a:rPr lang="en-US" b="1" dirty="0" err="1">
+                <a:latin typeface="Courier New" panose="02070309020205020404" pitchFamily="49" charset="0"/>
+                <a:cs typeface="Courier New" panose="02070309020205020404" pitchFamily="49" charset="0"/>
+              </a:rPr>
+              <a:t>maxdepth</a:t>
+            </a:r>
+            <a:r>
+              <a:rPr lang="en-US" b="1" dirty="0">
+                <a:latin typeface="Courier New" panose="02070309020205020404" pitchFamily="49" charset="0"/>
+                <a:cs typeface="Courier New" panose="02070309020205020404" pitchFamily="49" charset="0"/>
+              </a:rPr>
+              <a:t> 1 </a:t>
             </a:r>
             <a:r>
               <a:rPr lang="en-US" dirty="0">
-                <a:latin typeface="Courier New" charset="0"/>
-                <a:ea typeface="Courier New" charset="0"/>
-                <a:cs typeface="Courier New" charset="0"/>
-              </a:rPr>
-              <a:t>#all text files in current </a:t>
+                <a:latin typeface="Courier New" panose="02070309020205020404" pitchFamily="49" charset="0"/>
+                <a:cs typeface="Courier New" panose="02070309020205020404" pitchFamily="49" charset="0"/>
+              </a:rPr>
+              <a:t>#equivalent to ls</a:t>
+            </a:r>
+            <a:endParaRPr lang="en-US" b="1" dirty="0">
+              <a:latin typeface="Courier New" charset="0"/>
+              <a:ea typeface="Courier New" charset="0"/>
+              <a:cs typeface="Courier New" charset="0"/>
+            </a:endParaRPr>
+          </a:p>
+          <a:p>
+            <a:r>
+              <a:rPr lang="en-US" b="1" dirty="0">
+                <a:latin typeface="Courier New" charset="0"/>
+                <a:ea typeface="Courier New" charset="0"/>
+                <a:cs typeface="Courier New" charset="0"/>
+              </a:rPr>
+              <a:t>find ./</a:t>
+            </a:r>
+            <a:r>
+              <a:rPr lang="en-US" b="1" dirty="0" err="1">
+                <a:latin typeface="Courier New" charset="0"/>
+                <a:ea typeface="Courier New" charset="0"/>
+                <a:cs typeface="Courier New" charset="0"/>
+              </a:rPr>
+              <a:t>somedir</a:t>
+            </a:r>
+            <a:r>
+              <a:rPr lang="en-US" b="1" dirty="0">
+                <a:latin typeface="Courier New" charset="0"/>
+                <a:ea typeface="Courier New" charset="0"/>
+                <a:cs typeface="Courier New" charset="0"/>
+              </a:rPr>
+              <a:t> -type f -size +512M -print </a:t>
+            </a:r>
+            <a:r>
+              <a:rPr lang="en-US" dirty="0">
+                <a:latin typeface="Courier New" charset="0"/>
+                <a:ea typeface="Courier New" charset="0"/>
+                <a:cs typeface="Courier New" charset="0"/>
+              </a:rPr>
+              <a:t>#all files larger than 512M in ./</a:t>
             </a:r>
             <a:r>
               <a:rPr lang="en-US" dirty="0" err="1">
@@ -14287,7 +14408,7 @@
                 <a:ea typeface="Courier New" charset="0"/>
                 <a:cs typeface="Courier New" charset="0"/>
               </a:rPr>
-              <a:t>dir</a:t>
+              <a:t>somedir</a:t>
             </a:r>
             <a:endParaRPr lang="en-US" dirty="0">
               <a:latin typeface="Courier New" charset="0"/>
@@ -14298,46 +14419,93 @@
           <a:p>
             <a:r>
               <a:rPr lang="en-US" b="1" dirty="0">
-                <a:latin typeface="Courier New" panose="02070309020205020404" pitchFamily="49" charset="0"/>
-                <a:cs typeface="Courier New" panose="02070309020205020404" pitchFamily="49" charset="0"/>
-              </a:rPr>
-              <a:t>find . -</a:t>
+                <a:latin typeface="Courier New" charset="0"/>
+                <a:ea typeface="Courier New" charset="0"/>
+                <a:cs typeface="Courier New" charset="0"/>
+              </a:rPr>
+              <a:t>find /</a:t>
             </a:r>
             <a:r>
               <a:rPr lang="en-US" b="1" dirty="0" err="1">
-                <a:latin typeface="Courier New" panose="02070309020205020404" pitchFamily="49" charset="0"/>
-                <a:cs typeface="Courier New" panose="02070309020205020404" pitchFamily="49" charset="0"/>
-              </a:rPr>
-              <a:t>maxdepth</a:t>
-            </a:r>
-            <a:r>
-              <a:rPr lang="en-US" b="1" dirty="0">
-                <a:latin typeface="Courier New" panose="02070309020205020404" pitchFamily="49" charset="0"/>
-                <a:cs typeface="Courier New" panose="02070309020205020404" pitchFamily="49" charset="0"/>
-              </a:rPr>
-              <a:t> 1 </a:t>
-            </a:r>
-            <a:r>
-              <a:rPr lang="en-US" dirty="0">
-                <a:latin typeface="Courier New" panose="02070309020205020404" pitchFamily="49" charset="0"/>
-                <a:cs typeface="Courier New" panose="02070309020205020404" pitchFamily="49" charset="0"/>
-              </a:rPr>
-              <a:t>#equivalent to ls</a:t>
-            </a:r>
-            <a:endParaRPr lang="en-US" b="1" dirty="0">
-              <a:latin typeface="Courier New" charset="0"/>
-              <a:ea typeface="Courier New" charset="0"/>
-              <a:cs typeface="Courier New" charset="0"/>
-            </a:endParaRPr>
-          </a:p>
-          <a:p>
-            <a:r>
-              <a:rPr lang="en-US" b="1" dirty="0">
-                <a:latin typeface="Courier New" charset="0"/>
-                <a:ea typeface="Courier New" charset="0"/>
-                <a:cs typeface="Courier New" charset="0"/>
-              </a:rPr>
-              <a:t>find ./</a:t>
+                <a:latin typeface="Courier New" charset="0"/>
+                <a:ea typeface="Courier New" charset="0"/>
+                <a:cs typeface="Courier New" charset="0"/>
+              </a:rPr>
+              <a:t>usr</a:t>
+            </a:r>
+            <a:r>
+              <a:rPr lang="en-US" b="1" dirty="0">
+                <a:latin typeface="Courier New" charset="0"/>
+                <a:ea typeface="Courier New" charset="0"/>
+                <a:cs typeface="Courier New" charset="0"/>
+              </a:rPr>
+              <a:t>/bin ! -type l </a:t>
+            </a:r>
+            <a:r>
+              <a:rPr lang="en-US" sz="1800" dirty="0">
+                <a:latin typeface="Courier New" charset="0"/>
+                <a:ea typeface="Courier New" charset="0"/>
+                <a:cs typeface="Courier New" charset="0"/>
+              </a:rPr>
+              <a:t>#</a:t>
+            </a:r>
+            <a:r>
+              <a:rPr lang="en-US" sz="1800" b="1" dirty="0">
+                <a:latin typeface="Courier New" charset="0"/>
+                <a:ea typeface="Courier New" charset="0"/>
+                <a:cs typeface="Courier New" charset="0"/>
+              </a:rPr>
+              <a:t>not</a:t>
+            </a:r>
+            <a:r>
+              <a:rPr lang="en-US" sz="1800" dirty="0">
+                <a:latin typeface="Courier New" charset="0"/>
+                <a:ea typeface="Courier New" charset="0"/>
+                <a:cs typeface="Courier New" charset="0"/>
+              </a:rPr>
+              <a:t> </a:t>
+            </a:r>
+            <a:r>
+              <a:rPr lang="en-US" sz="1800" dirty="0" err="1">
+                <a:latin typeface="Courier New" charset="0"/>
+                <a:ea typeface="Courier New" charset="0"/>
+                <a:cs typeface="Courier New" charset="0"/>
+              </a:rPr>
+              <a:t>symlinks</a:t>
+            </a:r>
+            <a:r>
+              <a:rPr lang="en-US" sz="1800" dirty="0">
+                <a:latin typeface="Courier New" charset="0"/>
+                <a:ea typeface="Courier New" charset="0"/>
+                <a:cs typeface="Courier New" charset="0"/>
+              </a:rPr>
+              <a:t> in /</a:t>
+            </a:r>
+            <a:r>
+              <a:rPr lang="en-US" sz="1800" dirty="0" err="1">
+                <a:latin typeface="Courier New" charset="0"/>
+                <a:ea typeface="Courier New" charset="0"/>
+                <a:cs typeface="Courier New" charset="0"/>
+              </a:rPr>
+              <a:t>usr</a:t>
+            </a:r>
+            <a:r>
+              <a:rPr lang="en-US" sz="1800" dirty="0">
+                <a:latin typeface="Courier New" charset="0"/>
+                <a:ea typeface="Courier New" charset="0"/>
+                <a:cs typeface="Courier New" charset="0"/>
+              </a:rPr>
+              <a:t>/bin</a:t>
+            </a:r>
+          </a:p>
+          <a:p>
+            <a:r>
+              <a:rPr lang="en-US" b="1" dirty="0">
+                <a:latin typeface="Courier New" charset="0"/>
+                <a:ea typeface="Courier New" charset="0"/>
+                <a:cs typeface="Courier New" charset="0"/>
+              </a:rPr>
+              <a:t>find $HOME -type f -</a:t>
             </a:r>
             <a:r>
               <a:rPr lang="en-US" b="1" dirty="0" err="1">
@@ -14345,46 +14513,59 @@
                 <a:ea typeface="Courier New" charset="0"/>
                 <a:cs typeface="Courier New" charset="0"/>
               </a:rPr>
-              <a:t>somedir</a:t>
-            </a:r>
-            <a:r>
-              <a:rPr lang="en-US" b="1" dirty="0">
-                <a:latin typeface="Courier New" charset="0"/>
-                <a:ea typeface="Courier New" charset="0"/>
-                <a:cs typeface="Courier New" charset="0"/>
-              </a:rPr>
-              <a:t> -type f -size +512M -print </a:t>
-            </a:r>
-            <a:r>
-              <a:rPr lang="en-US" dirty="0">
-                <a:latin typeface="Courier New" charset="0"/>
-                <a:ea typeface="Courier New" charset="0"/>
-                <a:cs typeface="Courier New" charset="0"/>
-              </a:rPr>
-              <a:t>#all files larger than 512M in ./</a:t>
-            </a:r>
-            <a:r>
-              <a:rPr lang="en-US" dirty="0" err="1">
-                <a:latin typeface="Courier New" charset="0"/>
-                <a:ea typeface="Courier New" charset="0"/>
-                <a:cs typeface="Courier New" charset="0"/>
-              </a:rPr>
-              <a:t>somedir</a:t>
-            </a:r>
-            <a:endParaRPr lang="en-US" dirty="0">
-              <a:latin typeface="Courier New" charset="0"/>
-              <a:ea typeface="Courier New" charset="0"/>
-              <a:cs typeface="Courier New" charset="0"/>
-            </a:endParaRPr>
-          </a:p>
-          <a:p>
-            <a:r>
-              <a:rPr lang="en-US" b="1" dirty="0">
-                <a:latin typeface="Courier New" charset="0"/>
-                <a:ea typeface="Courier New" charset="0"/>
-                <a:cs typeface="Courier New" charset="0"/>
-              </a:rPr>
-              <a:t>find . \( -name “*.c” -o -name “*.h” \) </a:t>
+              <a:t>atime</a:t>
+            </a:r>
+            <a:r>
+              <a:rPr lang="en-US" b="1" dirty="0">
+                <a:latin typeface="Courier New" charset="0"/>
+                <a:ea typeface="Courier New" charset="0"/>
+                <a:cs typeface="Courier New" charset="0"/>
+              </a:rPr>
+              <a:t> +365 -exec rm {} +</a:t>
+            </a:r>
+            <a:br>
+              <a:rPr lang="en-US" b="1" dirty="0">
+                <a:latin typeface="Courier New" charset="0"/>
+                <a:ea typeface="Courier New" charset="0"/>
+                <a:cs typeface="Courier New" charset="0"/>
+              </a:rPr>
+            </a:br>
+            <a:r>
+              <a:rPr lang="en-US" sz="1800" dirty="0">
+                <a:latin typeface="Courier New" charset="0"/>
+                <a:ea typeface="Courier New" charset="0"/>
+                <a:cs typeface="Courier New" charset="0"/>
+              </a:rPr>
+              <a:t>#</a:t>
+            </a:r>
+            <a:r>
+              <a:rPr lang="en-US" sz="1800" b="1" dirty="0">
+                <a:solidFill>
+                  <a:srgbClr val="FF0000"/>
+                </a:solidFill>
+                <a:latin typeface="Courier New" charset="0"/>
+                <a:ea typeface="Courier New" charset="0"/>
+                <a:cs typeface="Courier New" charset="0"/>
+              </a:rPr>
+              <a:t>delete</a:t>
+            </a:r>
+            <a:r>
+              <a:rPr lang="en-US" sz="1800" dirty="0">
+                <a:latin typeface="Courier New" charset="0"/>
+                <a:ea typeface="Courier New" charset="0"/>
+                <a:cs typeface="Courier New" charset="0"/>
+              </a:rPr>
+              <a:t> all files that were not accessed in a year</a:t>
+            </a:r>
+          </a:p>
+          <a:p>
+            <a:r>
+              <a:rPr lang="en-US" b="1" dirty="0">
+                <a:latin typeface="Courier New" charset="0"/>
+                <a:ea typeface="Courier New" charset="0"/>
+                <a:cs typeface="Courier New" charset="0"/>
+              </a:rPr>
+              <a:t>find . \( -name "*.c" -o -name "*.h" \) </a:t>
             </a:r>
             <a:r>
               <a:rPr lang="en-US" dirty="0">
@@ -18610,15 +18791,31 @@
                 <a:ea typeface="Courier New" charset="0"/>
                 <a:cs typeface="Courier New" charset="0"/>
               </a:rPr>
+              <a:t>  </a:t>
+            </a:r>
+            <a:r>
+              <a:rPr lang="en-US" b="1" dirty="0">
+                <a:latin typeface="Courier New" charset="0"/>
+                <a:ea typeface="Courier New" charset="0"/>
+                <a:cs typeface="Courier New" charset="0"/>
+              </a:rPr>
+              <a:t>NF &gt; 0</a:t>
+            </a:r>
+            <a:r>
+              <a:rPr lang="en-US" dirty="0">
+                <a:latin typeface="Courier New" charset="0"/>
+                <a:ea typeface="Courier New" charset="0"/>
+                <a:cs typeface="Courier New" charset="0"/>
+              </a:rPr>
               <a:t> </a:t>
             </a:r>
             <a:r>
-              <a:rPr lang="en-US" b="1" dirty="0">
-                <a:latin typeface="Courier New" charset="0"/>
-                <a:ea typeface="Courier New" charset="0"/>
-                <a:cs typeface="Courier New" charset="0"/>
-              </a:rPr>
-              <a:t>NF&gt;0</a:t>
+              <a:rPr lang="en-US" dirty="0" err="1">
+                <a:latin typeface="Courier New" charset="0"/>
+                <a:ea typeface="Courier New" charset="0"/>
+                <a:cs typeface="Courier New" charset="0"/>
+              </a:rPr>
+              <a:t>prose.txt</a:t>
             </a:r>
             <a:r>
               <a:rPr lang="en-US" dirty="0">
@@ -18626,15 +18823,49 @@
                 <a:ea typeface="Courier New" charset="0"/>
                 <a:cs typeface="Courier New" charset="0"/>
               </a:rPr>
+              <a:t> # print lines that has at least one field (skip blank lines)</a:t>
+            </a:r>
+          </a:p>
+          <a:p>
+            <a:r>
+              <a:rPr lang="en-US" dirty="0" err="1">
+                <a:latin typeface="Courier New" charset="0"/>
+                <a:ea typeface="Courier New" charset="0"/>
+                <a:cs typeface="Courier New" charset="0"/>
+              </a:rPr>
+              <a:t>awk</a:t>
+            </a:r>
+            <a:r>
+              <a:rPr lang="en-US" dirty="0">
+                <a:latin typeface="Courier New" charset="0"/>
+                <a:ea typeface="Courier New" charset="0"/>
+                <a:cs typeface="Courier New" charset="0"/>
+              </a:rPr>
               <a:t> </a:t>
             </a:r>
             <a:r>
+              <a:rPr lang="en-US" b="1" dirty="0">
+                <a:latin typeface="Courier New" charset="0"/>
+                <a:ea typeface="Courier New" charset="0"/>
+                <a:cs typeface="Courier New" charset="0"/>
+              </a:rPr>
+              <a:t>'{print NF, $0}'</a:t>
+            </a:r>
+            <a:r>
+              <a:rPr lang="en-US" dirty="0">
+                <a:latin typeface="Courier New" charset="0"/>
+                <a:ea typeface="Courier New" charset="0"/>
+                <a:cs typeface="Courier New" charset="0"/>
+              </a:rPr>
+              <a:t> </a:t>
+            </a:r>
+            <a:r>
               <a:rPr lang="en-US" dirty="0" err="1">
                 <a:latin typeface="Courier New" charset="0"/>
                 <a:ea typeface="Courier New" charset="0"/>
                 <a:cs typeface="Courier New" charset="0"/>
               </a:rPr>
-              <a:t>prose.txt</a:t>
+              <a:t>states.txt</a:t>
             </a:r>
             <a:r>
               <a:rPr lang="en-US" dirty="0">
@@ -18642,7 +18873,7 @@
                 <a:ea typeface="Courier New" charset="0"/>
                 <a:cs typeface="Courier New" charset="0"/>
               </a:rPr>
-              <a:t> #skip blank lines</a:t>
+              <a:t> #fields in each line and the line</a:t>
             </a:r>
           </a:p>
           <a:p>
@@ -18668,7 +18899,7 @@
                 <a:ea typeface="Courier New" charset="0"/>
                 <a:cs typeface="Courier New" charset="0"/>
               </a:rPr>
-              <a:t>'{print NF, $0}'</a:t>
+              <a:t>'{print length($0)}'</a:t>
             </a:r>
             <a:r>
               <a:rPr lang="en-US" dirty="0">
@@ -18692,28 +18923,12 @@
                 <a:ea typeface="Courier New" charset="0"/>
                 <a:cs typeface="Courier New" charset="0"/>
               </a:rPr>
-              <a:t> #</a:t>
-            </a:r>
-            <a:r>
-              <a:rPr lang="en-US" dirty="0" err="1">
-                <a:latin typeface="Courier New" charset="0"/>
-                <a:ea typeface="Courier New" charset="0"/>
-                <a:cs typeface="Courier New" charset="0"/>
-              </a:rPr>
-              <a:t>num</a:t>
-            </a:r>
-            <a:r>
-              <a:rPr lang="en-US" dirty="0">
-                <a:latin typeface="Courier New" charset="0"/>
-                <a:ea typeface="Courier New" charset="0"/>
-                <a:cs typeface="Courier New" charset="0"/>
-              </a:rPr>
-              <a:t> fields</a:t>
-            </a:r>
-          </a:p>
-          <a:p>
-            <a:r>
-              <a:rPr lang="en-US" dirty="0" err="1">
+              <a:t> #chars in each line</a:t>
+            </a:r>
+          </a:p>
+          <a:p>
+            <a:r>
+              <a:rPr lang="en-US" sz="1800" dirty="0" err="1">
                 <a:latin typeface="Courier New" charset="0"/>
                 <a:ea typeface="Courier New" charset="0"/>
                 <a:cs typeface="Courier New" charset="0"/>
@@ -18721,78 +18936,12 @@
               <a:t>awk</a:t>
             </a:r>
             <a:r>
-              <a:rPr lang="en-US" dirty="0">
-                <a:latin typeface="Courier New" charset="0"/>
-                <a:ea typeface="Courier New" charset="0"/>
-                <a:cs typeface="Courier New" charset="0"/>
-              </a:rPr>
-              <a:t> </a:t>
-            </a:r>
-            <a:r>
-              <a:rPr lang="en-US" b="1" dirty="0">
-                <a:latin typeface="Courier New" charset="0"/>
-                <a:ea typeface="Courier New" charset="0"/>
-                <a:cs typeface="Courier New" charset="0"/>
-              </a:rPr>
-              <a:t>'{print length($0)}'</a:t>
-            </a:r>
-            <a:r>
-              <a:rPr lang="en-US" dirty="0">
-                <a:latin typeface="Courier New" charset="0"/>
-                <a:ea typeface="Courier New" charset="0"/>
-                <a:cs typeface="Courier New" charset="0"/>
-              </a:rPr>
-              <a:t> </a:t>
-            </a:r>
-            <a:r>
-              <a:rPr lang="en-US" dirty="0" err="1">
-                <a:latin typeface="Courier New" charset="0"/>
-                <a:ea typeface="Courier New" charset="0"/>
-                <a:cs typeface="Courier New" charset="0"/>
-              </a:rPr>
-              <a:t>states.txt</a:t>
-            </a:r>
-            <a:r>
-              <a:rPr lang="en-US" dirty="0">
-                <a:latin typeface="Courier New" charset="0"/>
-                <a:ea typeface="Courier New" charset="0"/>
-                <a:cs typeface="Courier New" charset="0"/>
-              </a:rPr>
-              <a:t> #</a:t>
-            </a:r>
-            <a:r>
-              <a:rPr lang="en-US" dirty="0" err="1">
-                <a:latin typeface="Courier New" charset="0"/>
-                <a:ea typeface="Courier New" charset="0"/>
-                <a:cs typeface="Courier New" charset="0"/>
-              </a:rPr>
-              <a:t>num</a:t>
-            </a:r>
-            <a:r>
-              <a:rPr lang="en-US" dirty="0">
-                <a:latin typeface="Courier New" charset="0"/>
-                <a:ea typeface="Courier New" charset="0"/>
-                <a:cs typeface="Courier New" charset="0"/>
-              </a:rPr>
-              <a:t> chars</a:t>
-            </a:r>
-          </a:p>
-          <a:p>
-            <a:r>
-              <a:rPr lang="en-US" sz="1800" dirty="0" err="1">
-                <a:latin typeface="Courier New" charset="0"/>
-                <a:ea typeface="Courier New" charset="0"/>
-                <a:cs typeface="Courier New" charset="0"/>
-              </a:rPr>
-              <a:t>awk</a:t>
-            </a:r>
-            <a:r>
               <a:rPr lang="en-US" sz="1800" dirty="0">
                 <a:latin typeface="Courier New" charset="0"/>
                 <a:ea typeface="Courier New" charset="0"/>
                 <a:cs typeface="Courier New" charset="0"/>
               </a:rPr>
-              <a:t> '</a:t>
+              <a:t>  '</a:t>
             </a:r>
             <a:r>
               <a:rPr lang="en-US" sz="1800" b="1" dirty="0">

--- a/lpt_LISA.pptx
+++ b/lpt_LISA.pptx
@@ -5,10 +5,10 @@
     <p:sldMasterId id="2147483660" r:id="rId1"/>
   </p:sldMasterIdLst>
   <p:notesMasterIdLst>
-    <p:notesMasterId r:id="rId104"/>
+    <p:notesMasterId r:id="rId103"/>
   </p:notesMasterIdLst>
   <p:handoutMasterIdLst>
-    <p:handoutMasterId r:id="rId105"/>
+    <p:handoutMasterId r:id="rId104"/>
   </p:handoutMasterIdLst>
   <p:sldIdLst>
     <p:sldId id="256" r:id="rId2"/>
@@ -112,7 +112,6 @@
     <p:sldId id="415" r:id="rId100"/>
     <p:sldId id="397" r:id="rId101"/>
     <p:sldId id="400" r:id="rId102"/>
-    <p:sldId id="416" r:id="rId103"/>
   </p:sldIdLst>
   <p:sldSz cx="9144000" cy="5143500" type="screen16x9"/>
   <p:notesSz cx="9144000" cy="6858000"/>
@@ -313,7 +312,7 @@
           <a:p>
             <a:fld id="{DE0C789A-1381-F54D-B55B-DCBB91319C08}" type="datetimeFigureOut">
               <a:rPr lang="en-US" smtClean="0"/>
-              <a:t>6/14/20</a:t>
+              <a:t>6/15/20</a:t>
             </a:fld>
             <a:endParaRPr lang="en-US"/>
           </a:p>
@@ -490,7 +489,7 @@
           <a:p>
             <a:fld id="{46CB9FDB-056B-6244-AE56-9549F1074EBB}" type="datetimeFigureOut">
               <a:rPr lang="en-US" smtClean="0"/>
-              <a:t>6/14/20</a:t>
+              <a:t>6/15/20</a:t>
             </a:fld>
             <a:endParaRPr lang="en-US"/>
           </a:p>
@@ -1970,7 +1969,7 @@
           <a:p>
             <a:fld id="{524F091B-C9FE-714F-8F5F-8CFB82A747F1}" type="datetime1">
               <a:rPr lang="en-US" smtClean="0"/>
-              <a:t>6/14/20</a:t>
+              <a:t>6/15/20</a:t>
             </a:fld>
             <a:endParaRPr lang="en-US"/>
           </a:p>
@@ -2140,7 +2139,7 @@
           <a:p>
             <a:fld id="{E5121F4C-BC13-F84F-9AD9-260A611D728C}" type="datetime1">
               <a:rPr lang="en-US" smtClean="0"/>
-              <a:t>6/14/20</a:t>
+              <a:t>6/15/20</a:t>
             </a:fld>
             <a:endParaRPr lang="en-US"/>
           </a:p>
@@ -2320,7 +2319,7 @@
           <a:p>
             <a:fld id="{69934431-5E8A-0144-AD3C-F9F3B5843812}" type="datetime1">
               <a:rPr lang="en-US" smtClean="0"/>
-              <a:t>6/14/20</a:t>
+              <a:t>6/15/20</a:t>
             </a:fld>
             <a:endParaRPr lang="en-US"/>
           </a:p>
@@ -2490,7 +2489,7 @@
           <a:p>
             <a:fld id="{4D966F88-1DAF-F94F-A3D2-93E7964825AC}" type="datetime1">
               <a:rPr lang="en-US" smtClean="0"/>
-              <a:t>6/14/20</a:t>
+              <a:t>6/15/20</a:t>
             </a:fld>
             <a:endParaRPr lang="en-US"/>
           </a:p>
@@ -2736,7 +2735,7 @@
           <a:p>
             <a:fld id="{75F67F5F-B354-5B41-A0FF-E33ACFB7B000}" type="datetime1">
               <a:rPr lang="en-US" smtClean="0"/>
-              <a:t>6/14/20</a:t>
+              <a:t>6/15/20</a:t>
             </a:fld>
             <a:endParaRPr lang="en-US"/>
           </a:p>
@@ -2968,7 +2967,7 @@
           <a:p>
             <a:fld id="{1FE71E3D-61C4-AF47-B5F6-80F7A2125094}" type="datetime1">
               <a:rPr lang="en-US" smtClean="0"/>
-              <a:t>6/14/20</a:t>
+              <a:t>6/15/20</a:t>
             </a:fld>
             <a:endParaRPr lang="en-US"/>
           </a:p>
@@ -3335,7 +3334,7 @@
           <a:p>
             <a:fld id="{B7259F95-3E7B-AE48-BD5A-55F4F48F15EE}" type="datetime1">
               <a:rPr lang="en-US" smtClean="0"/>
-              <a:t>6/14/20</a:t>
+              <a:t>6/15/20</a:t>
             </a:fld>
             <a:endParaRPr lang="en-US"/>
           </a:p>
@@ -3453,7 +3452,7 @@
           <a:p>
             <a:fld id="{1E2D71D9-286E-D847-8194-60F3E909E40C}" type="datetime1">
               <a:rPr lang="en-US" smtClean="0"/>
-              <a:t>6/14/20</a:t>
+              <a:t>6/15/20</a:t>
             </a:fld>
             <a:endParaRPr lang="en-US"/>
           </a:p>
@@ -3548,7 +3547,7 @@
           <a:p>
             <a:fld id="{3AC70D76-DA63-C342-B98E-F532027F9CD7}" type="datetime1">
               <a:rPr lang="en-US" smtClean="0"/>
-              <a:t>6/14/20</a:t>
+              <a:t>6/15/20</a:t>
             </a:fld>
             <a:endParaRPr lang="en-US"/>
           </a:p>
@@ -3825,7 +3824,7 @@
           <a:p>
             <a:fld id="{74E169E1-67F4-DE43-8AD1-CF716A32D6D9}" type="datetime1">
               <a:rPr lang="en-US" smtClean="0"/>
-              <a:t>6/14/20</a:t>
+              <a:t>6/15/20</a:t>
             </a:fld>
             <a:endParaRPr lang="en-US"/>
           </a:p>
@@ -4082,7 +4081,7 @@
           <a:p>
             <a:fld id="{EDBC0E13-B072-744E-A1EF-1258C23FD22F}" type="datetime1">
               <a:rPr lang="en-US" smtClean="0"/>
-              <a:t>6/14/20</a:t>
+              <a:t>6/15/20</a:t>
             </a:fld>
             <a:endParaRPr lang="en-US"/>
           </a:p>
@@ -4295,7 +4294,7 @@
           <a:p>
             <a:fld id="{14D54490-4A22-8B41-9AA4-9BECA28CBC89}" type="datetime1">
               <a:rPr lang="en-US" smtClean="0"/>
-              <a:t>6/14/20</a:t>
+              <a:t>6/15/20</a:t>
             </a:fld>
             <a:endParaRPr lang="en-US"/>
           </a:p>
@@ -4795,7 +4794,7 @@
           <p:cNvPr id="5" name="Subtitle 2">
             <a:extLst>
               <a:ext uri="{FF2B5EF4-FFF2-40B4-BE49-F238E27FC236}">
-                <a16:creationId xmlns:a16="http://schemas.microsoft.com/office/drawing/2014/main" id="{875607F2-1E18-274F-911C-F3527F6F2BFC}"/>
+                <a16:creationId xmlns:a16="http://schemas.microsoft.com/office/drawing/2014/main" id="{69D80E20-090A-5D4C-986F-9E6C58961293}"/>
               </a:ext>
             </a:extLst>
           </p:cNvPr>
@@ -4806,7 +4805,7 @@
         </p:nvSpPr>
         <p:spPr>
           <a:xfrm>
-            <a:off x="1295400" y="3876811"/>
+            <a:off x="1143000" y="3799285"/>
             <a:ext cx="6858000" cy="1241822"/>
           </a:xfrm>
           <a:prstGeom prst="rect">
@@ -4815,7 +4814,7 @@
         </p:spPr>
         <p:txBody>
           <a:bodyPr vert="horz" lIns="91440" tIns="45720" rIns="91440" bIns="45720" rtlCol="0" anchor="ctr">
-            <a:normAutofit fontScale="92500" lnSpcReduction="10000"/>
+            <a:normAutofit/>
           </a:bodyPr>
           <a:lstStyle>
             <a:lvl1pPr marL="0" indent="0" algn="ctr" defTabSz="685800" rtl="0" eaLnBrk="1" latinLnBrk="0" hangingPunct="1">
@@ -4982,25 +4981,19 @@
             </a:lvl9pPr>
           </a:lstStyle>
           <a:p>
+            <a:r>
+              <a:rPr lang="en-US"/>
+              <a:t>Enhanced version (originally </a:t>
+            </a:r>
+            <a:r>
+              <a:rPr lang="en-US" dirty="0"/>
+              <a:t>presented </a:t>
+            </a:r>
+            <a:r>
+              <a:rPr lang="en-US"/>
+              <a:t>at LISA19)</a:t>
+            </a:r>
             <a:endParaRPr lang="en-US" dirty="0"/>
-          </a:p>
-          <a:p>
-            <a:r>
-              <a:rPr lang="en-US" dirty="0"/>
-              <a:t>LISA19</a:t>
-            </a:r>
-          </a:p>
-          <a:p>
-            <a:r>
-              <a:rPr lang="en-US"/>
-              <a:t>October 2019</a:t>
-            </a:r>
-          </a:p>
-          <a:p>
-            <a:r>
-              <a:rPr lang="en-US" dirty="0"/>
-              <a:t>Portland, OR, USA</a:t>
-            </a:r>
           </a:p>
         </p:txBody>
       </p:sp>
@@ -5913,159 +5906,6 @@
     <p:extLst>
       <p:ext uri="{BB962C8B-B14F-4D97-AF65-F5344CB8AC3E}">
         <p14:creationId xmlns:p14="http://schemas.microsoft.com/office/powerpoint/2010/main" val="4029950598"/>
-      </p:ext>
-    </p:extLst>
-  </p:cSld>
-  <p:clrMapOvr>
-    <a:masterClrMapping/>
-  </p:clrMapOvr>
-</p:sld>
-</file>
-
-<file path=ppt/slides/slide102.xml><?xml version="1.0" encoding="utf-8"?>
-<p:sld xmlns:a="http://schemas.openxmlformats.org/drawingml/2006/main" xmlns:r="http://schemas.openxmlformats.org/officeDocument/2006/relationships" xmlns:p="http://schemas.openxmlformats.org/presentationml/2006/main">
-  <p:cSld>
-    <p:spTree>
-      <p:nvGrpSpPr>
-        <p:cNvPr id="1" name=""/>
-        <p:cNvGrpSpPr/>
-        <p:nvPr/>
-      </p:nvGrpSpPr>
-      <p:grpSpPr>
-        <a:xfrm>
-          <a:off x="0" y="0"/>
-          <a:ext cx="0" cy="0"/>
-          <a:chOff x="0" y="0"/>
-          <a:chExt cx="0" cy="0"/>
-        </a:xfrm>
-      </p:grpSpPr>
-      <p:sp>
-        <p:nvSpPr>
-          <p:cNvPr id="2" name="Title 1">
-            <a:extLst>
-              <a:ext uri="{FF2B5EF4-FFF2-40B4-BE49-F238E27FC236}">
-                <a16:creationId xmlns:a16="http://schemas.microsoft.com/office/drawing/2014/main" id="{92344F30-F14C-B647-A37C-7C435CCF75CF}"/>
-              </a:ext>
-            </a:extLst>
-          </p:cNvPr>
-          <p:cNvSpPr>
-            <a:spLocks noGrp="1"/>
-          </p:cNvSpPr>
-          <p:nvPr>
-            <p:ph type="title"/>
-          </p:nvPr>
-        </p:nvSpPr>
-        <p:spPr/>
-        <p:txBody>
-          <a:bodyPr/>
-          <a:lstStyle/>
-          <a:p>
-            <a:pPr algn="ctr"/>
-            <a:r>
-              <a:rPr lang="en-US" dirty="0"/>
-              <a:t>Alternative location for Slides and Data</a:t>
-            </a:r>
-          </a:p>
-        </p:txBody>
-      </p:sp>
-      <p:sp>
-        <p:nvSpPr>
-          <p:cNvPr id="3" name="Content Placeholder 2">
-            <a:extLst>
-              <a:ext uri="{FF2B5EF4-FFF2-40B4-BE49-F238E27FC236}">
-                <a16:creationId xmlns:a16="http://schemas.microsoft.com/office/drawing/2014/main" id="{042217DB-7326-5745-B70E-B0A8AA2C8D79}"/>
-              </a:ext>
-            </a:extLst>
-          </p:cNvPr>
-          <p:cNvSpPr>
-            <a:spLocks noGrp="1"/>
-          </p:cNvSpPr>
-          <p:nvPr>
-            <p:ph idx="1"/>
-          </p:nvPr>
-        </p:nvSpPr>
-        <p:spPr>
-          <a:xfrm>
-            <a:off x="240225" y="1369219"/>
-            <a:ext cx="8694548" cy="3263504"/>
-          </a:xfrm>
-        </p:spPr>
-        <p:txBody>
-          <a:bodyPr anchor="ctr">
-            <a:normAutofit/>
-          </a:bodyPr>
-          <a:lstStyle/>
-          <a:p>
-            <a:pPr marL="0" indent="0" algn="ctr">
-              <a:buNone/>
-            </a:pPr>
-            <a:r>
-              <a:rPr lang="en-US" sz="3600" dirty="0">
-                <a:hlinkClick r:id="rId2"/>
-              </a:rPr>
-              <a:t>https://</a:t>
-            </a:r>
-            <a:r>
-              <a:rPr lang="en-US" sz="3600" dirty="0" err="1">
-                <a:hlinkClick r:id="rId2"/>
-              </a:rPr>
-              <a:t>github.com</a:t>
-            </a:r>
-            <a:r>
-              <a:rPr lang="en-US" sz="3600" dirty="0">
-                <a:hlinkClick r:id="rId2"/>
-              </a:rPr>
-              <a:t>/</a:t>
-            </a:r>
-            <a:r>
-              <a:rPr lang="en-US" sz="3600" dirty="0" err="1">
-                <a:hlinkClick r:id="rId2"/>
-              </a:rPr>
-              <a:t>ketancmaheshwari</a:t>
-            </a:r>
-            <a:r>
-              <a:rPr lang="en-US" sz="3600" dirty="0">
-                <a:hlinkClick r:id="rId2"/>
-              </a:rPr>
-              <a:t>/lisa19</a:t>
-            </a:r>
-            <a:endParaRPr lang="en-US" sz="3600" dirty="0"/>
-          </a:p>
-        </p:txBody>
-      </p:sp>
-      <p:sp>
-        <p:nvSpPr>
-          <p:cNvPr id="4" name="Slide Number Placeholder 3">
-            <a:extLst>
-              <a:ext uri="{FF2B5EF4-FFF2-40B4-BE49-F238E27FC236}">
-                <a16:creationId xmlns:a16="http://schemas.microsoft.com/office/drawing/2014/main" id="{FAC4F8FE-2D28-0D43-905E-D39F8A8462D8}"/>
-              </a:ext>
-            </a:extLst>
-          </p:cNvPr>
-          <p:cNvSpPr>
-            <a:spLocks noGrp="1"/>
-          </p:cNvSpPr>
-          <p:nvPr>
-            <p:ph type="sldNum" sz="quarter" idx="12"/>
-          </p:nvPr>
-        </p:nvSpPr>
-        <p:spPr/>
-        <p:txBody>
-          <a:bodyPr/>
-          <a:lstStyle/>
-          <a:p>
-            <a:fld id="{4E3AEE2C-3A74-8643-B4A2-442777B583A3}" type="slidenum">
-              <a:rPr lang="en-US" smtClean="0"/>
-              <a:t>102</a:t>
-            </a:fld>
-            <a:endParaRPr lang="en-US"/>
-          </a:p>
-        </p:txBody>
-      </p:sp>
-    </p:spTree>
-    <p:extLst>
-      <p:ext uri="{BB962C8B-B14F-4D97-AF65-F5344CB8AC3E}">
-        <p14:creationId xmlns:p14="http://schemas.microsoft.com/office/powerpoint/2010/main" val="126427473"/>
       </p:ext>
     </p:extLst>
   </p:cSld>
@@ -8385,7 +8225,14 @@
                 <a:latin typeface="Courier New" panose="02070309020205020404" pitchFamily="49" charset="0"/>
                 <a:cs typeface="Courier New" panose="02070309020205020404" pitchFamily="49" charset="0"/>
               </a:rPr>
-              <a:t>/*.conf</a:t>
+              <a:t>/*.conf </a:t>
+            </a:r>
+            <a:r>
+              <a:rPr lang="en-US" dirty="0">
+                <a:latin typeface="Courier New" panose="02070309020205020404" pitchFamily="49" charset="0"/>
+                <a:cs typeface="Courier New" panose="02070309020205020404" pitchFamily="49" charset="0"/>
+              </a:rPr>
+              <a:t>#all items with .conf extension</a:t>
             </a:r>
           </a:p>
           <a:p>
@@ -8431,21 +8278,7 @@
                 <a:latin typeface="Courier New" panose="02070309020205020404" pitchFamily="49" charset="0"/>
                 <a:cs typeface="Courier New" panose="02070309020205020404" pitchFamily="49" charset="0"/>
               </a:rPr>
-              <a:t>#list files/</a:t>
-            </a:r>
-            <a:r>
-              <a:rPr lang="en-US" dirty="0" err="1">
-                <a:latin typeface="Courier New" panose="02070309020205020404" pitchFamily="49" charset="0"/>
-                <a:cs typeface="Courier New" panose="02070309020205020404" pitchFamily="49" charset="0"/>
-              </a:rPr>
-              <a:t>dirs</a:t>
-            </a:r>
-            <a:r>
-              <a:rPr lang="en-US" dirty="0">
-                <a:latin typeface="Courier New" panose="02070309020205020404" pitchFamily="49" charset="0"/>
-                <a:cs typeface="Courier New" panose="02070309020205020404" pitchFamily="49" charset="0"/>
-              </a:rPr>
-              <a:t> 1,2 or 3 chars long</a:t>
+              <a:t>#list items 1,2 or 3 chars long</a:t>
             </a:r>
             <a:endParaRPr lang="en-US" dirty="0"/>
           </a:p>
@@ -9527,7 +9360,7 @@
           <a:p>
             <a:r>
               <a:rPr lang="en-US" dirty="0"/>
-              <a:t>Part 1: </a:t>
+              <a:t>Part 1:   </a:t>
             </a:r>
             <a:r>
               <a:rPr lang="en-US" dirty="0">
@@ -9544,7 +9377,7 @@
           <a:p>
             <a:r>
               <a:rPr lang="en-US" dirty="0"/>
-              <a:t>Part 2: </a:t>
+              <a:t>Part 2:   </a:t>
             </a:r>
             <a:r>
               <a:rPr lang="en-US" dirty="0">
@@ -9561,7 +9394,7 @@
           <a:p>
             <a:r>
               <a:rPr lang="en-US" dirty="0"/>
-              <a:t>Part 3: </a:t>
+              <a:t>Part 3:   </a:t>
             </a:r>
             <a:r>
               <a:rPr lang="en-US" dirty="0">
@@ -9578,7 +9411,7 @@
           <a:p>
             <a:r>
               <a:rPr lang="en-US" dirty="0"/>
-              <a:t>Part 4: </a:t>
+              <a:t>Part 4:   </a:t>
             </a:r>
             <a:r>
               <a:rPr lang="en-US" dirty="0">
@@ -9595,7 +9428,7 @@
           <a:p>
             <a:r>
               <a:rPr lang="en-US" dirty="0"/>
-              <a:t>Part 5: </a:t>
+              <a:t>Part 5:   </a:t>
             </a:r>
             <a:r>
               <a:rPr lang="en-US" dirty="0">
@@ -9612,7 +9445,7 @@
           <a:p>
             <a:r>
               <a:rPr lang="en-US" dirty="0"/>
-              <a:t>Part 6: </a:t>
+              <a:t>Part 6:   </a:t>
             </a:r>
             <a:r>
               <a:rPr lang="en-US" dirty="0">
@@ -9629,7 +9462,7 @@
                   <a:prstClr val="black"/>
                 </a:solidFill>
               </a:rPr>
-              <a:t>Part 7: </a:t>
+              <a:t>Part 7:   </a:t>
             </a:r>
             <a:r>
               <a:rPr lang="en-US" dirty="0">
@@ -9653,7 +9486,7 @@
                   <a:prstClr val="black"/>
                 </a:solidFill>
               </a:rPr>
-              <a:t>Part 8: </a:t>
+              <a:t>Part 8:   </a:t>
             </a:r>
             <a:r>
               <a:rPr lang="en-US" dirty="0">
@@ -9669,7 +9502,7 @@
           <a:p>
             <a:r>
               <a:rPr lang="en-US" dirty="0"/>
-              <a:t>Part 9: </a:t>
+              <a:t>Part 9:   </a:t>
             </a:r>
             <a:r>
               <a:rPr lang="en-US" dirty="0">
@@ -18135,7 +17968,7 @@
             </a:r>
             <a:r>
               <a:rPr lang="en-US" dirty="0"/>
-              <a:t> Sysadmin, security, networking</a:t>
+              <a:t> Sysadmin, Networking</a:t>
             </a:r>
           </a:p>
         </p:txBody>
@@ -21933,26 +21766,15 @@
               <a:buNone/>
             </a:pPr>
             <a:r>
-              <a:rPr lang="en-US" sz="3600" dirty="0">
+              <a:rPr lang="en-US" sz="3200" dirty="0">
                 <a:hlinkClick r:id="rId2"/>
               </a:rPr>
-              <a:t>https://code.ornl.gov/km</a:t>
-            </a:r>
-            <a:r>
-              <a:rPr lang="en-US" sz="3600" dirty="0">
-                <a:latin typeface="Consolas" panose="020B0609020204030204" pitchFamily="49" charset="0"/>
-                <a:cs typeface="Consolas" panose="020B0609020204030204" pitchFamily="49" charset="0"/>
-                <a:hlinkClick r:id="rId2"/>
-              </a:rPr>
-              <a:t>0</a:t>
-            </a:r>
-            <a:r>
-              <a:rPr lang="en-US" sz="3600" dirty="0">
-                <a:hlinkClick r:id="rId2"/>
-              </a:rPr>
-              <a:t>/lisa19</a:t>
-            </a:r>
-            <a:endParaRPr lang="en-US" sz="3600" dirty="0"/>
+              <a:t>https://github.com/ketancmaheshwari/lisa19</a:t>
+            </a:r>
+            <a:endParaRPr lang="en-US" sz="3200" dirty="0"/>
+          </a:p>
+          <a:p>
+            <a:endParaRPr lang="en-US" dirty="0"/>
           </a:p>
           <a:p>
             <a:r>
@@ -31412,14 +31234,21 @@
                 <a:latin typeface="Courier New" panose="02070309020205020404" pitchFamily="49" charset="0"/>
                 <a:cs typeface="Courier New" panose="02070309020205020404" pitchFamily="49" charset="0"/>
               </a:rPr>
-              <a:t>: dep1.o dep2.o dep3.o     </a:t>
-            </a:r>
-            <a:r>
-              <a:rPr lang="en-US" dirty="0">
-                <a:latin typeface="Courier New" panose="02070309020205020404" pitchFamily="49" charset="0"/>
-                <a:cs typeface="Courier New" panose="02070309020205020404" pitchFamily="49" charset="0"/>
-              </a:rPr>
-              <a:t>#rule1</a:t>
+              <a:t>: </a:t>
+            </a:r>
+            <a:r>
+              <a:rPr lang="en-US" b="1" dirty="0" err="1">
+                <a:latin typeface="Courier New" panose="02070309020205020404" pitchFamily="49" charset="0"/>
+                <a:cs typeface="Courier New" panose="02070309020205020404" pitchFamily="49" charset="0"/>
+              </a:rPr>
+              <a:t>main.o</a:t>
+            </a:r>
+            <a:r>
+              <a:rPr lang="en-US" b="1" dirty="0">
+                <a:latin typeface="Courier New" panose="02070309020205020404" pitchFamily="49" charset="0"/>
+                <a:cs typeface="Courier New" panose="02070309020205020404" pitchFamily="49" charset="0"/>
+              </a:rPr>
+              <a:t> dep1.o dep2.o     </a:t>
             </a:r>
             <a:br>
               <a:rPr lang="en-US" b="1" dirty="0">
@@ -31460,13 +31289,27 @@
                 <a:latin typeface="Courier New" panose="02070309020205020404" pitchFamily="49" charset="0"/>
                 <a:cs typeface="Courier New" panose="02070309020205020404" pitchFamily="49" charset="0"/>
               </a:rPr>
-              <a:t> dep1.o dep2.o dep3.o -</a:t>
+              <a:t> </a:t>
             </a:r>
             <a:r>
               <a:rPr lang="en-US" b="1" dirty="0" err="1">
                 <a:latin typeface="Courier New" panose="02070309020205020404" pitchFamily="49" charset="0"/>
                 <a:cs typeface="Courier New" panose="02070309020205020404" pitchFamily="49" charset="0"/>
               </a:rPr>
+              <a:t>main.o</a:t>
+            </a:r>
+            <a:r>
+              <a:rPr lang="en-US" b="1" dirty="0">
+                <a:latin typeface="Courier New" panose="02070309020205020404" pitchFamily="49" charset="0"/>
+                <a:cs typeface="Courier New" panose="02070309020205020404" pitchFamily="49" charset="0"/>
+              </a:rPr>
+              <a:t> dep1.o dep2.o -</a:t>
+            </a:r>
+            <a:r>
+              <a:rPr lang="en-US" b="1" dirty="0" err="1">
+                <a:latin typeface="Courier New" panose="02070309020205020404" pitchFamily="49" charset="0"/>
+                <a:cs typeface="Courier New" panose="02070309020205020404" pitchFamily="49" charset="0"/>
+              </a:rPr>
               <a:t>lm</a:t>
             </a:r>
             <a:br>
@@ -31482,13 +31325,6 @@
               </a:rPr>
               <a:t>dep1.o: dep1.c                   </a:t>
             </a:r>
-            <a:r>
-              <a:rPr lang="en-US" dirty="0">
-                <a:latin typeface="Courier New" panose="02070309020205020404" pitchFamily="49" charset="0"/>
-                <a:cs typeface="Courier New" panose="02070309020205020404" pitchFamily="49" charset="0"/>
-              </a:rPr>
-              <a:t>#rule2</a:t>
-            </a:r>
             <a:br>
               <a:rPr lang="en-US" b="1" dirty="0">
                 <a:latin typeface="Courier New" panose="02070309020205020404" pitchFamily="49" charset="0"/>
@@ -31529,13 +31365,6 @@
               </a:rPr>
               <a:t>dep2.o: dep2.c                   </a:t>
             </a:r>
-            <a:r>
-              <a:rPr lang="en-US" dirty="0">
-                <a:latin typeface="Courier New" panose="02070309020205020404" pitchFamily="49" charset="0"/>
-                <a:cs typeface="Courier New" panose="02070309020205020404" pitchFamily="49" charset="0"/>
-              </a:rPr>
-              <a:t>#rule3</a:t>
-            </a:r>
             <a:br>
               <a:rPr lang="en-US" b="1" dirty="0">
                 <a:latin typeface="Courier New" panose="02070309020205020404" pitchFamily="49" charset="0"/>
@@ -31570,18 +31399,32 @@
               </a:rPr>
             </a:br>
             <a:r>
-              <a:rPr lang="en-US" b="1" dirty="0">
-                <a:latin typeface="Courier New" panose="02070309020205020404" pitchFamily="49" charset="0"/>
-                <a:cs typeface="Courier New" panose="02070309020205020404" pitchFamily="49" charset="0"/>
-              </a:rPr>
-              <a:t>dep3.o: dep3.c                   </a:t>
-            </a:r>
-            <a:r>
-              <a:rPr lang="en-US" dirty="0">
-                <a:latin typeface="Courier New" panose="02070309020205020404" pitchFamily="49" charset="0"/>
-                <a:cs typeface="Courier New" panose="02070309020205020404" pitchFamily="49" charset="0"/>
-              </a:rPr>
-              <a:t>#rule4</a:t>
+              <a:rPr lang="en-US" b="1" dirty="0" err="1">
+                <a:latin typeface="Courier New" panose="02070309020205020404" pitchFamily="49" charset="0"/>
+                <a:cs typeface="Courier New" panose="02070309020205020404" pitchFamily="49" charset="0"/>
+              </a:rPr>
+              <a:t>main.o</a:t>
+            </a:r>
+            <a:r>
+              <a:rPr lang="en-US" b="1" dirty="0">
+                <a:latin typeface="Courier New" panose="02070309020205020404" pitchFamily="49" charset="0"/>
+                <a:cs typeface="Courier New" panose="02070309020205020404" pitchFamily="49" charset="0"/>
+              </a:rPr>
+              <a:t>: </a:t>
+            </a:r>
+            <a:r>
+              <a:rPr lang="en-US" b="1" dirty="0" err="1">
+                <a:latin typeface="Courier New" panose="02070309020205020404" pitchFamily="49" charset="0"/>
+                <a:cs typeface="Courier New" panose="02070309020205020404" pitchFamily="49" charset="0"/>
+              </a:rPr>
+              <a:t>main.c</a:t>
+            </a:r>
+            <a:r>
+              <a:rPr lang="en-US" b="1" dirty="0">
+                <a:latin typeface="Courier New" panose="02070309020205020404" pitchFamily="49" charset="0"/>
+                <a:cs typeface="Courier New" panose="02070309020205020404" pitchFamily="49" charset="0"/>
+              </a:rPr>
+              <a:t>                   </a:t>
             </a:r>
             <a:br>
               <a:rPr lang="en-US" b="1" dirty="0">
@@ -31608,7 +31451,21 @@
                 <a:latin typeface="Courier New" panose="02070309020205020404" pitchFamily="49" charset="0"/>
                 <a:cs typeface="Courier New" panose="02070309020205020404" pitchFamily="49" charset="0"/>
               </a:rPr>
-              <a:t> -c dep3.c</a:t>
+              <a:t> -c </a:t>
+            </a:r>
+            <a:r>
+              <a:rPr lang="en-US" b="1">
+                <a:latin typeface="Courier New" panose="02070309020205020404" pitchFamily="49" charset="0"/>
+                <a:cs typeface="Courier New" panose="02070309020205020404" pitchFamily="49" charset="0"/>
+              </a:rPr>
+              <a:t>main.</a:t>
+            </a:r>
+            <a:r>
+              <a:rPr lang="en-US" b="1" dirty="0">
+                <a:latin typeface="Courier New" panose="02070309020205020404" pitchFamily="49" charset="0"/>
+                <a:cs typeface="Courier New" panose="02070309020205020404" pitchFamily="49" charset="0"/>
+              </a:rPr>
+              <a:t>c</a:t>
             </a:r>
           </a:p>
         </p:txBody>
@@ -32435,7 +32292,7 @@
                 <a:latin typeface="Courier New" panose="02070309020205020404" pitchFamily="49" charset="0"/>
                 <a:cs typeface="Courier New" panose="02070309020205020404" pitchFamily="49" charset="0"/>
               </a:rPr>
-              <a:t>#produce dep1.o</a:t>
+              <a:t>#create dep1.o</a:t>
             </a:r>
             <a:br>
               <a:rPr lang="en-US" b="1" dirty="0">
@@ -32462,7 +32319,7 @@
                 <a:latin typeface="Courier New" panose="02070309020205020404" pitchFamily="49" charset="0"/>
                 <a:cs typeface="Courier New" panose="02070309020205020404" pitchFamily="49" charset="0"/>
               </a:rPr>
-              <a:t>#produce dep2.o</a:t>
+              <a:t>#create dep2.o</a:t>
             </a:r>
             <a:br>
               <a:rPr lang="en-US" b="1" dirty="0">
@@ -32489,7 +32346,7 @@
                 <a:latin typeface="Courier New" panose="02070309020205020404" pitchFamily="49" charset="0"/>
                 <a:cs typeface="Courier New" panose="02070309020205020404" pitchFamily="49" charset="0"/>
               </a:rPr>
-              <a:t>#produce dep3.o</a:t>
+              <a:t>#create dep3.o</a:t>
             </a:r>
             <a:br>
               <a:rPr lang="en-US" b="1" dirty="0">
@@ -35805,45 +35662,66 @@
                 <a:latin typeface="Courier New" panose="02070309020205020404" pitchFamily="49" charset="0"/>
                 <a:cs typeface="Courier New" panose="02070309020205020404" pitchFamily="49" charset="0"/>
               </a:rPr>
-              <a:t> # </a:t>
-            </a:r>
+              <a:t>    </a:t>
+            </a:r>
+            <a:r>
+              <a:rPr lang="en-US" dirty="0">
+                <a:latin typeface="Courier New" panose="02070309020205020404" pitchFamily="49" charset="0"/>
+                <a:cs typeface="Courier New" panose="02070309020205020404" pitchFamily="49" charset="0"/>
+              </a:rPr>
+              <a:t>#</a:t>
+            </a:r>
+            <a:r>
+              <a:rPr lang="en-US" dirty="0" err="1">
+                <a:latin typeface="Courier New" panose="02070309020205020404" pitchFamily="49" charset="0"/>
+                <a:cs typeface="Courier New" panose="02070309020205020404" pitchFamily="49" charset="0"/>
+              </a:rPr>
+              <a:t>hexdump</a:t>
+            </a:r>
+            <a:r>
+              <a:rPr lang="en-US" dirty="0">
+                <a:latin typeface="Courier New" panose="02070309020205020404" pitchFamily="49" charset="0"/>
+                <a:cs typeface="Courier New" panose="02070309020205020404" pitchFamily="49" charset="0"/>
+              </a:rPr>
+              <a:t> the exe, send over email</a:t>
+            </a:r>
+          </a:p>
+          <a:p>
+            <a:pPr lvl="1"/>
             <a:r>
               <a:rPr lang="en-US" b="1" dirty="0" err="1">
                 <a:latin typeface="Courier New" panose="02070309020205020404" pitchFamily="49" charset="0"/>
                 <a:cs typeface="Courier New" panose="02070309020205020404" pitchFamily="49" charset="0"/>
               </a:rPr>
-              <a:t>hexdump</a:t>
-            </a:r>
-            <a:r>
-              <a:rPr lang="en-US" b="1" dirty="0">
-                <a:latin typeface="Courier New" panose="02070309020205020404" pitchFamily="49" charset="0"/>
-                <a:cs typeface="Courier New" panose="02070309020205020404" pitchFamily="49" charset="0"/>
-              </a:rPr>
-              <a:t> the exe, send over email</a:t>
-            </a:r>
-          </a:p>
-          <a:p>
-            <a:pPr lvl="1"/>
+              <a:t>xxd</a:t>
+            </a:r>
+            <a:r>
+              <a:rPr lang="en-US" b="1" dirty="0">
+                <a:latin typeface="Courier New" panose="02070309020205020404" pitchFamily="49" charset="0"/>
+                <a:cs typeface="Courier New" panose="02070309020205020404" pitchFamily="49" charset="0"/>
+              </a:rPr>
+              <a:t> -r </a:t>
+            </a:r>
             <a:r>
               <a:rPr lang="en-US" b="1" dirty="0" err="1">
                 <a:latin typeface="Courier New" panose="02070309020205020404" pitchFamily="49" charset="0"/>
                 <a:cs typeface="Courier New" panose="02070309020205020404" pitchFamily="49" charset="0"/>
               </a:rPr>
-              <a:t>xxd</a:t>
-            </a:r>
-            <a:r>
-              <a:rPr lang="en-US" b="1" dirty="0">
-                <a:latin typeface="Courier New" panose="02070309020205020404" pitchFamily="49" charset="0"/>
-                <a:cs typeface="Courier New" panose="02070309020205020404" pitchFamily="49" charset="0"/>
-              </a:rPr>
-              <a:t> -r </a:t>
+              <a:t>f.hex</a:t>
+            </a:r>
+            <a:r>
+              <a:rPr lang="en-US" b="1" dirty="0">
+                <a:latin typeface="Courier New" panose="02070309020205020404" pitchFamily="49" charset="0"/>
+                <a:cs typeface="Courier New" panose="02070309020205020404" pitchFamily="49" charset="0"/>
+              </a:rPr>
+              <a:t> </a:t>
             </a:r>
             <a:r>
               <a:rPr lang="en-US" b="1" dirty="0" err="1">
                 <a:latin typeface="Courier New" panose="02070309020205020404" pitchFamily="49" charset="0"/>
                 <a:cs typeface="Courier New" panose="02070309020205020404" pitchFamily="49" charset="0"/>
               </a:rPr>
-              <a:t>f.hex</a:t>
+              <a:t>f.exe</a:t>
             </a:r>
             <a:r>
               <a:rPr lang="en-US" b="1" dirty="0">
@@ -35853,18 +35731,11 @@
               <a:t> </a:t>
             </a:r>
             <a:r>
-              <a:rPr lang="en-US" b="1" dirty="0" err="1">
-                <a:latin typeface="Courier New" panose="02070309020205020404" pitchFamily="49" charset="0"/>
-                <a:cs typeface="Courier New" panose="02070309020205020404" pitchFamily="49" charset="0"/>
-              </a:rPr>
-              <a:t>f.exe</a:t>
-            </a:r>
-            <a:r>
-              <a:rPr lang="en-US" b="1" dirty="0">
-                <a:latin typeface="Courier New" panose="02070309020205020404" pitchFamily="49" charset="0"/>
-                <a:cs typeface="Courier New" panose="02070309020205020404" pitchFamily="49" charset="0"/>
-              </a:rPr>
-              <a:t> # receiver convert back to exe</a:t>
+              <a:rPr lang="en-US" dirty="0">
+                <a:latin typeface="Courier New" panose="02070309020205020404" pitchFamily="49" charset="0"/>
+                <a:cs typeface="Courier New" panose="02070309020205020404" pitchFamily="49" charset="0"/>
+              </a:rPr>
+              <a:t>#receiver convert back to exe</a:t>
             </a:r>
           </a:p>
           <a:p>

--- a/lpt_LISA.pptx
+++ b/lpt_LISA.pptx
@@ -312,7 +312,7 @@
           <a:p>
             <a:fld id="{DE0C789A-1381-F54D-B55B-DCBB91319C08}" type="datetimeFigureOut">
               <a:rPr lang="en-US" smtClean="0"/>
-              <a:t>6/15/20</a:t>
+              <a:t>6/24/20</a:t>
             </a:fld>
             <a:endParaRPr lang="en-US"/>
           </a:p>
@@ -489,7 +489,7 @@
           <a:p>
             <a:fld id="{46CB9FDB-056B-6244-AE56-9549F1074EBB}" type="datetimeFigureOut">
               <a:rPr lang="en-US" smtClean="0"/>
-              <a:t>6/15/20</a:t>
+              <a:t>6/24/20</a:t>
             </a:fld>
             <a:endParaRPr lang="en-US"/>
           </a:p>
@@ -1969,7 +1969,7 @@
           <a:p>
             <a:fld id="{524F091B-C9FE-714F-8F5F-8CFB82A747F1}" type="datetime1">
               <a:rPr lang="en-US" smtClean="0"/>
-              <a:t>6/15/20</a:t>
+              <a:t>6/24/20</a:t>
             </a:fld>
             <a:endParaRPr lang="en-US"/>
           </a:p>
@@ -2139,7 +2139,7 @@
           <a:p>
             <a:fld id="{E5121F4C-BC13-F84F-9AD9-260A611D728C}" type="datetime1">
               <a:rPr lang="en-US" smtClean="0"/>
-              <a:t>6/15/20</a:t>
+              <a:t>6/24/20</a:t>
             </a:fld>
             <a:endParaRPr lang="en-US"/>
           </a:p>
@@ -2319,7 +2319,7 @@
           <a:p>
             <a:fld id="{69934431-5E8A-0144-AD3C-F9F3B5843812}" type="datetime1">
               <a:rPr lang="en-US" smtClean="0"/>
-              <a:t>6/15/20</a:t>
+              <a:t>6/24/20</a:t>
             </a:fld>
             <a:endParaRPr lang="en-US"/>
           </a:p>
@@ -2489,7 +2489,7 @@
           <a:p>
             <a:fld id="{4D966F88-1DAF-F94F-A3D2-93E7964825AC}" type="datetime1">
               <a:rPr lang="en-US" smtClean="0"/>
-              <a:t>6/15/20</a:t>
+              <a:t>6/24/20</a:t>
             </a:fld>
             <a:endParaRPr lang="en-US"/>
           </a:p>
@@ -2735,7 +2735,7 @@
           <a:p>
             <a:fld id="{75F67F5F-B354-5B41-A0FF-E33ACFB7B000}" type="datetime1">
               <a:rPr lang="en-US" smtClean="0"/>
-              <a:t>6/15/20</a:t>
+              <a:t>6/24/20</a:t>
             </a:fld>
             <a:endParaRPr lang="en-US"/>
           </a:p>
@@ -2967,7 +2967,7 @@
           <a:p>
             <a:fld id="{1FE71E3D-61C4-AF47-B5F6-80F7A2125094}" type="datetime1">
               <a:rPr lang="en-US" smtClean="0"/>
-              <a:t>6/15/20</a:t>
+              <a:t>6/24/20</a:t>
             </a:fld>
             <a:endParaRPr lang="en-US"/>
           </a:p>
@@ -3334,7 +3334,7 @@
           <a:p>
             <a:fld id="{B7259F95-3E7B-AE48-BD5A-55F4F48F15EE}" type="datetime1">
               <a:rPr lang="en-US" smtClean="0"/>
-              <a:t>6/15/20</a:t>
+              <a:t>6/24/20</a:t>
             </a:fld>
             <a:endParaRPr lang="en-US"/>
           </a:p>
@@ -3452,7 +3452,7 @@
           <a:p>
             <a:fld id="{1E2D71D9-286E-D847-8194-60F3E909E40C}" type="datetime1">
               <a:rPr lang="en-US" smtClean="0"/>
-              <a:t>6/15/20</a:t>
+              <a:t>6/24/20</a:t>
             </a:fld>
             <a:endParaRPr lang="en-US"/>
           </a:p>
@@ -3547,7 +3547,7 @@
           <a:p>
             <a:fld id="{3AC70D76-DA63-C342-B98E-F532027F9CD7}" type="datetime1">
               <a:rPr lang="en-US" smtClean="0"/>
-              <a:t>6/15/20</a:t>
+              <a:t>6/24/20</a:t>
             </a:fld>
             <a:endParaRPr lang="en-US"/>
           </a:p>
@@ -3824,7 +3824,7 @@
           <a:p>
             <a:fld id="{74E169E1-67F4-DE43-8AD1-CF716A32D6D9}" type="datetime1">
               <a:rPr lang="en-US" smtClean="0"/>
-              <a:t>6/15/20</a:t>
+              <a:t>6/24/20</a:t>
             </a:fld>
             <a:endParaRPr lang="en-US"/>
           </a:p>
@@ -4081,7 +4081,7 @@
           <a:p>
             <a:fld id="{EDBC0E13-B072-744E-A1EF-1258C23FD22F}" type="datetime1">
               <a:rPr lang="en-US" smtClean="0"/>
-              <a:t>6/15/20</a:t>
+              <a:t>6/24/20</a:t>
             </a:fld>
             <a:endParaRPr lang="en-US"/>
           </a:p>
@@ -4294,7 +4294,7 @@
           <a:p>
             <a:fld id="{14D54490-4A22-8B41-9AA4-9BECA28CBC89}" type="datetime1">
               <a:rPr lang="en-US" smtClean="0"/>
-              <a:t>6/15/20</a:t>
+              <a:t>6/24/20</a:t>
             </a:fld>
             <a:endParaRPr lang="en-US"/>
           </a:p>
@@ -30760,13 +30760,8 @@
             </a:r>
             <a:r>
               <a:rPr lang="en-US" dirty="0"/>
-              <a:t> does </a:t>
-            </a:r>
-            <a:r>
-              <a:rPr lang="en-US"/>
-              <a:t>the following</a:t>
-            </a:r>
-            <a:endParaRPr lang="en-US" dirty="0"/>
+              <a:t> does the following</a:t>
+            </a:r>
           </a:p>
           <a:p>
             <a:pPr lvl="1"/>
@@ -30856,7 +30851,7 @@
                 <a:latin typeface="Courier New" panose="02070309020205020404" pitchFamily="49" charset="0"/>
                 <a:cs typeface="Courier New" panose="02070309020205020404" pitchFamily="49" charset="0"/>
               </a:rPr>
-              <a:t>-o</a:t>
+              <a:t>-l</a:t>
             </a:r>
             <a:r>
               <a:rPr lang="en-US" dirty="0"/>
@@ -30912,17 +30907,24 @@
                 <a:latin typeface="Courier New" panose="02070309020205020404" pitchFamily="49" charset="0"/>
                 <a:cs typeface="Courier New" panose="02070309020205020404" pitchFamily="49" charset="0"/>
               </a:rPr>
-              <a:t> #creates </a:t>
-            </a:r>
-            <a:r>
-              <a:rPr lang="en-US" b="1" dirty="0" err="1">
+              <a:t> </a:t>
+            </a:r>
+            <a:r>
+              <a:rPr lang="en-US" dirty="0">
+                <a:latin typeface="Courier New" panose="02070309020205020404" pitchFamily="49" charset="0"/>
+                <a:cs typeface="Courier New" panose="02070309020205020404" pitchFamily="49" charset="0"/>
+              </a:rPr>
+              <a:t>#creates </a:t>
+            </a:r>
+            <a:r>
+              <a:rPr lang="en-US" dirty="0" err="1">
                 <a:latin typeface="Courier New" panose="02070309020205020404" pitchFamily="49" charset="0"/>
                 <a:cs typeface="Courier New" panose="02070309020205020404" pitchFamily="49" charset="0"/>
               </a:rPr>
               <a:t>a.out</a:t>
             </a:r>
             <a:r>
-              <a:rPr lang="en-US" b="1" dirty="0">
+              <a:rPr lang="en-US" dirty="0">
                 <a:latin typeface="Courier New" panose="02070309020205020404" pitchFamily="49" charset="0"/>
                 <a:cs typeface="Courier New" panose="02070309020205020404" pitchFamily="49" charset="0"/>
               </a:rPr>

--- a/lpt_LISA.pptx
+++ b/lpt_LISA.pptx
@@ -4723,7 +4723,7 @@
           <a:p>
             <a:r>
               <a:rPr lang="en-US" dirty="0"/>
-              <a:t>Linux Productivity Tools</a:t>
+              <a:t>Linux Terminal Tools</a:t>
             </a:r>
           </a:p>
         </p:txBody>

--- a/lpt_LISA.pptx
+++ b/lpt_LISA.pptx
@@ -313,7 +313,7 @@
           <a:p>
             <a:fld id="{DE0C789A-1381-F54D-B55B-DCBB91319C08}" type="datetimeFigureOut">
               <a:rPr lang="en-US" smtClean="0"/>
-              <a:t>6/25/20</a:t>
+              <a:t>6/27/20</a:t>
             </a:fld>
             <a:endParaRPr lang="en-US"/>
           </a:p>
@@ -490,7 +490,7 @@
           <a:p>
             <a:fld id="{46CB9FDB-056B-6244-AE56-9549F1074EBB}" type="datetimeFigureOut">
               <a:rPr lang="en-US" smtClean="0"/>
-              <a:t>6/25/20</a:t>
+              <a:t>6/27/20</a:t>
             </a:fld>
             <a:endParaRPr lang="en-US"/>
           </a:p>
@@ -1970,7 +1970,7 @@
           <a:p>
             <a:fld id="{524F091B-C9FE-714F-8F5F-8CFB82A747F1}" type="datetime1">
               <a:rPr lang="en-US" smtClean="0"/>
-              <a:t>6/25/20</a:t>
+              <a:t>6/27/20</a:t>
             </a:fld>
             <a:endParaRPr lang="en-US"/>
           </a:p>
@@ -2140,7 +2140,7 @@
           <a:p>
             <a:fld id="{E5121F4C-BC13-F84F-9AD9-260A611D728C}" type="datetime1">
               <a:rPr lang="en-US" smtClean="0"/>
-              <a:t>6/25/20</a:t>
+              <a:t>6/27/20</a:t>
             </a:fld>
             <a:endParaRPr lang="en-US"/>
           </a:p>
@@ -2320,7 +2320,7 @@
           <a:p>
             <a:fld id="{69934431-5E8A-0144-AD3C-F9F3B5843812}" type="datetime1">
               <a:rPr lang="en-US" smtClean="0"/>
-              <a:t>6/25/20</a:t>
+              <a:t>6/27/20</a:t>
             </a:fld>
             <a:endParaRPr lang="en-US"/>
           </a:p>
@@ -2490,7 +2490,7 @@
           <a:p>
             <a:fld id="{4D966F88-1DAF-F94F-A3D2-93E7964825AC}" type="datetime1">
               <a:rPr lang="en-US" smtClean="0"/>
-              <a:t>6/25/20</a:t>
+              <a:t>6/27/20</a:t>
             </a:fld>
             <a:endParaRPr lang="en-US"/>
           </a:p>
@@ -2736,7 +2736,7 @@
           <a:p>
             <a:fld id="{75F67F5F-B354-5B41-A0FF-E33ACFB7B000}" type="datetime1">
               <a:rPr lang="en-US" smtClean="0"/>
-              <a:t>6/25/20</a:t>
+              <a:t>6/27/20</a:t>
             </a:fld>
             <a:endParaRPr lang="en-US"/>
           </a:p>
@@ -2968,7 +2968,7 @@
           <a:p>
             <a:fld id="{1FE71E3D-61C4-AF47-B5F6-80F7A2125094}" type="datetime1">
               <a:rPr lang="en-US" smtClean="0"/>
-              <a:t>6/25/20</a:t>
+              <a:t>6/27/20</a:t>
             </a:fld>
             <a:endParaRPr lang="en-US"/>
           </a:p>
@@ -3335,7 +3335,7 @@
           <a:p>
             <a:fld id="{B7259F95-3E7B-AE48-BD5A-55F4F48F15EE}" type="datetime1">
               <a:rPr lang="en-US" smtClean="0"/>
-              <a:t>6/25/20</a:t>
+              <a:t>6/27/20</a:t>
             </a:fld>
             <a:endParaRPr lang="en-US"/>
           </a:p>
@@ -3453,7 +3453,7 @@
           <a:p>
             <a:fld id="{1E2D71D9-286E-D847-8194-60F3E909E40C}" type="datetime1">
               <a:rPr lang="en-US" smtClean="0"/>
-              <a:t>6/25/20</a:t>
+              <a:t>6/27/20</a:t>
             </a:fld>
             <a:endParaRPr lang="en-US"/>
           </a:p>
@@ -3548,7 +3548,7 @@
           <a:p>
             <a:fld id="{3AC70D76-DA63-C342-B98E-F532027F9CD7}" type="datetime1">
               <a:rPr lang="en-US" smtClean="0"/>
-              <a:t>6/25/20</a:t>
+              <a:t>6/27/20</a:t>
             </a:fld>
             <a:endParaRPr lang="en-US"/>
           </a:p>
@@ -3825,7 +3825,7 @@
           <a:p>
             <a:fld id="{74E169E1-67F4-DE43-8AD1-CF716A32D6D9}" type="datetime1">
               <a:rPr lang="en-US" smtClean="0"/>
-              <a:t>6/25/20</a:t>
+              <a:t>6/27/20</a:t>
             </a:fld>
             <a:endParaRPr lang="en-US"/>
           </a:p>
@@ -4082,7 +4082,7 @@
           <a:p>
             <a:fld id="{EDBC0E13-B072-744E-A1EF-1258C23FD22F}" type="datetime1">
               <a:rPr lang="en-US" smtClean="0"/>
-              <a:t>6/25/20</a:t>
+              <a:t>6/27/20</a:t>
             </a:fld>
             <a:endParaRPr lang="en-US"/>
           </a:p>
@@ -4295,7 +4295,7 @@
           <a:p>
             <a:fld id="{14D54490-4A22-8B41-9AA4-9BECA28CBC89}" type="datetime1">
               <a:rPr lang="en-US" smtClean="0"/>
-              <a:t>6/25/20</a:t>
+              <a:t>6/27/20</a:t>
             </a:fld>
             <a:endParaRPr lang="en-US"/>
           </a:p>
@@ -5216,7 +5216,7 @@
           <a:p>
             <a:r>
               <a:rPr lang="en-US" dirty="0"/>
-              <a:t>Be </a:t>
+              <a:t>Lower process priority by being </a:t>
             </a:r>
             <a:r>
               <a:rPr lang="en-US" b="1" dirty="0">
@@ -5232,11 +5232,11 @@
             </a:r>
             <a:r>
               <a:rPr lang="en-US" dirty="0" err="1"/>
-              <a:t>eg</a:t>
-            </a:r>
-            <a:r>
-              <a:rPr lang="en-US" dirty="0"/>
-              <a:t>.:</a:t>
+              <a:t>eg.</a:t>
+            </a:r>
+            <a:r>
+              <a:rPr lang="en-US" dirty="0"/>
+              <a:t>:</a:t>
             </a:r>
           </a:p>
           <a:p>
@@ -6291,14 +6291,36 @@
             <a:pPr lvl="1"/>
             <a:r>
               <a:rPr lang="en-US" dirty="0"/>
-              <a:t>Manual pages</a:t>
+              <a:t>Manual pages organized section-wise</a:t>
             </a:r>
           </a:p>
           <a:p>
             <a:pPr lvl="1"/>
             <a:r>
               <a:rPr lang="en-US" dirty="0"/>
-              <a:t>Organized section-wise -- one page for each section (if exists)</a:t>
+              <a:t>One page for each section (if exists) </a:t>
+            </a:r>
+            <a:r>
+              <a:rPr lang="en-US" dirty="0" err="1"/>
+              <a:t>eg.</a:t>
+            </a:r>
+            <a:r>
+              <a:rPr lang="en-US" dirty="0"/>
+              <a:t> </a:t>
+            </a:r>
+            <a:r>
+              <a:rPr lang="en-US" b="1" dirty="0">
+                <a:latin typeface="Courier New" panose="02070309020205020404" pitchFamily="49" charset="0"/>
+                <a:cs typeface="Courier New" panose="02070309020205020404" pitchFamily="49" charset="0"/>
+              </a:rPr>
+              <a:t>man 5 passwd </a:t>
+            </a:r>
+            <a:r>
+              <a:rPr lang="en-US" dirty="0">
+                <a:latin typeface="Courier New" panose="02070309020205020404" pitchFamily="49" charset="0"/>
+                <a:cs typeface="Courier New" panose="02070309020205020404" pitchFamily="49" charset="0"/>
+              </a:rPr>
+              <a:t>#5th section</a:t>
             </a:r>
           </a:p>
           <a:p>
@@ -6870,7 +6892,7 @@
             </a:r>
             <a:r>
               <a:rPr lang="en-US" dirty="0"/>
-              <a:t> is commonly used as command to download from the web:</a:t>
+              <a:t> is commonly used to download from the web:</a:t>
             </a:r>
           </a:p>
           <a:p>
@@ -6912,9 +6934,17 @@
                 <a:ea typeface="Courier New" charset="0"/>
                 <a:cs typeface="Courier New" charset="0"/>
               </a:rPr>
-              <a:t> #quickly find my IP</a:t>
-            </a:r>
-            <a:endParaRPr lang="en-US" b="1" dirty="0">
+              <a:t> </a:t>
+            </a:r>
+            <a:r>
+              <a:rPr lang="en-US" sz="1650" dirty="0">
+                <a:latin typeface="Courier New" charset="0"/>
+                <a:ea typeface="Courier New" charset="0"/>
+                <a:cs typeface="Courier New" charset="0"/>
+              </a:rPr>
+              <a:t>#quickly find my IP</a:t>
+            </a:r>
+            <a:endParaRPr lang="en-US" dirty="0">
               <a:latin typeface="Courier New" charset="0"/>
               <a:ea typeface="Courier New" charset="0"/>
               <a:cs typeface="Courier New" charset="0"/>
@@ -8849,7 +8879,7 @@
             </a:r>
             <a:r>
               <a:rPr lang="en-US" dirty="0"/>
-              <a:t> change command keep last argument:</a:t>
+              <a:t> change command, keep last argument:</a:t>
             </a:r>
           </a:p>
           <a:p>
@@ -8917,7 +8947,7 @@
             </a:r>
             <a:r>
               <a:rPr lang="en-US" dirty="0"/>
-              <a:t> change command keep all arguments:</a:t>
+              <a:t> change command, keep all arguments:</a:t>
             </a:r>
           </a:p>
           <a:p>
@@ -9221,15 +9251,21 @@
                 <a:ea typeface="Courier New" charset="0"/>
                 <a:cs typeface="Courier New" charset="0"/>
               </a:rPr>
-              <a:t> #tag </a:t>
-            </a:r>
+              <a:t> #tag</a:t>
+            </a:r>
+            <a:br>
+              <a:rPr lang="en-US" b="1" dirty="0">
+                <a:latin typeface="Courier New" charset="0"/>
+                <a:ea typeface="Courier New" charset="0"/>
+                <a:cs typeface="Courier New" charset="0"/>
+              </a:rPr>
+            </a:br>
             <a:r>
               <a:rPr lang="en-US" dirty="0">
-                <a:latin typeface="Courier New" charset="0"/>
-                <a:ea typeface="Courier New" charset="0"/>
-                <a:cs typeface="Courier New" charset="0"/>
-              </a:rPr>
-              <a:t>tag &amp; search hard to remember command</a:t>
+                <a:ea typeface="Courier New" charset="0"/>
+                <a:cs typeface="Courier New" charset="0"/>
+              </a:rPr>
+              <a:t>tag &amp; search hard to remember command from history</a:t>
             </a:r>
           </a:p>
           <a:p>
@@ -10229,7 +10265,7 @@
           <a:p>
             <a:r>
               <a:rPr lang="en-US" sz="2100" dirty="0"/>
-              <a:t>Angle brackets are used for redirection to/from commands:</a:t>
+              <a:t>Angle bracket notation used for redirect to/from commands/files:</a:t>
             </a:r>
           </a:p>
           <a:p>
@@ -10494,7 +10530,7 @@
                 <a:ea typeface="Courier New" charset="0"/>
                 <a:cs typeface="Courier New" charset="0"/>
               </a:rPr>
-              <a:t> 2 &gt; </a:t>
+              <a:t> 2&gt; </a:t>
             </a:r>
             <a:r>
               <a:rPr lang="en-US" b="1" dirty="0" err="1">
@@ -10608,7 +10644,7 @@
         </p:nvCxnSpPr>
         <p:spPr>
           <a:xfrm flipH="1" flipV="1">
-            <a:off x="4569655" y="3073610"/>
+            <a:off x="4616149" y="3073610"/>
             <a:ext cx="0" cy="411480"/>
           </a:xfrm>
           <a:prstGeom prst="straightConnector1">
@@ -10644,7 +10680,7 @@
         </p:nvCxnSpPr>
         <p:spPr>
           <a:xfrm flipH="1" flipV="1">
-            <a:off x="5919512" y="3102471"/>
+            <a:off x="6004751" y="3102471"/>
             <a:ext cx="0" cy="411480"/>
           </a:xfrm>
           <a:prstGeom prst="straightConnector1">
@@ -10680,7 +10716,7 @@
         </p:nvCxnSpPr>
         <p:spPr>
           <a:xfrm>
-            <a:off x="6196006" y="2306733"/>
+            <a:off x="6103018" y="2306733"/>
             <a:ext cx="0" cy="539496"/>
           </a:xfrm>
           <a:prstGeom prst="straightConnector1">
@@ -10716,8 +10752,8 @@
         </p:nvSpPr>
         <p:spPr>
           <a:xfrm>
-            <a:off x="4350685" y="3468993"/>
-            <a:ext cx="437940" cy="248209"/>
+            <a:off x="4358434" y="3445746"/>
+            <a:ext cx="529312" cy="404085"/>
           </a:xfrm>
           <a:prstGeom prst="rect">
             <a:avLst/>
@@ -10730,10 +10766,19 @@
           </a:bodyPr>
           <a:lstStyle/>
           <a:p>
+            <a:pPr algn="ctr"/>
             <a:r>
               <a:rPr lang="en-US" sz="1013" dirty="0"/>
               <a:t>send</a:t>
             </a:r>
+          </a:p>
+          <a:p>
+            <a:pPr algn="ctr"/>
+            <a:r>
+              <a:rPr lang="en-US" sz="1013" dirty="0" err="1"/>
+              <a:t>stdout</a:t>
+            </a:r>
+            <a:endParaRPr lang="en-US" sz="1013" dirty="0"/>
           </a:p>
         </p:txBody>
       </p:sp>
@@ -10745,7 +10790,7 @@
         </p:nvSpPr>
         <p:spPr>
           <a:xfrm>
-            <a:off x="5668481" y="3485090"/>
+            <a:off x="5769218" y="3477341"/>
             <a:ext cx="502061" cy="248209"/>
           </a:xfrm>
           <a:prstGeom prst="rect">
@@ -10774,7 +10819,7 @@
         </p:nvSpPr>
         <p:spPr>
           <a:xfrm>
-            <a:off x="5977036" y="1998855"/>
+            <a:off x="5884048" y="2068596"/>
             <a:ext cx="437940" cy="248209"/>
           </a:xfrm>
           <a:prstGeom prst="rect">
@@ -11020,6 +11065,21 @@
               </a:rPr>
               <a:t> &amp;&gt; /dev/null</a:t>
             </a:r>
+            <a:br>
+              <a:rPr lang="en-US" sz="1600" b="1" dirty="0">
+                <a:latin typeface="Courier New" panose="02070309020205020404" pitchFamily="49" charset="0"/>
+                <a:ea typeface="Courier New" charset="0"/>
+                <a:cs typeface="Courier New" panose="02070309020205020404" pitchFamily="49" charset="0"/>
+              </a:rPr>
+            </a:br>
+            <a:r>
+              <a:rPr lang="en-US" sz="1600" dirty="0">
+                <a:latin typeface="Courier New" panose="02070309020205020404" pitchFamily="49" charset="0"/>
+                <a:ea typeface="Courier New" charset="0"/>
+                <a:cs typeface="Courier New" panose="02070309020205020404" pitchFamily="49" charset="0"/>
+              </a:rPr>
+              <a:t>#/dev/null is a "null" file to discard streams</a:t>
+            </a:r>
           </a:p>
           <a:p>
             <a:endParaRPr lang="en-US" dirty="0">
@@ -11226,7 +11286,7 @@
             <a:pPr algn="ctr"/>
             <a:r>
               <a:rPr lang="en-US" sz="2700" dirty="0"/>
-              <a:t>The pipe: run second command using output of first!</a:t>
+              <a:t>The pipe: run second command using output of first</a:t>
             </a:r>
           </a:p>
         </p:txBody>
@@ -12840,51 +12900,50 @@
           <a:p>
             <a:pPr lvl="1"/>
             <a:r>
+              <a:rPr lang="en-US" b="1" dirty="0">
+                <a:latin typeface="Courier New" charset="0"/>
+                <a:ea typeface="Courier New" charset="0"/>
+                <a:cs typeface="Courier New" charset="0"/>
+              </a:rPr>
+              <a:t>cp</a:t>
+            </a:r>
+            <a:r>
+              <a:rPr lang="en-US" dirty="0"/>
+              <a:t>, </a:t>
+            </a:r>
+            <a:r>
+              <a:rPr lang="en-US" b="1" dirty="0">
+                <a:latin typeface="Courier New" charset="0"/>
+                <a:ea typeface="Courier New" charset="0"/>
+                <a:cs typeface="Courier New" charset="0"/>
+              </a:rPr>
+              <a:t>touch</a:t>
+            </a:r>
+            <a:r>
+              <a:rPr lang="en-US" dirty="0"/>
+              <a:t>, </a:t>
+            </a:r>
+            <a:r>
+              <a:rPr lang="en-US" b="1" dirty="0">
+                <a:latin typeface="Courier New" charset="0"/>
+                <a:ea typeface="Courier New" charset="0"/>
+                <a:cs typeface="Courier New" charset="0"/>
+              </a:rPr>
+              <a:t>rm,</a:t>
+            </a:r>
+            <a:r>
+              <a:rPr lang="en-US" dirty="0">
+                <a:ea typeface="Courier New" charset="0"/>
+                <a:cs typeface="Courier New" charset="0"/>
+              </a:rPr>
+              <a:t> </a:t>
+            </a:r>
+            <a:r>
               <a:rPr lang="en-US" b="1" dirty="0" err="1">
                 <a:latin typeface="Courier New" charset="0"/>
                 <a:ea typeface="Courier New" charset="0"/>
                 <a:cs typeface="Courier New" charset="0"/>
               </a:rPr>
-              <a:t>cp</a:t>
-            </a:r>
-            <a:r>
-              <a:rPr lang="en-US" dirty="0"/>
-              <a:t>, </a:t>
-            </a:r>
-            <a:r>
-              <a:rPr lang="en-US" b="1" dirty="0">
-                <a:latin typeface="Courier New" charset="0"/>
-                <a:ea typeface="Courier New" charset="0"/>
-                <a:cs typeface="Courier New" charset="0"/>
-              </a:rPr>
-              <a:t>touch</a:t>
-            </a:r>
-            <a:r>
-              <a:rPr lang="en-US" dirty="0"/>
-              <a:t>,  </a:t>
-            </a:r>
-            <a:r>
-              <a:rPr lang="en-US" b="1" dirty="0" err="1">
-                <a:latin typeface="Courier New" charset="0"/>
-                <a:ea typeface="Courier New" charset="0"/>
-                <a:cs typeface="Courier New" charset="0"/>
-              </a:rPr>
-              <a:t>rm</a:t>
-            </a:r>
-            <a:r>
-              <a:rPr lang="en-US" b="1" dirty="0">
-                <a:latin typeface="Courier New" charset="0"/>
-                <a:ea typeface="Courier New" charset="0"/>
-                <a:cs typeface="Courier New" charset="0"/>
-              </a:rPr>
-              <a:t>, </a:t>
-            </a:r>
-            <a:r>
-              <a:rPr lang="en-US" b="1" dirty="0" err="1">
-                <a:latin typeface="Courier New" charset="0"/>
-                <a:ea typeface="Courier New" charset="0"/>
-                <a:cs typeface="Courier New" charset="0"/>
-              </a:rPr>
               <a:t>chmod</a:t>
             </a:r>
             <a:r>
@@ -12897,7 +12956,6 @@
             </a:r>
             <a:r>
               <a:rPr lang="en-US" dirty="0">
-                <a:latin typeface="Courier New" charset="0"/>
                 <a:ea typeface="Courier New" charset="0"/>
                 <a:cs typeface="Courier New" charset="0"/>
               </a:rPr>
@@ -21933,6 +21991,13 @@
               <a:t>for exotic stuff such as pair programming</a:t>
             </a:r>
           </a:p>
+          <a:p>
+            <a:pPr lvl="1"/>
+            <a:r>
+              <a:rPr lang="en-US" dirty="0"/>
+              <a:t>to preserve environment for multiple operations</a:t>
+            </a:r>
+          </a:p>
         </p:txBody>
       </p:sp>
       <p:sp>
@@ -22280,23 +22345,7 @@
                 <a:ea typeface="Courier New" charset="0"/>
                 <a:cs typeface="Courier New" charset="0"/>
               </a:rPr>
-              <a:t> new -s </a:t>
-            </a:r>
-            <a:r>
-              <a:rPr lang="en-US" sz="1500" b="1" dirty="0" err="1">
-                <a:latin typeface="Courier New" charset="0"/>
-                <a:ea typeface="Courier New" charset="0"/>
-                <a:cs typeface="Courier New" charset="0"/>
-              </a:rPr>
-              <a:t>mysession</a:t>
-            </a:r>
-            <a:r>
-              <a:rPr lang="en-US" sz="1500" b="1" dirty="0">
-                <a:latin typeface="Courier New" charset="0"/>
-                <a:ea typeface="Courier New" charset="0"/>
-                <a:cs typeface="Courier New" charset="0"/>
-              </a:rPr>
-              <a:t> </a:t>
+              <a:t> new -s s1 </a:t>
             </a:r>
             <a:r>
               <a:rPr lang="en-US" sz="1500" dirty="0">
@@ -22399,23 +22448,7 @@
                 <a:ea typeface="Courier New" charset="0"/>
                 <a:cs typeface="Courier New" charset="0"/>
               </a:rPr>
-              <a:t> a -t </a:t>
-            </a:r>
-            <a:r>
-              <a:rPr lang="en-US" sz="1500" b="1" dirty="0" err="1">
-                <a:latin typeface="Courier New" charset="0"/>
-                <a:ea typeface="Courier New" charset="0"/>
-                <a:cs typeface="Courier New" charset="0"/>
-              </a:rPr>
-              <a:t>mysession</a:t>
-            </a:r>
-            <a:r>
-              <a:rPr lang="en-US" sz="1500" b="1" dirty="0">
-                <a:latin typeface="Courier New" charset="0"/>
-                <a:ea typeface="Courier New" charset="0"/>
-                <a:cs typeface="Courier New" charset="0"/>
-              </a:rPr>
-              <a:t> </a:t>
+              <a:t> a -t s1 </a:t>
             </a:r>
             <a:r>
               <a:rPr lang="en-US" sz="1500" dirty="0">
@@ -22607,23 +22640,7 @@
                 <a:ea typeface="Courier New" charset="0"/>
                 <a:cs typeface="Courier New" charset="0"/>
               </a:rPr>
-              <a:t> kill-session -t </a:t>
-            </a:r>
-            <a:r>
-              <a:rPr lang="en-US" sz="1500" b="1" dirty="0" err="1">
-                <a:latin typeface="Courier New" charset="0"/>
-                <a:ea typeface="Courier New" charset="0"/>
-                <a:cs typeface="Courier New" charset="0"/>
-              </a:rPr>
-              <a:t>mysession</a:t>
-            </a:r>
-            <a:r>
-              <a:rPr lang="en-US" sz="1500" b="1" dirty="0">
-                <a:latin typeface="Courier New" charset="0"/>
-                <a:ea typeface="Courier New" charset="0"/>
-                <a:cs typeface="Courier New" charset="0"/>
-              </a:rPr>
-              <a:t> </a:t>
+              <a:t> kill-session -t s1 </a:t>
             </a:r>
             <a:r>
               <a:rPr lang="en-US" sz="1500" dirty="0">
@@ -23096,7 +23113,7 @@
                 <a:ea typeface="Courier" charset="0"/>
                 <a:cs typeface="Courier" charset="0"/>
               </a:rPr>
-              <a:t> </a:t>
+              <a:t> new -s s2 </a:t>
             </a:r>
             <a:r>
               <a:rPr lang="en-US" dirty="0">
@@ -23387,7 +23404,7 @@
             </a:r>
             <a:r>
               <a:rPr lang="en-US" dirty="0"/>
-              <a:t>: config and tunneling</a:t>
+              <a:t> config and tunneling</a:t>
             </a:r>
           </a:p>
         </p:txBody>
@@ -23934,7 +23951,7 @@
                 <a:ea typeface="Courier New" charset="0"/>
                 <a:cs typeface="Courier New" charset="0"/>
               </a:rPr>
-              <a:t> cades"</a:t>
+              <a:t> cades ..."</a:t>
             </a:r>
           </a:p>
         </p:txBody>
@@ -24079,7 +24096,7 @@
           <a:p>
             <a:r>
               <a:rPr lang="en-US" dirty="0"/>
-              <a:t>For more, see </a:t>
+              <a:t>And much more, see </a:t>
             </a:r>
             <a:r>
               <a:rPr lang="en-US" b="1" dirty="0">
@@ -25951,7 +25968,43 @@
             <a:pPr lvl="1"/>
             <a:r>
               <a:rPr lang="en-US" dirty="0"/>
-              <a:t>common commands, basic understanding of files and directories, editing etc.</a:t>
+              <a:t>common commands, basic understanding of files and directories, editing.</a:t>
+            </a:r>
+            <a:br>
+              <a:rPr lang="en-US" dirty="0"/>
+            </a:br>
+            <a:r>
+              <a:rPr lang="en-US" dirty="0" err="1"/>
+              <a:t>eg.</a:t>
+            </a:r>
+            <a:r>
+              <a:rPr lang="en-US" dirty="0"/>
+              <a:t> </a:t>
+            </a:r>
+            <a:r>
+              <a:rPr lang="en-US" b="1" dirty="0">
+                <a:latin typeface="Courier New" panose="02070309020205020404" pitchFamily="49" charset="0"/>
+                <a:cs typeface="Courier New" panose="02070309020205020404" pitchFamily="49" charset="0"/>
+              </a:rPr>
+              <a:t>cd, ls, </a:t>
+            </a:r>
+            <a:r>
+              <a:rPr lang="en-US" b="1" dirty="0" err="1">
+                <a:latin typeface="Courier New" panose="02070309020205020404" pitchFamily="49" charset="0"/>
+                <a:cs typeface="Courier New" panose="02070309020205020404" pitchFamily="49" charset="0"/>
+              </a:rPr>
+              <a:t>pwd</a:t>
+            </a:r>
+            <a:r>
+              <a:rPr lang="en-US" b="1" dirty="0">
+                <a:latin typeface="Courier New" panose="02070309020205020404" pitchFamily="49" charset="0"/>
+                <a:cs typeface="Courier New" panose="02070309020205020404" pitchFamily="49" charset="0"/>
+              </a:rPr>
+              <a:t>, cat</a:t>
+            </a:r>
+            <a:r>
+              <a:rPr lang="en-US" dirty="0"/>
+              <a:t> </a:t>
             </a:r>
           </a:p>
           <a:p>
@@ -26557,7 +26610,7 @@
                 <a:latin typeface="Courier New" panose="02070309020205020404" pitchFamily="49" charset="0"/>
                 <a:cs typeface="Courier New" panose="02070309020205020404" pitchFamily="49" charset="0"/>
               </a:rPr>
-              <a:t> --export &lt;ID&gt; </a:t>
+              <a:t> --export &lt;ID&gt;     </a:t>
             </a:r>
             <a:r>
               <a:rPr lang="en-US" dirty="0">
@@ -26581,7 +26634,7 @@
                 <a:latin typeface="Courier New" panose="02070309020205020404" pitchFamily="49" charset="0"/>
                 <a:cs typeface="Courier New" panose="02070309020205020404" pitchFamily="49" charset="0"/>
               </a:rPr>
-              <a:t> --armor --export &gt; </a:t>
+              <a:t> --armor --export &lt;ID&gt; &gt; </a:t>
             </a:r>
             <a:r>
               <a:rPr lang="en-US" b="1" dirty="0" err="1">
@@ -26595,7 +26648,7 @@
                 <a:latin typeface="Courier New" panose="02070309020205020404" pitchFamily="49" charset="0"/>
                 <a:cs typeface="Courier New" panose="02070309020205020404" pitchFamily="49" charset="0"/>
               </a:rPr>
-              <a:t>  </a:t>
+              <a:t> </a:t>
             </a:r>
             <a:r>
               <a:rPr lang="en-US" dirty="0">
@@ -26643,16 +26696,23 @@
                 <a:latin typeface="Courier New" panose="02070309020205020404" pitchFamily="49" charset="0"/>
                 <a:cs typeface="Courier New" panose="02070309020205020404" pitchFamily="49" charset="0"/>
               </a:rPr>
-              <a:t> #import Bill's </a:t>
-            </a:r>
-            <a:r>
-              <a:rPr lang="en-US" b="1" dirty="0" err="1">
+              <a:t> </a:t>
+            </a:r>
+            <a:r>
+              <a:rPr lang="en-US" dirty="0">
+                <a:latin typeface="Courier New" panose="02070309020205020404" pitchFamily="49" charset="0"/>
+                <a:cs typeface="Courier New" panose="02070309020205020404" pitchFamily="49" charset="0"/>
+              </a:rPr>
+              <a:t>#import Bill's </a:t>
+            </a:r>
+            <a:r>
+              <a:rPr lang="en-US" dirty="0" err="1">
                 <a:latin typeface="Courier New" panose="02070309020205020404" pitchFamily="49" charset="0"/>
                 <a:cs typeface="Courier New" panose="02070309020205020404" pitchFamily="49" charset="0"/>
               </a:rPr>
               <a:t>pubkey</a:t>
             </a:r>
-            <a:endParaRPr lang="en-US" b="1" dirty="0">
+            <a:endParaRPr lang="en-US" dirty="0">
               <a:latin typeface="Courier New" panose="02070309020205020404" pitchFamily="49" charset="0"/>
               <a:cs typeface="Courier New" panose="02070309020205020404" pitchFamily="49" charset="0"/>
             </a:endParaRPr>
@@ -31394,7 +31454,7 @@
             </a:r>
             <a:r>
               <a:rPr lang="en-US" dirty="0"/>
-              <a:t> flag) convert the source code </a:t>
+              <a:t> ) convert the source code </a:t>
             </a:r>
             <a:r>
               <a:rPr lang="en-US" b="1" dirty="0">
@@ -31438,7 +31498,7 @@
             </a:r>
             <a:r>
               <a:rPr lang="en-US" dirty="0"/>
-              <a:t> flag) -- translate the assembly code to </a:t>
+              <a:t> ) -- translate the assembly code to </a:t>
             </a:r>
             <a:r>
               <a:rPr lang="en-US" b="1" dirty="0"/>
@@ -31471,7 +31531,7 @@
             </a:r>
             <a:r>
               <a:rPr lang="en-US" dirty="0"/>
-              <a:t> flag) -- link to the standard libraries to produce </a:t>
+              <a:t> ) -- link to the standard libraries to produce </a:t>
             </a:r>
             <a:r>
               <a:rPr lang="en-US" b="1" dirty="0"/>
@@ -36857,27 +36917,16 @@
               <a:t>lsb_release</a:t>
             </a:r>
             <a:r>
-              <a:rPr lang="en-US" dirty="0"/>
-              <a:t>: distribution info (try</a:t>
-            </a:r>
-            <a:r>
-              <a:rPr lang="en-US" b="1" dirty="0">
-                <a:latin typeface="Courier New" charset="0"/>
-                <a:cs typeface="Courier New" charset="0"/>
-              </a:rPr>
-              <a:t> </a:t>
-            </a:r>
-            <a:r>
-              <a:rPr lang="en-US" b="1" dirty="0">
-                <a:latin typeface="Courier New" charset="0"/>
-                <a:ea typeface="Courier New" charset="0"/>
-                <a:cs typeface="Courier New" charset="0"/>
-              </a:rPr>
-              <a:t>-a</a:t>
-            </a:r>
-            <a:r>
-              <a:rPr lang="en-US" dirty="0"/>
-              <a:t>)</a:t>
+              <a:rPr lang="en-US" b="1" dirty="0">
+                <a:latin typeface="Courier New" charset="0"/>
+                <a:ea typeface="Courier New" charset="0"/>
+                <a:cs typeface="Courier New" charset="0"/>
+              </a:rPr>
+              <a:t> -a </a:t>
+            </a:r>
+            <a:r>
+              <a:rPr lang="en-US" dirty="0"/>
+              <a:t>: distribution info (sometimes not available)</a:t>
             </a:r>
           </a:p>
           <a:p>

--- a/lpt_LISA.pptx
+++ b/lpt_LISA.pptx
@@ -9839,7 +9839,7 @@
             </a:r>
             <a:r>
               <a:rPr lang="en-US" dirty="0">
-                <a:hlinkClick r:id="rId11" action="ppaction://hlinksldjump"/>
+                <a:hlinkClick r:id="rId12" action="ppaction://hlinksldjump"/>
               </a:rPr>
               <a:t>Miscellaneous Utilities</a:t>
             </a:r>
@@ -9852,7 +9852,7 @@
           <a:p>
             <a:r>
               <a:rPr lang="en-US" dirty="0">
-                <a:hlinkClick r:id="rId12" action="ppaction://hlinksldjump"/>
+                <a:hlinkClick r:id="rId13" action="ppaction://hlinksldjump"/>
               </a:rPr>
               <a:t>Summary</a:t>
             </a:r>

--- a/lpt_LISA.pptx
+++ b/lpt_LISA.pptx
@@ -314,7 +314,7 @@
           <a:p>
             <a:fld id="{DE0C789A-1381-F54D-B55B-DCBB91319C08}" type="datetimeFigureOut">
               <a:rPr lang="en-US" smtClean="0"/>
-              <a:t>6/27/20</a:t>
+              <a:t>6/29/20</a:t>
             </a:fld>
             <a:endParaRPr lang="en-US"/>
           </a:p>
@@ -491,7 +491,7 @@
           <a:p>
             <a:fld id="{46CB9FDB-056B-6244-AE56-9549F1074EBB}" type="datetimeFigureOut">
               <a:rPr lang="en-US" smtClean="0"/>
-              <a:t>6/27/20</a:t>
+              <a:t>6/29/20</a:t>
             </a:fld>
             <a:endParaRPr lang="en-US"/>
           </a:p>
@@ -1971,7 +1971,7 @@
           <a:p>
             <a:fld id="{524F091B-C9FE-714F-8F5F-8CFB82A747F1}" type="datetime1">
               <a:rPr lang="en-US" smtClean="0"/>
-              <a:t>6/27/20</a:t>
+              <a:t>6/29/20</a:t>
             </a:fld>
             <a:endParaRPr lang="en-US"/>
           </a:p>
@@ -2141,7 +2141,7 @@
           <a:p>
             <a:fld id="{E5121F4C-BC13-F84F-9AD9-260A611D728C}" type="datetime1">
               <a:rPr lang="en-US" smtClean="0"/>
-              <a:t>6/27/20</a:t>
+              <a:t>6/29/20</a:t>
             </a:fld>
             <a:endParaRPr lang="en-US"/>
           </a:p>
@@ -2321,7 +2321,7 @@
           <a:p>
             <a:fld id="{69934431-5E8A-0144-AD3C-F9F3B5843812}" type="datetime1">
               <a:rPr lang="en-US" smtClean="0"/>
-              <a:t>6/27/20</a:t>
+              <a:t>6/29/20</a:t>
             </a:fld>
             <a:endParaRPr lang="en-US"/>
           </a:p>
@@ -2491,7 +2491,7 @@
           <a:p>
             <a:fld id="{4D966F88-1DAF-F94F-A3D2-93E7964825AC}" type="datetime1">
               <a:rPr lang="en-US" smtClean="0"/>
-              <a:t>6/27/20</a:t>
+              <a:t>6/29/20</a:t>
             </a:fld>
             <a:endParaRPr lang="en-US"/>
           </a:p>
@@ -2737,7 +2737,7 @@
           <a:p>
             <a:fld id="{75F67F5F-B354-5B41-A0FF-E33ACFB7B000}" type="datetime1">
               <a:rPr lang="en-US" smtClean="0"/>
-              <a:t>6/27/20</a:t>
+              <a:t>6/29/20</a:t>
             </a:fld>
             <a:endParaRPr lang="en-US"/>
           </a:p>
@@ -2969,7 +2969,7 @@
           <a:p>
             <a:fld id="{1FE71E3D-61C4-AF47-B5F6-80F7A2125094}" type="datetime1">
               <a:rPr lang="en-US" smtClean="0"/>
-              <a:t>6/27/20</a:t>
+              <a:t>6/29/20</a:t>
             </a:fld>
             <a:endParaRPr lang="en-US"/>
           </a:p>
@@ -3336,7 +3336,7 @@
           <a:p>
             <a:fld id="{B7259F95-3E7B-AE48-BD5A-55F4F48F15EE}" type="datetime1">
               <a:rPr lang="en-US" smtClean="0"/>
-              <a:t>6/27/20</a:t>
+              <a:t>6/29/20</a:t>
             </a:fld>
             <a:endParaRPr lang="en-US"/>
           </a:p>
@@ -3454,7 +3454,7 @@
           <a:p>
             <a:fld id="{1E2D71D9-286E-D847-8194-60F3E909E40C}" type="datetime1">
               <a:rPr lang="en-US" smtClean="0"/>
-              <a:t>6/27/20</a:t>
+              <a:t>6/29/20</a:t>
             </a:fld>
             <a:endParaRPr lang="en-US"/>
           </a:p>
@@ -3549,7 +3549,7 @@
           <a:p>
             <a:fld id="{3AC70D76-DA63-C342-B98E-F532027F9CD7}" type="datetime1">
               <a:rPr lang="en-US" smtClean="0"/>
-              <a:t>6/27/20</a:t>
+              <a:t>6/29/20</a:t>
             </a:fld>
             <a:endParaRPr lang="en-US"/>
           </a:p>
@@ -3826,7 +3826,7 @@
           <a:p>
             <a:fld id="{74E169E1-67F4-DE43-8AD1-CF716A32D6D9}" type="datetime1">
               <a:rPr lang="en-US" smtClean="0"/>
-              <a:t>6/27/20</a:t>
+              <a:t>6/29/20</a:t>
             </a:fld>
             <a:endParaRPr lang="en-US"/>
           </a:p>
@@ -4083,7 +4083,7 @@
           <a:p>
             <a:fld id="{EDBC0E13-B072-744E-A1EF-1258C23FD22F}" type="datetime1">
               <a:rPr lang="en-US" smtClean="0"/>
-              <a:t>6/27/20</a:t>
+              <a:t>6/29/20</a:t>
             </a:fld>
             <a:endParaRPr lang="en-US"/>
           </a:p>
@@ -4296,7 +4296,7 @@
           <a:p>
             <a:fld id="{14D54490-4A22-8B41-9AA4-9BECA28CBC89}" type="datetime1">
               <a:rPr lang="en-US" smtClean="0"/>
-              <a:t>6/27/20</a:t>
+              <a:t>6/29/20</a:t>
             </a:fld>
             <a:endParaRPr lang="en-US"/>
           </a:p>
@@ -6307,6 +6307,21 @@
               </a:rPr>
               <a:t>timeout</a:t>
             </a:r>
+            <a:r>
+              <a:rPr lang="en-US" dirty="0">
+                <a:cs typeface="Courier New" panose="02070309020205020404" pitchFamily="49" charset="0"/>
+              </a:rPr>
+              <a:t>, collect the output in file </a:t>
+            </a:r>
+            <a:r>
+              <a:rPr lang="en-US">
+                <a:cs typeface="Courier New" panose="02070309020205020404" pitchFamily="49" charset="0"/>
+              </a:rPr>
+              <a:t>x.txt</a:t>
+            </a:r>
+            <a:endParaRPr lang="en-US" dirty="0">
+              <a:cs typeface="Courier New" panose="02070309020205020404" pitchFamily="49" charset="0"/>
+            </a:endParaRPr>
           </a:p>
           <a:p>
             <a:r>
@@ -15961,8 +15976,15 @@
           <a:p>
             <a:pPr algn="ctr"/>
             <a:r>
-              <a:rPr lang="en-US" dirty="0"/>
-              <a:t>grep: Search for patterns in text</a:t>
+              <a:rPr lang="en-US" b="1" dirty="0">
+                <a:latin typeface="Courier New" panose="02070309020205020404" pitchFamily="49" charset="0"/>
+                <a:cs typeface="Courier New" panose="02070309020205020404" pitchFamily="49" charset="0"/>
+              </a:rPr>
+              <a:t>grep</a:t>
+            </a:r>
+            <a:r>
+              <a:rPr lang="en-US" dirty="0"/>
+              <a:t>: Search for patterns in text</a:t>
             </a:r>
           </a:p>
         </p:txBody>
@@ -19246,7 +19268,10 @@
           <a:p>
             <a:pPr algn="ctr"/>
             <a:r>
-              <a:rPr lang="en-US" dirty="0" err="1"/>
+              <a:rPr lang="en-US" b="1" dirty="0" err="1">
+                <a:latin typeface="Courier New" panose="02070309020205020404" pitchFamily="49" charset="0"/>
+                <a:cs typeface="Courier New" panose="02070309020205020404" pitchFamily="49" charset="0"/>
+              </a:rPr>
               <a:t>awk</a:t>
             </a:r>
             <a:r>
@@ -19563,7 +19588,7 @@
         <p:spPr>
           <a:xfrm>
             <a:off x="628650" y="2899746"/>
-            <a:ext cx="7886700" cy="1323439"/>
+            <a:ext cx="7886700" cy="1569660"/>
           </a:xfrm>
           <a:prstGeom prst="rect">
             <a:avLst/>
@@ -19586,7 +19611,7 @@
                 <a:latin typeface="Courier New" panose="02070309020205020404" pitchFamily="49" charset="0"/>
                 <a:cs typeface="Courier New" panose="02070309020205020404" pitchFamily="49" charset="0"/>
               </a:rPr>
-              <a:t>BEGIN{</a:t>
+              <a:t>BEGIN {</a:t>
             </a:r>
             <a:r>
               <a:rPr lang="en-US" sz="1600" dirty="0">
@@ -19643,7 +19668,7 @@
                 <a:latin typeface="Courier New" panose="02070309020205020404" pitchFamily="49" charset="0"/>
                 <a:cs typeface="Courier New" panose="02070309020205020404" pitchFamily="49" charset="0"/>
               </a:rPr>
-              <a:t>/pattern or condition/ {</a:t>
+              <a:t>/pattern/ or condition {</a:t>
             </a:r>
             <a:r>
               <a:rPr lang="en-US" sz="1600" dirty="0">
@@ -19664,7 +19689,7 @@
                 <a:latin typeface="Courier New" panose="02070309020205020404" pitchFamily="49" charset="0"/>
                 <a:cs typeface="Courier New" panose="02070309020205020404" pitchFamily="49" charset="0"/>
               </a:rPr>
-              <a:t> #run </a:t>
+              <a:t> #run actions </a:t>
             </a:r>
             <a:r>
               <a:rPr lang="en-US" sz="1600" b="1" dirty="0">
@@ -19678,14 +19703,14 @@
                 <a:latin typeface="Courier New" panose="02070309020205020404" pitchFamily="49" charset="0"/>
                 <a:cs typeface="Courier New" panose="02070309020205020404" pitchFamily="49" charset="0"/>
               </a:rPr>
-              <a:t>of input</a:t>
+              <a:t>of input files and/or stdin that satisfy </a:t>
             </a:r>
             <a:r>
               <a:rPr lang="en-US" sz="1600" b="1" dirty="0">
                 <a:latin typeface="Courier New" panose="02070309020205020404" pitchFamily="49" charset="0"/>
                 <a:cs typeface="Courier New" panose="02070309020205020404" pitchFamily="49" charset="0"/>
               </a:rPr>
-              <a:t> </a:t>
+              <a:t>/pattern or condition/ </a:t>
             </a:r>
           </a:p>
           <a:p>
@@ -19700,7 +19725,7 @@
                 <a:latin typeface="Courier New" panose="02070309020205020404" pitchFamily="49" charset="0"/>
                 <a:cs typeface="Courier New" panose="02070309020205020404" pitchFamily="49" charset="0"/>
               </a:rPr>
-              <a:t>END{</a:t>
+              <a:t>END {</a:t>
             </a:r>
             <a:r>
               <a:rPr lang="en-US" sz="1600" dirty="0">
@@ -19735,7 +19760,7 @@
                 <a:latin typeface="Courier New" panose="02070309020205020404" pitchFamily="49" charset="0"/>
                 <a:cs typeface="Courier New" panose="02070309020205020404" pitchFamily="49" charset="0"/>
               </a:rPr>
-              <a:t>after input processing</a:t>
+              <a:t>after input processing section</a:t>
             </a:r>
             <a:endParaRPr lang="en-US" sz="1600" b="1" dirty="0">
               <a:latin typeface="Courier New" panose="02070309020205020404" pitchFamily="49" charset="0"/>
@@ -19788,14 +19813,14 @@
               <a:t>, </a:t>
             </a:r>
             <a:r>
-              <a:rPr lang="en-US" b="1" dirty="0">
-                <a:latin typeface="Courier New" panose="02070309020205020404" pitchFamily="49" charset="0"/>
-                <a:cs typeface="Courier New" panose="02070309020205020404" pitchFamily="49" charset="0"/>
-              </a:rPr>
-              <a:t>/pattern or condition/</a:t>
-            </a:r>
-            <a:r>
-              <a:rPr lang="en-US" dirty="0"/>
+              <a:rPr lang="en-US" b="1">
+                <a:latin typeface="Courier New" panose="02070309020205020404" pitchFamily="49" charset="0"/>
+                <a:cs typeface="Courier New" panose="02070309020205020404" pitchFamily="49" charset="0"/>
+              </a:rPr>
+              <a:t>/pattern/ or condition</a:t>
+            </a:r>
+            <a:r>
+              <a:rPr lang="en-US"/>
               <a:t>, </a:t>
             </a:r>
             <a:r>
@@ -20084,12 +20109,8 @@
           <a:p>
             <a:pPr algn="ctr"/>
             <a:r>
-              <a:rPr lang="en-US" dirty="0" err="1"/>
-              <a:t>awk</a:t>
-            </a:r>
-            <a:r>
-              <a:rPr lang="en-US" dirty="0"/>
-              <a:t> patterns and actions </a:t>
+              <a:rPr lang="en-US" dirty="0"/>
+              <a:t>patterns, conditions and actions </a:t>
             </a:r>
           </a:p>
         </p:txBody>
@@ -20201,46 +20222,92 @@
             </a:r>
           </a:p>
           <a:p>
+            <a:r>
+              <a:rPr lang="en-US" dirty="0">
+                <a:ea typeface="Courier New" charset="0"/>
+                <a:cs typeface="Courier New" charset="0"/>
+              </a:rPr>
+              <a:t>A condition is a </a:t>
+            </a:r>
+            <a:r>
+              <a:rPr lang="en-US" dirty="0" err="1">
+                <a:ea typeface="Courier New" charset="0"/>
+                <a:cs typeface="Courier New" charset="0"/>
+              </a:rPr>
+              <a:t>boolean</a:t>
+            </a:r>
+            <a:r>
+              <a:rPr lang="en-US" dirty="0">
+                <a:ea typeface="Courier New" charset="0"/>
+                <a:cs typeface="Courier New" charset="0"/>
+              </a:rPr>
+              <a:t> expression that selects input lines, </a:t>
+            </a:r>
+            <a:r>
+              <a:rPr lang="en-US" dirty="0" err="1">
+                <a:ea typeface="Courier New" charset="0"/>
+                <a:cs typeface="Courier New" charset="0"/>
+              </a:rPr>
+              <a:t>eg.</a:t>
+            </a:r>
+            <a:br>
+              <a:rPr lang="en-US" dirty="0">
+                <a:ea typeface="Courier New" charset="0"/>
+                <a:cs typeface="Courier New" charset="0"/>
+              </a:rPr>
+            </a:br>
+            <a:r>
+              <a:rPr lang="en-US" b="1" dirty="0">
+                <a:latin typeface="Courier New" panose="02070309020205020404" pitchFamily="49" charset="0"/>
+                <a:ea typeface="Courier New" charset="0"/>
+                <a:cs typeface="Courier New" panose="02070309020205020404" pitchFamily="49" charset="0"/>
+              </a:rPr>
+              <a:t>$3&gt;1 </a:t>
+            </a:r>
+            <a:r>
+              <a:rPr lang="en-US" dirty="0">
+                <a:latin typeface="Courier New" panose="02070309020205020404" pitchFamily="49" charset="0"/>
+                <a:ea typeface="Courier New" charset="0"/>
+                <a:cs typeface="Courier New" panose="02070309020205020404" pitchFamily="49" charset="0"/>
+              </a:rPr>
+              <a:t># lines for which third field is greater than 1</a:t>
+            </a:r>
+          </a:p>
+          <a:p>
+            <a:r>
+              <a:rPr lang="en-US" dirty="0">
+                <a:ea typeface="Courier New" charset="0"/>
+                <a:cs typeface="Courier New" charset="0"/>
+              </a:rPr>
+              <a:t>An </a:t>
+            </a:r>
+            <a:r>
+              <a:rPr lang="en-US" b="1" dirty="0">
+                <a:ea typeface="Courier New" charset="0"/>
+                <a:cs typeface="Courier New" charset="0"/>
+              </a:rPr>
+              <a:t>action</a:t>
+            </a:r>
+            <a:r>
+              <a:rPr lang="en-US" dirty="0">
+                <a:ea typeface="Courier New" charset="0"/>
+                <a:cs typeface="Courier New" charset="0"/>
+              </a:rPr>
+              <a:t> is a sequence of ops, </a:t>
+            </a:r>
+            <a:r>
+              <a:rPr lang="en-US" dirty="0" err="1">
+                <a:ea typeface="Courier New" charset="0"/>
+                <a:cs typeface="Courier New" charset="0"/>
+              </a:rPr>
+              <a:t>eg.</a:t>
+            </a:r>
             <a:endParaRPr lang="en-US" dirty="0">
               <a:ea typeface="Courier New" charset="0"/>
               <a:cs typeface="Courier New" charset="0"/>
             </a:endParaRPr>
           </a:p>
           <a:p>
-            <a:r>
-              <a:rPr lang="en-US" dirty="0">
-                <a:ea typeface="Courier New" charset="0"/>
-                <a:cs typeface="Courier New" charset="0"/>
-              </a:rPr>
-              <a:t>An </a:t>
-            </a:r>
-            <a:r>
-              <a:rPr lang="en-US" b="1" dirty="0">
-                <a:ea typeface="Courier New" charset="0"/>
-                <a:cs typeface="Courier New" charset="0"/>
-              </a:rPr>
-              <a:t>action</a:t>
-            </a:r>
-            <a:r>
-              <a:rPr lang="en-US" dirty="0">
-                <a:ea typeface="Courier New" charset="0"/>
-                <a:cs typeface="Courier New" charset="0"/>
-              </a:rPr>
-              <a:t> is a sequence of ops, </a:t>
-            </a:r>
-            <a:r>
-              <a:rPr lang="en-US" dirty="0" err="1">
-                <a:ea typeface="Courier New" charset="0"/>
-                <a:cs typeface="Courier New" charset="0"/>
-              </a:rPr>
-              <a:t>eg.</a:t>
-            </a:r>
-            <a:endParaRPr lang="en-US" dirty="0">
-              <a:ea typeface="Courier New" charset="0"/>
-              <a:cs typeface="Courier New" charset="0"/>
-            </a:endParaRPr>
-          </a:p>
-          <a:p>
             <a:pPr marL="342900" lvl="1" indent="0">
               <a:buNone/>
             </a:pPr>
@@ -20334,8 +20401,6 @@
               </a:rPr>
               <a:t>#get cumulative sum</a:t>
             </a:r>
-          </a:p>
-          <a:p>
             <a:endParaRPr lang="en-US" dirty="0">
               <a:ea typeface="Courier New" charset="0"/>
               <a:cs typeface="Courier New" charset="0"/>
@@ -20422,12 +20487,16 @@
           <a:p>
             <a:pPr algn="ctr"/>
             <a:r>
+              <a:rPr lang="en-US" dirty="0"/>
+              <a:t>useful </a:t>
+            </a:r>
+            <a:r>
               <a:rPr lang="en-US" dirty="0" err="1"/>
               <a:t>awk</a:t>
             </a:r>
             <a:r>
               <a:rPr lang="en-US" dirty="0"/>
-              <a:t> Examples</a:t>
+              <a:t> one-liners</a:t>
             </a:r>
           </a:p>
         </p:txBody>
@@ -32058,7 +32127,19 @@
               <a:rPr lang="en-US" dirty="0">
                 <a:cs typeface="Courier New" panose="02070309020205020404" pitchFamily="49" charset="0"/>
               </a:rPr>
-              <a:t>Python - covered a bit</a:t>
+              <a:t>Python, Perl, </a:t>
+            </a:r>
+            <a:r>
+              <a:rPr lang="en-US" dirty="0" err="1">
+                <a:cs typeface="Courier New" panose="02070309020205020404" pitchFamily="49" charset="0"/>
+              </a:rPr>
+              <a:t>awk</a:t>
+            </a:r>
+            <a:r>
+              <a:rPr lang="en-US" dirty="0">
+                <a:cs typeface="Courier New" panose="02070309020205020404" pitchFamily="49" charset="0"/>
+              </a:rPr>
+              <a:t>, bash</a:t>
             </a:r>
           </a:p>
           <a:p>
@@ -32067,22 +32148,47 @@
               <a:rPr lang="en-US" dirty="0">
                 <a:cs typeface="Courier New" panose="02070309020205020404" pitchFamily="49" charset="0"/>
               </a:rPr>
-              <a:t>Perl - not covered</a:t>
+              <a:t>We covered </a:t>
+            </a:r>
+            <a:r>
+              <a:rPr lang="en-US" dirty="0" err="1">
+                <a:cs typeface="Courier New" panose="02070309020205020404" pitchFamily="49" charset="0"/>
+              </a:rPr>
+              <a:t>awk</a:t>
+            </a:r>
+            <a:r>
+              <a:rPr lang="en-US" dirty="0">
+                <a:cs typeface="Courier New" panose="02070309020205020404" pitchFamily="49" charset="0"/>
+              </a:rPr>
+              <a:t>, bash some and python a bit</a:t>
+            </a:r>
+          </a:p>
+          <a:p>
+            <a:pPr marL="342900" lvl="1" indent="0">
+              <a:buNone/>
+            </a:pPr>
+            <a:r>
+              <a:rPr lang="en-US" dirty="0">
+                <a:cs typeface="Courier New" panose="02070309020205020404" pitchFamily="49" charset="0"/>
+              </a:rPr>
+              <a:t> </a:t>
+            </a:r>
+          </a:p>
+          <a:p>
+            <a:r>
+              <a:rPr lang="en-US" dirty="0">
+                <a:cs typeface="Courier New" panose="02070309020205020404" pitchFamily="49" charset="0"/>
+              </a:rPr>
+              <a:t>Compiled programming platforms available on most systems</a:t>
             </a:r>
           </a:p>
           <a:p>
             <a:pPr lvl="1"/>
             <a:r>
-              <a:rPr lang="en-US" dirty="0" err="1">
-                <a:cs typeface="Courier New" panose="02070309020205020404" pitchFamily="49" charset="0"/>
-              </a:rPr>
-              <a:t>awk</a:t>
-            </a:r>
-            <a:r>
               <a:rPr lang="en-US" dirty="0">
                 <a:cs typeface="Courier New" panose="02070309020205020404" pitchFamily="49" charset="0"/>
               </a:rPr>
-              <a:t> - covered some</a:t>
+              <a:t>C, Fortran</a:t>
             </a:r>
           </a:p>
           <a:p>
@@ -32091,33 +32197,7 @@
               <a:rPr lang="en-US" dirty="0">
                 <a:cs typeface="Courier New" panose="02070309020205020404" pitchFamily="49" charset="0"/>
               </a:rPr>
-              <a:t>Bash - covered some  </a:t>
-            </a:r>
-          </a:p>
-          <a:p>
-            <a:r>
-              <a:rPr lang="en-US" dirty="0">
-                <a:cs typeface="Courier New" panose="02070309020205020404" pitchFamily="49" charset="0"/>
-              </a:rPr>
-              <a:t>Compiled programming platforms available on most systems</a:t>
-            </a:r>
-          </a:p>
-          <a:p>
-            <a:pPr lvl="1"/>
-            <a:r>
-              <a:rPr lang="en-US" dirty="0">
-                <a:cs typeface="Courier New" panose="02070309020205020404" pitchFamily="49" charset="0"/>
-              </a:rPr>
-              <a:t>C - cover some in this section</a:t>
-            </a:r>
-          </a:p>
-          <a:p>
-            <a:pPr lvl="1"/>
-            <a:r>
-              <a:rPr lang="en-US" dirty="0">
-                <a:cs typeface="Courier New" panose="02070309020205020404" pitchFamily="49" charset="0"/>
-              </a:rPr>
-              <a:t>Fortran - not covered</a:t>
+              <a:t>We cover C in this section</a:t>
             </a:r>
           </a:p>
           <a:p>

--- a/lpt_LISA.pptx
+++ b/lpt_LISA.pptx
@@ -314,7 +314,7 @@
           <a:p>
             <a:fld id="{DE0C789A-1381-F54D-B55B-DCBB91319C08}" type="datetimeFigureOut">
               <a:rPr lang="en-US" smtClean="0"/>
-              <a:t>6/29/20</a:t>
+              <a:t>7/2/20</a:t>
             </a:fld>
             <a:endParaRPr lang="en-US"/>
           </a:p>
@@ -491,7 +491,7 @@
           <a:p>
             <a:fld id="{46CB9FDB-056B-6244-AE56-9549F1074EBB}" type="datetimeFigureOut">
               <a:rPr lang="en-US" smtClean="0"/>
-              <a:t>6/29/20</a:t>
+              <a:t>7/2/20</a:t>
             </a:fld>
             <a:endParaRPr lang="en-US"/>
           </a:p>
@@ -886,6 +886,90 @@
           <a:bodyPr/>
           <a:lstStyle/>
           <a:p>
+            <a:endParaRPr lang="en-US" dirty="0"/>
+          </a:p>
+        </p:txBody>
+      </p:sp>
+      <p:sp>
+        <p:nvSpPr>
+          <p:cNvPr id="4" name="Slide Number Placeholder 3"/>
+          <p:cNvSpPr>
+            <a:spLocks noGrp="1"/>
+          </p:cNvSpPr>
+          <p:nvPr>
+            <p:ph type="sldNum" sz="quarter" idx="5"/>
+          </p:nvPr>
+        </p:nvSpPr>
+        <p:spPr/>
+        <p:txBody>
+          <a:bodyPr/>
+          <a:lstStyle/>
+          <a:p>
+            <a:fld id="{D97B2049-7013-B143-AD62-F7BCB3DA4A6F}" type="slidenum">
+              <a:rPr lang="en-US" smtClean="0"/>
+              <a:t>80</a:t>
+            </a:fld>
+            <a:endParaRPr lang="en-US"/>
+          </a:p>
+        </p:txBody>
+      </p:sp>
+    </p:spTree>
+    <p:extLst>
+      <p:ext uri="{BB962C8B-B14F-4D97-AF65-F5344CB8AC3E}">
+        <p14:creationId xmlns:p14="http://schemas.microsoft.com/office/powerpoint/2010/main" val="51113427"/>
+      </p:ext>
+    </p:extLst>
+  </p:cSld>
+  <p:clrMapOvr>
+    <a:masterClrMapping/>
+  </p:clrMapOvr>
+</p:notes>
+</file>
+
+<file path=ppt/notesSlides/notesSlide11.xml><?xml version="1.0" encoding="utf-8"?>
+<p:notes xmlns:a="http://schemas.openxmlformats.org/drawingml/2006/main" xmlns:r="http://schemas.openxmlformats.org/officeDocument/2006/relationships" xmlns:p="http://schemas.openxmlformats.org/presentationml/2006/main">
+  <p:cSld>
+    <p:spTree>
+      <p:nvGrpSpPr>
+        <p:cNvPr id="1" name=""/>
+        <p:cNvGrpSpPr/>
+        <p:nvPr/>
+      </p:nvGrpSpPr>
+      <p:grpSpPr>
+        <a:xfrm>
+          <a:off x="0" y="0"/>
+          <a:ext cx="0" cy="0"/>
+          <a:chOff x="0" y="0"/>
+          <a:chExt cx="0" cy="0"/>
+        </a:xfrm>
+      </p:grpSpPr>
+      <p:sp>
+        <p:nvSpPr>
+          <p:cNvPr id="2" name="Slide Image Placeholder 1"/>
+          <p:cNvSpPr>
+            <a:spLocks noGrp="1" noRot="1" noChangeAspect="1"/>
+          </p:cNvSpPr>
+          <p:nvPr>
+            <p:ph type="sldImg"/>
+          </p:nvPr>
+        </p:nvSpPr>
+        <p:spPr/>
+      </p:sp>
+      <p:sp>
+        <p:nvSpPr>
+          <p:cNvPr id="3" name="Notes Placeholder 2"/>
+          <p:cNvSpPr>
+            <a:spLocks noGrp="1"/>
+          </p:cNvSpPr>
+          <p:nvPr>
+            <p:ph type="body" idx="1"/>
+          </p:nvPr>
+        </p:nvSpPr>
+        <p:spPr/>
+        <p:txBody>
+          <a:bodyPr/>
+          <a:lstStyle/>
+          <a:p>
             <a:r>
               <a:rPr lang="en-US" dirty="0"/>
               <a:t>http://</a:t>
@@ -1971,7 +2055,7 @@
           <a:p>
             <a:fld id="{524F091B-C9FE-714F-8F5F-8CFB82A747F1}" type="datetime1">
               <a:rPr lang="en-US" smtClean="0"/>
-              <a:t>6/29/20</a:t>
+              <a:t>7/2/20</a:t>
             </a:fld>
             <a:endParaRPr lang="en-US"/>
           </a:p>
@@ -2141,7 +2225,7 @@
           <a:p>
             <a:fld id="{E5121F4C-BC13-F84F-9AD9-260A611D728C}" type="datetime1">
               <a:rPr lang="en-US" smtClean="0"/>
-              <a:t>6/29/20</a:t>
+              <a:t>7/2/20</a:t>
             </a:fld>
             <a:endParaRPr lang="en-US"/>
           </a:p>
@@ -2321,7 +2405,7 @@
           <a:p>
             <a:fld id="{69934431-5E8A-0144-AD3C-F9F3B5843812}" type="datetime1">
               <a:rPr lang="en-US" smtClean="0"/>
-              <a:t>6/29/20</a:t>
+              <a:t>7/2/20</a:t>
             </a:fld>
             <a:endParaRPr lang="en-US"/>
           </a:p>
@@ -2491,7 +2575,7 @@
           <a:p>
             <a:fld id="{4D966F88-1DAF-F94F-A3D2-93E7964825AC}" type="datetime1">
               <a:rPr lang="en-US" smtClean="0"/>
-              <a:t>6/29/20</a:t>
+              <a:t>7/2/20</a:t>
             </a:fld>
             <a:endParaRPr lang="en-US"/>
           </a:p>
@@ -2737,7 +2821,7 @@
           <a:p>
             <a:fld id="{75F67F5F-B354-5B41-A0FF-E33ACFB7B000}" type="datetime1">
               <a:rPr lang="en-US" smtClean="0"/>
-              <a:t>6/29/20</a:t>
+              <a:t>7/2/20</a:t>
             </a:fld>
             <a:endParaRPr lang="en-US"/>
           </a:p>
@@ -2969,7 +3053,7 @@
           <a:p>
             <a:fld id="{1FE71E3D-61C4-AF47-B5F6-80F7A2125094}" type="datetime1">
               <a:rPr lang="en-US" smtClean="0"/>
-              <a:t>6/29/20</a:t>
+              <a:t>7/2/20</a:t>
             </a:fld>
             <a:endParaRPr lang="en-US"/>
           </a:p>
@@ -3336,7 +3420,7 @@
           <a:p>
             <a:fld id="{B7259F95-3E7B-AE48-BD5A-55F4F48F15EE}" type="datetime1">
               <a:rPr lang="en-US" smtClean="0"/>
-              <a:t>6/29/20</a:t>
+              <a:t>7/2/20</a:t>
             </a:fld>
             <a:endParaRPr lang="en-US"/>
           </a:p>
@@ -3454,7 +3538,7 @@
           <a:p>
             <a:fld id="{1E2D71D9-286E-D847-8194-60F3E909E40C}" type="datetime1">
               <a:rPr lang="en-US" smtClean="0"/>
-              <a:t>6/29/20</a:t>
+              <a:t>7/2/20</a:t>
             </a:fld>
             <a:endParaRPr lang="en-US"/>
           </a:p>
@@ -3549,7 +3633,7 @@
           <a:p>
             <a:fld id="{3AC70D76-DA63-C342-B98E-F532027F9CD7}" type="datetime1">
               <a:rPr lang="en-US" smtClean="0"/>
-              <a:t>6/29/20</a:t>
+              <a:t>7/2/20</a:t>
             </a:fld>
             <a:endParaRPr lang="en-US"/>
           </a:p>
@@ -3826,7 +3910,7 @@
           <a:p>
             <a:fld id="{74E169E1-67F4-DE43-8AD1-CF716A32D6D9}" type="datetime1">
               <a:rPr lang="en-US" smtClean="0"/>
-              <a:t>6/29/20</a:t>
+              <a:t>7/2/20</a:t>
             </a:fld>
             <a:endParaRPr lang="en-US"/>
           </a:p>
@@ -4083,7 +4167,7 @@
           <a:p>
             <a:fld id="{EDBC0E13-B072-744E-A1EF-1258C23FD22F}" type="datetime1">
               <a:rPr lang="en-US" smtClean="0"/>
-              <a:t>6/29/20</a:t>
+              <a:t>7/2/20</a:t>
             </a:fld>
             <a:endParaRPr lang="en-US"/>
           </a:p>
@@ -4296,7 +4380,7 @@
           <a:p>
             <a:fld id="{14D54490-4A22-8B41-9AA4-9BECA28CBC89}" type="datetime1">
               <a:rPr lang="en-US" smtClean="0"/>
-              <a:t>6/29/20</a:t>
+              <a:t>7/2/20</a:t>
             </a:fld>
             <a:endParaRPr lang="en-US"/>
           </a:p>
@@ -32148,7 +32232,7 @@
               <a:rPr lang="en-US" dirty="0">
                 <a:cs typeface="Courier New" panose="02070309020205020404" pitchFamily="49" charset="0"/>
               </a:rPr>
-              <a:t>We covered </a:t>
+              <a:t>We cover </a:t>
             </a:r>
             <a:r>
               <a:rPr lang="en-US" dirty="0" err="1">
@@ -32160,7 +32244,7 @@
               <a:rPr lang="en-US" dirty="0">
                 <a:cs typeface="Courier New" panose="02070309020205020404" pitchFamily="49" charset="0"/>
               </a:rPr>
-              <a:t>, bash some and python a bit</a:t>
+              <a:t>, some bash and a bit of python</a:t>
             </a:r>
           </a:p>
           <a:p>
@@ -32199,6 +32283,11 @@
               </a:rPr>
               <a:t>We cover C in this section</a:t>
             </a:r>
+          </a:p>
+          <a:p>
+            <a:endParaRPr lang="en-US">
+              <a:cs typeface="Courier New" panose="02070309020205020404" pitchFamily="49" charset="0"/>
+            </a:endParaRPr>
           </a:p>
           <a:p>
             <a:r>
@@ -33314,6 +33403,11 @@
             <a:off x="1535296" y="1369219"/>
             <a:ext cx="7012022" cy="3263504"/>
           </a:xfrm>
+          <a:ln>
+            <a:solidFill>
+              <a:schemeClr val="tx1"/>
+            </a:solidFill>
+          </a:ln>
         </p:spPr>
         <p:txBody>
           <a:bodyPr/>
@@ -33554,19 +33648,16 @@
               <a:t> -c </a:t>
             </a:r>
             <a:r>
-              <a:rPr lang="en-US" b="1">
-                <a:latin typeface="Courier New" panose="02070309020205020404" pitchFamily="49" charset="0"/>
-                <a:cs typeface="Courier New" panose="02070309020205020404" pitchFamily="49" charset="0"/>
-              </a:rPr>
-              <a:t>main.</a:t>
-            </a:r>
-            <a:r>
-              <a:rPr lang="en-US" b="1" dirty="0">
-                <a:latin typeface="Courier New" panose="02070309020205020404" pitchFamily="49" charset="0"/>
-                <a:cs typeface="Courier New" panose="02070309020205020404" pitchFamily="49" charset="0"/>
-              </a:rPr>
-              <a:t>c</a:t>
-            </a:r>
+              <a:rPr lang="en-US" b="1" dirty="0" err="1">
+                <a:latin typeface="Courier New" panose="02070309020205020404" pitchFamily="49" charset="0"/>
+                <a:cs typeface="Courier New" panose="02070309020205020404" pitchFamily="49" charset="0"/>
+              </a:rPr>
+              <a:t>main.c</a:t>
+            </a:r>
+            <a:endParaRPr lang="en-US" b="1" dirty="0">
+              <a:latin typeface="Courier New" panose="02070309020205020404" pitchFamily="49" charset="0"/>
+              <a:cs typeface="Courier New" panose="02070309020205020404" pitchFamily="49" charset="0"/>
+            </a:endParaRPr>
           </a:p>
         </p:txBody>
       </p:sp>
@@ -34206,7 +34297,7 @@
         </p:nvSpPr>
         <p:spPr>
           <a:xfrm>
-            <a:off x="1321675" y="3835136"/>
+            <a:off x="1461157" y="3835136"/>
             <a:ext cx="1182375" cy="307777"/>
           </a:xfrm>
           <a:prstGeom prst="rect">
@@ -34422,7 +34513,7 @@
               <a:t>#create dep2.o</a:t>
             </a:r>
             <a:br>
-              <a:rPr lang="en-US" b="1" dirty="0">
+              <a:rPr lang="en-US" dirty="0">
                 <a:latin typeface="Courier New" panose="02070309020205020404" pitchFamily="49" charset="0"/>
                 <a:cs typeface="Courier New" panose="02070309020205020404" pitchFamily="49" charset="0"/>
               </a:rPr>
@@ -34439,14 +34530,28 @@
                 <a:latin typeface="Courier New" panose="02070309020205020404" pitchFamily="49" charset="0"/>
                 <a:cs typeface="Courier New" panose="02070309020205020404" pitchFamily="49" charset="0"/>
               </a:rPr>
-              <a:t> -c dep3.c </a:t>
+              <a:t> -c </a:t>
+            </a:r>
+            <a:r>
+              <a:rPr lang="en-US" b="1" dirty="0" err="1">
+                <a:latin typeface="Courier New" panose="02070309020205020404" pitchFamily="49" charset="0"/>
+                <a:cs typeface="Courier New" panose="02070309020205020404" pitchFamily="49" charset="0"/>
+              </a:rPr>
+              <a:t>main.c</a:t>
             </a:r>
             <a:r>
               <a:rPr lang="en-US" dirty="0">
                 <a:latin typeface="Courier New" panose="02070309020205020404" pitchFamily="49" charset="0"/>
                 <a:cs typeface="Courier New" panose="02070309020205020404" pitchFamily="49" charset="0"/>
               </a:rPr>
-              <a:t>#create dep3.o</a:t>
+              <a:t> #create </a:t>
+            </a:r>
+            <a:r>
+              <a:rPr lang="en-US" dirty="0" err="1">
+                <a:latin typeface="Courier New" panose="02070309020205020404" pitchFamily="49" charset="0"/>
+                <a:cs typeface="Courier New" panose="02070309020205020404" pitchFamily="49" charset="0"/>
+              </a:rPr>
+              <a:t>main.o</a:t>
             </a:r>
             <a:br>
               <a:rPr lang="en-US" b="1" dirty="0">
@@ -34483,7 +34588,21 @@
                 <a:latin typeface="Courier New" panose="02070309020205020404" pitchFamily="49" charset="0"/>
                 <a:cs typeface="Courier New" panose="02070309020205020404" pitchFamily="49" charset="0"/>
               </a:rPr>
-              <a:t> dep1.o dep2.o dep3.o -</a:t>
+              <a:t> </a:t>
+            </a:r>
+            <a:r>
+              <a:rPr lang="en-US" b="1" dirty="0" err="1">
+                <a:latin typeface="Courier New" panose="02070309020205020404" pitchFamily="49" charset="0"/>
+                <a:cs typeface="Courier New" panose="02070309020205020404" pitchFamily="49" charset="0"/>
+              </a:rPr>
+              <a:t>main.o</a:t>
+            </a:r>
+            <a:r>
+              <a:rPr lang="en-US" b="1" dirty="0">
+                <a:latin typeface="Courier New" panose="02070309020205020404" pitchFamily="49" charset="0"/>
+                <a:cs typeface="Courier New" panose="02070309020205020404" pitchFamily="49" charset="0"/>
+              </a:rPr>
+              <a:t> dep1.o dep2.o -</a:t>
             </a:r>
             <a:r>
               <a:rPr lang="en-US" b="1" dirty="0" err="1">

--- a/lpt_LISA.pptx
+++ b/lpt_LISA.pptx
@@ -22946,9 +22946,6 @@
               </a:rPr>
               <a:t>https://github.com/ketancmaheshwari/lisa19</a:t>
             </a:r>
-            <a:endParaRPr lang="en-US" sz="3200" dirty="0"/>
-          </a:p>
-          <a:p>
             <a:endParaRPr lang="en-US" dirty="0"/>
           </a:p>
           <a:p>
@@ -22959,7 +22956,9 @@
             <a:endParaRPr lang="en-US" dirty="0"/>
           </a:p>
           <a:p>
-            <a:pPr lvl="1"/>
+            <a:pPr marL="342900" lvl="1" indent="0">
+              <a:buNone/>
+            </a:pPr>
             <a:r>
               <a:rPr lang="en-US" dirty="0"/>
               <a:t>Tabular data with five columns</a:t>
@@ -22973,11 +22972,38 @@
             <a:endParaRPr lang="en-US" dirty="0"/>
           </a:p>
           <a:p>
-            <a:pPr lvl="1"/>
+            <a:pPr marL="342900" lvl="1" indent="0">
+              <a:buNone/>
+            </a:pPr>
             <a:r>
               <a:rPr lang="en-US" dirty="0"/>
               <a:t>Prose with sentences and paragraphs</a:t>
             </a:r>
+          </a:p>
+          <a:p>
+            <a:r>
+              <a:rPr lang="en-US" dirty="0" err="1"/>
+              <a:t>c_example.tgz</a:t>
+            </a:r>
+            <a:endParaRPr lang="en-US" dirty="0"/>
+          </a:p>
+          <a:p>
+            <a:pPr marL="342900" lvl="1" indent="0">
+              <a:buNone/>
+            </a:pPr>
+            <a:r>
+              <a:rPr lang="en-US" dirty="0"/>
+              <a:t>Code and </a:t>
+            </a:r>
+            <a:r>
+              <a:rPr lang="en-US" dirty="0" err="1"/>
+              <a:t>Makefile</a:t>
+            </a:r>
+            <a:r>
+              <a:rPr lang="en-US"/>
+              <a:t> example files</a:t>
+            </a:r>
+            <a:endParaRPr lang="en-US" dirty="0"/>
           </a:p>
         </p:txBody>
       </p:sp>

--- a/lpt_LISA.pptx
+++ b/lpt_LISA.pptx
@@ -314,7 +314,7 @@
           <a:p>
             <a:fld id="{DE0C789A-1381-F54D-B55B-DCBB91319C08}" type="datetimeFigureOut">
               <a:rPr lang="en-US" smtClean="0"/>
-              <a:t>7/2/20</a:t>
+              <a:t>7/7/20</a:t>
             </a:fld>
             <a:endParaRPr lang="en-US"/>
           </a:p>
@@ -491,7 +491,7 @@
           <a:p>
             <a:fld id="{46CB9FDB-056B-6244-AE56-9549F1074EBB}" type="datetimeFigureOut">
               <a:rPr lang="en-US" smtClean="0"/>
-              <a:t>7/2/20</a:t>
+              <a:t>7/7/20</a:t>
             </a:fld>
             <a:endParaRPr lang="en-US"/>
           </a:p>
@@ -2055,7 +2055,7 @@
           <a:p>
             <a:fld id="{524F091B-C9FE-714F-8F5F-8CFB82A747F1}" type="datetime1">
               <a:rPr lang="en-US" smtClean="0"/>
-              <a:t>7/2/20</a:t>
+              <a:t>7/7/20</a:t>
             </a:fld>
             <a:endParaRPr lang="en-US"/>
           </a:p>
@@ -2225,7 +2225,7 @@
           <a:p>
             <a:fld id="{E5121F4C-BC13-F84F-9AD9-260A611D728C}" type="datetime1">
               <a:rPr lang="en-US" smtClean="0"/>
-              <a:t>7/2/20</a:t>
+              <a:t>7/7/20</a:t>
             </a:fld>
             <a:endParaRPr lang="en-US"/>
           </a:p>
@@ -2405,7 +2405,7 @@
           <a:p>
             <a:fld id="{69934431-5E8A-0144-AD3C-F9F3B5843812}" type="datetime1">
               <a:rPr lang="en-US" smtClean="0"/>
-              <a:t>7/2/20</a:t>
+              <a:t>7/7/20</a:t>
             </a:fld>
             <a:endParaRPr lang="en-US"/>
           </a:p>
@@ -2575,7 +2575,7 @@
           <a:p>
             <a:fld id="{4D966F88-1DAF-F94F-A3D2-93E7964825AC}" type="datetime1">
               <a:rPr lang="en-US" smtClean="0"/>
-              <a:t>7/2/20</a:t>
+              <a:t>7/7/20</a:t>
             </a:fld>
             <a:endParaRPr lang="en-US"/>
           </a:p>
@@ -2821,7 +2821,7 @@
           <a:p>
             <a:fld id="{75F67F5F-B354-5B41-A0FF-E33ACFB7B000}" type="datetime1">
               <a:rPr lang="en-US" smtClean="0"/>
-              <a:t>7/2/20</a:t>
+              <a:t>7/7/20</a:t>
             </a:fld>
             <a:endParaRPr lang="en-US"/>
           </a:p>
@@ -3053,7 +3053,7 @@
           <a:p>
             <a:fld id="{1FE71E3D-61C4-AF47-B5F6-80F7A2125094}" type="datetime1">
               <a:rPr lang="en-US" smtClean="0"/>
-              <a:t>7/2/20</a:t>
+              <a:t>7/7/20</a:t>
             </a:fld>
             <a:endParaRPr lang="en-US"/>
           </a:p>
@@ -3420,7 +3420,7 @@
           <a:p>
             <a:fld id="{B7259F95-3E7B-AE48-BD5A-55F4F48F15EE}" type="datetime1">
               <a:rPr lang="en-US" smtClean="0"/>
-              <a:t>7/2/20</a:t>
+              <a:t>7/7/20</a:t>
             </a:fld>
             <a:endParaRPr lang="en-US"/>
           </a:p>
@@ -3538,7 +3538,7 @@
           <a:p>
             <a:fld id="{1E2D71D9-286E-D847-8194-60F3E909E40C}" type="datetime1">
               <a:rPr lang="en-US" smtClean="0"/>
-              <a:t>7/2/20</a:t>
+              <a:t>7/7/20</a:t>
             </a:fld>
             <a:endParaRPr lang="en-US"/>
           </a:p>
@@ -3633,7 +3633,7 @@
           <a:p>
             <a:fld id="{3AC70D76-DA63-C342-B98E-F532027F9CD7}" type="datetime1">
               <a:rPr lang="en-US" smtClean="0"/>
-              <a:t>7/2/20</a:t>
+              <a:t>7/7/20</a:t>
             </a:fld>
             <a:endParaRPr lang="en-US"/>
           </a:p>
@@ -3910,7 +3910,7 @@
           <a:p>
             <a:fld id="{74E169E1-67F4-DE43-8AD1-CF716A32D6D9}" type="datetime1">
               <a:rPr lang="en-US" smtClean="0"/>
-              <a:t>7/2/20</a:t>
+              <a:t>7/7/20</a:t>
             </a:fld>
             <a:endParaRPr lang="en-US"/>
           </a:p>
@@ -4167,7 +4167,7 @@
           <a:p>
             <a:fld id="{EDBC0E13-B072-744E-A1EF-1258C23FD22F}" type="datetime1">
               <a:rPr lang="en-US" smtClean="0"/>
-              <a:t>7/2/20</a:t>
+              <a:t>7/7/20</a:t>
             </a:fld>
             <a:endParaRPr lang="en-US"/>
           </a:p>
@@ -4380,7 +4380,7 @@
           <a:p>
             <a:fld id="{14D54490-4A22-8B41-9AA4-9BECA28CBC89}" type="datetime1">
               <a:rPr lang="en-US" smtClean="0"/>
-              <a:t>7/2/20</a:t>
+              <a:t>7/7/20</a:t>
             </a:fld>
             <a:endParaRPr lang="en-US"/>
           </a:p>
@@ -37973,6 +37973,236 @@
           <a:lstStyle/>
           <a:p>
             <a:r>
+              <a:rPr lang="en-US" dirty="0" err="1">
+                <a:cs typeface="Courier New" panose="02070309020205020404" pitchFamily="49" charset="0"/>
+              </a:rPr>
+              <a:t>pandoc</a:t>
+            </a:r>
+            <a:r>
+              <a:rPr lang="en-US" dirty="0"/>
+              <a:t> to convert between </a:t>
+            </a:r>
+            <a:r>
+              <a:rPr lang="en-US" dirty="0">
+                <a:cs typeface="Courier New" panose="02070309020205020404" pitchFamily="49" charset="0"/>
+              </a:rPr>
+              <a:t>md</a:t>
+            </a:r>
+            <a:r>
+              <a:rPr lang="en-US" dirty="0"/>
+              <a:t>, </a:t>
+            </a:r>
+            <a:r>
+              <a:rPr lang="en-US" dirty="0" err="1">
+                <a:cs typeface="Courier New" panose="02070309020205020404" pitchFamily="49" charset="0"/>
+              </a:rPr>
+              <a:t>tex</a:t>
+            </a:r>
+            <a:r>
+              <a:rPr lang="en-US" dirty="0"/>
+              <a:t>, </a:t>
+            </a:r>
+            <a:r>
+              <a:rPr lang="en-US" dirty="0">
+                <a:cs typeface="Courier New" panose="02070309020205020404" pitchFamily="49" charset="0"/>
+              </a:rPr>
+              <a:t>txt</a:t>
+            </a:r>
+            <a:r>
+              <a:rPr lang="en-US" dirty="0"/>
+              <a:t>, </a:t>
+            </a:r>
+            <a:r>
+              <a:rPr lang="en-US" dirty="0">
+                <a:cs typeface="Courier New" panose="02070309020205020404" pitchFamily="49" charset="0"/>
+              </a:rPr>
+              <a:t>html</a:t>
+            </a:r>
+            <a:r>
+              <a:rPr lang="en-US" dirty="0"/>
+              <a:t>, </a:t>
+            </a:r>
+            <a:r>
+              <a:rPr lang="en-US" dirty="0">
+                <a:cs typeface="Courier New" panose="02070309020205020404" pitchFamily="49" charset="0"/>
+              </a:rPr>
+              <a:t>docx</a:t>
+            </a:r>
+            <a:r>
+              <a:rPr lang="en-US" dirty="0"/>
+              <a:t>, </a:t>
+            </a:r>
+            <a:r>
+              <a:rPr lang="en-US" dirty="0">
+                <a:cs typeface="Courier New" panose="02070309020205020404" pitchFamily="49" charset="0"/>
+              </a:rPr>
+              <a:t>pdf</a:t>
+            </a:r>
+            <a:r>
+              <a:rPr lang="en-US" dirty="0"/>
+              <a:t>, </a:t>
+            </a:r>
+            <a:r>
+              <a:rPr lang="en-US" dirty="0" err="1">
+                <a:cs typeface="Courier New" panose="02070309020205020404" pitchFamily="49" charset="0"/>
+              </a:rPr>
+              <a:t>odt</a:t>
+            </a:r>
+            <a:br>
+              <a:rPr lang="en-US" b="1" dirty="0">
+                <a:latin typeface="Courier New" panose="02070309020205020404" pitchFamily="49" charset="0"/>
+                <a:cs typeface="Courier New" panose="02070309020205020404" pitchFamily="49" charset="0"/>
+              </a:rPr>
+            </a:br>
+            <a:r>
+              <a:rPr lang="en-US" b="1" dirty="0" err="1">
+                <a:latin typeface="Courier New" panose="02070309020205020404" pitchFamily="49" charset="0"/>
+                <a:cs typeface="Courier New" panose="02070309020205020404" pitchFamily="49" charset="0"/>
+              </a:rPr>
+              <a:t>pandoc</a:t>
+            </a:r>
+            <a:r>
+              <a:rPr lang="en-US" b="1" dirty="0">
+                <a:latin typeface="Courier New" panose="02070309020205020404" pitchFamily="49" charset="0"/>
+                <a:cs typeface="Courier New" panose="02070309020205020404" pitchFamily="49" charset="0"/>
+              </a:rPr>
+              <a:t> </a:t>
+            </a:r>
+            <a:r>
+              <a:rPr lang="en-US" b="1" dirty="0" err="1">
+                <a:latin typeface="Courier New" panose="02070309020205020404" pitchFamily="49" charset="0"/>
+                <a:cs typeface="Courier New" panose="02070309020205020404" pitchFamily="49" charset="0"/>
+              </a:rPr>
+              <a:t>manual.md</a:t>
+            </a:r>
+            <a:r>
+              <a:rPr lang="en-US" b="1" dirty="0">
+                <a:latin typeface="Courier New" panose="02070309020205020404" pitchFamily="49" charset="0"/>
+                <a:cs typeface="Courier New" panose="02070309020205020404" pitchFamily="49" charset="0"/>
+              </a:rPr>
+              <a:t> -o </a:t>
+            </a:r>
+            <a:r>
+              <a:rPr lang="en-US" b="1" dirty="0" err="1">
+                <a:latin typeface="Courier New" panose="02070309020205020404" pitchFamily="49" charset="0"/>
+                <a:cs typeface="Courier New" panose="02070309020205020404" pitchFamily="49" charset="0"/>
+              </a:rPr>
+              <a:t>manual.pdf</a:t>
+            </a:r>
+            <a:br>
+              <a:rPr lang="en-US" b="1" dirty="0">
+                <a:latin typeface="Courier New" panose="02070309020205020404" pitchFamily="49" charset="0"/>
+                <a:cs typeface="Courier New" panose="02070309020205020404" pitchFamily="49" charset="0"/>
+              </a:rPr>
+            </a:br>
+            <a:r>
+              <a:rPr lang="en-US" b="1" dirty="0" err="1">
+                <a:latin typeface="Courier New" panose="02070309020205020404" pitchFamily="49" charset="0"/>
+                <a:cs typeface="Courier New" panose="02070309020205020404" pitchFamily="49" charset="0"/>
+              </a:rPr>
+              <a:t>pandoc</a:t>
+            </a:r>
+            <a:r>
+              <a:rPr lang="en-US" b="1" dirty="0">
+                <a:latin typeface="Courier New" panose="02070309020205020404" pitchFamily="49" charset="0"/>
+                <a:cs typeface="Courier New" panose="02070309020205020404" pitchFamily="49" charset="0"/>
+              </a:rPr>
+              <a:t> </a:t>
+            </a:r>
+            <a:r>
+              <a:rPr lang="en-US" b="1" dirty="0" err="1">
+                <a:latin typeface="Courier New" panose="02070309020205020404" pitchFamily="49" charset="0"/>
+                <a:cs typeface="Courier New" panose="02070309020205020404" pitchFamily="49" charset="0"/>
+              </a:rPr>
+              <a:t>example.txt</a:t>
+            </a:r>
+            <a:r>
+              <a:rPr lang="en-US" b="1" dirty="0">
+                <a:latin typeface="Courier New" panose="02070309020205020404" pitchFamily="49" charset="0"/>
+                <a:cs typeface="Courier New" panose="02070309020205020404" pitchFamily="49" charset="0"/>
+              </a:rPr>
+              <a:t> -o </a:t>
+            </a:r>
+            <a:r>
+              <a:rPr lang="en-US" b="1" dirty="0" err="1">
+                <a:latin typeface="Courier New" panose="02070309020205020404" pitchFamily="49" charset="0"/>
+                <a:cs typeface="Courier New" panose="02070309020205020404" pitchFamily="49" charset="0"/>
+              </a:rPr>
+              <a:t>example.html</a:t>
+            </a:r>
+            <a:br>
+              <a:rPr lang="en-US" b="1" dirty="0">
+                <a:latin typeface="Courier New" panose="02070309020205020404" pitchFamily="49" charset="0"/>
+                <a:cs typeface="Courier New" panose="02070309020205020404" pitchFamily="49" charset="0"/>
+              </a:rPr>
+            </a:br>
+            <a:r>
+              <a:rPr lang="en-US" b="1" dirty="0" err="1">
+                <a:latin typeface="Courier New" panose="02070309020205020404" pitchFamily="49" charset="0"/>
+                <a:cs typeface="Courier New" panose="02070309020205020404" pitchFamily="49" charset="0"/>
+              </a:rPr>
+              <a:t>pandoc</a:t>
+            </a:r>
+            <a:r>
+              <a:rPr lang="en-US" b="1" dirty="0">
+                <a:latin typeface="Courier New" panose="02070309020205020404" pitchFamily="49" charset="0"/>
+                <a:cs typeface="Courier New" panose="02070309020205020404" pitchFamily="49" charset="0"/>
+              </a:rPr>
+              <a:t> -s </a:t>
+            </a:r>
+            <a:r>
+              <a:rPr lang="en-US" b="1" dirty="0" err="1">
+                <a:latin typeface="Courier New" panose="02070309020205020404" pitchFamily="49" charset="0"/>
+                <a:cs typeface="Courier New" panose="02070309020205020404" pitchFamily="49" charset="0"/>
+              </a:rPr>
+              <a:t>example.txt</a:t>
+            </a:r>
+            <a:r>
+              <a:rPr lang="en-US" b="1" dirty="0">
+                <a:latin typeface="Courier New" panose="02070309020205020404" pitchFamily="49" charset="0"/>
+                <a:cs typeface="Courier New" panose="02070309020205020404" pitchFamily="49" charset="0"/>
+              </a:rPr>
+              <a:t> -o </a:t>
+            </a:r>
+            <a:r>
+              <a:rPr lang="en-US" b="1" dirty="0" err="1">
+                <a:latin typeface="Courier New" panose="02070309020205020404" pitchFamily="49" charset="0"/>
+                <a:cs typeface="Courier New" panose="02070309020205020404" pitchFamily="49" charset="0"/>
+              </a:rPr>
+              <a:t>example.docx</a:t>
+            </a:r>
+            <a:endParaRPr lang="en-US" b="1" dirty="0">
+              <a:latin typeface="Courier New" panose="02070309020205020404" pitchFamily="49" charset="0"/>
+              <a:cs typeface="Courier New" panose="02070309020205020404" pitchFamily="49" charset="0"/>
+            </a:endParaRPr>
+          </a:p>
+          <a:p>
+            <a:r>
+              <a:rPr lang="en-US" dirty="0"/>
+              <a:t>Parse and read </a:t>
+            </a:r>
+            <a:r>
+              <a:rPr lang="en-US" b="1" dirty="0"/>
+              <a:t>xml</a:t>
+            </a:r>
+            <a:r>
+              <a:rPr lang="en-US" dirty="0"/>
+              <a:t> files with </a:t>
+            </a:r>
+            <a:r>
+              <a:rPr lang="en-US" b="1" dirty="0" err="1">
+                <a:latin typeface="Courier New" panose="02070309020205020404" pitchFamily="49" charset="0"/>
+                <a:cs typeface="Courier New" panose="02070309020205020404" pitchFamily="49" charset="0"/>
+              </a:rPr>
+              <a:t>xmllint</a:t>
+            </a:r>
+            <a:endParaRPr lang="en-US" b="1" dirty="0">
+              <a:latin typeface="Courier New" panose="02070309020205020404" pitchFamily="49" charset="0"/>
+              <a:cs typeface="Courier New" panose="02070309020205020404" pitchFamily="49" charset="0"/>
+            </a:endParaRPr>
+          </a:p>
+          <a:p>
+            <a:r>
               <a:rPr lang="en-US" dirty="0"/>
               <a:t>Split a large file into small chunks (</a:t>
             </a:r>
@@ -38650,7 +38880,7 @@
               <a:rPr lang="en-US" dirty="0">
                 <a:hlinkClick r:id="rId4"/>
               </a:rPr>
-              <a:t>linux.byexamples.com/archives/42/command-line-calculator-bc</a:t>
+              <a:t>linux.byexamples.com</a:t>
             </a:r>
             <a:endParaRPr lang="en-US" dirty="0"/>
           </a:p>
@@ -38676,12 +38906,12 @@
               <a:rPr lang="en-US" dirty="0">
                 <a:hlinkClick r:id="rId6"/>
               </a:rPr>
-              <a:t>https://gist.github.com/MohamedAlaa/2961058#file-tmux-cheatsheet-markdown</a:t>
-            </a:r>
-          </a:p>
-          <a:p>
-            <a:r>
-              <a:rPr lang="en-US" dirty="0" err="1">
+              <a:t>gist.github.com/MohamedAlaa/2961058#file-tmux-cheatsheet-markdown</a:t>
+            </a:r>
+          </a:p>
+          <a:p>
+            <a:r>
+              <a:rPr lang="en-US" dirty="0">
                 <a:hlinkClick r:id="rId6"/>
               </a:rPr>
               <a:t>wizardzines.com</a:t>
@@ -38693,12 +38923,6 @@
               <a:rPr lang="en-US" dirty="0">
                 <a:hlinkClick r:id="rId7"/>
               </a:rPr>
-              <a:t>https://</a:t>
-            </a:r>
-            <a:r>
-              <a:rPr lang="en-US" dirty="0" err="1">
-                <a:hlinkClick r:id="rId7"/>
-              </a:rPr>
               <a:t>crontab.guru</a:t>
             </a:r>
             <a:endParaRPr lang="en-US" dirty="0"/>
@@ -38726,19 +38950,7 @@
               <a:rPr lang="en-US" dirty="0">
                 <a:hlinkClick r:id="rId10"/>
               </a:rPr>
-              <a:t>danyspin97.org/blog/</a:t>
-            </a:r>
-            <a:r>
-              <a:rPr lang="en-US" dirty="0" err="1">
-                <a:hlinkClick r:id="rId10"/>
-              </a:rPr>
-              <a:t>makefiles</a:t>
-            </a:r>
-            <a:r>
-              <a:rPr lang="en-US" dirty="0">
-                <a:hlinkClick r:id="rId10"/>
-              </a:rPr>
-              <a:t>-best-practices</a:t>
+              <a:t>danyspin97.org/blog/makefiles-best-practices</a:t>
             </a:r>
             <a:endParaRPr lang="en-US" dirty="0"/>
           </a:p>

--- a/lpt_LISA.pptx
+++ b/lpt_LISA.pptx
@@ -314,7 +314,7 @@
           <a:p>
             <a:fld id="{DE0C789A-1381-F54D-B55B-DCBB91319C08}" type="datetimeFigureOut">
               <a:rPr lang="en-US" smtClean="0"/>
-              <a:t>7/7/20</a:t>
+              <a:t>9/20/20</a:t>
             </a:fld>
             <a:endParaRPr lang="en-US"/>
           </a:p>
@@ -491,7 +491,7 @@
           <a:p>
             <a:fld id="{46CB9FDB-056B-6244-AE56-9549F1074EBB}" type="datetimeFigureOut">
               <a:rPr lang="en-US" smtClean="0"/>
-              <a:t>7/7/20</a:t>
+              <a:t>9/20/20</a:t>
             </a:fld>
             <a:endParaRPr lang="en-US"/>
           </a:p>
@@ -2055,7 +2055,7 @@
           <a:p>
             <a:fld id="{524F091B-C9FE-714F-8F5F-8CFB82A747F1}" type="datetime1">
               <a:rPr lang="en-US" smtClean="0"/>
-              <a:t>7/7/20</a:t>
+              <a:t>9/20/20</a:t>
             </a:fld>
             <a:endParaRPr lang="en-US"/>
           </a:p>
@@ -2225,7 +2225,7 @@
           <a:p>
             <a:fld id="{E5121F4C-BC13-F84F-9AD9-260A611D728C}" type="datetime1">
               <a:rPr lang="en-US" smtClean="0"/>
-              <a:t>7/7/20</a:t>
+              <a:t>9/20/20</a:t>
             </a:fld>
             <a:endParaRPr lang="en-US"/>
           </a:p>
@@ -2405,7 +2405,7 @@
           <a:p>
             <a:fld id="{69934431-5E8A-0144-AD3C-F9F3B5843812}" type="datetime1">
               <a:rPr lang="en-US" smtClean="0"/>
-              <a:t>7/7/20</a:t>
+              <a:t>9/20/20</a:t>
             </a:fld>
             <a:endParaRPr lang="en-US"/>
           </a:p>
@@ -2575,7 +2575,7 @@
           <a:p>
             <a:fld id="{4D966F88-1DAF-F94F-A3D2-93E7964825AC}" type="datetime1">
               <a:rPr lang="en-US" smtClean="0"/>
-              <a:t>7/7/20</a:t>
+              <a:t>9/20/20</a:t>
             </a:fld>
             <a:endParaRPr lang="en-US"/>
           </a:p>
@@ -2821,7 +2821,7 @@
           <a:p>
             <a:fld id="{75F67F5F-B354-5B41-A0FF-E33ACFB7B000}" type="datetime1">
               <a:rPr lang="en-US" smtClean="0"/>
-              <a:t>7/7/20</a:t>
+              <a:t>9/20/20</a:t>
             </a:fld>
             <a:endParaRPr lang="en-US"/>
           </a:p>
@@ -3053,7 +3053,7 @@
           <a:p>
             <a:fld id="{1FE71E3D-61C4-AF47-B5F6-80F7A2125094}" type="datetime1">
               <a:rPr lang="en-US" smtClean="0"/>
-              <a:t>7/7/20</a:t>
+              <a:t>9/20/20</a:t>
             </a:fld>
             <a:endParaRPr lang="en-US"/>
           </a:p>
@@ -3420,7 +3420,7 @@
           <a:p>
             <a:fld id="{B7259F95-3E7B-AE48-BD5A-55F4F48F15EE}" type="datetime1">
               <a:rPr lang="en-US" smtClean="0"/>
-              <a:t>7/7/20</a:t>
+              <a:t>9/20/20</a:t>
             </a:fld>
             <a:endParaRPr lang="en-US"/>
           </a:p>
@@ -3538,7 +3538,7 @@
           <a:p>
             <a:fld id="{1E2D71D9-286E-D847-8194-60F3E909E40C}" type="datetime1">
               <a:rPr lang="en-US" smtClean="0"/>
-              <a:t>7/7/20</a:t>
+              <a:t>9/20/20</a:t>
             </a:fld>
             <a:endParaRPr lang="en-US"/>
           </a:p>
@@ -3633,7 +3633,7 @@
           <a:p>
             <a:fld id="{3AC70D76-DA63-C342-B98E-F532027F9CD7}" type="datetime1">
               <a:rPr lang="en-US" smtClean="0"/>
-              <a:t>7/7/20</a:t>
+              <a:t>9/20/20</a:t>
             </a:fld>
             <a:endParaRPr lang="en-US"/>
           </a:p>
@@ -3910,7 +3910,7 @@
           <a:p>
             <a:fld id="{74E169E1-67F4-DE43-8AD1-CF716A32D6D9}" type="datetime1">
               <a:rPr lang="en-US" smtClean="0"/>
-              <a:t>7/7/20</a:t>
+              <a:t>9/20/20</a:t>
             </a:fld>
             <a:endParaRPr lang="en-US"/>
           </a:p>
@@ -4167,7 +4167,7 @@
           <a:p>
             <a:fld id="{EDBC0E13-B072-744E-A1EF-1258C23FD22F}" type="datetime1">
               <a:rPr lang="en-US" smtClean="0"/>
-              <a:t>7/7/20</a:t>
+              <a:t>9/20/20</a:t>
             </a:fld>
             <a:endParaRPr lang="en-US"/>
           </a:p>
@@ -4380,7 +4380,7 @@
           <a:p>
             <a:fld id="{14D54490-4A22-8B41-9AA4-9BECA28CBC89}" type="datetime1">
               <a:rPr lang="en-US" smtClean="0"/>
-              <a:t>7/7/20</a:t>
+              <a:t>9/20/20</a:t>
             </a:fld>
             <a:endParaRPr lang="en-US"/>
           </a:p>
@@ -8984,7 +8984,7 @@
                 <a:latin typeface="Courier New" panose="02070309020205020404" pitchFamily="49" charset="0"/>
                 <a:cs typeface="Courier New" panose="02070309020205020404" pitchFamily="49" charset="0"/>
               </a:rPr>
-              <a:t>* any number of characters:</a:t>
+              <a:t>* expands to any number of characters:</a:t>
             </a:r>
           </a:p>
           <a:p>
@@ -9095,7 +9095,7 @@
             </a:r>
             <a:r>
               <a:rPr lang="en-US" dirty="0"/>
-              <a:t>) </a:t>
+              <a:t>)</a:t>
             </a:r>
             <a:br>
               <a:rPr lang="en-US" dirty="0"/>
@@ -9680,7 +9680,7 @@
         </p:nvSpPr>
         <p:spPr>
           <a:xfrm>
-            <a:off x="628650" y="1558717"/>
+            <a:off x="628650" y="1357549"/>
             <a:ext cx="7886700" cy="3263504"/>
           </a:xfrm>
         </p:spPr>

--- a/lpt_LISA.pptx
+++ b/lpt_LISA.pptx
@@ -314,7 +314,7 @@
           <a:p>
             <a:fld id="{DE0C789A-1381-F54D-B55B-DCBB91319C08}" type="datetimeFigureOut">
               <a:rPr lang="en-US" smtClean="0"/>
-              <a:t>9/20/20</a:t>
+              <a:t>9/22/20</a:t>
             </a:fld>
             <a:endParaRPr lang="en-US"/>
           </a:p>
@@ -491,7 +491,7 @@
           <a:p>
             <a:fld id="{46CB9FDB-056B-6244-AE56-9549F1074EBB}" type="datetimeFigureOut">
               <a:rPr lang="en-US" smtClean="0"/>
-              <a:t>9/20/20</a:t>
+              <a:t>9/22/20</a:t>
             </a:fld>
             <a:endParaRPr lang="en-US"/>
           </a:p>
@@ -2055,7 +2055,7 @@
           <a:p>
             <a:fld id="{524F091B-C9FE-714F-8F5F-8CFB82A747F1}" type="datetime1">
               <a:rPr lang="en-US" smtClean="0"/>
-              <a:t>9/20/20</a:t>
+              <a:t>9/22/20</a:t>
             </a:fld>
             <a:endParaRPr lang="en-US"/>
           </a:p>
@@ -2225,7 +2225,7 @@
           <a:p>
             <a:fld id="{E5121F4C-BC13-F84F-9AD9-260A611D728C}" type="datetime1">
               <a:rPr lang="en-US" smtClean="0"/>
-              <a:t>9/20/20</a:t>
+              <a:t>9/22/20</a:t>
             </a:fld>
             <a:endParaRPr lang="en-US"/>
           </a:p>
@@ -2405,7 +2405,7 @@
           <a:p>
             <a:fld id="{69934431-5E8A-0144-AD3C-F9F3B5843812}" type="datetime1">
               <a:rPr lang="en-US" smtClean="0"/>
-              <a:t>9/20/20</a:t>
+              <a:t>9/22/20</a:t>
             </a:fld>
             <a:endParaRPr lang="en-US"/>
           </a:p>
@@ -2575,7 +2575,7 @@
           <a:p>
             <a:fld id="{4D966F88-1DAF-F94F-A3D2-93E7964825AC}" type="datetime1">
               <a:rPr lang="en-US" smtClean="0"/>
-              <a:t>9/20/20</a:t>
+              <a:t>9/22/20</a:t>
             </a:fld>
             <a:endParaRPr lang="en-US"/>
           </a:p>
@@ -2821,7 +2821,7 @@
           <a:p>
             <a:fld id="{75F67F5F-B354-5B41-A0FF-E33ACFB7B000}" type="datetime1">
               <a:rPr lang="en-US" smtClean="0"/>
-              <a:t>9/20/20</a:t>
+              <a:t>9/22/20</a:t>
             </a:fld>
             <a:endParaRPr lang="en-US"/>
           </a:p>
@@ -3053,7 +3053,7 @@
           <a:p>
             <a:fld id="{1FE71E3D-61C4-AF47-B5F6-80F7A2125094}" type="datetime1">
               <a:rPr lang="en-US" smtClean="0"/>
-              <a:t>9/20/20</a:t>
+              <a:t>9/22/20</a:t>
             </a:fld>
             <a:endParaRPr lang="en-US"/>
           </a:p>
@@ -3420,7 +3420,7 @@
           <a:p>
             <a:fld id="{B7259F95-3E7B-AE48-BD5A-55F4F48F15EE}" type="datetime1">
               <a:rPr lang="en-US" smtClean="0"/>
-              <a:t>9/20/20</a:t>
+              <a:t>9/22/20</a:t>
             </a:fld>
             <a:endParaRPr lang="en-US"/>
           </a:p>
@@ -3538,7 +3538,7 @@
           <a:p>
             <a:fld id="{1E2D71D9-286E-D847-8194-60F3E909E40C}" type="datetime1">
               <a:rPr lang="en-US" smtClean="0"/>
-              <a:t>9/20/20</a:t>
+              <a:t>9/22/20</a:t>
             </a:fld>
             <a:endParaRPr lang="en-US"/>
           </a:p>
@@ -3633,7 +3633,7 @@
           <a:p>
             <a:fld id="{3AC70D76-DA63-C342-B98E-F532027F9CD7}" type="datetime1">
               <a:rPr lang="en-US" smtClean="0"/>
-              <a:t>9/20/20</a:t>
+              <a:t>9/22/20</a:t>
             </a:fld>
             <a:endParaRPr lang="en-US"/>
           </a:p>
@@ -3910,7 +3910,7 @@
           <a:p>
             <a:fld id="{74E169E1-67F4-DE43-8AD1-CF716A32D6D9}" type="datetime1">
               <a:rPr lang="en-US" smtClean="0"/>
-              <a:t>9/20/20</a:t>
+              <a:t>9/22/20</a:t>
             </a:fld>
             <a:endParaRPr lang="en-US"/>
           </a:p>
@@ -4167,7 +4167,7 @@
           <a:p>
             <a:fld id="{EDBC0E13-B072-744E-A1EF-1258C23FD22F}" type="datetime1">
               <a:rPr lang="en-US" smtClean="0"/>
-              <a:t>9/20/20</a:t>
+              <a:t>9/22/20</a:t>
             </a:fld>
             <a:endParaRPr lang="en-US"/>
           </a:p>
@@ -4380,7 +4380,7 @@
           <a:p>
             <a:fld id="{14D54490-4A22-8B41-9AA4-9BECA28CBC89}" type="datetime1">
               <a:rPr lang="en-US" smtClean="0"/>
-              <a:t>9/20/20</a:t>
+              <a:t>9/22/20</a:t>
             </a:fld>
             <a:endParaRPr lang="en-US"/>
           </a:p>
@@ -8953,7 +8953,7 @@
             <a:pPr algn="ctr"/>
             <a:r>
               <a:rPr lang="en-US" dirty="0"/>
-              <a:t>wildcards: characters that expand at runtime</a:t>
+              <a:t>Wildcards: characters that expand at runtime</a:t>
             </a:r>
           </a:p>
         </p:txBody>
@@ -20194,7 +20194,7 @@
             <a:pPr algn="ctr"/>
             <a:r>
               <a:rPr lang="en-US" dirty="0"/>
-              <a:t>patterns, conditions and actions </a:t>
+              <a:t>/patterns/, conditions and actions </a:t>
             </a:r>
           </a:p>
         </p:txBody>
@@ -20572,15 +20572,7 @@
             <a:pPr algn="ctr"/>
             <a:r>
               <a:rPr lang="en-US" dirty="0"/>
-              <a:t>useful </a:t>
-            </a:r>
-            <a:r>
-              <a:rPr lang="en-US" dirty="0" err="1"/>
-              <a:t>awk</a:t>
-            </a:r>
-            <a:r>
-              <a:rPr lang="en-US" dirty="0"/>
-              <a:t> one-liners</a:t>
+              <a:t>Useful awk one-liners</a:t>
             </a:r>
           </a:p>
         </p:txBody>
@@ -20973,7 +20965,10 @@
           <a:p>
             <a:pPr algn="ctr"/>
             <a:r>
-              <a:rPr lang="en-US" dirty="0" err="1"/>
+              <a:rPr lang="en-US" b="1" dirty="0" err="1">
+                <a:latin typeface="Courier New" panose="02070309020205020404" pitchFamily="49" charset="0"/>
+                <a:cs typeface="Courier New" panose="02070309020205020404" pitchFamily="49" charset="0"/>
+              </a:rPr>
               <a:t>sed</a:t>
             </a:r>
             <a:r>
@@ -21851,7 +21846,7 @@
             <a:pPr algn="ctr"/>
             <a:r>
               <a:rPr lang="en-US" dirty="0"/>
-              <a:t>Options</a:t>
+              <a:t>sed Options</a:t>
             </a:r>
           </a:p>
         </p:txBody>

--- a/lpt_LISA.pptx
+++ b/lpt_LISA.pptx
@@ -314,7 +314,7 @@
           <a:p>
             <a:fld id="{DE0C789A-1381-F54D-B55B-DCBB91319C08}" type="datetimeFigureOut">
               <a:rPr lang="en-US" smtClean="0"/>
-              <a:t>9/22/20</a:t>
+              <a:t>10/17/20</a:t>
             </a:fld>
             <a:endParaRPr lang="en-US"/>
           </a:p>
@@ -491,7 +491,7 @@
           <a:p>
             <a:fld id="{46CB9FDB-056B-6244-AE56-9549F1074EBB}" type="datetimeFigureOut">
               <a:rPr lang="en-US" smtClean="0"/>
-              <a:t>9/22/20</a:t>
+              <a:t>10/17/20</a:t>
             </a:fld>
             <a:endParaRPr lang="en-US"/>
           </a:p>
@@ -2055,7 +2055,7 @@
           <a:p>
             <a:fld id="{524F091B-C9FE-714F-8F5F-8CFB82A747F1}" type="datetime1">
               <a:rPr lang="en-US" smtClean="0"/>
-              <a:t>9/22/20</a:t>
+              <a:t>10/17/20</a:t>
             </a:fld>
             <a:endParaRPr lang="en-US"/>
           </a:p>
@@ -2225,7 +2225,7 @@
           <a:p>
             <a:fld id="{E5121F4C-BC13-F84F-9AD9-260A611D728C}" type="datetime1">
               <a:rPr lang="en-US" smtClean="0"/>
-              <a:t>9/22/20</a:t>
+              <a:t>10/17/20</a:t>
             </a:fld>
             <a:endParaRPr lang="en-US"/>
           </a:p>
@@ -2405,7 +2405,7 @@
           <a:p>
             <a:fld id="{69934431-5E8A-0144-AD3C-F9F3B5843812}" type="datetime1">
               <a:rPr lang="en-US" smtClean="0"/>
-              <a:t>9/22/20</a:t>
+              <a:t>10/17/20</a:t>
             </a:fld>
             <a:endParaRPr lang="en-US"/>
           </a:p>
@@ -2575,7 +2575,7 @@
           <a:p>
             <a:fld id="{4D966F88-1DAF-F94F-A3D2-93E7964825AC}" type="datetime1">
               <a:rPr lang="en-US" smtClean="0"/>
-              <a:t>9/22/20</a:t>
+              <a:t>10/17/20</a:t>
             </a:fld>
             <a:endParaRPr lang="en-US"/>
           </a:p>
@@ -2821,7 +2821,7 @@
           <a:p>
             <a:fld id="{75F67F5F-B354-5B41-A0FF-E33ACFB7B000}" type="datetime1">
               <a:rPr lang="en-US" smtClean="0"/>
-              <a:t>9/22/20</a:t>
+              <a:t>10/17/20</a:t>
             </a:fld>
             <a:endParaRPr lang="en-US"/>
           </a:p>
@@ -3053,7 +3053,7 @@
           <a:p>
             <a:fld id="{1FE71E3D-61C4-AF47-B5F6-80F7A2125094}" type="datetime1">
               <a:rPr lang="en-US" smtClean="0"/>
-              <a:t>9/22/20</a:t>
+              <a:t>10/17/20</a:t>
             </a:fld>
             <a:endParaRPr lang="en-US"/>
           </a:p>
@@ -3420,7 +3420,7 @@
           <a:p>
             <a:fld id="{B7259F95-3E7B-AE48-BD5A-55F4F48F15EE}" type="datetime1">
               <a:rPr lang="en-US" smtClean="0"/>
-              <a:t>9/22/20</a:t>
+              <a:t>10/17/20</a:t>
             </a:fld>
             <a:endParaRPr lang="en-US"/>
           </a:p>
@@ -3538,7 +3538,7 @@
           <a:p>
             <a:fld id="{1E2D71D9-286E-D847-8194-60F3E909E40C}" type="datetime1">
               <a:rPr lang="en-US" smtClean="0"/>
-              <a:t>9/22/20</a:t>
+              <a:t>10/17/20</a:t>
             </a:fld>
             <a:endParaRPr lang="en-US"/>
           </a:p>
@@ -3633,7 +3633,7 @@
           <a:p>
             <a:fld id="{3AC70D76-DA63-C342-B98E-F532027F9CD7}" type="datetime1">
               <a:rPr lang="en-US" smtClean="0"/>
-              <a:t>9/22/20</a:t>
+              <a:t>10/17/20</a:t>
             </a:fld>
             <a:endParaRPr lang="en-US"/>
           </a:p>
@@ -3910,7 +3910,7 @@
           <a:p>
             <a:fld id="{74E169E1-67F4-DE43-8AD1-CF716A32D6D9}" type="datetime1">
               <a:rPr lang="en-US" smtClean="0"/>
-              <a:t>9/22/20</a:t>
+              <a:t>10/17/20</a:t>
             </a:fld>
             <a:endParaRPr lang="en-US"/>
           </a:p>
@@ -4167,7 +4167,7 @@
           <a:p>
             <a:fld id="{EDBC0E13-B072-744E-A1EF-1258C23FD22F}" type="datetime1">
               <a:rPr lang="en-US" smtClean="0"/>
-              <a:t>9/22/20</a:t>
+              <a:t>10/17/20</a:t>
             </a:fld>
             <a:endParaRPr lang="en-US"/>
           </a:p>
@@ -4380,7 +4380,7 @@
           <a:p>
             <a:fld id="{14D54490-4A22-8B41-9AA4-9BECA28CBC89}" type="datetime1">
               <a:rPr lang="en-US" smtClean="0"/>
-              <a:t>9/22/20</a:t>
+              <a:t>10/17/20</a:t>
             </a:fld>
             <a:endParaRPr lang="en-US"/>
           </a:p>
@@ -5420,7 +5420,7 @@
                 <a:ea typeface="Courier New" charset="0"/>
                 <a:cs typeface="Courier New" charset="0"/>
               </a:rPr>
-              <a:t>to kill zombie processes</a:t>
+              <a:t>to kill non-responsive processes</a:t>
             </a:r>
           </a:p>
           <a:p>
@@ -6776,7 +6776,18 @@
             <a:pPr lvl="1"/>
             <a:r>
               <a:rPr lang="en-US" dirty="0"/>
-              <a:t>Manual pages organized section-wise</a:t>
+              <a:t>Manual pages organized section-wise (see </a:t>
+            </a:r>
+            <a:r>
+              <a:rPr lang="en-US" b="1" dirty="0">
+                <a:latin typeface="Courier New" panose="02070309020205020404" pitchFamily="49" charset="0"/>
+                <a:cs typeface="Courier New" panose="02070309020205020404" pitchFamily="49" charset="0"/>
+              </a:rPr>
+              <a:t>man man</a:t>
+            </a:r>
+            <a:r>
+              <a:rPr lang="en-US" dirty="0"/>
+              <a:t> for more on sections)</a:t>
             </a:r>
           </a:p>
           <a:p>

--- a/lpt_LISA.pptx
+++ b/lpt_LISA.pptx
@@ -314,7 +314,7 @@
           <a:p>
             <a:fld id="{DE0C789A-1381-F54D-B55B-DCBB91319C08}" type="datetimeFigureOut">
               <a:rPr lang="en-US" smtClean="0"/>
-              <a:t>10/17/20</a:t>
+              <a:t>3/29/21</a:t>
             </a:fld>
             <a:endParaRPr lang="en-US"/>
           </a:p>
@@ -491,7 +491,7 @@
           <a:p>
             <a:fld id="{46CB9FDB-056B-6244-AE56-9549F1074EBB}" type="datetimeFigureOut">
               <a:rPr lang="en-US" smtClean="0"/>
-              <a:t>10/17/20</a:t>
+              <a:t>3/29/21</a:t>
             </a:fld>
             <a:endParaRPr lang="en-US"/>
           </a:p>
@@ -2055,7 +2055,7 @@
           <a:p>
             <a:fld id="{524F091B-C9FE-714F-8F5F-8CFB82A747F1}" type="datetime1">
               <a:rPr lang="en-US" smtClean="0"/>
-              <a:t>10/17/20</a:t>
+              <a:t>3/29/21</a:t>
             </a:fld>
             <a:endParaRPr lang="en-US"/>
           </a:p>
@@ -2225,7 +2225,7 @@
           <a:p>
             <a:fld id="{E5121F4C-BC13-F84F-9AD9-260A611D728C}" type="datetime1">
               <a:rPr lang="en-US" smtClean="0"/>
-              <a:t>10/17/20</a:t>
+              <a:t>3/29/21</a:t>
             </a:fld>
             <a:endParaRPr lang="en-US"/>
           </a:p>
@@ -2405,7 +2405,7 @@
           <a:p>
             <a:fld id="{69934431-5E8A-0144-AD3C-F9F3B5843812}" type="datetime1">
               <a:rPr lang="en-US" smtClean="0"/>
-              <a:t>10/17/20</a:t>
+              <a:t>3/29/21</a:t>
             </a:fld>
             <a:endParaRPr lang="en-US"/>
           </a:p>
@@ -2575,7 +2575,7 @@
           <a:p>
             <a:fld id="{4D966F88-1DAF-F94F-A3D2-93E7964825AC}" type="datetime1">
               <a:rPr lang="en-US" smtClean="0"/>
-              <a:t>10/17/20</a:t>
+              <a:t>3/29/21</a:t>
             </a:fld>
             <a:endParaRPr lang="en-US"/>
           </a:p>
@@ -2821,7 +2821,7 @@
           <a:p>
             <a:fld id="{75F67F5F-B354-5B41-A0FF-E33ACFB7B000}" type="datetime1">
               <a:rPr lang="en-US" smtClean="0"/>
-              <a:t>10/17/20</a:t>
+              <a:t>3/29/21</a:t>
             </a:fld>
             <a:endParaRPr lang="en-US"/>
           </a:p>
@@ -3053,7 +3053,7 @@
           <a:p>
             <a:fld id="{1FE71E3D-61C4-AF47-B5F6-80F7A2125094}" type="datetime1">
               <a:rPr lang="en-US" smtClean="0"/>
-              <a:t>10/17/20</a:t>
+              <a:t>3/29/21</a:t>
             </a:fld>
             <a:endParaRPr lang="en-US"/>
           </a:p>
@@ -3420,7 +3420,7 @@
           <a:p>
             <a:fld id="{B7259F95-3E7B-AE48-BD5A-55F4F48F15EE}" type="datetime1">
               <a:rPr lang="en-US" smtClean="0"/>
-              <a:t>10/17/20</a:t>
+              <a:t>3/29/21</a:t>
             </a:fld>
             <a:endParaRPr lang="en-US"/>
           </a:p>
@@ -3538,7 +3538,7 @@
           <a:p>
             <a:fld id="{1E2D71D9-286E-D847-8194-60F3E909E40C}" type="datetime1">
               <a:rPr lang="en-US" smtClean="0"/>
-              <a:t>10/17/20</a:t>
+              <a:t>3/29/21</a:t>
             </a:fld>
             <a:endParaRPr lang="en-US"/>
           </a:p>
@@ -3633,7 +3633,7 @@
           <a:p>
             <a:fld id="{3AC70D76-DA63-C342-B98E-F532027F9CD7}" type="datetime1">
               <a:rPr lang="en-US" smtClean="0"/>
-              <a:t>10/17/20</a:t>
+              <a:t>3/29/21</a:t>
             </a:fld>
             <a:endParaRPr lang="en-US"/>
           </a:p>
@@ -3910,7 +3910,7 @@
           <a:p>
             <a:fld id="{74E169E1-67F4-DE43-8AD1-CF716A32D6D9}" type="datetime1">
               <a:rPr lang="en-US" smtClean="0"/>
-              <a:t>10/17/20</a:t>
+              <a:t>3/29/21</a:t>
             </a:fld>
             <a:endParaRPr lang="en-US"/>
           </a:p>
@@ -4167,7 +4167,7 @@
           <a:p>
             <a:fld id="{EDBC0E13-B072-744E-A1EF-1258C23FD22F}" type="datetime1">
               <a:rPr lang="en-US" smtClean="0"/>
-              <a:t>10/17/20</a:t>
+              <a:t>3/29/21</a:t>
             </a:fld>
             <a:endParaRPr lang="en-US"/>
           </a:p>
@@ -4380,7 +4380,7 @@
           <a:p>
             <a:fld id="{14D54490-4A22-8B41-9AA4-9BECA28CBC89}" type="datetime1">
               <a:rPr lang="en-US" smtClean="0"/>
-              <a:t>10/17/20</a:t>
+              <a:t>3/29/21</a:t>
             </a:fld>
             <a:endParaRPr lang="en-US"/>
           </a:p>
@@ -15526,7 +15526,7 @@
             </a:r>
             <a:r>
               <a:rPr lang="en-US" dirty="0"/>
-              <a:t> : default action, display</a:t>
+              <a:t>: default action, display</a:t>
             </a:r>
           </a:p>
           <a:p>
@@ -15536,7 +15536,7 @@
                 <a:latin typeface="Courier New" panose="02070309020205020404" pitchFamily="49" charset="0"/>
                 <a:cs typeface="Courier New" panose="02070309020205020404" pitchFamily="49" charset="0"/>
               </a:rPr>
-              <a:t>-ls :</a:t>
+              <a:t>-ls:</a:t>
             </a:r>
             <a:r>
               <a:rPr lang="en-US" dirty="0"/>
@@ -15577,7 +15577,7 @@
                 <a:latin typeface="Courier New" panose="02070309020205020404" pitchFamily="49" charset="0"/>
                 <a:cs typeface="Courier New" panose="02070309020205020404" pitchFamily="49" charset="0"/>
               </a:rPr>
-              <a:t> :</a:t>
+              <a:t>:</a:t>
             </a:r>
             <a:r>
               <a:rPr lang="en-US" dirty="0"/>
@@ -15600,6 +15600,14 @@
                 <a:cs typeface="Courier New" panose="02070309020205020404" pitchFamily="49" charset="0"/>
               </a:rPr>
               <a:t>cmd</a:t>
+            </a:r>
+            <a:r>
+              <a:rPr lang="en-US" b="1" dirty="0">
+                <a:latin typeface="Courier New" panose="02070309020205020404" pitchFamily="49" charset="0"/>
+                <a:ea typeface="Courier New" charset="0"/>
+                <a:cs typeface="Courier New" panose="02070309020205020404" pitchFamily="49" charset="0"/>
+              </a:rPr>
+              <a:t>:</a:t>
             </a:r>
             <a:r>
               <a:rPr lang="en-US" b="1" dirty="0">

--- a/lpt_LISA.pptx
+++ b/lpt_LISA.pptx
@@ -314,7 +314,7 @@
           <a:p>
             <a:fld id="{DE0C789A-1381-F54D-B55B-DCBB91319C08}" type="datetimeFigureOut">
               <a:rPr lang="en-US" smtClean="0"/>
-              <a:t>3/29/21</a:t>
+              <a:t>4/6/21</a:t>
             </a:fld>
             <a:endParaRPr lang="en-US"/>
           </a:p>
@@ -491,7 +491,7 @@
           <a:p>
             <a:fld id="{46CB9FDB-056B-6244-AE56-9549F1074EBB}" type="datetimeFigureOut">
               <a:rPr lang="en-US" smtClean="0"/>
-              <a:t>3/29/21</a:t>
+              <a:t>4/6/21</a:t>
             </a:fld>
             <a:endParaRPr lang="en-US"/>
           </a:p>
@@ -2055,7 +2055,7 @@
           <a:p>
             <a:fld id="{524F091B-C9FE-714F-8F5F-8CFB82A747F1}" type="datetime1">
               <a:rPr lang="en-US" smtClean="0"/>
-              <a:t>3/29/21</a:t>
+              <a:t>4/6/21</a:t>
             </a:fld>
             <a:endParaRPr lang="en-US"/>
           </a:p>
@@ -2225,7 +2225,7 @@
           <a:p>
             <a:fld id="{E5121F4C-BC13-F84F-9AD9-260A611D728C}" type="datetime1">
               <a:rPr lang="en-US" smtClean="0"/>
-              <a:t>3/29/21</a:t>
+              <a:t>4/6/21</a:t>
             </a:fld>
             <a:endParaRPr lang="en-US"/>
           </a:p>
@@ -2405,7 +2405,7 @@
           <a:p>
             <a:fld id="{69934431-5E8A-0144-AD3C-F9F3B5843812}" type="datetime1">
               <a:rPr lang="en-US" smtClean="0"/>
-              <a:t>3/29/21</a:t>
+              <a:t>4/6/21</a:t>
             </a:fld>
             <a:endParaRPr lang="en-US"/>
           </a:p>
@@ -2575,7 +2575,7 @@
           <a:p>
             <a:fld id="{4D966F88-1DAF-F94F-A3D2-93E7964825AC}" type="datetime1">
               <a:rPr lang="en-US" smtClean="0"/>
-              <a:t>3/29/21</a:t>
+              <a:t>4/6/21</a:t>
             </a:fld>
             <a:endParaRPr lang="en-US"/>
           </a:p>
@@ -2821,7 +2821,7 @@
           <a:p>
             <a:fld id="{75F67F5F-B354-5B41-A0FF-E33ACFB7B000}" type="datetime1">
               <a:rPr lang="en-US" smtClean="0"/>
-              <a:t>3/29/21</a:t>
+              <a:t>4/6/21</a:t>
             </a:fld>
             <a:endParaRPr lang="en-US"/>
           </a:p>
@@ -3053,7 +3053,7 @@
           <a:p>
             <a:fld id="{1FE71E3D-61C4-AF47-B5F6-80F7A2125094}" type="datetime1">
               <a:rPr lang="en-US" smtClean="0"/>
-              <a:t>3/29/21</a:t>
+              <a:t>4/6/21</a:t>
             </a:fld>
             <a:endParaRPr lang="en-US"/>
           </a:p>
@@ -3420,7 +3420,7 @@
           <a:p>
             <a:fld id="{B7259F95-3E7B-AE48-BD5A-55F4F48F15EE}" type="datetime1">
               <a:rPr lang="en-US" smtClean="0"/>
-              <a:t>3/29/21</a:t>
+              <a:t>4/6/21</a:t>
             </a:fld>
             <a:endParaRPr lang="en-US"/>
           </a:p>
@@ -3538,7 +3538,7 @@
           <a:p>
             <a:fld id="{1E2D71D9-286E-D847-8194-60F3E909E40C}" type="datetime1">
               <a:rPr lang="en-US" smtClean="0"/>
-              <a:t>3/29/21</a:t>
+              <a:t>4/6/21</a:t>
             </a:fld>
             <a:endParaRPr lang="en-US"/>
           </a:p>
@@ -3633,7 +3633,7 @@
           <a:p>
             <a:fld id="{3AC70D76-DA63-C342-B98E-F532027F9CD7}" type="datetime1">
               <a:rPr lang="en-US" smtClean="0"/>
-              <a:t>3/29/21</a:t>
+              <a:t>4/6/21</a:t>
             </a:fld>
             <a:endParaRPr lang="en-US"/>
           </a:p>
@@ -3910,7 +3910,7 @@
           <a:p>
             <a:fld id="{74E169E1-67F4-DE43-8AD1-CF716A32D6D9}" type="datetime1">
               <a:rPr lang="en-US" smtClean="0"/>
-              <a:t>3/29/21</a:t>
+              <a:t>4/6/21</a:t>
             </a:fld>
             <a:endParaRPr lang="en-US"/>
           </a:p>
@@ -4167,7 +4167,7 @@
           <a:p>
             <a:fld id="{EDBC0E13-B072-744E-A1EF-1258C23FD22F}" type="datetime1">
               <a:rPr lang="en-US" smtClean="0"/>
-              <a:t>3/29/21</a:t>
+              <a:t>4/6/21</a:t>
             </a:fld>
             <a:endParaRPr lang="en-US"/>
           </a:p>
@@ -4380,7 +4380,7 @@
           <a:p>
             <a:fld id="{14D54490-4A22-8B41-9AA4-9BECA28CBC89}" type="datetime1">
               <a:rPr lang="en-US" smtClean="0"/>
-              <a:t>3/29/21</a:t>
+              <a:t>4/6/21</a:t>
             </a:fld>
             <a:endParaRPr lang="en-US"/>
           </a:p>
@@ -4872,214 +4872,6 @@
               <a:t>1</a:t>
             </a:fld>
             <a:endParaRPr lang="en-US"/>
-          </a:p>
-        </p:txBody>
-      </p:sp>
-      <p:sp>
-        <p:nvSpPr>
-          <p:cNvPr id="5" name="Subtitle 2">
-            <a:extLst>
-              <a:ext uri="{FF2B5EF4-FFF2-40B4-BE49-F238E27FC236}">
-                <a16:creationId xmlns:a16="http://schemas.microsoft.com/office/drawing/2014/main" id="{69D80E20-090A-5D4C-986F-9E6C58961293}"/>
-              </a:ext>
-            </a:extLst>
-          </p:cNvPr>
-          <p:cNvSpPr txBox="1">
-            <a:spLocks/>
-          </p:cNvSpPr>
-          <p:nvPr/>
-        </p:nvSpPr>
-        <p:spPr>
-          <a:xfrm>
-            <a:off x="1143000" y="3799285"/>
-            <a:ext cx="6858000" cy="1241822"/>
-          </a:xfrm>
-          <a:prstGeom prst="rect">
-            <a:avLst/>
-          </a:prstGeom>
-        </p:spPr>
-        <p:txBody>
-          <a:bodyPr vert="horz" lIns="91440" tIns="45720" rIns="91440" bIns="45720" rtlCol="0" anchor="ctr">
-            <a:normAutofit/>
-          </a:bodyPr>
-          <a:lstStyle>
-            <a:lvl1pPr marL="0" indent="0" algn="ctr" defTabSz="685800" rtl="0" eaLnBrk="1" latinLnBrk="0" hangingPunct="1">
-              <a:lnSpc>
-                <a:spcPct val="90000"/>
-              </a:lnSpc>
-              <a:spcBef>
-                <a:spcPts val="750"/>
-              </a:spcBef>
-              <a:buFont typeface="Arial" panose="020B0604020202020204" pitchFamily="34" charset="0"/>
-              <a:buNone/>
-              <a:defRPr sz="1800" kern="1200">
-                <a:solidFill>
-                  <a:schemeClr val="tx1"/>
-                </a:solidFill>
-                <a:latin typeface="+mn-lt"/>
-                <a:ea typeface="+mn-ea"/>
-                <a:cs typeface="+mn-cs"/>
-              </a:defRPr>
-            </a:lvl1pPr>
-            <a:lvl2pPr marL="342900" indent="0" algn="ctr" defTabSz="685800" rtl="0" eaLnBrk="1" latinLnBrk="0" hangingPunct="1">
-              <a:lnSpc>
-                <a:spcPct val="90000"/>
-              </a:lnSpc>
-              <a:spcBef>
-                <a:spcPts val="375"/>
-              </a:spcBef>
-              <a:buFont typeface="Arial" panose="020B0604020202020204" pitchFamily="34" charset="0"/>
-              <a:buNone/>
-              <a:defRPr sz="1500" kern="1200">
-                <a:solidFill>
-                  <a:schemeClr val="tx1"/>
-                </a:solidFill>
-                <a:latin typeface="+mn-lt"/>
-                <a:ea typeface="+mn-ea"/>
-                <a:cs typeface="+mn-cs"/>
-              </a:defRPr>
-            </a:lvl2pPr>
-            <a:lvl3pPr marL="685800" indent="0" algn="ctr" defTabSz="685800" rtl="0" eaLnBrk="1" latinLnBrk="0" hangingPunct="1">
-              <a:lnSpc>
-                <a:spcPct val="90000"/>
-              </a:lnSpc>
-              <a:spcBef>
-                <a:spcPts val="375"/>
-              </a:spcBef>
-              <a:buFont typeface="Arial" panose="020B0604020202020204" pitchFamily="34" charset="0"/>
-              <a:buNone/>
-              <a:defRPr sz="1350" kern="1200">
-                <a:solidFill>
-                  <a:schemeClr val="tx1"/>
-                </a:solidFill>
-                <a:latin typeface="+mn-lt"/>
-                <a:ea typeface="+mn-ea"/>
-                <a:cs typeface="+mn-cs"/>
-              </a:defRPr>
-            </a:lvl3pPr>
-            <a:lvl4pPr marL="1028700" indent="0" algn="ctr" defTabSz="685800" rtl="0" eaLnBrk="1" latinLnBrk="0" hangingPunct="1">
-              <a:lnSpc>
-                <a:spcPct val="90000"/>
-              </a:lnSpc>
-              <a:spcBef>
-                <a:spcPts val="375"/>
-              </a:spcBef>
-              <a:buFont typeface="Arial" panose="020B0604020202020204" pitchFamily="34" charset="0"/>
-              <a:buNone/>
-              <a:defRPr sz="1200" kern="1200">
-                <a:solidFill>
-                  <a:schemeClr val="tx1"/>
-                </a:solidFill>
-                <a:latin typeface="+mn-lt"/>
-                <a:ea typeface="+mn-ea"/>
-                <a:cs typeface="+mn-cs"/>
-              </a:defRPr>
-            </a:lvl4pPr>
-            <a:lvl5pPr marL="1371600" indent="0" algn="ctr" defTabSz="685800" rtl="0" eaLnBrk="1" latinLnBrk="0" hangingPunct="1">
-              <a:lnSpc>
-                <a:spcPct val="90000"/>
-              </a:lnSpc>
-              <a:spcBef>
-                <a:spcPts val="375"/>
-              </a:spcBef>
-              <a:buFont typeface="Arial" panose="020B0604020202020204" pitchFamily="34" charset="0"/>
-              <a:buNone/>
-              <a:defRPr sz="1200" kern="1200">
-                <a:solidFill>
-                  <a:schemeClr val="tx1"/>
-                </a:solidFill>
-                <a:latin typeface="+mn-lt"/>
-                <a:ea typeface="+mn-ea"/>
-                <a:cs typeface="+mn-cs"/>
-              </a:defRPr>
-            </a:lvl5pPr>
-            <a:lvl6pPr marL="1714500" indent="0" algn="ctr" defTabSz="685800" rtl="0" eaLnBrk="1" latinLnBrk="0" hangingPunct="1">
-              <a:lnSpc>
-                <a:spcPct val="90000"/>
-              </a:lnSpc>
-              <a:spcBef>
-                <a:spcPts val="375"/>
-              </a:spcBef>
-              <a:buFont typeface="Arial" panose="020B0604020202020204" pitchFamily="34" charset="0"/>
-              <a:buNone/>
-              <a:defRPr sz="1200" kern="1200">
-                <a:solidFill>
-                  <a:schemeClr val="tx1"/>
-                </a:solidFill>
-                <a:latin typeface="+mn-lt"/>
-                <a:ea typeface="+mn-ea"/>
-                <a:cs typeface="+mn-cs"/>
-              </a:defRPr>
-            </a:lvl6pPr>
-            <a:lvl7pPr marL="2057400" indent="0" algn="ctr" defTabSz="685800" rtl="0" eaLnBrk="1" latinLnBrk="0" hangingPunct="1">
-              <a:lnSpc>
-                <a:spcPct val="90000"/>
-              </a:lnSpc>
-              <a:spcBef>
-                <a:spcPts val="375"/>
-              </a:spcBef>
-              <a:buFont typeface="Arial" panose="020B0604020202020204" pitchFamily="34" charset="0"/>
-              <a:buNone/>
-              <a:defRPr sz="1200" kern="1200">
-                <a:solidFill>
-                  <a:schemeClr val="tx1"/>
-                </a:solidFill>
-                <a:latin typeface="+mn-lt"/>
-                <a:ea typeface="+mn-ea"/>
-                <a:cs typeface="+mn-cs"/>
-              </a:defRPr>
-            </a:lvl7pPr>
-            <a:lvl8pPr marL="2400300" indent="0" algn="ctr" defTabSz="685800" rtl="0" eaLnBrk="1" latinLnBrk="0" hangingPunct="1">
-              <a:lnSpc>
-                <a:spcPct val="90000"/>
-              </a:lnSpc>
-              <a:spcBef>
-                <a:spcPts val="375"/>
-              </a:spcBef>
-              <a:buFont typeface="Arial" panose="020B0604020202020204" pitchFamily="34" charset="0"/>
-              <a:buNone/>
-              <a:defRPr sz="1200" kern="1200">
-                <a:solidFill>
-                  <a:schemeClr val="tx1"/>
-                </a:solidFill>
-                <a:latin typeface="+mn-lt"/>
-                <a:ea typeface="+mn-ea"/>
-                <a:cs typeface="+mn-cs"/>
-              </a:defRPr>
-            </a:lvl8pPr>
-            <a:lvl9pPr marL="2743200" indent="0" algn="ctr" defTabSz="685800" rtl="0" eaLnBrk="1" latinLnBrk="0" hangingPunct="1">
-              <a:lnSpc>
-                <a:spcPct val="90000"/>
-              </a:lnSpc>
-              <a:spcBef>
-                <a:spcPts val="375"/>
-              </a:spcBef>
-              <a:buFont typeface="Arial" panose="020B0604020202020204" pitchFamily="34" charset="0"/>
-              <a:buNone/>
-              <a:defRPr sz="1200" kern="1200">
-                <a:solidFill>
-                  <a:schemeClr val="tx1"/>
-                </a:solidFill>
-                <a:latin typeface="+mn-lt"/>
-                <a:ea typeface="+mn-ea"/>
-                <a:cs typeface="+mn-cs"/>
-              </a:defRPr>
-            </a:lvl9pPr>
-          </a:lstStyle>
-          <a:p>
-            <a:r>
-              <a:rPr lang="en-US"/>
-              <a:t>Enhanced version (originally </a:t>
-            </a:r>
-            <a:r>
-              <a:rPr lang="en-US" dirty="0"/>
-              <a:t>presented </a:t>
-            </a:r>
-            <a:r>
-              <a:rPr lang="en-US"/>
-              <a:t>at LISA19)</a:t>
-            </a:r>
-            <a:endParaRPr lang="en-US" dirty="0"/>
           </a:p>
         </p:txBody>
       </p:sp>

--- a/lpt_LISA.pptx
+++ b/lpt_LISA.pptx
@@ -314,7 +314,7 @@
           <a:p>
             <a:fld id="{DE0C789A-1381-F54D-B55B-DCBB91319C08}" type="datetimeFigureOut">
               <a:rPr lang="en-US" smtClean="0"/>
-              <a:t>4/6/21</a:t>
+              <a:t>4/8/21</a:t>
             </a:fld>
             <a:endParaRPr lang="en-US"/>
           </a:p>
@@ -491,7 +491,7 @@
           <a:p>
             <a:fld id="{46CB9FDB-056B-6244-AE56-9549F1074EBB}" type="datetimeFigureOut">
               <a:rPr lang="en-US" smtClean="0"/>
-              <a:t>4/6/21</a:t>
+              <a:t>4/8/21</a:t>
             </a:fld>
             <a:endParaRPr lang="en-US"/>
           </a:p>
@@ -2055,7 +2055,7 @@
           <a:p>
             <a:fld id="{524F091B-C9FE-714F-8F5F-8CFB82A747F1}" type="datetime1">
               <a:rPr lang="en-US" smtClean="0"/>
-              <a:t>4/6/21</a:t>
+              <a:t>4/8/21</a:t>
             </a:fld>
             <a:endParaRPr lang="en-US"/>
           </a:p>
@@ -2225,7 +2225,7 @@
           <a:p>
             <a:fld id="{E5121F4C-BC13-F84F-9AD9-260A611D728C}" type="datetime1">
               <a:rPr lang="en-US" smtClean="0"/>
-              <a:t>4/6/21</a:t>
+              <a:t>4/8/21</a:t>
             </a:fld>
             <a:endParaRPr lang="en-US"/>
           </a:p>
@@ -2405,7 +2405,7 @@
           <a:p>
             <a:fld id="{69934431-5E8A-0144-AD3C-F9F3B5843812}" type="datetime1">
               <a:rPr lang="en-US" smtClean="0"/>
-              <a:t>4/6/21</a:t>
+              <a:t>4/8/21</a:t>
             </a:fld>
             <a:endParaRPr lang="en-US"/>
           </a:p>
@@ -2575,7 +2575,7 @@
           <a:p>
             <a:fld id="{4D966F88-1DAF-F94F-A3D2-93E7964825AC}" type="datetime1">
               <a:rPr lang="en-US" smtClean="0"/>
-              <a:t>4/6/21</a:t>
+              <a:t>4/8/21</a:t>
             </a:fld>
             <a:endParaRPr lang="en-US"/>
           </a:p>
@@ -2821,7 +2821,7 @@
           <a:p>
             <a:fld id="{75F67F5F-B354-5B41-A0FF-E33ACFB7B000}" type="datetime1">
               <a:rPr lang="en-US" smtClean="0"/>
-              <a:t>4/6/21</a:t>
+              <a:t>4/8/21</a:t>
             </a:fld>
             <a:endParaRPr lang="en-US"/>
           </a:p>
@@ -3053,7 +3053,7 @@
           <a:p>
             <a:fld id="{1FE71E3D-61C4-AF47-B5F6-80F7A2125094}" type="datetime1">
               <a:rPr lang="en-US" smtClean="0"/>
-              <a:t>4/6/21</a:t>
+              <a:t>4/8/21</a:t>
             </a:fld>
             <a:endParaRPr lang="en-US"/>
           </a:p>
@@ -3420,7 +3420,7 @@
           <a:p>
             <a:fld id="{B7259F95-3E7B-AE48-BD5A-55F4F48F15EE}" type="datetime1">
               <a:rPr lang="en-US" smtClean="0"/>
-              <a:t>4/6/21</a:t>
+              <a:t>4/8/21</a:t>
             </a:fld>
             <a:endParaRPr lang="en-US"/>
           </a:p>
@@ -3538,7 +3538,7 @@
           <a:p>
             <a:fld id="{1E2D71D9-286E-D847-8194-60F3E909E40C}" type="datetime1">
               <a:rPr lang="en-US" smtClean="0"/>
-              <a:t>4/6/21</a:t>
+              <a:t>4/8/21</a:t>
             </a:fld>
             <a:endParaRPr lang="en-US"/>
           </a:p>
@@ -3633,7 +3633,7 @@
           <a:p>
             <a:fld id="{3AC70D76-DA63-C342-B98E-F532027F9CD7}" type="datetime1">
               <a:rPr lang="en-US" smtClean="0"/>
-              <a:t>4/6/21</a:t>
+              <a:t>4/8/21</a:t>
             </a:fld>
             <a:endParaRPr lang="en-US"/>
           </a:p>
@@ -3910,7 +3910,7 @@
           <a:p>
             <a:fld id="{74E169E1-67F4-DE43-8AD1-CF716A32D6D9}" type="datetime1">
               <a:rPr lang="en-US" smtClean="0"/>
-              <a:t>4/6/21</a:t>
+              <a:t>4/8/21</a:t>
             </a:fld>
             <a:endParaRPr lang="en-US"/>
           </a:p>
@@ -4167,7 +4167,7 @@
           <a:p>
             <a:fld id="{EDBC0E13-B072-744E-A1EF-1258C23FD22F}" type="datetime1">
               <a:rPr lang="en-US" smtClean="0"/>
-              <a:t>4/6/21</a:t>
+              <a:t>4/8/21</a:t>
             </a:fld>
             <a:endParaRPr lang="en-US"/>
           </a:p>
@@ -4380,7 +4380,7 @@
           <a:p>
             <a:fld id="{14D54490-4A22-8B41-9AA4-9BECA28CBC89}" type="datetime1">
               <a:rPr lang="en-US" smtClean="0"/>
-              <a:t>4/6/21</a:t>
+              <a:t>4/8/21</a:t>
             </a:fld>
             <a:endParaRPr lang="en-US"/>
           </a:p>
@@ -10592,7 +10592,7 @@
             </a:r>
             <a:r>
               <a:rPr lang="en-US" sz="1800" dirty="0"/>
-              <a:t>  to send to a stream</a:t>
+              <a:t>  send stream to a file</a:t>
             </a:r>
           </a:p>
           <a:p>
@@ -10607,8 +10607,13 @@
             </a:r>
             <a:r>
               <a:rPr lang="en-US" sz="1800" dirty="0"/>
-              <a:t>  to receive from a stream</a:t>
-            </a:r>
+              <a:t>  </a:t>
+            </a:r>
+            <a:r>
+              <a:rPr lang="en-US" sz="1800"/>
+              <a:t>receive stream from a file</a:t>
+            </a:r>
+            <a:endParaRPr lang="en-US" sz="1800" dirty="0"/>
           </a:p>
           <a:p>
             <a:pPr lvl="1"/>
@@ -10622,7 +10627,7 @@
             </a:r>
             <a:r>
               <a:rPr lang="en-US" sz="1800" dirty="0"/>
-              <a:t> to append to a stream</a:t>
+              <a:t> to append</a:t>
             </a:r>
           </a:p>
           <a:p>

--- a/lpt_LISA.pptx
+++ b/lpt_LISA.pptx
@@ -314,7 +314,7 @@
           <a:p>
             <a:fld id="{DE0C789A-1381-F54D-B55B-DCBB91319C08}" type="datetimeFigureOut">
               <a:rPr lang="en-US" smtClean="0"/>
-              <a:t>4/8/21</a:t>
+              <a:t>4/9/21</a:t>
             </a:fld>
             <a:endParaRPr lang="en-US"/>
           </a:p>
@@ -491,7 +491,7 @@
           <a:p>
             <a:fld id="{46CB9FDB-056B-6244-AE56-9549F1074EBB}" type="datetimeFigureOut">
               <a:rPr lang="en-US" smtClean="0"/>
-              <a:t>4/8/21</a:t>
+              <a:t>4/9/21</a:t>
             </a:fld>
             <a:endParaRPr lang="en-US"/>
           </a:p>
@@ -2055,7 +2055,7 @@
           <a:p>
             <a:fld id="{524F091B-C9FE-714F-8F5F-8CFB82A747F1}" type="datetime1">
               <a:rPr lang="en-US" smtClean="0"/>
-              <a:t>4/8/21</a:t>
+              <a:t>4/9/21</a:t>
             </a:fld>
             <a:endParaRPr lang="en-US"/>
           </a:p>
@@ -2225,7 +2225,7 @@
           <a:p>
             <a:fld id="{E5121F4C-BC13-F84F-9AD9-260A611D728C}" type="datetime1">
               <a:rPr lang="en-US" smtClean="0"/>
-              <a:t>4/8/21</a:t>
+              <a:t>4/9/21</a:t>
             </a:fld>
             <a:endParaRPr lang="en-US"/>
           </a:p>
@@ -2405,7 +2405,7 @@
           <a:p>
             <a:fld id="{69934431-5E8A-0144-AD3C-F9F3B5843812}" type="datetime1">
               <a:rPr lang="en-US" smtClean="0"/>
-              <a:t>4/8/21</a:t>
+              <a:t>4/9/21</a:t>
             </a:fld>
             <a:endParaRPr lang="en-US"/>
           </a:p>
@@ -2575,7 +2575,7 @@
           <a:p>
             <a:fld id="{4D966F88-1DAF-F94F-A3D2-93E7964825AC}" type="datetime1">
               <a:rPr lang="en-US" smtClean="0"/>
-              <a:t>4/8/21</a:t>
+              <a:t>4/9/21</a:t>
             </a:fld>
             <a:endParaRPr lang="en-US"/>
           </a:p>
@@ -2821,7 +2821,7 @@
           <a:p>
             <a:fld id="{75F67F5F-B354-5B41-A0FF-E33ACFB7B000}" type="datetime1">
               <a:rPr lang="en-US" smtClean="0"/>
-              <a:t>4/8/21</a:t>
+              <a:t>4/9/21</a:t>
             </a:fld>
             <a:endParaRPr lang="en-US"/>
           </a:p>
@@ -3053,7 +3053,7 @@
           <a:p>
             <a:fld id="{1FE71E3D-61C4-AF47-B5F6-80F7A2125094}" type="datetime1">
               <a:rPr lang="en-US" smtClean="0"/>
-              <a:t>4/8/21</a:t>
+              <a:t>4/9/21</a:t>
             </a:fld>
             <a:endParaRPr lang="en-US"/>
           </a:p>
@@ -3420,7 +3420,7 @@
           <a:p>
             <a:fld id="{B7259F95-3E7B-AE48-BD5A-55F4F48F15EE}" type="datetime1">
               <a:rPr lang="en-US" smtClean="0"/>
-              <a:t>4/8/21</a:t>
+              <a:t>4/9/21</a:t>
             </a:fld>
             <a:endParaRPr lang="en-US"/>
           </a:p>
@@ -3538,7 +3538,7 @@
           <a:p>
             <a:fld id="{1E2D71D9-286E-D847-8194-60F3E909E40C}" type="datetime1">
               <a:rPr lang="en-US" smtClean="0"/>
-              <a:t>4/8/21</a:t>
+              <a:t>4/9/21</a:t>
             </a:fld>
             <a:endParaRPr lang="en-US"/>
           </a:p>
@@ -3633,7 +3633,7 @@
           <a:p>
             <a:fld id="{3AC70D76-DA63-C342-B98E-F532027F9CD7}" type="datetime1">
               <a:rPr lang="en-US" smtClean="0"/>
-              <a:t>4/8/21</a:t>
+              <a:t>4/9/21</a:t>
             </a:fld>
             <a:endParaRPr lang="en-US"/>
           </a:p>
@@ -3910,7 +3910,7 @@
           <a:p>
             <a:fld id="{74E169E1-67F4-DE43-8AD1-CF716A32D6D9}" type="datetime1">
               <a:rPr lang="en-US" smtClean="0"/>
-              <a:t>4/8/21</a:t>
+              <a:t>4/9/21</a:t>
             </a:fld>
             <a:endParaRPr lang="en-US"/>
           </a:p>
@@ -4167,7 +4167,7 @@
           <a:p>
             <a:fld id="{EDBC0E13-B072-744E-A1EF-1258C23FD22F}" type="datetime1">
               <a:rPr lang="en-US" smtClean="0"/>
-              <a:t>4/8/21</a:t>
+              <a:t>4/9/21</a:t>
             </a:fld>
             <a:endParaRPr lang="en-US"/>
           </a:p>
@@ -4380,7 +4380,7 @@
           <a:p>
             <a:fld id="{14D54490-4A22-8B41-9AA4-9BECA28CBC89}" type="datetime1">
               <a:rPr lang="en-US" smtClean="0"/>
-              <a:t>4/8/21</a:t>
+              <a:t>4/9/21</a:t>
             </a:fld>
             <a:endParaRPr lang="en-US"/>
           </a:p>
@@ -14559,13 +14559,23 @@
         </p:nvSpPr>
         <p:spPr/>
         <p:txBody>
-          <a:bodyPr/>
+          <a:bodyPr>
+            <a:normAutofit/>
+          </a:bodyPr>
           <a:lstStyle/>
           <a:p>
             <a:pPr algn="ctr"/>
             <a:r>
               <a:rPr lang="en-US" dirty="0"/>
-              <a:t>find: search files based on criteria</a:t>
+              <a:t>find</a:t>
+            </a:r>
+            <a:r>
+              <a:rPr lang="en-US"/>
+              <a:t>: search files </a:t>
+            </a:r>
+            <a:r>
+              <a:rPr lang="en-US" dirty="0"/>
+              <a:t>based on criteria</a:t>
             </a:r>
           </a:p>
         </p:txBody>

--- a/lpt_LISA.pptx
+++ b/lpt_LISA.pptx
@@ -314,7 +314,7 @@
           <a:p>
             <a:fld id="{DE0C789A-1381-F54D-B55B-DCBB91319C08}" type="datetimeFigureOut">
               <a:rPr lang="en-US" smtClean="0"/>
-              <a:t>4/9/21</a:t>
+              <a:t>5/18/21</a:t>
             </a:fld>
             <a:endParaRPr lang="en-US"/>
           </a:p>
@@ -491,7 +491,7 @@
           <a:p>
             <a:fld id="{46CB9FDB-056B-6244-AE56-9549F1074EBB}" type="datetimeFigureOut">
               <a:rPr lang="en-US" smtClean="0"/>
-              <a:t>4/9/21</a:t>
+              <a:t>5/18/21</a:t>
             </a:fld>
             <a:endParaRPr lang="en-US"/>
           </a:p>
@@ -2055,7 +2055,7 @@
           <a:p>
             <a:fld id="{524F091B-C9FE-714F-8F5F-8CFB82A747F1}" type="datetime1">
               <a:rPr lang="en-US" smtClean="0"/>
-              <a:t>4/9/21</a:t>
+              <a:t>5/18/21</a:t>
             </a:fld>
             <a:endParaRPr lang="en-US"/>
           </a:p>
@@ -2225,7 +2225,7 @@
           <a:p>
             <a:fld id="{E5121F4C-BC13-F84F-9AD9-260A611D728C}" type="datetime1">
               <a:rPr lang="en-US" smtClean="0"/>
-              <a:t>4/9/21</a:t>
+              <a:t>5/18/21</a:t>
             </a:fld>
             <a:endParaRPr lang="en-US"/>
           </a:p>
@@ -2405,7 +2405,7 @@
           <a:p>
             <a:fld id="{69934431-5E8A-0144-AD3C-F9F3B5843812}" type="datetime1">
               <a:rPr lang="en-US" smtClean="0"/>
-              <a:t>4/9/21</a:t>
+              <a:t>5/18/21</a:t>
             </a:fld>
             <a:endParaRPr lang="en-US"/>
           </a:p>
@@ -2575,7 +2575,7 @@
           <a:p>
             <a:fld id="{4D966F88-1DAF-F94F-A3D2-93E7964825AC}" type="datetime1">
               <a:rPr lang="en-US" smtClean="0"/>
-              <a:t>4/9/21</a:t>
+              <a:t>5/18/21</a:t>
             </a:fld>
             <a:endParaRPr lang="en-US"/>
           </a:p>
@@ -2821,7 +2821,7 @@
           <a:p>
             <a:fld id="{75F67F5F-B354-5B41-A0FF-E33ACFB7B000}" type="datetime1">
               <a:rPr lang="en-US" smtClean="0"/>
-              <a:t>4/9/21</a:t>
+              <a:t>5/18/21</a:t>
             </a:fld>
             <a:endParaRPr lang="en-US"/>
           </a:p>
@@ -3053,7 +3053,7 @@
           <a:p>
             <a:fld id="{1FE71E3D-61C4-AF47-B5F6-80F7A2125094}" type="datetime1">
               <a:rPr lang="en-US" smtClean="0"/>
-              <a:t>4/9/21</a:t>
+              <a:t>5/18/21</a:t>
             </a:fld>
             <a:endParaRPr lang="en-US"/>
           </a:p>
@@ -3420,7 +3420,7 @@
           <a:p>
             <a:fld id="{B7259F95-3E7B-AE48-BD5A-55F4F48F15EE}" type="datetime1">
               <a:rPr lang="en-US" smtClean="0"/>
-              <a:t>4/9/21</a:t>
+              <a:t>5/18/21</a:t>
             </a:fld>
             <a:endParaRPr lang="en-US"/>
           </a:p>
@@ -3538,7 +3538,7 @@
           <a:p>
             <a:fld id="{1E2D71D9-286E-D847-8194-60F3E909E40C}" type="datetime1">
               <a:rPr lang="en-US" smtClean="0"/>
-              <a:t>4/9/21</a:t>
+              <a:t>5/18/21</a:t>
             </a:fld>
             <a:endParaRPr lang="en-US"/>
           </a:p>
@@ -3633,7 +3633,7 @@
           <a:p>
             <a:fld id="{3AC70D76-DA63-C342-B98E-F532027F9CD7}" type="datetime1">
               <a:rPr lang="en-US" smtClean="0"/>
-              <a:t>4/9/21</a:t>
+              <a:t>5/18/21</a:t>
             </a:fld>
             <a:endParaRPr lang="en-US"/>
           </a:p>
@@ -3910,7 +3910,7 @@
           <a:p>
             <a:fld id="{74E169E1-67F4-DE43-8AD1-CF716A32D6D9}" type="datetime1">
               <a:rPr lang="en-US" smtClean="0"/>
-              <a:t>4/9/21</a:t>
+              <a:t>5/18/21</a:t>
             </a:fld>
             <a:endParaRPr lang="en-US"/>
           </a:p>
@@ -4167,7 +4167,7 @@
           <a:p>
             <a:fld id="{EDBC0E13-B072-744E-A1EF-1258C23FD22F}" type="datetime1">
               <a:rPr lang="en-US" smtClean="0"/>
-              <a:t>4/9/21</a:t>
+              <a:t>5/18/21</a:t>
             </a:fld>
             <a:endParaRPr lang="en-US"/>
           </a:p>
@@ -4380,7 +4380,7 @@
           <a:p>
             <a:fld id="{14D54490-4A22-8B41-9AA4-9BECA28CBC89}" type="datetime1">
               <a:rPr lang="en-US" smtClean="0"/>
-              <a:t>4/9/21</a:t>
+              <a:t>5/18/21</a:t>
             </a:fld>
             <a:endParaRPr lang="en-US"/>
           </a:p>
@@ -10592,7 +10592,33 @@
             </a:r>
             <a:r>
               <a:rPr lang="en-US" sz="1800" dirty="0"/>
-              <a:t>  send stream to a file</a:t>
+              <a:t>  send stream to a file (</a:t>
+            </a:r>
+            <a:r>
+              <a:rPr lang="en-US" sz="1800" dirty="0" err="1"/>
+              <a:t>eg.</a:t>
+            </a:r>
+            <a:r>
+              <a:rPr lang="en-US" sz="1800" dirty="0"/>
+              <a:t> </a:t>
+            </a:r>
+            <a:r>
+              <a:rPr lang="en-US" sz="1800" b="1" dirty="0">
+                <a:latin typeface="Courier New" panose="02070309020205020404" pitchFamily="49" charset="0"/>
+                <a:cs typeface="Courier New" panose="02070309020205020404" pitchFamily="49" charset="0"/>
+              </a:rPr>
+              <a:t>ls &gt; </a:t>
+            </a:r>
+            <a:r>
+              <a:rPr lang="en-US" sz="1800" b="1" dirty="0" err="1">
+                <a:latin typeface="Courier New" panose="02070309020205020404" pitchFamily="49" charset="0"/>
+                <a:cs typeface="Courier New" panose="02070309020205020404" pitchFamily="49" charset="0"/>
+              </a:rPr>
+              <a:t>list.txt</a:t>
+            </a:r>
+            <a:r>
+              <a:rPr lang="en-US" sz="1800" dirty="0"/>
+              <a:t>)</a:t>
             </a:r>
           </a:p>
           <a:p>
@@ -10607,13 +10633,41 @@
             </a:r>
             <a:r>
               <a:rPr lang="en-US" sz="1800" dirty="0"/>
-              <a:t>  </a:t>
-            </a:r>
-            <a:r>
-              <a:rPr lang="en-US" sz="1800"/>
-              <a:t>receive stream from a file</a:t>
-            </a:r>
-            <a:endParaRPr lang="en-US" sz="1800" dirty="0"/>
+              <a:t>  receive stream from a file (</a:t>
+            </a:r>
+            <a:r>
+              <a:rPr lang="en-US" sz="1800" dirty="0" err="1"/>
+              <a:t>eg.</a:t>
+            </a:r>
+            <a:r>
+              <a:rPr lang="en-US" sz="1800" dirty="0"/>
+              <a:t> </a:t>
+            </a:r>
+            <a:r>
+              <a:rPr lang="en-US" sz="1800" b="1" dirty="0" err="1">
+                <a:latin typeface="Courier New" panose="02070309020205020404" pitchFamily="49" charset="0"/>
+                <a:cs typeface="Courier New" panose="02070309020205020404" pitchFamily="49" charset="0"/>
+              </a:rPr>
+              <a:t>wc</a:t>
+            </a:r>
+            <a:r>
+              <a:rPr lang="en-US" sz="1800" b="1" dirty="0">
+                <a:latin typeface="Courier New" panose="02070309020205020404" pitchFamily="49" charset="0"/>
+                <a:cs typeface="Courier New" panose="02070309020205020404" pitchFamily="49" charset="0"/>
+              </a:rPr>
+              <a:t> &lt; </a:t>
+            </a:r>
+            <a:r>
+              <a:rPr lang="en-US" sz="1800" b="1" dirty="0" err="1">
+                <a:latin typeface="Courier New" panose="02070309020205020404" pitchFamily="49" charset="0"/>
+                <a:cs typeface="Courier New" panose="02070309020205020404" pitchFamily="49" charset="0"/>
+              </a:rPr>
+              <a:t>list.txt</a:t>
+            </a:r>
+            <a:r>
+              <a:rPr lang="en-US" sz="1800" dirty="0"/>
+              <a:t>)</a:t>
+            </a:r>
           </a:p>
           <a:p>
             <a:pPr lvl="1"/>
@@ -10627,7 +10681,47 @@
             </a:r>
             <a:r>
               <a:rPr lang="en-US" sz="1800" dirty="0"/>
-              <a:t> to append</a:t>
+              <a:t> to append (</a:t>
+            </a:r>
+            <a:r>
+              <a:rPr lang="en-US" sz="1800" dirty="0" err="1"/>
+              <a:t>eg.</a:t>
+            </a:r>
+            <a:r>
+              <a:rPr lang="en-US" sz="1800" dirty="0"/>
+              <a:t> </a:t>
+            </a:r>
+            <a:r>
+              <a:rPr lang="en-US" sz="1800" b="1" dirty="0">
+                <a:latin typeface="Courier New" panose="02070309020205020404" pitchFamily="49" charset="0"/>
+                <a:cs typeface="Courier New" panose="02070309020205020404" pitchFamily="49" charset="0"/>
+              </a:rPr>
+              <a:t>cat </a:t>
+            </a:r>
+            <a:r>
+              <a:rPr lang="en-US" sz="1800" b="1" dirty="0" err="1">
+                <a:latin typeface="Courier New" panose="02070309020205020404" pitchFamily="49" charset="0"/>
+                <a:cs typeface="Courier New" panose="02070309020205020404" pitchFamily="49" charset="0"/>
+              </a:rPr>
+              <a:t>list.txt</a:t>
+            </a:r>
+            <a:r>
+              <a:rPr lang="en-US" sz="1800" b="1" dirty="0">
+                <a:latin typeface="Courier New" panose="02070309020205020404" pitchFamily="49" charset="0"/>
+                <a:cs typeface="Courier New" panose="02070309020205020404" pitchFamily="49" charset="0"/>
+              </a:rPr>
+              <a:t> &gt;&gt; </a:t>
+            </a:r>
+            <a:r>
+              <a:rPr lang="en-US" sz="1800" b="1" dirty="0" err="1">
+                <a:latin typeface="Courier New" panose="02070309020205020404" pitchFamily="49" charset="0"/>
+                <a:cs typeface="Courier New" panose="02070309020205020404" pitchFamily="49" charset="0"/>
+              </a:rPr>
+              <a:t>masterlist.txt</a:t>
+            </a:r>
+            <a:r>
+              <a:rPr lang="en-US" sz="1800" dirty="0"/>
+              <a:t>)</a:t>
             </a:r>
           </a:p>
           <a:p>
@@ -10896,7 +10990,7 @@
         </p:nvCxnSpPr>
         <p:spPr>
           <a:xfrm>
-            <a:off x="3280576" y="2255517"/>
+            <a:off x="3151984" y="2255517"/>
             <a:ext cx="0" cy="539496"/>
           </a:xfrm>
           <a:prstGeom prst="straightConnector1">
@@ -10932,7 +11026,7 @@
         </p:nvSpPr>
         <p:spPr>
           <a:xfrm>
-            <a:off x="2922145" y="1967142"/>
+            <a:off x="2800699" y="1981430"/>
             <a:ext cx="716863" cy="248209"/>
           </a:xfrm>
           <a:prstGeom prst="rect">
@@ -11210,7 +11304,7 @@
             <a:pPr algn="ctr"/>
             <a:r>
               <a:rPr lang="en-US" dirty="0"/>
-              <a:t>More Redirection Examples</a:t>
+              <a:t>Redirection Examples</a:t>
             </a:r>
           </a:p>
         </p:txBody>
@@ -11257,7 +11351,7 @@
                 <a:latin typeface="Courier New" charset="0"/>
                 <a:cs typeface="Courier New" charset="0"/>
               </a:rPr>
-              <a:t>pip install </a:t>
+              <a:t>pip3 install </a:t>
             </a:r>
             <a:r>
               <a:rPr lang="en-US" b="1" dirty="0" err="1">
@@ -12374,7 +12468,7 @@
             <a:pPr algn="ctr"/>
             <a:r>
               <a:rPr lang="en-US" dirty="0"/>
-              <a:t>More pipe examples</a:t>
+              <a:t>pipe examples</a:t>
             </a:r>
           </a:p>
         </p:txBody>
@@ -29581,16 +29675,16 @@
                 <a:latin typeface="Courier New" panose="02070309020205020404" pitchFamily="49" charset="0"/>
                 <a:cs typeface="Courier New" panose="02070309020205020404" pitchFamily="49" charset="0"/>
               </a:rPr>
-              <a:t> -p $1; cd $1 }</a:t>
-            </a:r>
-          </a:p>
-          <a:p>
-            <a:r>
-              <a:rPr lang="en-US" b="1" dirty="0">
-                <a:latin typeface="Courier New" panose="02070309020205020404" pitchFamily="49" charset="0"/>
-                <a:cs typeface="Courier New" panose="02070309020205020404" pitchFamily="49" charset="0"/>
-              </a:rPr>
-              <a:t>cdl() { cd $1; ls}</a:t>
+              <a:t> -p "$1"; cd "$1";}</a:t>
+            </a:r>
+          </a:p>
+          <a:p>
+            <a:r>
+              <a:rPr lang="en-US" b="1" dirty="0">
+                <a:latin typeface="Courier New" panose="02070309020205020404" pitchFamily="49" charset="0"/>
+                <a:cs typeface="Courier New" panose="02070309020205020404" pitchFamily="49" charset="0"/>
+              </a:rPr>
+              <a:t>cdl() { cd "$1"; ls;}</a:t>
             </a:r>
           </a:p>
           <a:p>
@@ -29664,7 +29758,7 @@
                 <a:latin typeface="Courier New" panose="02070309020205020404" pitchFamily="49" charset="0"/>
                 <a:cs typeface="Courier New" panose="02070309020205020404" pitchFamily="49" charset="0"/>
               </a:rPr>
-              <a:t> $@ 2&gt;/dev/null }</a:t>
+              <a:t> "$@" 2&gt;/dev/null }</a:t>
             </a:r>
           </a:p>
           <a:p>
@@ -29694,7 +29788,7 @@
                 <a:latin typeface="Courier New" panose="02070309020205020404" pitchFamily="49" charset="0"/>
                 <a:cs typeface="Courier New" panose="02070309020205020404" pitchFamily="49" charset="0"/>
               </a:rPr>
-              <a:t> $@ 2&gt;/dev/null }</a:t>
+              <a:t> "$@" 2&gt;/dev/null }</a:t>
             </a:r>
           </a:p>
           <a:p>
@@ -29710,7 +29804,7 @@
                 <a:latin typeface="Courier New" panose="02070309020205020404" pitchFamily="49" charset="0"/>
                 <a:cs typeface="Courier New" panose="02070309020205020404" pitchFamily="49" charset="0"/>
               </a:rPr>
-              <a:t>() { help $@ || man $@ || $BROWSER "http://</a:t>
+              <a:t>() { help "$@" || man "$@" || $BROWSER "http://</a:t>
             </a:r>
             <a:r>
               <a:rPr lang="en-US" b="1" dirty="0" err="1">

--- a/lpt_LISA.pptx
+++ b/lpt_LISA.pptx
@@ -314,7 +314,7 @@
           <a:p>
             <a:fld id="{DE0C789A-1381-F54D-B55B-DCBB91319C08}" type="datetimeFigureOut">
               <a:rPr lang="en-US" smtClean="0"/>
-              <a:t>5/18/21</a:t>
+              <a:t>5/19/21</a:t>
             </a:fld>
             <a:endParaRPr lang="en-US"/>
           </a:p>
@@ -491,7 +491,7 @@
           <a:p>
             <a:fld id="{46CB9FDB-056B-6244-AE56-9549F1074EBB}" type="datetimeFigureOut">
               <a:rPr lang="en-US" smtClean="0"/>
-              <a:t>5/18/21</a:t>
+              <a:t>5/19/21</a:t>
             </a:fld>
             <a:endParaRPr lang="en-US"/>
           </a:p>
@@ -2055,7 +2055,7 @@
           <a:p>
             <a:fld id="{524F091B-C9FE-714F-8F5F-8CFB82A747F1}" type="datetime1">
               <a:rPr lang="en-US" smtClean="0"/>
-              <a:t>5/18/21</a:t>
+              <a:t>5/19/21</a:t>
             </a:fld>
             <a:endParaRPr lang="en-US"/>
           </a:p>
@@ -2225,7 +2225,7 @@
           <a:p>
             <a:fld id="{E5121F4C-BC13-F84F-9AD9-260A611D728C}" type="datetime1">
               <a:rPr lang="en-US" smtClean="0"/>
-              <a:t>5/18/21</a:t>
+              <a:t>5/19/21</a:t>
             </a:fld>
             <a:endParaRPr lang="en-US"/>
           </a:p>
@@ -2405,7 +2405,7 @@
           <a:p>
             <a:fld id="{69934431-5E8A-0144-AD3C-F9F3B5843812}" type="datetime1">
               <a:rPr lang="en-US" smtClean="0"/>
-              <a:t>5/18/21</a:t>
+              <a:t>5/19/21</a:t>
             </a:fld>
             <a:endParaRPr lang="en-US"/>
           </a:p>
@@ -2575,7 +2575,7 @@
           <a:p>
             <a:fld id="{4D966F88-1DAF-F94F-A3D2-93E7964825AC}" type="datetime1">
               <a:rPr lang="en-US" smtClean="0"/>
-              <a:t>5/18/21</a:t>
+              <a:t>5/19/21</a:t>
             </a:fld>
             <a:endParaRPr lang="en-US"/>
           </a:p>
@@ -2821,7 +2821,7 @@
           <a:p>
             <a:fld id="{75F67F5F-B354-5B41-A0FF-E33ACFB7B000}" type="datetime1">
               <a:rPr lang="en-US" smtClean="0"/>
-              <a:t>5/18/21</a:t>
+              <a:t>5/19/21</a:t>
             </a:fld>
             <a:endParaRPr lang="en-US"/>
           </a:p>
@@ -3053,7 +3053,7 @@
           <a:p>
             <a:fld id="{1FE71E3D-61C4-AF47-B5F6-80F7A2125094}" type="datetime1">
               <a:rPr lang="en-US" smtClean="0"/>
-              <a:t>5/18/21</a:t>
+              <a:t>5/19/21</a:t>
             </a:fld>
             <a:endParaRPr lang="en-US"/>
           </a:p>
@@ -3420,7 +3420,7 @@
           <a:p>
             <a:fld id="{B7259F95-3E7B-AE48-BD5A-55F4F48F15EE}" type="datetime1">
               <a:rPr lang="en-US" smtClean="0"/>
-              <a:t>5/18/21</a:t>
+              <a:t>5/19/21</a:t>
             </a:fld>
             <a:endParaRPr lang="en-US"/>
           </a:p>
@@ -3538,7 +3538,7 @@
           <a:p>
             <a:fld id="{1E2D71D9-286E-D847-8194-60F3E909E40C}" type="datetime1">
               <a:rPr lang="en-US" smtClean="0"/>
-              <a:t>5/18/21</a:t>
+              <a:t>5/19/21</a:t>
             </a:fld>
             <a:endParaRPr lang="en-US"/>
           </a:p>
@@ -3633,7 +3633,7 @@
           <a:p>
             <a:fld id="{3AC70D76-DA63-C342-B98E-F532027F9CD7}" type="datetime1">
               <a:rPr lang="en-US" smtClean="0"/>
-              <a:t>5/18/21</a:t>
+              <a:t>5/19/21</a:t>
             </a:fld>
             <a:endParaRPr lang="en-US"/>
           </a:p>
@@ -3910,7 +3910,7 @@
           <a:p>
             <a:fld id="{74E169E1-67F4-DE43-8AD1-CF716A32D6D9}" type="datetime1">
               <a:rPr lang="en-US" smtClean="0"/>
-              <a:t>5/18/21</a:t>
+              <a:t>5/19/21</a:t>
             </a:fld>
             <a:endParaRPr lang="en-US"/>
           </a:p>
@@ -4167,7 +4167,7 @@
           <a:p>
             <a:fld id="{EDBC0E13-B072-744E-A1EF-1258C23FD22F}" type="datetime1">
               <a:rPr lang="en-US" smtClean="0"/>
-              <a:t>5/18/21</a:t>
+              <a:t>5/19/21</a:t>
             </a:fld>
             <a:endParaRPr lang="en-US"/>
           </a:p>
@@ -4380,7 +4380,7 @@
           <a:p>
             <a:fld id="{14D54490-4A22-8B41-9AA4-9BECA28CBC89}" type="datetime1">
               <a:rPr lang="en-US" smtClean="0"/>
-              <a:t>5/18/21</a:t>
+              <a:t>5/19/21</a:t>
             </a:fld>
             <a:endParaRPr lang="en-US"/>
           </a:p>
@@ -13837,7 +13837,7 @@
         <p:spPr/>
         <p:txBody>
           <a:bodyPr>
-            <a:normAutofit fontScale="92500" lnSpcReduction="10000"/>
+            <a:normAutofit/>
           </a:bodyPr>
           <a:lstStyle/>
           <a:p>
@@ -13860,14 +13860,13 @@
             </a:r>
             <a:r>
               <a:rPr lang="en-US" dirty="0"/>
-              <a:t> in syntax</a:t>
-            </a:r>
-          </a:p>
-          <a:p>
-            <a:r>
-              <a:rPr lang="en-US" dirty="0"/>
-              <a:t>Treats parameters as independent arguments to command and runs command on them in parallel</a:t>
-            </a:r>
+              <a:t> </a:t>
+            </a:r>
+            <a:r>
+              <a:rPr lang="en-US"/>
+              <a:t>in syntax</a:t>
+            </a:r>
+            <a:endParaRPr lang="en-US" dirty="0"/>
           </a:p>
           <a:p>
             <a:r>
